--- a/UML.pptx
+++ b/UML.pptx
@@ -301,7 +301,7 @@
           <a:p>
             <a:fld id="{92E66E4B-7A79-FB43-8638-E9A35802AE45}" type="datetimeFigureOut">
               <a:rPr lang="en-US" smtClean="0"/>
-              <a:t>4/14/16</a:t>
+              <a:t>4/16/16</a:t>
             </a:fld>
             <a:endParaRPr lang="en-US"/>
           </a:p>
@@ -471,7 +471,7 @@
           <a:p>
             <a:fld id="{92E66E4B-7A79-FB43-8638-E9A35802AE45}" type="datetimeFigureOut">
               <a:rPr lang="en-US" smtClean="0"/>
-              <a:t>4/14/16</a:t>
+              <a:t>4/16/16</a:t>
             </a:fld>
             <a:endParaRPr lang="en-US"/>
           </a:p>
@@ -651,7 +651,7 @@
           <a:p>
             <a:fld id="{92E66E4B-7A79-FB43-8638-E9A35802AE45}" type="datetimeFigureOut">
               <a:rPr lang="en-US" smtClean="0"/>
-              <a:t>4/14/16</a:t>
+              <a:t>4/16/16</a:t>
             </a:fld>
             <a:endParaRPr lang="en-US"/>
           </a:p>
@@ -821,7 +821,7 @@
           <a:p>
             <a:fld id="{92E66E4B-7A79-FB43-8638-E9A35802AE45}" type="datetimeFigureOut">
               <a:rPr lang="en-US" smtClean="0"/>
-              <a:t>4/14/16</a:t>
+              <a:t>4/16/16</a:t>
             </a:fld>
             <a:endParaRPr lang="en-US"/>
           </a:p>
@@ -1067,7 +1067,7 @@
           <a:p>
             <a:fld id="{92E66E4B-7A79-FB43-8638-E9A35802AE45}" type="datetimeFigureOut">
               <a:rPr lang="en-US" smtClean="0"/>
-              <a:t>4/14/16</a:t>
+              <a:t>4/16/16</a:t>
             </a:fld>
             <a:endParaRPr lang="en-US"/>
           </a:p>
@@ -1355,7 +1355,7 @@
           <a:p>
             <a:fld id="{92E66E4B-7A79-FB43-8638-E9A35802AE45}" type="datetimeFigureOut">
               <a:rPr lang="en-US" smtClean="0"/>
-              <a:t>4/14/16</a:t>
+              <a:t>4/16/16</a:t>
             </a:fld>
             <a:endParaRPr lang="en-US"/>
           </a:p>
@@ -1782,7 +1782,7 @@
           <a:p>
             <a:fld id="{92E66E4B-7A79-FB43-8638-E9A35802AE45}" type="datetimeFigureOut">
               <a:rPr lang="en-US" smtClean="0"/>
-              <a:t>4/14/16</a:t>
+              <a:t>4/16/16</a:t>
             </a:fld>
             <a:endParaRPr lang="en-US"/>
           </a:p>
@@ -1900,7 +1900,7 @@
           <a:p>
             <a:fld id="{92E66E4B-7A79-FB43-8638-E9A35802AE45}" type="datetimeFigureOut">
               <a:rPr lang="en-US" smtClean="0"/>
-              <a:t>4/14/16</a:t>
+              <a:t>4/16/16</a:t>
             </a:fld>
             <a:endParaRPr lang="en-US"/>
           </a:p>
@@ -1995,7 +1995,7 @@
           <a:p>
             <a:fld id="{92E66E4B-7A79-FB43-8638-E9A35802AE45}" type="datetimeFigureOut">
               <a:rPr lang="en-US" smtClean="0"/>
-              <a:t>4/14/16</a:t>
+              <a:t>4/16/16</a:t>
             </a:fld>
             <a:endParaRPr lang="en-US"/>
           </a:p>
@@ -2272,7 +2272,7 @@
           <a:p>
             <a:fld id="{92E66E4B-7A79-FB43-8638-E9A35802AE45}" type="datetimeFigureOut">
               <a:rPr lang="en-US" smtClean="0"/>
-              <a:t>4/14/16</a:t>
+              <a:t>4/16/16</a:t>
             </a:fld>
             <a:endParaRPr lang="en-US"/>
           </a:p>
@@ -2525,7 +2525,7 @@
           <a:p>
             <a:fld id="{92E66E4B-7A79-FB43-8638-E9A35802AE45}" type="datetimeFigureOut">
               <a:rPr lang="en-US" smtClean="0"/>
-              <a:t>4/14/16</a:t>
+              <a:t>4/16/16</a:t>
             </a:fld>
             <a:endParaRPr lang="en-US"/>
           </a:p>
@@ -2738,7 +2738,7 @@
           <a:p>
             <a:fld id="{92E66E4B-7A79-FB43-8638-E9A35802AE45}" type="datetimeFigureOut">
               <a:rPr lang="en-US" smtClean="0"/>
-              <a:t>4/14/16</a:t>
+              <a:t>4/16/16</a:t>
             </a:fld>
             <a:endParaRPr lang="en-US"/>
           </a:p>
@@ -18507,14 +18507,14 @@
           <p:nvPr>
             <p:extLst>
               <p:ext uri="{D42A27DB-BD31-4B8C-83A1-F6EECF244321}">
-                <p14:modId xmlns:p14="http://schemas.microsoft.com/office/powerpoint/2010/main" val="1212633900"/>
+                <p14:modId xmlns:p14="http://schemas.microsoft.com/office/powerpoint/2010/main" val="3703894959"/>
               </p:ext>
             </p:extLst>
           </p:nvPr>
         </p:nvGraphicFramePr>
         <p:xfrm>
-          <a:off x="510006" y="557969"/>
-          <a:ext cx="2040154" cy="1645920"/>
+          <a:off x="2550160" y="557969"/>
+          <a:ext cx="2040154" cy="1798320"/>
         </p:xfrm>
         <a:graphic>
           <a:graphicData uri="http://schemas.openxmlformats.org/drawingml/2006/table">
@@ -19101,6 +19101,33 @@
                           </a:solidFill>
                         </a:rPr>
                         <a:t>()</a:t>
+                      </a:r>
+                    </a:p>
+                    <a:p>
+                      <a:pPr marL="0" marR="0" indent="0" algn="l" defTabSz="457200" rtl="0" eaLnBrk="1" fontAlgn="auto" latinLnBrk="0" hangingPunct="1">
+                        <a:lnSpc>
+                          <a:spcPct val="100000"/>
+                        </a:lnSpc>
+                        <a:spcBef>
+                          <a:spcPts val="0"/>
+                        </a:spcBef>
+                        <a:spcAft>
+                          <a:spcPts val="0"/>
+                        </a:spcAft>
+                        <a:buClrTx/>
+                        <a:buSzTx/>
+                        <a:buFontTx/>
+                        <a:buNone/>
+                        <a:tabLst/>
+                        <a:defRPr/>
+                      </a:pPr>
+                      <a:r>
+                        <a:rPr lang="en-US" sz="1000" b="0" dirty="0" smtClean="0">
+                          <a:solidFill>
+                            <a:schemeClr val="tx1"/>
+                          </a:solidFill>
+                        </a:rPr>
+                        <a:t>+ advance()</a:t>
                       </a:r>
                     </a:p>
                   </a:txBody>
@@ -19158,14 +19185,14 @@
           <p:nvPr>
             <p:extLst>
               <p:ext uri="{D42A27DB-BD31-4B8C-83A1-F6EECF244321}">
-                <p14:modId xmlns:p14="http://schemas.microsoft.com/office/powerpoint/2010/main" val="2103358510"/>
+                <p14:modId xmlns:p14="http://schemas.microsoft.com/office/powerpoint/2010/main" val="2454649"/>
               </p:ext>
             </p:extLst>
           </p:nvPr>
         </p:nvGraphicFramePr>
         <p:xfrm>
-          <a:off x="3466566" y="557969"/>
-          <a:ext cx="2040154" cy="1493520"/>
+          <a:off x="5506720" y="557969"/>
+          <a:ext cx="2040154" cy="1798320"/>
         </p:xfrm>
         <a:graphic>
           <a:graphicData uri="http://schemas.openxmlformats.org/drawingml/2006/table">
@@ -19330,6 +19357,32 @@
                         <a:t> : DB*</a:t>
                       </a:r>
                     </a:p>
+                    <a:p>
+                      <a:r>
+                        <a:rPr lang="en-US" sz="1000" b="0" baseline="0" dirty="0" smtClean="0">
+                          <a:solidFill>
+                            <a:schemeClr val="tx1"/>
+                          </a:solidFill>
+                        </a:rPr>
+                        <a:t>- _</a:t>
+                      </a:r>
+                      <a:r>
+                        <a:rPr lang="en-US" sz="1000" b="0" baseline="0" dirty="0" err="1" smtClean="0">
+                          <a:solidFill>
+                            <a:schemeClr val="tx1"/>
+                          </a:solidFill>
+                        </a:rPr>
+                        <a:t>len</a:t>
+                      </a:r>
+                      <a:r>
+                        <a:rPr lang="en-US" sz="1000" b="0" baseline="0" dirty="0" smtClean="0">
+                          <a:solidFill>
+                            <a:schemeClr val="tx1"/>
+                          </a:solidFill>
+                        </a:rPr>
+                        <a:t> : unsigned long</a:t>
+                      </a:r>
+                    </a:p>
                   </a:txBody>
                   <a:tcPr>
                     <a:lnL w="12700" cap="flat" cmpd="sng" algn="ctr">
@@ -19439,6 +19492,16 @@
                           </a:solidFill>
                         </a:rPr>
                         <a:t>()</a:t>
+                      </a:r>
+                    </a:p>
+                    <a:p>
+                      <a:r>
+                        <a:rPr lang="en-US" sz="1000" b="0" baseline="0" dirty="0" smtClean="0">
+                          <a:solidFill>
+                            <a:schemeClr val="tx1"/>
+                          </a:solidFill>
+                        </a:rPr>
+                        <a:t>+ advance()</a:t>
                       </a:r>
                       <a:endParaRPr lang="en-US" sz="1000" b="0" dirty="0" smtClean="0">
                         <a:solidFill>
@@ -19502,8 +19565,576 @@
         </p:nvCxnSpPr>
         <p:spPr>
           <a:xfrm flipH="1">
-            <a:off x="2550160" y="1380929"/>
+            <a:off x="4590314" y="1457129"/>
             <a:ext cx="916406" cy="0"/>
+          </a:xfrm>
+          <a:prstGeom prst="line">
+            <a:avLst/>
+          </a:prstGeom>
+          <a:ln w="12700" cmpd="sng">
+            <a:solidFill>
+              <a:schemeClr val="tx1"/>
+            </a:solidFill>
+            <a:prstDash val="solid"/>
+            <a:headEnd type="arrow" w="lg" len="lg"/>
+            <a:tailEnd type="none"/>
+          </a:ln>
+          <a:effectLst/>
+        </p:spPr>
+        <p:style>
+          <a:lnRef idx="2">
+            <a:schemeClr val="accent1"/>
+          </a:lnRef>
+          <a:fillRef idx="0">
+            <a:schemeClr val="accent1"/>
+          </a:fillRef>
+          <a:effectRef idx="1">
+            <a:schemeClr val="accent1"/>
+          </a:effectRef>
+          <a:fontRef idx="minor">
+            <a:schemeClr val="tx1"/>
+          </a:fontRef>
+        </p:style>
+      </p:cxnSp>
+      <p:sp>
+        <p:nvSpPr>
+          <p:cNvPr id="5" name="TextBox 4"/>
+          <p:cNvSpPr txBox="1"/>
+          <p:nvPr/>
+        </p:nvSpPr>
+        <p:spPr>
+          <a:xfrm>
+            <a:off x="8082341" y="557969"/>
+            <a:ext cx="671979" cy="246221"/>
+          </a:xfrm>
+          <a:prstGeom prst="rect">
+            <a:avLst/>
+          </a:prstGeom>
+          <a:solidFill>
+            <a:srgbClr val="FFFFFF"/>
+          </a:solidFill>
+          <a:ln>
+            <a:noFill/>
+            <a:prstDash val="sysDash"/>
+          </a:ln>
+        </p:spPr>
+        <p:txBody>
+          <a:bodyPr wrap="none" rtlCol="0">
+            <a:spAutoFit/>
+          </a:bodyPr>
+          <a:lstStyle/>
+          <a:p>
+            <a:r>
+              <a:rPr lang="en-US" sz="1000" dirty="0" smtClean="0">
+                <a:solidFill>
+                  <a:srgbClr val="FF0000"/>
+                </a:solidFill>
+              </a:rPr>
+              <a:t>Singleton</a:t>
+            </a:r>
+            <a:endParaRPr lang="en-US" sz="1000" dirty="0">
+              <a:solidFill>
+                <a:srgbClr val="FF0000"/>
+              </a:solidFill>
+            </a:endParaRPr>
+          </a:p>
+        </p:txBody>
+      </p:sp>
+      <p:cxnSp>
+        <p:nvCxnSpPr>
+          <p:cNvPr id="6" name="Straight Connector 5"/>
+          <p:cNvCxnSpPr>
+            <a:endCxn id="5" idx="1"/>
+          </p:cNvCxnSpPr>
+          <p:nvPr/>
+        </p:nvCxnSpPr>
+        <p:spPr>
+          <a:xfrm>
+            <a:off x="7678954" y="681080"/>
+            <a:ext cx="403387" cy="0"/>
+          </a:xfrm>
+          <a:prstGeom prst="line">
+            <a:avLst/>
+          </a:prstGeom>
+          <a:ln w="12700" cap="flat" cmpd="sng">
+            <a:solidFill>
+              <a:srgbClr val="FF0000"/>
+            </a:solidFill>
+            <a:prstDash val="sysDash"/>
+            <a:round/>
+            <a:headEnd type="stealth" w="med" len="lg"/>
+            <a:tailEnd type="none"/>
+          </a:ln>
+          <a:effectLst/>
+        </p:spPr>
+        <p:style>
+          <a:lnRef idx="2">
+            <a:schemeClr val="accent1"/>
+          </a:lnRef>
+          <a:fillRef idx="0">
+            <a:schemeClr val="accent1"/>
+          </a:fillRef>
+          <a:effectRef idx="1">
+            <a:schemeClr val="accent1"/>
+          </a:effectRef>
+          <a:fontRef idx="minor">
+            <a:schemeClr val="tx1"/>
+          </a:fontRef>
+        </p:style>
+      </p:cxnSp>
+      <p:graphicFrame>
+        <p:nvGraphicFramePr>
+          <p:cNvPr id="12" name="Table 11"/>
+          <p:cNvGraphicFramePr>
+            <a:graphicFrameLocks noGrp="1"/>
+          </p:cNvGraphicFramePr>
+          <p:nvPr>
+            <p:extLst>
+              <p:ext uri="{D42A27DB-BD31-4B8C-83A1-F6EECF244321}">
+                <p14:modId xmlns:p14="http://schemas.microsoft.com/office/powerpoint/2010/main" val="1746721665"/>
+              </p:ext>
+            </p:extLst>
+          </p:nvPr>
+        </p:nvGraphicFramePr>
+        <p:xfrm>
+          <a:off x="458560" y="681080"/>
+          <a:ext cx="1331806" cy="731520"/>
+        </p:xfrm>
+        <a:graphic>
+          <a:graphicData uri="http://schemas.openxmlformats.org/drawingml/2006/table">
+            <a:tbl>
+              <a:tblPr firstRow="1" bandRow="1">
+                <a:tableStyleId>{5C22544A-7EE6-4342-B048-85BDC9FD1C3A}</a:tableStyleId>
+              </a:tblPr>
+              <a:tblGrid>
+                <a:gridCol w="1331806"/>
+              </a:tblGrid>
+              <a:tr h="134762">
+                <a:tc>
+                  <a:txBody>
+                    <a:bodyPr/>
+                    <a:lstStyle/>
+                    <a:p>
+                      <a:pPr algn="ctr"/>
+                      <a:r>
+                        <a:rPr lang="en-US" sz="1000" b="1" dirty="0" err="1" smtClean="0">
+                          <a:solidFill>
+                            <a:schemeClr val="tx1"/>
+                          </a:solidFill>
+                        </a:rPr>
+                        <a:t>PriceSeries</a:t>
+                      </a:r>
+                      <a:endParaRPr lang="en-US" sz="1000" b="1" dirty="0">
+                        <a:solidFill>
+                          <a:schemeClr val="tx1"/>
+                        </a:solidFill>
+                      </a:endParaRPr>
+                    </a:p>
+                  </a:txBody>
+                  <a:tcPr>
+                    <a:lnL w="12700" cap="flat" cmpd="sng" algn="ctr">
+                      <a:solidFill>
+                        <a:scrgbClr r="0" g="0" b="0"/>
+                      </a:solidFill>
+                      <a:prstDash val="solid"/>
+                      <a:round/>
+                      <a:headEnd type="none" w="med" len="med"/>
+                      <a:tailEnd type="none" w="med" len="med"/>
+                    </a:lnL>
+                    <a:lnR w="12700" cap="flat" cmpd="sng" algn="ctr">
+                      <a:solidFill>
+                        <a:scrgbClr r="0" g="0" b="0"/>
+                      </a:solidFill>
+                      <a:prstDash val="solid"/>
+                      <a:round/>
+                      <a:headEnd type="none" w="med" len="med"/>
+                      <a:tailEnd type="none" w="med" len="med"/>
+                    </a:lnR>
+                    <a:lnT w="12700" cap="flat" cmpd="sng" algn="ctr">
+                      <a:solidFill>
+                        <a:scrgbClr r="0" g="0" b="0"/>
+                      </a:solidFill>
+                      <a:prstDash val="solid"/>
+                      <a:round/>
+                      <a:headEnd type="none" w="med" len="med"/>
+                      <a:tailEnd type="none" w="med" len="med"/>
+                    </a:lnT>
+                    <a:lnB w="12700" cap="flat" cmpd="sng" algn="ctr">
+                      <a:solidFill>
+                        <a:scrgbClr r="0" g="0" b="0"/>
+                      </a:solidFill>
+                      <a:prstDash val="solid"/>
+                      <a:round/>
+                      <a:headEnd type="none" w="med" len="med"/>
+                      <a:tailEnd type="none" w="med" len="med"/>
+                    </a:lnB>
+                    <a:noFill/>
+                  </a:tcPr>
+                </a:tc>
+              </a:tr>
+              <a:tr h="218988">
+                <a:tc>
+                  <a:txBody>
+                    <a:bodyPr/>
+                    <a:lstStyle/>
+                    <a:p>
+                      <a:endParaRPr lang="en-US" sz="1000" b="0" dirty="0" smtClean="0">
+                        <a:solidFill>
+                          <a:schemeClr val="tx1"/>
+                        </a:solidFill>
+                      </a:endParaRPr>
+                    </a:p>
+                  </a:txBody>
+                  <a:tcPr>
+                    <a:lnL w="12700" cap="flat" cmpd="sng" algn="ctr">
+                      <a:solidFill>
+                        <a:scrgbClr r="0" g="0" b="0"/>
+                      </a:solidFill>
+                      <a:prstDash val="solid"/>
+                      <a:round/>
+                      <a:headEnd type="none" w="med" len="med"/>
+                      <a:tailEnd type="none" w="med" len="med"/>
+                    </a:lnL>
+                    <a:lnR w="12700" cap="flat" cmpd="sng" algn="ctr">
+                      <a:solidFill>
+                        <a:scrgbClr r="0" g="0" b="0"/>
+                      </a:solidFill>
+                      <a:prstDash val="solid"/>
+                      <a:round/>
+                      <a:headEnd type="none" w="med" len="med"/>
+                      <a:tailEnd type="none" w="med" len="med"/>
+                    </a:lnR>
+                    <a:lnT w="12700" cap="flat" cmpd="sng" algn="ctr">
+                      <a:solidFill>
+                        <a:scrgbClr r="0" g="0" b="0"/>
+                      </a:solidFill>
+                      <a:prstDash val="solid"/>
+                      <a:round/>
+                      <a:headEnd type="none" w="med" len="med"/>
+                      <a:tailEnd type="none" w="med" len="med"/>
+                    </a:lnT>
+                    <a:lnB w="12700" cap="flat" cmpd="sng" algn="ctr">
+                      <a:solidFill>
+                        <a:scrgbClr r="0" g="0" b="0"/>
+                      </a:solidFill>
+                      <a:prstDash val="solid"/>
+                      <a:round/>
+                      <a:headEnd type="none" w="med" len="med"/>
+                      <a:tailEnd type="none" w="med" len="med"/>
+                    </a:lnB>
+                    <a:noFill/>
+                  </a:tcPr>
+                </a:tc>
+              </a:tr>
+              <a:tr h="134762">
+                <a:tc>
+                  <a:txBody>
+                    <a:bodyPr/>
+                    <a:lstStyle/>
+                    <a:p>
+                      <a:endParaRPr lang="en-US" sz="1000" b="0" dirty="0">
+                        <a:solidFill>
+                          <a:schemeClr val="tx1"/>
+                        </a:solidFill>
+                      </a:endParaRPr>
+                    </a:p>
+                  </a:txBody>
+                  <a:tcPr>
+                    <a:lnL w="12700" cap="flat" cmpd="sng" algn="ctr">
+                      <a:solidFill>
+                        <a:scrgbClr r="0" g="0" b="0"/>
+                      </a:solidFill>
+                      <a:prstDash val="solid"/>
+                      <a:round/>
+                      <a:headEnd type="none" w="med" len="med"/>
+                      <a:tailEnd type="none" w="med" len="med"/>
+                    </a:lnL>
+                    <a:lnR w="12700" cap="flat" cmpd="sng" algn="ctr">
+                      <a:solidFill>
+                        <a:scrgbClr r="0" g="0" b="0"/>
+                      </a:solidFill>
+                      <a:prstDash val="solid"/>
+                      <a:round/>
+                      <a:headEnd type="none" w="med" len="med"/>
+                      <a:tailEnd type="none" w="med" len="med"/>
+                    </a:lnR>
+                    <a:lnT w="12700" cap="flat" cmpd="sng" algn="ctr">
+                      <a:solidFill>
+                        <a:scrgbClr r="0" g="0" b="0"/>
+                      </a:solidFill>
+                      <a:prstDash val="solid"/>
+                      <a:round/>
+                      <a:headEnd type="none" w="med" len="med"/>
+                      <a:tailEnd type="none" w="med" len="med"/>
+                    </a:lnT>
+                    <a:lnB w="12700" cap="flat" cmpd="sng" algn="ctr">
+                      <a:solidFill>
+                        <a:scrgbClr r="0" g="0" b="0"/>
+                      </a:solidFill>
+                      <a:prstDash val="solid"/>
+                      <a:round/>
+                      <a:headEnd type="none" w="med" len="med"/>
+                      <a:tailEnd type="none" w="med" len="med"/>
+                    </a:lnB>
+                    <a:noFill/>
+                  </a:tcPr>
+                </a:tc>
+              </a:tr>
+            </a:tbl>
+          </a:graphicData>
+        </a:graphic>
+      </p:graphicFrame>
+      <p:cxnSp>
+        <p:nvCxnSpPr>
+          <p:cNvPr id="13" name="Straight Connector 12"/>
+          <p:cNvCxnSpPr/>
+          <p:nvPr/>
+        </p:nvCxnSpPr>
+        <p:spPr>
+          <a:xfrm flipH="1">
+            <a:off x="1790366" y="1046840"/>
+            <a:ext cx="759794" cy="0"/>
+          </a:xfrm>
+          <a:prstGeom prst="line">
+            <a:avLst/>
+          </a:prstGeom>
+          <a:ln w="12700" cmpd="sng">
+            <a:solidFill>
+              <a:schemeClr val="tx1"/>
+            </a:solidFill>
+            <a:prstDash val="solid"/>
+            <a:headEnd type="arrow" w="lg" len="lg"/>
+            <a:tailEnd type="none"/>
+          </a:ln>
+          <a:effectLst/>
+        </p:spPr>
+        <p:style>
+          <a:lnRef idx="2">
+            <a:schemeClr val="accent1"/>
+          </a:lnRef>
+          <a:fillRef idx="0">
+            <a:schemeClr val="accent1"/>
+          </a:fillRef>
+          <a:effectRef idx="1">
+            <a:schemeClr val="accent1"/>
+          </a:effectRef>
+          <a:fontRef idx="minor">
+            <a:schemeClr val="tx1"/>
+          </a:fontRef>
+        </p:style>
+      </p:cxnSp>
+      <p:graphicFrame>
+        <p:nvGraphicFramePr>
+          <p:cNvPr id="14" name="Table 13"/>
+          <p:cNvGraphicFramePr>
+            <a:graphicFrameLocks noGrp="1"/>
+          </p:cNvGraphicFramePr>
+          <p:nvPr>
+            <p:extLst>
+              <p:ext uri="{D42A27DB-BD31-4B8C-83A1-F6EECF244321}">
+                <p14:modId xmlns:p14="http://schemas.microsoft.com/office/powerpoint/2010/main" val="3562290976"/>
+              </p:ext>
+            </p:extLst>
+          </p:nvPr>
+        </p:nvGraphicFramePr>
+        <p:xfrm>
+          <a:off x="458560" y="1565000"/>
+          <a:ext cx="1331806" cy="731520"/>
+        </p:xfrm>
+        <a:graphic>
+          <a:graphicData uri="http://schemas.openxmlformats.org/drawingml/2006/table">
+            <a:tbl>
+              <a:tblPr firstRow="1" bandRow="1">
+                <a:tableStyleId>{5C22544A-7EE6-4342-B048-85BDC9FD1C3A}</a:tableStyleId>
+              </a:tblPr>
+              <a:tblGrid>
+                <a:gridCol w="1331806"/>
+              </a:tblGrid>
+              <a:tr h="134762">
+                <a:tc>
+                  <a:txBody>
+                    <a:bodyPr/>
+                    <a:lstStyle/>
+                    <a:p>
+                      <a:pPr algn="ctr"/>
+                      <a:r>
+                        <a:rPr lang="en-US" sz="1000" b="1" dirty="0" err="1" smtClean="0">
+                          <a:solidFill>
+                            <a:schemeClr val="tx1"/>
+                          </a:solidFill>
+                        </a:rPr>
+                        <a:t>ActionSeries</a:t>
+                      </a:r>
+                      <a:endParaRPr lang="en-US" sz="1000" b="1" dirty="0">
+                        <a:solidFill>
+                          <a:schemeClr val="tx1"/>
+                        </a:solidFill>
+                      </a:endParaRPr>
+                    </a:p>
+                  </a:txBody>
+                  <a:tcPr>
+                    <a:lnL w="12700" cap="flat" cmpd="sng" algn="ctr">
+                      <a:solidFill>
+                        <a:scrgbClr r="0" g="0" b="0"/>
+                      </a:solidFill>
+                      <a:prstDash val="solid"/>
+                      <a:round/>
+                      <a:headEnd type="none" w="med" len="med"/>
+                      <a:tailEnd type="none" w="med" len="med"/>
+                    </a:lnL>
+                    <a:lnR w="12700" cap="flat" cmpd="sng" algn="ctr">
+                      <a:solidFill>
+                        <a:scrgbClr r="0" g="0" b="0"/>
+                      </a:solidFill>
+                      <a:prstDash val="solid"/>
+                      <a:round/>
+                      <a:headEnd type="none" w="med" len="med"/>
+                      <a:tailEnd type="none" w="med" len="med"/>
+                    </a:lnR>
+                    <a:lnT w="12700" cap="flat" cmpd="sng" algn="ctr">
+                      <a:solidFill>
+                        <a:scrgbClr r="0" g="0" b="0"/>
+                      </a:solidFill>
+                      <a:prstDash val="solid"/>
+                      <a:round/>
+                      <a:headEnd type="none" w="med" len="med"/>
+                      <a:tailEnd type="none" w="med" len="med"/>
+                    </a:lnT>
+                    <a:lnB w="12700" cap="flat" cmpd="sng" algn="ctr">
+                      <a:solidFill>
+                        <a:scrgbClr r="0" g="0" b="0"/>
+                      </a:solidFill>
+                      <a:prstDash val="solid"/>
+                      <a:round/>
+                      <a:headEnd type="none" w="med" len="med"/>
+                      <a:tailEnd type="none" w="med" len="med"/>
+                    </a:lnB>
+                    <a:noFill/>
+                  </a:tcPr>
+                </a:tc>
+              </a:tr>
+              <a:tr h="218988">
+                <a:tc>
+                  <a:txBody>
+                    <a:bodyPr/>
+                    <a:lstStyle/>
+                    <a:p>
+                      <a:endParaRPr lang="en-US" sz="1000" b="0" dirty="0" smtClean="0">
+                        <a:solidFill>
+                          <a:schemeClr val="tx1"/>
+                        </a:solidFill>
+                      </a:endParaRPr>
+                    </a:p>
+                  </a:txBody>
+                  <a:tcPr>
+                    <a:lnL w="12700" cap="flat" cmpd="sng" algn="ctr">
+                      <a:solidFill>
+                        <a:scrgbClr r="0" g="0" b="0"/>
+                      </a:solidFill>
+                      <a:prstDash val="solid"/>
+                      <a:round/>
+                      <a:headEnd type="none" w="med" len="med"/>
+                      <a:tailEnd type="none" w="med" len="med"/>
+                    </a:lnL>
+                    <a:lnR w="12700" cap="flat" cmpd="sng" algn="ctr">
+                      <a:solidFill>
+                        <a:scrgbClr r="0" g="0" b="0"/>
+                      </a:solidFill>
+                      <a:prstDash val="solid"/>
+                      <a:round/>
+                      <a:headEnd type="none" w="med" len="med"/>
+                      <a:tailEnd type="none" w="med" len="med"/>
+                    </a:lnR>
+                    <a:lnT w="12700" cap="flat" cmpd="sng" algn="ctr">
+                      <a:solidFill>
+                        <a:scrgbClr r="0" g="0" b="0"/>
+                      </a:solidFill>
+                      <a:prstDash val="solid"/>
+                      <a:round/>
+                      <a:headEnd type="none" w="med" len="med"/>
+                      <a:tailEnd type="none" w="med" len="med"/>
+                    </a:lnT>
+                    <a:lnB w="12700" cap="flat" cmpd="sng" algn="ctr">
+                      <a:solidFill>
+                        <a:scrgbClr r="0" g="0" b="0"/>
+                      </a:solidFill>
+                      <a:prstDash val="solid"/>
+                      <a:round/>
+                      <a:headEnd type="none" w="med" len="med"/>
+                      <a:tailEnd type="none" w="med" len="med"/>
+                    </a:lnB>
+                    <a:noFill/>
+                  </a:tcPr>
+                </a:tc>
+              </a:tr>
+              <a:tr h="134762">
+                <a:tc>
+                  <a:txBody>
+                    <a:bodyPr/>
+                    <a:lstStyle/>
+                    <a:p>
+                      <a:endParaRPr lang="en-US" sz="1000" b="0" dirty="0">
+                        <a:solidFill>
+                          <a:schemeClr val="tx1"/>
+                        </a:solidFill>
+                      </a:endParaRPr>
+                    </a:p>
+                  </a:txBody>
+                  <a:tcPr>
+                    <a:lnL w="12700" cap="flat" cmpd="sng" algn="ctr">
+                      <a:solidFill>
+                        <a:scrgbClr r="0" g="0" b="0"/>
+                      </a:solidFill>
+                      <a:prstDash val="solid"/>
+                      <a:round/>
+                      <a:headEnd type="none" w="med" len="med"/>
+                      <a:tailEnd type="none" w="med" len="med"/>
+                    </a:lnL>
+                    <a:lnR w="12700" cap="flat" cmpd="sng" algn="ctr">
+                      <a:solidFill>
+                        <a:scrgbClr r="0" g="0" b="0"/>
+                      </a:solidFill>
+                      <a:prstDash val="solid"/>
+                      <a:round/>
+                      <a:headEnd type="none" w="med" len="med"/>
+                      <a:tailEnd type="none" w="med" len="med"/>
+                    </a:lnR>
+                    <a:lnT w="12700" cap="flat" cmpd="sng" algn="ctr">
+                      <a:solidFill>
+                        <a:scrgbClr r="0" g="0" b="0"/>
+                      </a:solidFill>
+                      <a:prstDash val="solid"/>
+                      <a:round/>
+                      <a:headEnd type="none" w="med" len="med"/>
+                      <a:tailEnd type="none" w="med" len="med"/>
+                    </a:lnT>
+                    <a:lnB w="12700" cap="flat" cmpd="sng" algn="ctr">
+                      <a:solidFill>
+                        <a:scrgbClr r="0" g="0" b="0"/>
+                      </a:solidFill>
+                      <a:prstDash val="solid"/>
+                      <a:round/>
+                      <a:headEnd type="none" w="med" len="med"/>
+                      <a:tailEnd type="none" w="med" len="med"/>
+                    </a:lnB>
+                    <a:noFill/>
+                  </a:tcPr>
+                </a:tc>
+              </a:tr>
+            </a:tbl>
+          </a:graphicData>
+        </a:graphic>
+      </p:graphicFrame>
+      <p:cxnSp>
+        <p:nvCxnSpPr>
+          <p:cNvPr id="15" name="Straight Connector 14"/>
+          <p:cNvCxnSpPr/>
+          <p:nvPr/>
+        </p:nvCxnSpPr>
+        <p:spPr>
+          <a:xfrm flipH="1">
+            <a:off x="1790366" y="1209040"/>
+            <a:ext cx="759794" cy="721720"/>
           </a:xfrm>
           <a:prstGeom prst="line">
             <a:avLst/>
@@ -23955,11 +24586,6 @@
                         </a:rPr>
                         <a:t> </a:t>
                       </a:r>
-                      <a:endParaRPr lang="en-US" sz="1000" b="0" dirty="0" smtClean="0">
-                        <a:solidFill>
-                          <a:schemeClr val="tx1"/>
-                        </a:solidFill>
-                      </a:endParaRPr>
                     </a:p>
                   </a:txBody>
                   <a:tcPr>
@@ -24191,13 +24817,13 @@
           <p:nvPr>
             <p:extLst>
               <p:ext uri="{D42A27DB-BD31-4B8C-83A1-F6EECF244321}">
-                <p14:modId xmlns:p14="http://schemas.microsoft.com/office/powerpoint/2010/main" val="4068506922"/>
+                <p14:modId xmlns:p14="http://schemas.microsoft.com/office/powerpoint/2010/main" val="2627864815"/>
               </p:ext>
             </p:extLst>
           </p:nvPr>
         </p:nvGraphicFramePr>
         <p:xfrm>
-          <a:off x="5075732" y="476689"/>
+          <a:off x="5451652" y="476689"/>
           <a:ext cx="1331806" cy="731520"/>
         </p:xfrm>
         <a:graphic>
@@ -24384,45 +25010,6 @@
           </a:graphicData>
         </a:graphic>
       </p:graphicFrame>
-      <p:cxnSp>
-        <p:nvCxnSpPr>
-          <p:cNvPr id="6" name="Straight Connector 5"/>
-          <p:cNvCxnSpPr/>
-          <p:nvPr/>
-        </p:nvCxnSpPr>
-        <p:spPr>
-          <a:xfrm>
-            <a:off x="4520592" y="842449"/>
-            <a:ext cx="555140" cy="0"/>
-          </a:xfrm>
-          <a:prstGeom prst="line">
-            <a:avLst/>
-          </a:prstGeom>
-          <a:ln w="12700" cmpd="sng">
-            <a:solidFill>
-              <a:schemeClr val="tx1"/>
-            </a:solidFill>
-            <a:prstDash val="solid"/>
-            <a:headEnd type="arrow" w="lg" len="lg"/>
-            <a:tailEnd type="none"/>
-          </a:ln>
-          <a:effectLst/>
-        </p:spPr>
-        <p:style>
-          <a:lnRef idx="2">
-            <a:schemeClr val="accent1"/>
-          </a:lnRef>
-          <a:fillRef idx="0">
-            <a:schemeClr val="accent1"/>
-          </a:fillRef>
-          <a:effectRef idx="1">
-            <a:schemeClr val="accent1"/>
-          </a:effectRef>
-          <a:fontRef idx="minor">
-            <a:schemeClr val="tx1"/>
-          </a:fontRef>
-        </p:style>
-      </p:cxnSp>
       <p:graphicFrame>
         <p:nvGraphicFramePr>
           <p:cNvPr id="7" name="Table 6"/>
@@ -24432,14 +25019,14 @@
           <p:nvPr>
             <p:extLst>
               <p:ext uri="{D42A27DB-BD31-4B8C-83A1-F6EECF244321}">
-                <p14:modId xmlns:p14="http://schemas.microsoft.com/office/powerpoint/2010/main" val="1650640094"/>
+                <p14:modId xmlns:p14="http://schemas.microsoft.com/office/powerpoint/2010/main" val="2105197592"/>
               </p:ext>
             </p:extLst>
           </p:nvPr>
         </p:nvGraphicFramePr>
         <p:xfrm>
           <a:off x="2843346" y="2455013"/>
-          <a:ext cx="1677246" cy="731520"/>
+          <a:ext cx="1677246" cy="1036320"/>
         </p:xfrm>
         <a:graphic>
           <a:graphicData uri="http://schemas.openxmlformats.org/drawingml/2006/table">
@@ -24519,6 +25106,32 @@
                     <a:bodyPr/>
                     <a:lstStyle/>
                     <a:p>
+                      <a:r>
+                        <a:rPr lang="en-US" sz="1000" b="0" dirty="0" smtClean="0">
+                          <a:solidFill>
+                            <a:schemeClr val="tx1"/>
+                          </a:solidFill>
+                        </a:rPr>
+                        <a:t>- </a:t>
+                      </a:r>
+                      <a:r>
+                        <a:rPr lang="en-US" sz="1000" b="0" dirty="0" err="1" smtClean="0">
+                          <a:solidFill>
+                            <a:schemeClr val="tx1"/>
+                          </a:solidFill>
+                        </a:rPr>
+                        <a:t>initial_capital</a:t>
+                      </a:r>
+                      <a:r>
+                        <a:rPr lang="en-US" sz="1000" b="0" dirty="0" smtClean="0">
+                          <a:solidFill>
+                            <a:schemeClr val="tx1"/>
+                          </a:solidFill>
+                        </a:rPr>
+                        <a:t> : string</a:t>
+                      </a:r>
+                    </a:p>
+                    <a:p>
                       <a:endParaRPr lang="en-US" sz="1000" b="0" dirty="0" smtClean="0">
                         <a:solidFill>
                           <a:schemeClr val="tx1"/>
@@ -24573,6 +25186,40 @@
                     <a:bodyPr/>
                     <a:lstStyle/>
                     <a:p>
+                      <a:r>
+                        <a:rPr lang="en-US" sz="1000" b="0" dirty="0" smtClean="0">
+                          <a:solidFill>
+                            <a:schemeClr val="tx1"/>
+                          </a:solidFill>
+                        </a:rPr>
+                        <a:t>+ run()</a:t>
+                      </a:r>
+                    </a:p>
+                    <a:p>
+                      <a:r>
+                        <a:rPr lang="en-US" sz="1000" b="0" dirty="0" smtClean="0">
+                          <a:solidFill>
+                            <a:schemeClr val="tx1"/>
+                          </a:solidFill>
+                        </a:rPr>
+                        <a:t>- </a:t>
+                      </a:r>
+                      <a:r>
+                        <a:rPr lang="en-US" sz="1000" b="0" dirty="0" err="1" smtClean="0">
+                          <a:solidFill>
+                            <a:schemeClr val="tx1"/>
+                          </a:solidFill>
+                        </a:rPr>
+                        <a:t>preprocess_data</a:t>
+                      </a:r>
+                      <a:r>
+                        <a:rPr lang="en-US" sz="1000" b="0" dirty="0" smtClean="0">
+                          <a:solidFill>
+                            <a:schemeClr val="tx1"/>
+                          </a:solidFill>
+                        </a:rPr>
+                        <a:t>()</a:t>
+                      </a:r>
                       <a:endParaRPr lang="en-US" sz="1000" b="0" dirty="0" smtClean="0">
                         <a:solidFill>
                           <a:schemeClr val="tx1"/>
@@ -24706,6 +25353,161 @@
           </a:fontRef>
         </p:style>
       </p:cxnSp>
+      <p:sp>
+        <p:nvSpPr>
+          <p:cNvPr id="10" name="TextBox 9"/>
+          <p:cNvSpPr txBox="1"/>
+          <p:nvPr/>
+        </p:nvSpPr>
+        <p:spPr>
+          <a:xfrm>
+            <a:off x="7291779" y="478387"/>
+            <a:ext cx="671979" cy="246221"/>
+          </a:xfrm>
+          <a:prstGeom prst="rect">
+            <a:avLst/>
+          </a:prstGeom>
+          <a:solidFill>
+            <a:srgbClr val="FFFFFF"/>
+          </a:solidFill>
+          <a:ln>
+            <a:noFill/>
+            <a:prstDash val="sysDash"/>
+          </a:ln>
+        </p:spPr>
+        <p:txBody>
+          <a:bodyPr wrap="none" rtlCol="0">
+            <a:spAutoFit/>
+          </a:bodyPr>
+          <a:lstStyle/>
+          <a:p>
+            <a:r>
+              <a:rPr lang="en-US" sz="1000" dirty="0" smtClean="0">
+                <a:solidFill>
+                  <a:srgbClr val="FF0000"/>
+                </a:solidFill>
+              </a:rPr>
+              <a:t>Singleton</a:t>
+            </a:r>
+            <a:endParaRPr lang="en-US" sz="1000" dirty="0">
+              <a:solidFill>
+                <a:srgbClr val="FF0000"/>
+              </a:solidFill>
+            </a:endParaRPr>
+          </a:p>
+        </p:txBody>
+      </p:sp>
+      <p:cxnSp>
+        <p:nvCxnSpPr>
+          <p:cNvPr id="12" name="Straight Connector 11"/>
+          <p:cNvCxnSpPr>
+            <a:endCxn id="10" idx="1"/>
+          </p:cNvCxnSpPr>
+          <p:nvPr/>
+        </p:nvCxnSpPr>
+        <p:spPr>
+          <a:xfrm>
+            <a:off x="6888392" y="601498"/>
+            <a:ext cx="403387" cy="0"/>
+          </a:xfrm>
+          <a:prstGeom prst="line">
+            <a:avLst/>
+          </a:prstGeom>
+          <a:ln w="12700" cap="flat" cmpd="sng">
+            <a:solidFill>
+              <a:srgbClr val="FF0000"/>
+            </a:solidFill>
+            <a:prstDash val="sysDash"/>
+            <a:round/>
+            <a:headEnd type="stealth" w="med" len="lg"/>
+            <a:tailEnd type="none"/>
+          </a:ln>
+          <a:effectLst/>
+        </p:spPr>
+        <p:style>
+          <a:lnRef idx="2">
+            <a:schemeClr val="accent1"/>
+          </a:lnRef>
+          <a:fillRef idx="0">
+            <a:schemeClr val="accent1"/>
+          </a:fillRef>
+          <a:effectRef idx="1">
+            <a:schemeClr val="accent1"/>
+          </a:effectRef>
+          <a:fontRef idx="minor">
+            <a:schemeClr val="tx1"/>
+          </a:fontRef>
+        </p:style>
+      </p:cxnSp>
+      <p:cxnSp>
+        <p:nvCxnSpPr>
+          <p:cNvPr id="13" name="Straight Connector 12"/>
+          <p:cNvCxnSpPr/>
+          <p:nvPr/>
+        </p:nvCxnSpPr>
+        <p:spPr>
+          <a:xfrm rot="16200000">
+            <a:off x="4970592" y="594799"/>
+            <a:ext cx="0" cy="495300"/>
+          </a:xfrm>
+          <a:prstGeom prst="line">
+            <a:avLst/>
+          </a:prstGeom>
+          <a:ln w="12700" cmpd="sng">
+            <a:solidFill>
+              <a:schemeClr val="tx1"/>
+            </a:solidFill>
+            <a:prstDash val="sysDash"/>
+            <a:headEnd type="arrow" w="lg" len="lg"/>
+            <a:tailEnd type="arrow" w="lg" len="lg"/>
+          </a:ln>
+          <a:effectLst/>
+        </p:spPr>
+        <p:style>
+          <a:lnRef idx="2">
+            <a:schemeClr val="accent1"/>
+          </a:lnRef>
+          <a:fillRef idx="0">
+            <a:schemeClr val="accent1"/>
+          </a:fillRef>
+          <a:effectRef idx="1">
+            <a:schemeClr val="accent1"/>
+          </a:effectRef>
+          <a:fontRef idx="minor">
+            <a:schemeClr val="tx1"/>
+          </a:fontRef>
+        </p:style>
+      </p:cxnSp>
+      <p:sp>
+        <p:nvSpPr>
+          <p:cNvPr id="9" name="TextBox 8"/>
+          <p:cNvSpPr txBox="1"/>
+          <p:nvPr/>
+        </p:nvSpPr>
+        <p:spPr>
+          <a:xfrm>
+            <a:off x="4557234" y="1351280"/>
+            <a:ext cx="4022255" cy="369332"/>
+          </a:xfrm>
+          <a:prstGeom prst="rect">
+            <a:avLst/>
+          </a:prstGeom>
+          <a:noFill/>
+        </p:spPr>
+        <p:txBody>
+          <a:bodyPr wrap="none" rtlCol="0">
+            <a:spAutoFit/>
+          </a:bodyPr>
+          <a:lstStyle/>
+          <a:p>
+            <a:r>
+              <a:rPr lang="en-US" dirty="0" smtClean="0"/>
+              <a:t>Closely work together but not associated</a:t>
+            </a:r>
+            <a:endParaRPr lang="en-US" dirty="0"/>
+          </a:p>
+        </p:txBody>
+      </p:sp>
     </p:spTree>
     <p:extLst>
       <p:ext uri="{BB962C8B-B14F-4D97-AF65-F5344CB8AC3E}">

--- a/UML.pptx
+++ b/UML.pptx
@@ -301,7 +301,7 @@
           <a:p>
             <a:fld id="{92E66E4B-7A79-FB43-8638-E9A35802AE45}" type="datetimeFigureOut">
               <a:rPr lang="en-US" smtClean="0"/>
-              <a:t>4/16/16</a:t>
+              <a:t>4/19/16</a:t>
             </a:fld>
             <a:endParaRPr lang="en-US"/>
           </a:p>
@@ -471,7 +471,7 @@
           <a:p>
             <a:fld id="{92E66E4B-7A79-FB43-8638-E9A35802AE45}" type="datetimeFigureOut">
               <a:rPr lang="en-US" smtClean="0"/>
-              <a:t>4/16/16</a:t>
+              <a:t>4/19/16</a:t>
             </a:fld>
             <a:endParaRPr lang="en-US"/>
           </a:p>
@@ -651,7 +651,7 @@
           <a:p>
             <a:fld id="{92E66E4B-7A79-FB43-8638-E9A35802AE45}" type="datetimeFigureOut">
               <a:rPr lang="en-US" smtClean="0"/>
-              <a:t>4/16/16</a:t>
+              <a:t>4/19/16</a:t>
             </a:fld>
             <a:endParaRPr lang="en-US"/>
           </a:p>
@@ -821,7 +821,7 @@
           <a:p>
             <a:fld id="{92E66E4B-7A79-FB43-8638-E9A35802AE45}" type="datetimeFigureOut">
               <a:rPr lang="en-US" smtClean="0"/>
-              <a:t>4/16/16</a:t>
+              <a:t>4/19/16</a:t>
             </a:fld>
             <a:endParaRPr lang="en-US"/>
           </a:p>
@@ -1067,7 +1067,7 @@
           <a:p>
             <a:fld id="{92E66E4B-7A79-FB43-8638-E9A35802AE45}" type="datetimeFigureOut">
               <a:rPr lang="en-US" smtClean="0"/>
-              <a:t>4/16/16</a:t>
+              <a:t>4/19/16</a:t>
             </a:fld>
             <a:endParaRPr lang="en-US"/>
           </a:p>
@@ -1355,7 +1355,7 @@
           <a:p>
             <a:fld id="{92E66E4B-7A79-FB43-8638-E9A35802AE45}" type="datetimeFigureOut">
               <a:rPr lang="en-US" smtClean="0"/>
-              <a:t>4/16/16</a:t>
+              <a:t>4/19/16</a:t>
             </a:fld>
             <a:endParaRPr lang="en-US"/>
           </a:p>
@@ -1782,7 +1782,7 @@
           <a:p>
             <a:fld id="{92E66E4B-7A79-FB43-8638-E9A35802AE45}" type="datetimeFigureOut">
               <a:rPr lang="en-US" smtClean="0"/>
-              <a:t>4/16/16</a:t>
+              <a:t>4/19/16</a:t>
             </a:fld>
             <a:endParaRPr lang="en-US"/>
           </a:p>
@@ -1900,7 +1900,7 @@
           <a:p>
             <a:fld id="{92E66E4B-7A79-FB43-8638-E9A35802AE45}" type="datetimeFigureOut">
               <a:rPr lang="en-US" smtClean="0"/>
-              <a:t>4/16/16</a:t>
+              <a:t>4/19/16</a:t>
             </a:fld>
             <a:endParaRPr lang="en-US"/>
           </a:p>
@@ -1995,7 +1995,7 @@
           <a:p>
             <a:fld id="{92E66E4B-7A79-FB43-8638-E9A35802AE45}" type="datetimeFigureOut">
               <a:rPr lang="en-US" smtClean="0"/>
-              <a:t>4/16/16</a:t>
+              <a:t>4/19/16</a:t>
             </a:fld>
             <a:endParaRPr lang="en-US"/>
           </a:p>
@@ -2272,7 +2272,7 @@
           <a:p>
             <a:fld id="{92E66E4B-7A79-FB43-8638-E9A35802AE45}" type="datetimeFigureOut">
               <a:rPr lang="en-US" smtClean="0"/>
-              <a:t>4/16/16</a:t>
+              <a:t>4/19/16</a:t>
             </a:fld>
             <a:endParaRPr lang="en-US"/>
           </a:p>
@@ -2525,7 +2525,7 @@
           <a:p>
             <a:fld id="{92E66E4B-7A79-FB43-8638-E9A35802AE45}" type="datetimeFigureOut">
               <a:rPr lang="en-US" smtClean="0"/>
-              <a:t>4/16/16</a:t>
+              <a:t>4/19/16</a:t>
             </a:fld>
             <a:endParaRPr lang="en-US"/>
           </a:p>
@@ -2738,7 +2738,7 @@
           <a:p>
             <a:fld id="{92E66E4B-7A79-FB43-8638-E9A35802AE45}" type="datetimeFigureOut">
               <a:rPr lang="en-US" smtClean="0"/>
-              <a:t>4/16/16</a:t>
+              <a:t>4/19/16</a:t>
             </a:fld>
             <a:endParaRPr lang="en-US"/>
           </a:p>
@@ -24817,13 +24817,13 @@
           <p:nvPr>
             <p:extLst>
               <p:ext uri="{D42A27DB-BD31-4B8C-83A1-F6EECF244321}">
-                <p14:modId xmlns:p14="http://schemas.microsoft.com/office/powerpoint/2010/main" val="2627864815"/>
+                <p14:modId xmlns:p14="http://schemas.microsoft.com/office/powerpoint/2010/main" val="2180440011"/>
               </p:ext>
             </p:extLst>
           </p:nvPr>
         </p:nvGraphicFramePr>
         <p:xfrm>
-          <a:off x="5451652" y="476689"/>
+          <a:off x="5788668" y="476689"/>
           <a:ext cx="1331806" cy="731520"/>
         </p:xfrm>
         <a:graphic>
@@ -25019,14 +25019,14 @@
           <p:nvPr>
             <p:extLst>
               <p:ext uri="{D42A27DB-BD31-4B8C-83A1-F6EECF244321}">
-                <p14:modId xmlns:p14="http://schemas.microsoft.com/office/powerpoint/2010/main" val="2105197592"/>
+                <p14:modId xmlns:p14="http://schemas.microsoft.com/office/powerpoint/2010/main" val="1906343199"/>
               </p:ext>
             </p:extLst>
           </p:nvPr>
         </p:nvGraphicFramePr>
         <p:xfrm>
           <a:off x="2843346" y="2455013"/>
-          <a:ext cx="1677246" cy="1036320"/>
+          <a:ext cx="1677246" cy="883920"/>
         </p:xfrm>
         <a:graphic>
           <a:graphicData uri="http://schemas.openxmlformats.org/drawingml/2006/table">
@@ -25128,10 +25128,16 @@
                             <a:schemeClr val="tx1"/>
                           </a:solidFill>
                         </a:rPr>
-                        <a:t> : string</a:t>
-                      </a:r>
-                    </a:p>
-                    <a:p>
+                        <a:t> : </a:t>
+                      </a:r>
+                      <a:r>
+                        <a:rPr lang="en-US" sz="1000" b="0" dirty="0" smtClean="0">
+                          <a:solidFill>
+                            <a:schemeClr val="tx1"/>
+                          </a:solidFill>
+                        </a:rPr>
+                        <a:t>double</a:t>
+                      </a:r>
                       <a:endParaRPr lang="en-US" sz="1000" b="0" dirty="0" smtClean="0">
                         <a:solidFill>
                           <a:schemeClr val="tx1"/>
@@ -25196,6 +25202,23 @@
                       </a:r>
                     </a:p>
                     <a:p>
+                      <a:pPr marL="0" marR="0" indent="0" algn="l" defTabSz="457200" rtl="0" eaLnBrk="1" fontAlgn="auto" latinLnBrk="0" hangingPunct="1">
+                        <a:lnSpc>
+                          <a:spcPct val="100000"/>
+                        </a:lnSpc>
+                        <a:spcBef>
+                          <a:spcPts val="0"/>
+                        </a:spcBef>
+                        <a:spcAft>
+                          <a:spcPts val="0"/>
+                        </a:spcAft>
+                        <a:buClrTx/>
+                        <a:buSzTx/>
+                        <a:buFontTx/>
+                        <a:buNone/>
+                        <a:tabLst/>
+                        <a:defRPr/>
+                      </a:pPr>
                       <a:r>
                         <a:rPr lang="en-US" sz="1000" b="0" dirty="0" smtClean="0">
                           <a:solidFill>
@@ -25210,7 +25233,7 @@
                             <a:schemeClr val="tx1"/>
                           </a:solidFill>
                         </a:rPr>
-                        <a:t>preprocess_data</a:t>
+                        <a:t>daily_execution</a:t>
                       </a:r>
                       <a:r>
                         <a:rPr lang="en-US" sz="1000" b="0" dirty="0" smtClean="0">
@@ -25218,13 +25241,16 @@
                             <a:schemeClr val="tx1"/>
                           </a:solidFill>
                         </a:rPr>
-                        <a:t>()</a:t>
-                      </a:r>
-                      <a:endParaRPr lang="en-US" sz="1000" b="0" dirty="0" smtClean="0">
-                        <a:solidFill>
-                          <a:schemeClr val="tx1"/>
-                        </a:solidFill>
-                      </a:endParaRPr>
+                        <a:t> (</a:t>
+                      </a:r>
+                      <a:r>
+                        <a:rPr lang="en-US" sz="1000" b="0" dirty="0" smtClean="0">
+                          <a:solidFill>
+                            <a:schemeClr val="tx1"/>
+                          </a:solidFill>
+                        </a:rPr>
+                        <a:t>)</a:t>
+                      </a:r>
                     </a:p>
                   </a:txBody>
                   <a:tcPr>
@@ -25361,7 +25387,7 @@
         </p:nvSpPr>
         <p:spPr>
           <a:xfrm>
-            <a:off x="7291779" y="478387"/>
+            <a:off x="7628795" y="478387"/>
             <a:ext cx="671979" cy="246221"/>
           </a:xfrm>
           <a:prstGeom prst="rect">
@@ -25407,7 +25433,7 @@
         </p:nvCxnSpPr>
         <p:spPr>
           <a:xfrm>
-            <a:off x="6888392" y="601498"/>
+            <a:off x="7225408" y="601498"/>
             <a:ext cx="403387" cy="0"/>
           </a:xfrm>
           <a:prstGeom prst="line">
@@ -25447,7 +25473,7 @@
         </p:nvCxnSpPr>
         <p:spPr>
           <a:xfrm rot="16200000">
-            <a:off x="4970592" y="594799"/>
+            <a:off x="5307608" y="594799"/>
             <a:ext cx="0" cy="495300"/>
           </a:xfrm>
           <a:prstGeom prst="line">
@@ -25486,7 +25512,7 @@
         </p:nvSpPr>
         <p:spPr>
           <a:xfrm>
-            <a:off x="4557234" y="1351280"/>
+            <a:off x="4965370" y="1351280"/>
             <a:ext cx="4022255" cy="369332"/>
           </a:xfrm>
           <a:prstGeom prst="rect">
@@ -25508,6 +25534,1558 @@
           </a:p>
         </p:txBody>
       </p:sp>
+      <p:graphicFrame>
+        <p:nvGraphicFramePr>
+          <p:cNvPr id="14" name="Table 13"/>
+          <p:cNvGraphicFramePr>
+            <a:graphicFrameLocks noGrp="1"/>
+          </p:cNvGraphicFramePr>
+          <p:nvPr>
+            <p:extLst>
+              <p:ext uri="{D42A27DB-BD31-4B8C-83A1-F6EECF244321}">
+                <p14:modId xmlns:p14="http://schemas.microsoft.com/office/powerpoint/2010/main" val="2111712055"/>
+              </p:ext>
+            </p:extLst>
+          </p:nvPr>
+        </p:nvGraphicFramePr>
+        <p:xfrm>
+          <a:off x="1336852" y="3859969"/>
+          <a:ext cx="6587948" cy="2438400"/>
+        </p:xfrm>
+        <a:graphic>
+          <a:graphicData uri="http://schemas.openxmlformats.org/drawingml/2006/table">
+            <a:tbl>
+              <a:tblPr firstRow="1" bandRow="1">
+                <a:tableStyleId>{5C22544A-7EE6-4342-B048-85BDC9FD1C3A}</a:tableStyleId>
+              </a:tblPr>
+              <a:tblGrid>
+                <a:gridCol w="2259788"/>
+                <a:gridCol w="4328160"/>
+              </a:tblGrid>
+              <a:tr h="134762">
+                <a:tc gridSpan="2">
+                  <a:txBody>
+                    <a:bodyPr/>
+                    <a:lstStyle/>
+                    <a:p>
+                      <a:pPr algn="ctr"/>
+                      <a:r>
+                        <a:rPr lang="en-US" sz="1000" b="1" dirty="0" err="1" smtClean="0">
+                          <a:solidFill>
+                            <a:schemeClr val="tx1"/>
+                          </a:solidFill>
+                        </a:rPr>
+                        <a:t>ETFTrader</a:t>
+                      </a:r>
+                      <a:r>
+                        <a:rPr lang="en-US" sz="1000" b="1" dirty="0" smtClean="0">
+                          <a:solidFill>
+                            <a:schemeClr val="tx1"/>
+                          </a:solidFill>
+                        </a:rPr>
+                        <a:t>::run()</a:t>
+                      </a:r>
+                      <a:endParaRPr lang="en-US" sz="1000" b="1" dirty="0">
+                        <a:solidFill>
+                          <a:schemeClr val="tx1"/>
+                        </a:solidFill>
+                      </a:endParaRPr>
+                    </a:p>
+                  </a:txBody>
+                  <a:tcPr>
+                    <a:lnL w="12700" cap="flat" cmpd="sng" algn="ctr">
+                      <a:solidFill>
+                        <a:scrgbClr r="0" g="0" b="0"/>
+                      </a:solidFill>
+                      <a:prstDash val="solid"/>
+                      <a:round/>
+                      <a:headEnd type="none" w="med" len="med"/>
+                      <a:tailEnd type="none" w="med" len="med"/>
+                    </a:lnL>
+                    <a:lnR w="12700" cap="flat" cmpd="sng" algn="ctr">
+                      <a:solidFill>
+                        <a:scrgbClr r="0" g="0" b="0"/>
+                      </a:solidFill>
+                      <a:prstDash val="solid"/>
+                      <a:round/>
+                      <a:headEnd type="none" w="med" len="med"/>
+                      <a:tailEnd type="none" w="med" len="med"/>
+                    </a:lnR>
+                    <a:lnT w="12700" cap="flat" cmpd="sng" algn="ctr">
+                      <a:solidFill>
+                        <a:scrgbClr r="0" g="0" b="0"/>
+                      </a:solidFill>
+                      <a:prstDash val="solid"/>
+                      <a:round/>
+                      <a:headEnd type="none" w="med" len="med"/>
+                      <a:tailEnd type="none" w="med" len="med"/>
+                    </a:lnT>
+                    <a:lnB w="12700" cap="flat" cmpd="sng" algn="ctr">
+                      <a:solidFill>
+                        <a:scrgbClr r="0" g="0" b="0"/>
+                      </a:solidFill>
+                      <a:prstDash val="solid"/>
+                      <a:round/>
+                      <a:headEnd type="none" w="med" len="med"/>
+                      <a:tailEnd type="none" w="med" len="med"/>
+                    </a:lnB>
+                    <a:noFill/>
+                  </a:tcPr>
+                </a:tc>
+                <a:tc hMerge="1">
+                  <a:txBody>
+                    <a:bodyPr/>
+                    <a:lstStyle/>
+                    <a:p>
+                      <a:pPr algn="ctr"/>
+                      <a:endParaRPr lang="en-US" sz="1000" b="1" dirty="0">
+                        <a:solidFill>
+                          <a:schemeClr val="tx1"/>
+                        </a:solidFill>
+                      </a:endParaRPr>
+                    </a:p>
+                  </a:txBody>
+                  <a:tcPr>
+                    <a:lnL w="12700" cap="flat" cmpd="sng" algn="ctr">
+                      <a:solidFill>
+                        <a:scrgbClr r="0" g="0" b="0"/>
+                      </a:solidFill>
+                      <a:prstDash val="solid"/>
+                      <a:round/>
+                      <a:headEnd type="none" w="med" len="med"/>
+                      <a:tailEnd type="none" w="med" len="med"/>
+                    </a:lnL>
+                    <a:lnR w="12700" cap="flat" cmpd="sng" algn="ctr">
+                      <a:solidFill>
+                        <a:scrgbClr r="0" g="0" b="0"/>
+                      </a:solidFill>
+                      <a:prstDash val="solid"/>
+                      <a:round/>
+                      <a:headEnd type="none" w="med" len="med"/>
+                      <a:tailEnd type="none" w="med" len="med"/>
+                    </a:lnR>
+                    <a:lnT w="12700" cap="flat" cmpd="sng" algn="ctr">
+                      <a:solidFill>
+                        <a:scrgbClr r="0" g="0" b="0"/>
+                      </a:solidFill>
+                      <a:prstDash val="solid"/>
+                      <a:round/>
+                      <a:headEnd type="none" w="med" len="med"/>
+                      <a:tailEnd type="none" w="med" len="med"/>
+                    </a:lnT>
+                    <a:lnB w="12700" cap="flat" cmpd="sng" algn="ctr">
+                      <a:solidFill>
+                        <a:scrgbClr r="0" g="0" b="0"/>
+                      </a:solidFill>
+                      <a:prstDash val="solid"/>
+                      <a:round/>
+                      <a:headEnd type="none" w="med" len="med"/>
+                      <a:tailEnd type="none" w="med" len="med"/>
+                    </a:lnB>
+                    <a:noFill/>
+                  </a:tcPr>
+                </a:tc>
+              </a:tr>
+              <a:tr h="218988">
+                <a:tc>
+                  <a:txBody>
+                    <a:bodyPr/>
+                    <a:lstStyle/>
+                    <a:p>
+                      <a:pPr marL="0" marR="0" indent="0" algn="l" defTabSz="457200" rtl="0" eaLnBrk="1" fontAlgn="auto" latinLnBrk="0" hangingPunct="1">
+                        <a:lnSpc>
+                          <a:spcPct val="100000"/>
+                        </a:lnSpc>
+                        <a:spcBef>
+                          <a:spcPts val="0"/>
+                        </a:spcBef>
+                        <a:spcAft>
+                          <a:spcPts val="0"/>
+                        </a:spcAft>
+                        <a:buClrTx/>
+                        <a:buSzTx/>
+                        <a:buFontTx/>
+                        <a:buNone/>
+                        <a:tabLst/>
+                        <a:defRPr/>
+                      </a:pPr>
+                      <a:r>
+                        <a:rPr lang="en-US" sz="1000" b="0" dirty="0" err="1" smtClean="0">
+                          <a:solidFill>
+                            <a:schemeClr val="tx1"/>
+                          </a:solidFill>
+                        </a:rPr>
+                        <a:t>preprocess_data</a:t>
+                      </a:r>
+                      <a:r>
+                        <a:rPr lang="en-US" sz="1000" b="0" dirty="0" smtClean="0">
+                          <a:solidFill>
+                            <a:schemeClr val="tx1"/>
+                          </a:solidFill>
+                        </a:rPr>
+                        <a:t>()</a:t>
+                      </a:r>
+                    </a:p>
+                  </a:txBody>
+                  <a:tcPr>
+                    <a:lnL w="12700" cap="flat" cmpd="sng" algn="ctr">
+                      <a:solidFill>
+                        <a:scrgbClr r="0" g="0" b="0"/>
+                      </a:solidFill>
+                      <a:prstDash val="solid"/>
+                      <a:round/>
+                      <a:headEnd type="none" w="med" len="med"/>
+                      <a:tailEnd type="none" w="med" len="med"/>
+                    </a:lnL>
+                    <a:lnR w="12700" cap="flat" cmpd="sng" algn="ctr">
+                      <a:noFill/>
+                      <a:prstDash val="sysDot"/>
+                      <a:round/>
+                      <a:headEnd type="none" w="med" len="med"/>
+                      <a:tailEnd type="none" w="med" len="med"/>
+                    </a:lnR>
+                    <a:lnT w="12700" cap="flat" cmpd="sng" algn="ctr">
+                      <a:solidFill>
+                        <a:scrgbClr r="0" g="0" b="0"/>
+                      </a:solidFill>
+                      <a:prstDash val="solid"/>
+                      <a:round/>
+                      <a:headEnd type="none" w="med" len="med"/>
+                      <a:tailEnd type="none" w="med" len="med"/>
+                    </a:lnT>
+                    <a:lnB w="12700" cap="flat" cmpd="sng" algn="ctr">
+                      <a:solidFill>
+                        <a:scrgbClr r="0" g="0" b="0"/>
+                      </a:solidFill>
+                      <a:prstDash val="sysDot"/>
+                      <a:round/>
+                      <a:headEnd type="none" w="med" len="med"/>
+                      <a:tailEnd type="none" w="med" len="med"/>
+                    </a:lnB>
+                    <a:noFill/>
+                  </a:tcPr>
+                </a:tc>
+                <a:tc>
+                  <a:txBody>
+                    <a:bodyPr/>
+                    <a:lstStyle/>
+                    <a:p>
+                      <a:pPr marL="0" marR="0" lvl="0" indent="0" algn="l" defTabSz="457200" rtl="0" eaLnBrk="1" fontAlgn="auto" latinLnBrk="0" hangingPunct="1">
+                        <a:lnSpc>
+                          <a:spcPct val="100000"/>
+                        </a:lnSpc>
+                        <a:spcBef>
+                          <a:spcPts val="0"/>
+                        </a:spcBef>
+                        <a:spcAft>
+                          <a:spcPts val="0"/>
+                        </a:spcAft>
+                        <a:buClrTx/>
+                        <a:buSzTx/>
+                        <a:buFontTx/>
+                        <a:buNone/>
+                        <a:tabLst/>
+                        <a:defRPr/>
+                      </a:pPr>
+                      <a:r>
+                        <a:rPr lang="en-US" sz="1000" b="0" dirty="0" smtClean="0">
+                          <a:solidFill>
+                            <a:schemeClr val="tx1"/>
+                          </a:solidFill>
+                        </a:rPr>
+                        <a:t>Advance  all data</a:t>
+                      </a:r>
+                      <a:r>
+                        <a:rPr lang="en-US" sz="1000" b="0" baseline="0" dirty="0" smtClean="0">
+                          <a:solidFill>
+                            <a:schemeClr val="tx1"/>
+                          </a:solidFill>
+                        </a:rPr>
+                        <a:t> by a specified look-back period</a:t>
+                      </a:r>
+                      <a:endParaRPr lang="en-US" sz="1000" b="0" dirty="0" smtClean="0">
+                        <a:solidFill>
+                          <a:schemeClr val="tx1"/>
+                        </a:solidFill>
+                      </a:endParaRPr>
+                    </a:p>
+                  </a:txBody>
+                  <a:tcPr>
+                    <a:lnL w="12700" cap="flat" cmpd="sng" algn="ctr">
+                      <a:noFill/>
+                      <a:prstDash val="sysDot"/>
+                      <a:round/>
+                      <a:headEnd type="none" w="med" len="med"/>
+                      <a:tailEnd type="none" w="med" len="med"/>
+                    </a:lnL>
+                    <a:lnR w="12700" cap="flat" cmpd="sng" algn="ctr">
+                      <a:solidFill>
+                        <a:scrgbClr r="0" g="0" b="0"/>
+                      </a:solidFill>
+                      <a:prstDash val="solid"/>
+                      <a:round/>
+                      <a:headEnd type="none" w="med" len="med"/>
+                      <a:tailEnd type="none" w="med" len="med"/>
+                    </a:lnR>
+                    <a:lnT w="12700" cap="flat" cmpd="sng" algn="ctr">
+                      <a:solidFill>
+                        <a:scrgbClr r="0" g="0" b="0"/>
+                      </a:solidFill>
+                      <a:prstDash val="solid"/>
+                      <a:round/>
+                      <a:headEnd type="none" w="med" len="med"/>
+                      <a:tailEnd type="none" w="med" len="med"/>
+                    </a:lnT>
+                    <a:lnB w="12700" cap="flat" cmpd="sng" algn="ctr">
+                      <a:solidFill>
+                        <a:scrgbClr r="0" g="0" b="0"/>
+                      </a:solidFill>
+                      <a:prstDash val="sysDot"/>
+                      <a:round/>
+                      <a:headEnd type="none" w="med" len="med"/>
+                      <a:tailEnd type="none" w="med" len="med"/>
+                    </a:lnB>
+                    <a:noFill/>
+                  </a:tcPr>
+                </a:tc>
+              </a:tr>
+              <a:tr h="218988">
+                <a:tc>
+                  <a:txBody>
+                    <a:bodyPr/>
+                    <a:lstStyle/>
+                    <a:p>
+                      <a:pPr marL="0" marR="0" indent="0" algn="l" defTabSz="457200" rtl="0" eaLnBrk="1" fontAlgn="auto" latinLnBrk="0" hangingPunct="1">
+                        <a:lnSpc>
+                          <a:spcPct val="100000"/>
+                        </a:lnSpc>
+                        <a:spcBef>
+                          <a:spcPts val="0"/>
+                        </a:spcBef>
+                        <a:spcAft>
+                          <a:spcPts val="0"/>
+                        </a:spcAft>
+                        <a:buClrTx/>
+                        <a:buSzTx/>
+                        <a:buFontTx/>
+                        <a:buNone/>
+                        <a:tabLst/>
+                        <a:defRPr/>
+                      </a:pPr>
+                      <a:r>
+                        <a:rPr lang="en-US" sz="1000" b="0" dirty="0" smtClean="0">
+                          <a:solidFill>
+                            <a:schemeClr val="tx1"/>
+                          </a:solidFill>
+                        </a:rPr>
+                        <a:t>For</a:t>
+                      </a:r>
+                      <a:r>
+                        <a:rPr lang="en-US" sz="1000" b="0" baseline="0" dirty="0" smtClean="0">
+                          <a:solidFill>
+                            <a:schemeClr val="tx1"/>
+                          </a:solidFill>
+                        </a:rPr>
+                        <a:t> each day:</a:t>
+                      </a:r>
+                    </a:p>
+                  </a:txBody>
+                  <a:tcPr>
+                    <a:lnL w="12700" cap="flat" cmpd="sng" algn="ctr">
+                      <a:solidFill>
+                        <a:scrgbClr r="0" g="0" b="0"/>
+                      </a:solidFill>
+                      <a:prstDash val="solid"/>
+                      <a:round/>
+                      <a:headEnd type="none" w="med" len="med"/>
+                      <a:tailEnd type="none" w="med" len="med"/>
+                    </a:lnL>
+                    <a:lnR w="12700" cap="flat" cmpd="sng" algn="ctr">
+                      <a:noFill/>
+                      <a:prstDash val="sysDot"/>
+                      <a:round/>
+                      <a:headEnd type="none" w="med" len="med"/>
+                      <a:tailEnd type="none" w="med" len="med"/>
+                    </a:lnR>
+                    <a:lnT w="12700" cap="flat" cmpd="sng" algn="ctr">
+                      <a:solidFill>
+                        <a:scrgbClr r="0" g="0" b="0"/>
+                      </a:solidFill>
+                      <a:prstDash val="sysDot"/>
+                      <a:round/>
+                      <a:headEnd type="none" w="med" len="med"/>
+                      <a:tailEnd type="none" w="med" len="med"/>
+                    </a:lnT>
+                    <a:lnB w="12700" cap="flat" cmpd="sng" algn="ctr">
+                      <a:solidFill>
+                        <a:scrgbClr r="0" g="0" b="0"/>
+                      </a:solidFill>
+                      <a:prstDash val="sysDot"/>
+                      <a:round/>
+                      <a:headEnd type="none" w="med" len="med"/>
+                      <a:tailEnd type="none" w="med" len="med"/>
+                    </a:lnB>
+                    <a:noFill/>
+                  </a:tcPr>
+                </a:tc>
+                <a:tc>
+                  <a:txBody>
+                    <a:bodyPr/>
+                    <a:lstStyle/>
+                    <a:p>
+                      <a:pPr marL="0" marR="0" lvl="0" indent="0" algn="l" defTabSz="457200" rtl="0" eaLnBrk="1" fontAlgn="auto" latinLnBrk="0" hangingPunct="1">
+                        <a:lnSpc>
+                          <a:spcPct val="100000"/>
+                        </a:lnSpc>
+                        <a:spcBef>
+                          <a:spcPts val="0"/>
+                        </a:spcBef>
+                        <a:spcAft>
+                          <a:spcPts val="0"/>
+                        </a:spcAft>
+                        <a:buClrTx/>
+                        <a:buSzTx/>
+                        <a:buFontTx/>
+                        <a:buNone/>
+                        <a:tabLst/>
+                        <a:defRPr/>
+                      </a:pPr>
+                      <a:r>
+                        <a:rPr lang="en-US" sz="1000" b="0" dirty="0" smtClean="0">
+                          <a:solidFill>
+                            <a:schemeClr val="tx1"/>
+                          </a:solidFill>
+                        </a:rPr>
+                        <a:t>For each day,</a:t>
+                      </a:r>
+                    </a:p>
+                  </a:txBody>
+                  <a:tcPr>
+                    <a:lnL w="12700" cap="flat" cmpd="sng" algn="ctr">
+                      <a:noFill/>
+                      <a:prstDash val="sysDot"/>
+                      <a:round/>
+                      <a:headEnd type="none" w="med" len="med"/>
+                      <a:tailEnd type="none" w="med" len="med"/>
+                    </a:lnL>
+                    <a:lnR w="12700" cap="flat" cmpd="sng" algn="ctr">
+                      <a:solidFill>
+                        <a:scrgbClr r="0" g="0" b="0"/>
+                      </a:solidFill>
+                      <a:prstDash val="solid"/>
+                      <a:round/>
+                      <a:headEnd type="none" w="med" len="med"/>
+                      <a:tailEnd type="none" w="med" len="med"/>
+                    </a:lnR>
+                    <a:lnT w="12700" cap="flat" cmpd="sng" algn="ctr">
+                      <a:solidFill>
+                        <a:scrgbClr r="0" g="0" b="0"/>
+                      </a:solidFill>
+                      <a:prstDash val="sysDot"/>
+                      <a:round/>
+                      <a:headEnd type="none" w="med" len="med"/>
+                      <a:tailEnd type="none" w="med" len="med"/>
+                    </a:lnT>
+                    <a:lnB w="12700" cap="flat" cmpd="sng" algn="ctr">
+                      <a:solidFill>
+                        <a:scrgbClr r="0" g="0" b="0"/>
+                      </a:solidFill>
+                      <a:prstDash val="sysDot"/>
+                      <a:round/>
+                      <a:headEnd type="none" w="med" len="med"/>
+                      <a:tailEnd type="none" w="med" len="med"/>
+                    </a:lnB>
+                    <a:noFill/>
+                  </a:tcPr>
+                </a:tc>
+              </a:tr>
+              <a:tr h="218988">
+                <a:tc>
+                  <a:txBody>
+                    <a:bodyPr/>
+                    <a:lstStyle/>
+                    <a:p>
+                      <a:pPr marL="457200" marR="0" lvl="1" indent="0" algn="l" defTabSz="457200" rtl="0" eaLnBrk="1" fontAlgn="auto" latinLnBrk="0" hangingPunct="1">
+                        <a:lnSpc>
+                          <a:spcPct val="100000"/>
+                        </a:lnSpc>
+                        <a:spcBef>
+                          <a:spcPts val="0"/>
+                        </a:spcBef>
+                        <a:spcAft>
+                          <a:spcPts val="0"/>
+                        </a:spcAft>
+                        <a:buClrTx/>
+                        <a:buSzTx/>
+                        <a:buFontTx/>
+                        <a:buNone/>
+                        <a:tabLst/>
+                        <a:defRPr/>
+                      </a:pPr>
+                      <a:r>
+                        <a:rPr lang="en-US" sz="1000" b="0" dirty="0" err="1" smtClean="0">
+                          <a:solidFill>
+                            <a:schemeClr val="tx1"/>
+                          </a:solidFill>
+                        </a:rPr>
+                        <a:t>date_check</a:t>
+                      </a:r>
+                      <a:r>
+                        <a:rPr lang="en-US" sz="1000" b="0" dirty="0" smtClean="0">
+                          <a:solidFill>
+                            <a:schemeClr val="tx1"/>
+                          </a:solidFill>
+                        </a:rPr>
+                        <a:t>()</a:t>
+                      </a:r>
+                    </a:p>
+                  </a:txBody>
+                  <a:tcPr>
+                    <a:lnL w="12700" cap="flat" cmpd="sng" algn="ctr">
+                      <a:solidFill>
+                        <a:scrgbClr r="0" g="0" b="0"/>
+                      </a:solidFill>
+                      <a:prstDash val="solid"/>
+                      <a:round/>
+                      <a:headEnd type="none" w="med" len="med"/>
+                      <a:tailEnd type="none" w="med" len="med"/>
+                    </a:lnL>
+                    <a:lnR w="12700" cap="flat" cmpd="sng" algn="ctr">
+                      <a:noFill/>
+                      <a:prstDash val="sysDot"/>
+                      <a:round/>
+                      <a:headEnd type="none" w="med" len="med"/>
+                      <a:tailEnd type="none" w="med" len="med"/>
+                    </a:lnR>
+                    <a:lnT w="12700" cap="flat" cmpd="sng" algn="ctr">
+                      <a:solidFill>
+                        <a:scrgbClr r="0" g="0" b="0"/>
+                      </a:solidFill>
+                      <a:prstDash val="sysDot"/>
+                      <a:round/>
+                      <a:headEnd type="none" w="med" len="med"/>
+                      <a:tailEnd type="none" w="med" len="med"/>
+                    </a:lnT>
+                    <a:lnB w="12700" cap="flat" cmpd="sng" algn="ctr">
+                      <a:solidFill>
+                        <a:scrgbClr r="0" g="0" b="0"/>
+                      </a:solidFill>
+                      <a:prstDash val="sysDot"/>
+                      <a:round/>
+                      <a:headEnd type="none" w="med" len="med"/>
+                      <a:tailEnd type="none" w="med" len="med"/>
+                    </a:lnB>
+                    <a:noFill/>
+                  </a:tcPr>
+                </a:tc>
+                <a:tc>
+                  <a:txBody>
+                    <a:bodyPr/>
+                    <a:lstStyle/>
+                    <a:p>
+                      <a:pPr marL="0" marR="0" lvl="0" indent="0" algn="l" defTabSz="457200" rtl="0" eaLnBrk="1" fontAlgn="auto" latinLnBrk="0" hangingPunct="1">
+                        <a:lnSpc>
+                          <a:spcPct val="100000"/>
+                        </a:lnSpc>
+                        <a:spcBef>
+                          <a:spcPts val="0"/>
+                        </a:spcBef>
+                        <a:spcAft>
+                          <a:spcPts val="0"/>
+                        </a:spcAft>
+                        <a:buClrTx/>
+                        <a:buSzTx/>
+                        <a:buFontTx/>
+                        <a:buNone/>
+                        <a:tabLst/>
+                        <a:defRPr/>
+                      </a:pPr>
+                      <a:r>
+                        <a:rPr lang="en-US" sz="1000" b="0" dirty="0" smtClean="0">
+                          <a:solidFill>
+                            <a:schemeClr val="tx1"/>
+                          </a:solidFill>
+                        </a:rPr>
+                        <a:t>Check</a:t>
+                      </a:r>
+                      <a:r>
+                        <a:rPr lang="en-US" sz="1000" b="0" baseline="0" dirty="0" smtClean="0">
+                          <a:solidFill>
+                            <a:schemeClr val="tx1"/>
+                          </a:solidFill>
+                        </a:rPr>
+                        <a:t> if all data have the same date (sanity check)</a:t>
+                      </a:r>
+                      <a:endParaRPr lang="en-US" sz="1000" b="0" dirty="0" smtClean="0">
+                        <a:solidFill>
+                          <a:schemeClr val="tx1"/>
+                        </a:solidFill>
+                      </a:endParaRPr>
+                    </a:p>
+                  </a:txBody>
+                  <a:tcPr>
+                    <a:lnL w="12700" cap="flat" cmpd="sng" algn="ctr">
+                      <a:noFill/>
+                      <a:prstDash val="sysDot"/>
+                      <a:round/>
+                      <a:headEnd type="none" w="med" len="med"/>
+                      <a:tailEnd type="none" w="med" len="med"/>
+                    </a:lnL>
+                    <a:lnR w="12700" cap="flat" cmpd="sng" algn="ctr">
+                      <a:solidFill>
+                        <a:scrgbClr r="0" g="0" b="0"/>
+                      </a:solidFill>
+                      <a:prstDash val="solid"/>
+                      <a:round/>
+                      <a:headEnd type="none" w="med" len="med"/>
+                      <a:tailEnd type="none" w="med" len="med"/>
+                    </a:lnR>
+                    <a:lnT w="12700" cap="flat" cmpd="sng" algn="ctr">
+                      <a:solidFill>
+                        <a:scrgbClr r="0" g="0" b="0"/>
+                      </a:solidFill>
+                      <a:prstDash val="sysDot"/>
+                      <a:round/>
+                      <a:headEnd type="none" w="med" len="med"/>
+                      <a:tailEnd type="none" w="med" len="med"/>
+                    </a:lnT>
+                    <a:lnB w="12700" cap="flat" cmpd="sng" algn="ctr">
+                      <a:solidFill>
+                        <a:scrgbClr r="0" g="0" b="0"/>
+                      </a:solidFill>
+                      <a:prstDash val="sysDot"/>
+                      <a:round/>
+                      <a:headEnd type="none" w="med" len="med"/>
+                      <a:tailEnd type="none" w="med" len="med"/>
+                    </a:lnB>
+                    <a:noFill/>
+                  </a:tcPr>
+                </a:tc>
+              </a:tr>
+              <a:tr h="218988">
+                <a:tc>
+                  <a:txBody>
+                    <a:bodyPr/>
+                    <a:lstStyle/>
+                    <a:p>
+                      <a:pPr marL="457200" marR="0" lvl="1" indent="0" algn="l" defTabSz="457200" rtl="0" eaLnBrk="1" fontAlgn="auto" latinLnBrk="0" hangingPunct="1">
+                        <a:lnSpc>
+                          <a:spcPct val="100000"/>
+                        </a:lnSpc>
+                        <a:spcBef>
+                          <a:spcPts val="0"/>
+                        </a:spcBef>
+                        <a:spcAft>
+                          <a:spcPts val="0"/>
+                        </a:spcAft>
+                        <a:buClrTx/>
+                        <a:buSzTx/>
+                        <a:buFontTx/>
+                        <a:buNone/>
+                        <a:tabLst/>
+                        <a:defRPr/>
+                      </a:pPr>
+                      <a:r>
+                        <a:rPr lang="en-US" sz="1000" b="0" dirty="0" err="1" smtClean="0">
+                          <a:solidFill>
+                            <a:schemeClr val="tx1"/>
+                          </a:solidFill>
+                        </a:rPr>
+                        <a:t>daily_execution</a:t>
+                      </a:r>
+                      <a:r>
+                        <a:rPr lang="en-US" sz="1000" b="0" dirty="0" smtClean="0">
+                          <a:solidFill>
+                            <a:schemeClr val="tx1"/>
+                          </a:solidFill>
+                        </a:rPr>
+                        <a:t>()</a:t>
+                      </a:r>
+                    </a:p>
+                  </a:txBody>
+                  <a:tcPr>
+                    <a:lnL w="12700" cap="flat" cmpd="sng" algn="ctr">
+                      <a:solidFill>
+                        <a:scrgbClr r="0" g="0" b="0"/>
+                      </a:solidFill>
+                      <a:prstDash val="solid"/>
+                      <a:round/>
+                      <a:headEnd type="none" w="med" len="med"/>
+                      <a:tailEnd type="none" w="med" len="med"/>
+                    </a:lnL>
+                    <a:lnR w="12700" cap="flat" cmpd="sng" algn="ctr">
+                      <a:noFill/>
+                      <a:prstDash val="sysDot"/>
+                      <a:round/>
+                      <a:headEnd type="none" w="med" len="med"/>
+                      <a:tailEnd type="none" w="med" len="med"/>
+                    </a:lnR>
+                    <a:lnT w="12700" cap="flat" cmpd="sng" algn="ctr">
+                      <a:solidFill>
+                        <a:scrgbClr r="0" g="0" b="0"/>
+                      </a:solidFill>
+                      <a:prstDash val="sysDot"/>
+                      <a:round/>
+                      <a:headEnd type="none" w="med" len="med"/>
+                      <a:tailEnd type="none" w="med" len="med"/>
+                    </a:lnT>
+                    <a:lnB w="12700" cap="flat" cmpd="sng" algn="ctr">
+                      <a:solidFill>
+                        <a:scrgbClr r="0" g="0" b="0"/>
+                      </a:solidFill>
+                      <a:prstDash val="sysDot"/>
+                      <a:round/>
+                      <a:headEnd type="none" w="med" len="med"/>
+                      <a:tailEnd type="none" w="med" len="med"/>
+                    </a:lnB>
+                    <a:noFill/>
+                  </a:tcPr>
+                </a:tc>
+                <a:tc>
+                  <a:txBody>
+                    <a:bodyPr/>
+                    <a:lstStyle/>
+                    <a:p>
+                      <a:pPr marL="0" marR="0" lvl="0" indent="0" algn="l" defTabSz="457200" rtl="0" eaLnBrk="1" fontAlgn="auto" latinLnBrk="0" hangingPunct="1">
+                        <a:lnSpc>
+                          <a:spcPct val="100000"/>
+                        </a:lnSpc>
+                        <a:spcBef>
+                          <a:spcPts val="0"/>
+                        </a:spcBef>
+                        <a:spcAft>
+                          <a:spcPts val="0"/>
+                        </a:spcAft>
+                        <a:buClrTx/>
+                        <a:buSzTx/>
+                        <a:buFontTx/>
+                        <a:buNone/>
+                        <a:tabLst/>
+                        <a:defRPr/>
+                      </a:pPr>
+                      <a:r>
+                        <a:rPr lang="en-US" sz="1000" b="0" dirty="0" smtClean="0">
+                          <a:solidFill>
+                            <a:schemeClr val="tx1"/>
+                          </a:solidFill>
+                        </a:rPr>
+                        <a:t>Execute</a:t>
+                      </a:r>
+                      <a:r>
+                        <a:rPr lang="en-US" sz="1000" b="0" baseline="0" dirty="0" smtClean="0">
+                          <a:solidFill>
+                            <a:schemeClr val="tx1"/>
+                          </a:solidFill>
+                        </a:rPr>
+                        <a:t> all orders that have submitted last day</a:t>
+                      </a:r>
+                      <a:endParaRPr lang="en-US" sz="1000" b="0" dirty="0" smtClean="0">
+                        <a:solidFill>
+                          <a:schemeClr val="tx1"/>
+                        </a:solidFill>
+                      </a:endParaRPr>
+                    </a:p>
+                  </a:txBody>
+                  <a:tcPr>
+                    <a:lnL w="12700" cap="flat" cmpd="sng" algn="ctr">
+                      <a:noFill/>
+                      <a:prstDash val="sysDot"/>
+                      <a:round/>
+                      <a:headEnd type="none" w="med" len="med"/>
+                      <a:tailEnd type="none" w="med" len="med"/>
+                    </a:lnL>
+                    <a:lnR w="12700" cap="flat" cmpd="sng" algn="ctr">
+                      <a:solidFill>
+                        <a:scrgbClr r="0" g="0" b="0"/>
+                      </a:solidFill>
+                      <a:prstDash val="solid"/>
+                      <a:round/>
+                      <a:headEnd type="none" w="med" len="med"/>
+                      <a:tailEnd type="none" w="med" len="med"/>
+                    </a:lnR>
+                    <a:lnT w="12700" cap="flat" cmpd="sng" algn="ctr">
+                      <a:solidFill>
+                        <a:scrgbClr r="0" g="0" b="0"/>
+                      </a:solidFill>
+                      <a:prstDash val="sysDot"/>
+                      <a:round/>
+                      <a:headEnd type="none" w="med" len="med"/>
+                      <a:tailEnd type="none" w="med" len="med"/>
+                    </a:lnT>
+                    <a:lnB w="12700" cap="flat" cmpd="sng" algn="ctr">
+                      <a:solidFill>
+                        <a:scrgbClr r="0" g="0" b="0"/>
+                      </a:solidFill>
+                      <a:prstDash val="sysDot"/>
+                      <a:round/>
+                      <a:headEnd type="none" w="med" len="med"/>
+                      <a:tailEnd type="none" w="med" len="med"/>
+                    </a:lnB>
+                    <a:noFill/>
+                  </a:tcPr>
+                </a:tc>
+              </a:tr>
+              <a:tr h="218988">
+                <a:tc>
+                  <a:txBody>
+                    <a:bodyPr/>
+                    <a:lstStyle/>
+                    <a:p>
+                      <a:pPr marL="457200" marR="0" lvl="1" indent="0" algn="l" defTabSz="457200" rtl="0" eaLnBrk="1" fontAlgn="auto" latinLnBrk="0" hangingPunct="1">
+                        <a:lnSpc>
+                          <a:spcPct val="100000"/>
+                        </a:lnSpc>
+                        <a:spcBef>
+                          <a:spcPts val="0"/>
+                        </a:spcBef>
+                        <a:spcAft>
+                          <a:spcPts val="0"/>
+                        </a:spcAft>
+                        <a:buClrTx/>
+                        <a:buSzTx/>
+                        <a:buFontTx/>
+                        <a:buNone/>
+                        <a:tabLst/>
+                        <a:defRPr/>
+                      </a:pPr>
+                      <a:r>
+                        <a:rPr lang="en-US" sz="1000" b="0" dirty="0" smtClean="0">
+                          <a:solidFill>
+                            <a:schemeClr val="tx1"/>
+                          </a:solidFill>
+                        </a:rPr>
+                        <a:t>If today is EOD:</a:t>
+                      </a:r>
+                    </a:p>
+                  </a:txBody>
+                  <a:tcPr>
+                    <a:lnL w="12700" cap="flat" cmpd="sng" algn="ctr">
+                      <a:solidFill>
+                        <a:scrgbClr r="0" g="0" b="0"/>
+                      </a:solidFill>
+                      <a:prstDash val="solid"/>
+                      <a:round/>
+                      <a:headEnd type="none" w="med" len="med"/>
+                      <a:tailEnd type="none" w="med" len="med"/>
+                    </a:lnL>
+                    <a:lnR w="12700" cap="flat" cmpd="sng" algn="ctr">
+                      <a:noFill/>
+                      <a:prstDash val="sysDot"/>
+                      <a:round/>
+                      <a:headEnd type="none" w="med" len="med"/>
+                      <a:tailEnd type="none" w="med" len="med"/>
+                    </a:lnR>
+                    <a:lnT w="12700" cap="flat" cmpd="sng" algn="ctr">
+                      <a:solidFill>
+                        <a:scrgbClr r="0" g="0" b="0"/>
+                      </a:solidFill>
+                      <a:prstDash val="sysDot"/>
+                      <a:round/>
+                      <a:headEnd type="none" w="med" len="med"/>
+                      <a:tailEnd type="none" w="med" len="med"/>
+                    </a:lnT>
+                    <a:lnB w="12700" cap="flat" cmpd="sng" algn="ctr">
+                      <a:solidFill>
+                        <a:scrgbClr r="0" g="0" b="0"/>
+                      </a:solidFill>
+                      <a:prstDash val="sysDot"/>
+                      <a:round/>
+                      <a:headEnd type="none" w="med" len="med"/>
+                      <a:tailEnd type="none" w="med" len="med"/>
+                    </a:lnB>
+                    <a:noFill/>
+                  </a:tcPr>
+                </a:tc>
+                <a:tc>
+                  <a:txBody>
+                    <a:bodyPr/>
+                    <a:lstStyle/>
+                    <a:p>
+                      <a:pPr marL="0" marR="0" lvl="0" indent="0" algn="l" defTabSz="457200" rtl="0" eaLnBrk="1" fontAlgn="auto" latinLnBrk="0" hangingPunct="1">
+                        <a:lnSpc>
+                          <a:spcPct val="100000"/>
+                        </a:lnSpc>
+                        <a:spcBef>
+                          <a:spcPts val="0"/>
+                        </a:spcBef>
+                        <a:spcAft>
+                          <a:spcPts val="0"/>
+                        </a:spcAft>
+                        <a:buClrTx/>
+                        <a:buSzTx/>
+                        <a:buFontTx/>
+                        <a:buNone/>
+                        <a:tabLst/>
+                        <a:defRPr/>
+                      </a:pPr>
+                      <a:r>
+                        <a:rPr lang="en-US" sz="1000" b="0" dirty="0" smtClean="0">
+                          <a:solidFill>
+                            <a:schemeClr val="tx1"/>
+                          </a:solidFill>
+                        </a:rPr>
+                        <a:t>For each EOM,</a:t>
+                      </a:r>
+                    </a:p>
+                  </a:txBody>
+                  <a:tcPr>
+                    <a:lnL w="12700" cap="flat" cmpd="sng" algn="ctr">
+                      <a:noFill/>
+                      <a:prstDash val="sysDot"/>
+                      <a:round/>
+                      <a:headEnd type="none" w="med" len="med"/>
+                      <a:tailEnd type="none" w="med" len="med"/>
+                    </a:lnL>
+                    <a:lnR w="12700" cap="flat" cmpd="sng" algn="ctr">
+                      <a:solidFill>
+                        <a:scrgbClr r="0" g="0" b="0"/>
+                      </a:solidFill>
+                      <a:prstDash val="solid"/>
+                      <a:round/>
+                      <a:headEnd type="none" w="med" len="med"/>
+                      <a:tailEnd type="none" w="med" len="med"/>
+                    </a:lnR>
+                    <a:lnT w="12700" cap="flat" cmpd="sng" algn="ctr">
+                      <a:solidFill>
+                        <a:scrgbClr r="0" g="0" b="0"/>
+                      </a:solidFill>
+                      <a:prstDash val="sysDot"/>
+                      <a:round/>
+                      <a:headEnd type="none" w="med" len="med"/>
+                      <a:tailEnd type="none" w="med" len="med"/>
+                    </a:lnT>
+                    <a:lnB w="12700" cap="flat" cmpd="sng" algn="ctr">
+                      <a:solidFill>
+                        <a:scrgbClr r="0" g="0" b="0"/>
+                      </a:solidFill>
+                      <a:prstDash val="sysDot"/>
+                      <a:round/>
+                      <a:headEnd type="none" w="med" len="med"/>
+                      <a:tailEnd type="none" w="med" len="med"/>
+                    </a:lnB>
+                    <a:noFill/>
+                  </a:tcPr>
+                </a:tc>
+              </a:tr>
+              <a:tr h="218988">
+                <a:tc>
+                  <a:txBody>
+                    <a:bodyPr/>
+                    <a:lstStyle/>
+                    <a:p>
+                      <a:pPr marL="914400" marR="0" lvl="2" indent="0" algn="l" defTabSz="457200" rtl="0" eaLnBrk="1" fontAlgn="auto" latinLnBrk="0" hangingPunct="1">
+                        <a:lnSpc>
+                          <a:spcPct val="100000"/>
+                        </a:lnSpc>
+                        <a:spcBef>
+                          <a:spcPts val="0"/>
+                        </a:spcBef>
+                        <a:spcAft>
+                          <a:spcPts val="0"/>
+                        </a:spcAft>
+                        <a:buClrTx/>
+                        <a:buSzTx/>
+                        <a:buFontTx/>
+                        <a:buNone/>
+                        <a:tabLst/>
+                        <a:defRPr/>
+                      </a:pPr>
+                      <a:r>
+                        <a:rPr lang="en-US" sz="1000" b="0" dirty="0" err="1" smtClean="0">
+                          <a:solidFill>
+                            <a:schemeClr val="tx1"/>
+                          </a:solidFill>
+                        </a:rPr>
+                        <a:t>monthly_estimation</a:t>
+                      </a:r>
+                      <a:r>
+                        <a:rPr lang="en-US" sz="1000" b="0" dirty="0" smtClean="0">
+                          <a:solidFill>
+                            <a:schemeClr val="tx1"/>
+                          </a:solidFill>
+                        </a:rPr>
+                        <a:t>()</a:t>
+                      </a:r>
+                    </a:p>
+                  </a:txBody>
+                  <a:tcPr>
+                    <a:lnL w="12700" cap="flat" cmpd="sng" algn="ctr">
+                      <a:solidFill>
+                        <a:scrgbClr r="0" g="0" b="0"/>
+                      </a:solidFill>
+                      <a:prstDash val="solid"/>
+                      <a:round/>
+                      <a:headEnd type="none" w="med" len="med"/>
+                      <a:tailEnd type="none" w="med" len="med"/>
+                    </a:lnL>
+                    <a:lnR w="12700" cap="flat" cmpd="sng" algn="ctr">
+                      <a:noFill/>
+                      <a:prstDash val="sysDot"/>
+                      <a:round/>
+                      <a:headEnd type="none" w="med" len="med"/>
+                      <a:tailEnd type="none" w="med" len="med"/>
+                    </a:lnR>
+                    <a:lnT w="12700" cap="flat" cmpd="sng" algn="ctr">
+                      <a:solidFill>
+                        <a:scrgbClr r="0" g="0" b="0"/>
+                      </a:solidFill>
+                      <a:prstDash val="sysDot"/>
+                      <a:round/>
+                      <a:headEnd type="none" w="med" len="med"/>
+                      <a:tailEnd type="none" w="med" len="med"/>
+                    </a:lnT>
+                    <a:lnB w="12700" cap="flat" cmpd="sng" algn="ctr">
+                      <a:solidFill>
+                        <a:scrgbClr r="0" g="0" b="0"/>
+                      </a:solidFill>
+                      <a:prstDash val="sysDot"/>
+                      <a:round/>
+                      <a:headEnd type="none" w="med" len="med"/>
+                      <a:tailEnd type="none" w="med" len="med"/>
+                    </a:lnB>
+                    <a:noFill/>
+                  </a:tcPr>
+                </a:tc>
+                <a:tc>
+                  <a:txBody>
+                    <a:bodyPr/>
+                    <a:lstStyle/>
+                    <a:p>
+                      <a:pPr marL="0" marR="0" lvl="0" indent="0" algn="l" defTabSz="457200" rtl="0" eaLnBrk="1" fontAlgn="auto" latinLnBrk="0" hangingPunct="1">
+                        <a:lnSpc>
+                          <a:spcPct val="100000"/>
+                        </a:lnSpc>
+                        <a:spcBef>
+                          <a:spcPts val="0"/>
+                        </a:spcBef>
+                        <a:spcAft>
+                          <a:spcPts val="0"/>
+                        </a:spcAft>
+                        <a:buClrTx/>
+                        <a:buSzTx/>
+                        <a:buFontTx/>
+                        <a:buNone/>
+                        <a:tabLst/>
+                        <a:defRPr/>
+                      </a:pPr>
+                      <a:r>
+                        <a:rPr lang="en-US" sz="1000" b="0" dirty="0" smtClean="0">
+                          <a:solidFill>
+                            <a:schemeClr val="tx1"/>
+                          </a:solidFill>
+                        </a:rPr>
+                        <a:t>Estimate</a:t>
+                      </a:r>
+                      <a:r>
+                        <a:rPr lang="en-US" sz="1000" b="0" baseline="0" dirty="0" smtClean="0">
+                          <a:solidFill>
+                            <a:schemeClr val="tx1"/>
+                          </a:solidFill>
+                        </a:rPr>
+                        <a:t> the future direction</a:t>
+                      </a:r>
+                    </a:p>
+                  </a:txBody>
+                  <a:tcPr>
+                    <a:lnL w="12700" cap="flat" cmpd="sng" algn="ctr">
+                      <a:noFill/>
+                      <a:prstDash val="sysDot"/>
+                      <a:round/>
+                      <a:headEnd type="none" w="med" len="med"/>
+                      <a:tailEnd type="none" w="med" len="med"/>
+                    </a:lnL>
+                    <a:lnR w="12700" cap="flat" cmpd="sng" algn="ctr">
+                      <a:solidFill>
+                        <a:scrgbClr r="0" g="0" b="0"/>
+                      </a:solidFill>
+                      <a:prstDash val="solid"/>
+                      <a:round/>
+                      <a:headEnd type="none" w="med" len="med"/>
+                      <a:tailEnd type="none" w="med" len="med"/>
+                    </a:lnR>
+                    <a:lnT w="12700" cap="flat" cmpd="sng" algn="ctr">
+                      <a:solidFill>
+                        <a:scrgbClr r="0" g="0" b="0"/>
+                      </a:solidFill>
+                      <a:prstDash val="sysDot"/>
+                      <a:round/>
+                      <a:headEnd type="none" w="med" len="med"/>
+                      <a:tailEnd type="none" w="med" len="med"/>
+                    </a:lnT>
+                    <a:lnB w="12700" cap="flat" cmpd="sng" algn="ctr">
+                      <a:solidFill>
+                        <a:scrgbClr r="0" g="0" b="0"/>
+                      </a:solidFill>
+                      <a:prstDash val="sysDot"/>
+                      <a:round/>
+                      <a:headEnd type="none" w="med" len="med"/>
+                      <a:tailEnd type="none" w="med" len="med"/>
+                    </a:lnB>
+                    <a:noFill/>
+                  </a:tcPr>
+                </a:tc>
+              </a:tr>
+              <a:tr h="218988">
+                <a:tc>
+                  <a:txBody>
+                    <a:bodyPr/>
+                    <a:lstStyle/>
+                    <a:p>
+                      <a:pPr marL="914400" marR="0" lvl="2" indent="0" algn="l" defTabSz="457200" rtl="0" eaLnBrk="1" fontAlgn="auto" latinLnBrk="0" hangingPunct="1">
+                        <a:lnSpc>
+                          <a:spcPct val="100000"/>
+                        </a:lnSpc>
+                        <a:spcBef>
+                          <a:spcPts val="0"/>
+                        </a:spcBef>
+                        <a:spcAft>
+                          <a:spcPts val="0"/>
+                        </a:spcAft>
+                        <a:buClrTx/>
+                        <a:buSzTx/>
+                        <a:buFontTx/>
+                        <a:buNone/>
+                        <a:tabLst/>
+                        <a:defRPr/>
+                      </a:pPr>
+                      <a:r>
+                        <a:rPr lang="en-US" sz="1000" b="0" dirty="0" err="1" smtClean="0">
+                          <a:solidFill>
+                            <a:schemeClr val="tx1"/>
+                          </a:solidFill>
+                        </a:rPr>
+                        <a:t>monthly_allocation</a:t>
+                      </a:r>
+                      <a:r>
+                        <a:rPr lang="en-US" sz="1000" b="0" dirty="0" smtClean="0">
+                          <a:solidFill>
+                            <a:schemeClr val="tx1"/>
+                          </a:solidFill>
+                        </a:rPr>
+                        <a:t>()</a:t>
+                      </a:r>
+                    </a:p>
+                  </a:txBody>
+                  <a:tcPr>
+                    <a:lnL w="12700" cap="flat" cmpd="sng" algn="ctr">
+                      <a:solidFill>
+                        <a:scrgbClr r="0" g="0" b="0"/>
+                      </a:solidFill>
+                      <a:prstDash val="solid"/>
+                      <a:round/>
+                      <a:headEnd type="none" w="med" len="med"/>
+                      <a:tailEnd type="none" w="med" len="med"/>
+                    </a:lnL>
+                    <a:lnR w="12700" cap="flat" cmpd="sng" algn="ctr">
+                      <a:noFill/>
+                      <a:prstDash val="sysDot"/>
+                      <a:round/>
+                      <a:headEnd type="none" w="med" len="med"/>
+                      <a:tailEnd type="none" w="med" len="med"/>
+                    </a:lnR>
+                    <a:lnT w="12700" cap="flat" cmpd="sng" algn="ctr">
+                      <a:solidFill>
+                        <a:scrgbClr r="0" g="0" b="0"/>
+                      </a:solidFill>
+                      <a:prstDash val="sysDot"/>
+                      <a:round/>
+                      <a:headEnd type="none" w="med" len="med"/>
+                      <a:tailEnd type="none" w="med" len="med"/>
+                    </a:lnT>
+                    <a:lnB w="12700" cap="flat" cmpd="sng" algn="ctr">
+                      <a:solidFill>
+                        <a:scrgbClr r="0" g="0" b="0"/>
+                      </a:solidFill>
+                      <a:prstDash val="sysDot"/>
+                      <a:round/>
+                      <a:headEnd type="none" w="med" len="med"/>
+                      <a:tailEnd type="none" w="med" len="med"/>
+                    </a:lnB>
+                    <a:noFill/>
+                  </a:tcPr>
+                </a:tc>
+                <a:tc>
+                  <a:txBody>
+                    <a:bodyPr/>
+                    <a:lstStyle/>
+                    <a:p>
+                      <a:pPr marL="0" marR="0" lvl="0" indent="0" algn="l" defTabSz="457200" rtl="0" eaLnBrk="1" fontAlgn="auto" latinLnBrk="0" hangingPunct="1">
+                        <a:lnSpc>
+                          <a:spcPct val="100000"/>
+                        </a:lnSpc>
+                        <a:spcBef>
+                          <a:spcPts val="0"/>
+                        </a:spcBef>
+                        <a:spcAft>
+                          <a:spcPts val="0"/>
+                        </a:spcAft>
+                        <a:buClrTx/>
+                        <a:buSzTx/>
+                        <a:buFontTx/>
+                        <a:buNone/>
+                        <a:tabLst/>
+                        <a:defRPr/>
+                      </a:pPr>
+                      <a:r>
+                        <a:rPr lang="en-US" sz="1000" b="0" baseline="0" dirty="0" smtClean="0">
+                          <a:solidFill>
+                            <a:schemeClr val="tx1"/>
+                          </a:solidFill>
+                        </a:rPr>
+                        <a:t>Allocate asset weight according to the estimate (set target weight)</a:t>
+                      </a:r>
+                      <a:endParaRPr lang="en-US" sz="1000" b="0" dirty="0" smtClean="0">
+                        <a:solidFill>
+                          <a:schemeClr val="tx1"/>
+                        </a:solidFill>
+                      </a:endParaRPr>
+                    </a:p>
+                  </a:txBody>
+                  <a:tcPr>
+                    <a:lnL w="12700" cap="flat" cmpd="sng" algn="ctr">
+                      <a:noFill/>
+                      <a:prstDash val="sysDot"/>
+                      <a:round/>
+                      <a:headEnd type="none" w="med" len="med"/>
+                      <a:tailEnd type="none" w="med" len="med"/>
+                    </a:lnL>
+                    <a:lnR w="12700" cap="flat" cmpd="sng" algn="ctr">
+                      <a:solidFill>
+                        <a:scrgbClr r="0" g="0" b="0"/>
+                      </a:solidFill>
+                      <a:prstDash val="solid"/>
+                      <a:round/>
+                      <a:headEnd type="none" w="med" len="med"/>
+                      <a:tailEnd type="none" w="med" len="med"/>
+                    </a:lnR>
+                    <a:lnT w="12700" cap="flat" cmpd="sng" algn="ctr">
+                      <a:solidFill>
+                        <a:scrgbClr r="0" g="0" b="0"/>
+                      </a:solidFill>
+                      <a:prstDash val="sysDot"/>
+                      <a:round/>
+                      <a:headEnd type="none" w="med" len="med"/>
+                      <a:tailEnd type="none" w="med" len="med"/>
+                    </a:lnT>
+                    <a:lnB w="12700" cap="flat" cmpd="sng" algn="ctr">
+                      <a:solidFill>
+                        <a:scrgbClr r="0" g="0" b="0"/>
+                      </a:solidFill>
+                      <a:prstDash val="sysDot"/>
+                      <a:round/>
+                      <a:headEnd type="none" w="med" len="med"/>
+                      <a:tailEnd type="none" w="med" len="med"/>
+                    </a:lnB>
+                    <a:noFill/>
+                  </a:tcPr>
+                </a:tc>
+              </a:tr>
+              <a:tr h="218988">
+                <a:tc>
+                  <a:txBody>
+                    <a:bodyPr/>
+                    <a:lstStyle/>
+                    <a:p>
+                      <a:pPr marL="457200" marR="0" lvl="1" indent="0" algn="l" defTabSz="457200" rtl="0" eaLnBrk="1" fontAlgn="auto" latinLnBrk="0" hangingPunct="1">
+                        <a:lnSpc>
+                          <a:spcPct val="100000"/>
+                        </a:lnSpc>
+                        <a:spcBef>
+                          <a:spcPts val="0"/>
+                        </a:spcBef>
+                        <a:spcAft>
+                          <a:spcPts val="0"/>
+                        </a:spcAft>
+                        <a:buClrTx/>
+                        <a:buSzTx/>
+                        <a:buFontTx/>
+                        <a:buNone/>
+                        <a:tabLst/>
+                        <a:defRPr/>
+                      </a:pPr>
+                      <a:r>
+                        <a:rPr lang="en-US" sz="1000" b="0" dirty="0" err="1" smtClean="0">
+                          <a:solidFill>
+                            <a:schemeClr val="tx1"/>
+                          </a:solidFill>
+                        </a:rPr>
+                        <a:t>daily_settlement</a:t>
+                      </a:r>
+                      <a:r>
+                        <a:rPr lang="en-US" sz="1000" b="0" dirty="0" smtClean="0">
+                          <a:solidFill>
+                            <a:schemeClr val="tx1"/>
+                          </a:solidFill>
+                        </a:rPr>
+                        <a:t>()</a:t>
+                      </a:r>
+                    </a:p>
+                  </a:txBody>
+                  <a:tcPr>
+                    <a:lnL w="12700" cap="flat" cmpd="sng" algn="ctr">
+                      <a:solidFill>
+                        <a:scrgbClr r="0" g="0" b="0"/>
+                      </a:solidFill>
+                      <a:prstDash val="solid"/>
+                      <a:round/>
+                      <a:headEnd type="none" w="med" len="med"/>
+                      <a:tailEnd type="none" w="med" len="med"/>
+                    </a:lnL>
+                    <a:lnR w="12700" cap="flat" cmpd="sng" algn="ctr">
+                      <a:noFill/>
+                      <a:prstDash val="sysDot"/>
+                      <a:round/>
+                      <a:headEnd type="none" w="med" len="med"/>
+                      <a:tailEnd type="none" w="med" len="med"/>
+                    </a:lnR>
+                    <a:lnT w="12700" cap="flat" cmpd="sng" algn="ctr">
+                      <a:solidFill>
+                        <a:scrgbClr r="0" g="0" b="0"/>
+                      </a:solidFill>
+                      <a:prstDash val="sysDot"/>
+                      <a:round/>
+                      <a:headEnd type="none" w="med" len="med"/>
+                      <a:tailEnd type="none" w="med" len="med"/>
+                    </a:lnT>
+                    <a:lnB w="12700" cap="flat" cmpd="sng" algn="ctr">
+                      <a:solidFill>
+                        <a:scrgbClr r="0" g="0" b="0"/>
+                      </a:solidFill>
+                      <a:prstDash val="sysDot"/>
+                      <a:round/>
+                      <a:headEnd type="none" w="med" len="med"/>
+                      <a:tailEnd type="none" w="med" len="med"/>
+                    </a:lnB>
+                    <a:noFill/>
+                  </a:tcPr>
+                </a:tc>
+                <a:tc>
+                  <a:txBody>
+                    <a:bodyPr/>
+                    <a:lstStyle/>
+                    <a:p>
+                      <a:pPr marL="0" marR="0" lvl="0" indent="0" algn="l" defTabSz="457200" rtl="0" eaLnBrk="1" fontAlgn="auto" latinLnBrk="0" hangingPunct="1">
+                        <a:lnSpc>
+                          <a:spcPct val="100000"/>
+                        </a:lnSpc>
+                        <a:spcBef>
+                          <a:spcPts val="0"/>
+                        </a:spcBef>
+                        <a:spcAft>
+                          <a:spcPts val="0"/>
+                        </a:spcAft>
+                        <a:buClrTx/>
+                        <a:buSzTx/>
+                        <a:buFontTx/>
+                        <a:buNone/>
+                        <a:tabLst/>
+                        <a:defRPr/>
+                      </a:pPr>
+                      <a:endParaRPr lang="en-US" sz="1000" b="0" dirty="0" smtClean="0">
+                        <a:solidFill>
+                          <a:schemeClr val="tx1"/>
+                        </a:solidFill>
+                      </a:endParaRPr>
+                    </a:p>
+                  </a:txBody>
+                  <a:tcPr>
+                    <a:lnL w="12700" cap="flat" cmpd="sng" algn="ctr">
+                      <a:noFill/>
+                      <a:prstDash val="sysDot"/>
+                      <a:round/>
+                      <a:headEnd type="none" w="med" len="med"/>
+                      <a:tailEnd type="none" w="med" len="med"/>
+                    </a:lnL>
+                    <a:lnR w="12700" cap="flat" cmpd="sng" algn="ctr">
+                      <a:solidFill>
+                        <a:scrgbClr r="0" g="0" b="0"/>
+                      </a:solidFill>
+                      <a:prstDash val="solid"/>
+                      <a:round/>
+                      <a:headEnd type="none" w="med" len="med"/>
+                      <a:tailEnd type="none" w="med" len="med"/>
+                    </a:lnR>
+                    <a:lnT w="12700" cap="flat" cmpd="sng" algn="ctr">
+                      <a:solidFill>
+                        <a:scrgbClr r="0" g="0" b="0"/>
+                      </a:solidFill>
+                      <a:prstDash val="sysDot"/>
+                      <a:round/>
+                      <a:headEnd type="none" w="med" len="med"/>
+                      <a:tailEnd type="none" w="med" len="med"/>
+                    </a:lnT>
+                    <a:lnB w="12700" cap="flat" cmpd="sng" algn="ctr">
+                      <a:solidFill>
+                        <a:scrgbClr r="0" g="0" b="0"/>
+                      </a:solidFill>
+                      <a:prstDash val="sysDot"/>
+                      <a:round/>
+                      <a:headEnd type="none" w="med" len="med"/>
+                      <a:tailEnd type="none" w="med" len="med"/>
+                    </a:lnB>
+                    <a:noFill/>
+                  </a:tcPr>
+                </a:tc>
+              </a:tr>
+              <a:tr h="218988">
+                <a:tc>
+                  <a:txBody>
+                    <a:bodyPr/>
+                    <a:lstStyle/>
+                    <a:p>
+                      <a:pPr marL="0" marR="0" lvl="0" indent="0" algn="l" defTabSz="457200" rtl="0" eaLnBrk="1" fontAlgn="auto" latinLnBrk="0" hangingPunct="1">
+                        <a:lnSpc>
+                          <a:spcPct val="100000"/>
+                        </a:lnSpc>
+                        <a:spcBef>
+                          <a:spcPts val="0"/>
+                        </a:spcBef>
+                        <a:spcAft>
+                          <a:spcPts val="0"/>
+                        </a:spcAft>
+                        <a:buClrTx/>
+                        <a:buSzTx/>
+                        <a:buFontTx/>
+                        <a:buNone/>
+                        <a:tabLst/>
+                        <a:defRPr/>
+                      </a:pPr>
+                      <a:r>
+                        <a:rPr lang="en-US" sz="1000" b="0" dirty="0" smtClean="0">
+                          <a:solidFill>
+                            <a:schemeClr val="tx1"/>
+                          </a:solidFill>
+                        </a:rPr>
+                        <a:t>summary()</a:t>
+                      </a:r>
+                    </a:p>
+                  </a:txBody>
+                  <a:tcPr>
+                    <a:lnL w="12700" cap="flat" cmpd="sng" algn="ctr">
+                      <a:solidFill>
+                        <a:scrgbClr r="0" g="0" b="0"/>
+                      </a:solidFill>
+                      <a:prstDash val="solid"/>
+                      <a:round/>
+                      <a:headEnd type="none" w="med" len="med"/>
+                      <a:tailEnd type="none" w="med" len="med"/>
+                    </a:lnL>
+                    <a:lnR w="12700" cap="flat" cmpd="sng" algn="ctr">
+                      <a:noFill/>
+                      <a:prstDash val="sysDot"/>
+                      <a:round/>
+                      <a:headEnd type="none" w="med" len="med"/>
+                      <a:tailEnd type="none" w="med" len="med"/>
+                    </a:lnR>
+                    <a:lnT w="12700" cap="flat" cmpd="sng" algn="ctr">
+                      <a:solidFill>
+                        <a:scrgbClr r="0" g="0" b="0"/>
+                      </a:solidFill>
+                      <a:prstDash val="sysDot"/>
+                      <a:round/>
+                      <a:headEnd type="none" w="med" len="med"/>
+                      <a:tailEnd type="none" w="med" len="med"/>
+                    </a:lnT>
+                    <a:lnB w="12700" cap="flat" cmpd="sng" algn="ctr">
+                      <a:solidFill>
+                        <a:scrgbClr r="0" g="0" b="0"/>
+                      </a:solidFill>
+                      <a:prstDash val="solid"/>
+                      <a:round/>
+                      <a:headEnd type="none" w="med" len="med"/>
+                      <a:tailEnd type="none" w="med" len="med"/>
+                    </a:lnB>
+                    <a:noFill/>
+                  </a:tcPr>
+                </a:tc>
+                <a:tc>
+                  <a:txBody>
+                    <a:bodyPr/>
+                    <a:lstStyle/>
+                    <a:p>
+                      <a:pPr marL="0" marR="0" lvl="0" indent="0" algn="l" defTabSz="457200" rtl="0" eaLnBrk="1" fontAlgn="auto" latinLnBrk="0" hangingPunct="1">
+                        <a:lnSpc>
+                          <a:spcPct val="100000"/>
+                        </a:lnSpc>
+                        <a:spcBef>
+                          <a:spcPts val="0"/>
+                        </a:spcBef>
+                        <a:spcAft>
+                          <a:spcPts val="0"/>
+                        </a:spcAft>
+                        <a:buClrTx/>
+                        <a:buSzTx/>
+                        <a:buFontTx/>
+                        <a:buNone/>
+                        <a:tabLst/>
+                        <a:defRPr/>
+                      </a:pPr>
+                      <a:r>
+                        <a:rPr lang="en-US" sz="1000" b="0" dirty="0" smtClean="0">
+                          <a:solidFill>
+                            <a:schemeClr val="tx1"/>
+                          </a:solidFill>
+                        </a:rPr>
+                        <a:t>Summarize trading</a:t>
+                      </a:r>
+                      <a:r>
+                        <a:rPr lang="en-US" sz="1000" b="0" baseline="0" dirty="0" smtClean="0">
+                          <a:solidFill>
+                            <a:schemeClr val="tx1"/>
+                          </a:solidFill>
+                        </a:rPr>
+                        <a:t> result</a:t>
+                      </a:r>
+                      <a:endParaRPr lang="en-US" sz="1000" b="0" dirty="0" smtClean="0">
+                        <a:solidFill>
+                          <a:schemeClr val="tx1"/>
+                        </a:solidFill>
+                      </a:endParaRPr>
+                    </a:p>
+                  </a:txBody>
+                  <a:tcPr>
+                    <a:lnL w="12700" cap="flat" cmpd="sng" algn="ctr">
+                      <a:noFill/>
+                      <a:prstDash val="sysDot"/>
+                      <a:round/>
+                      <a:headEnd type="none" w="med" len="med"/>
+                      <a:tailEnd type="none" w="med" len="med"/>
+                    </a:lnL>
+                    <a:lnR w="12700" cap="flat" cmpd="sng" algn="ctr">
+                      <a:solidFill>
+                        <a:scrgbClr r="0" g="0" b="0"/>
+                      </a:solidFill>
+                      <a:prstDash val="solid"/>
+                      <a:round/>
+                      <a:headEnd type="none" w="med" len="med"/>
+                      <a:tailEnd type="none" w="med" len="med"/>
+                    </a:lnR>
+                    <a:lnT w="12700" cap="flat" cmpd="sng" algn="ctr">
+                      <a:solidFill>
+                        <a:scrgbClr r="0" g="0" b="0"/>
+                      </a:solidFill>
+                      <a:prstDash val="sysDot"/>
+                      <a:round/>
+                      <a:headEnd type="none" w="med" len="med"/>
+                      <a:tailEnd type="none" w="med" len="med"/>
+                    </a:lnT>
+                    <a:lnB w="12700" cap="flat" cmpd="sng" algn="ctr">
+                      <a:solidFill>
+                        <a:scrgbClr r="0" g="0" b="0"/>
+                      </a:solidFill>
+                      <a:prstDash val="solid"/>
+                      <a:round/>
+                      <a:headEnd type="none" w="med" len="med"/>
+                      <a:tailEnd type="none" w="med" len="med"/>
+                    </a:lnB>
+                    <a:noFill/>
+                  </a:tcPr>
+                </a:tc>
+              </a:tr>
+            </a:tbl>
+          </a:graphicData>
+        </a:graphic>
+      </p:graphicFrame>
     </p:spTree>
     <p:extLst>
       <p:ext uri="{BB962C8B-B14F-4D97-AF65-F5344CB8AC3E}">

--- a/UML.pptx
+++ b/UML.pptx
@@ -10,15 +10,16 @@
     <p:sldId id="268" r:id="rId4"/>
     <p:sldId id="269" r:id="rId5"/>
     <p:sldId id="270" r:id="rId6"/>
-    <p:sldId id="257" r:id="rId7"/>
-    <p:sldId id="258" r:id="rId8"/>
-    <p:sldId id="259" r:id="rId9"/>
-    <p:sldId id="261" r:id="rId10"/>
-    <p:sldId id="262" r:id="rId11"/>
-    <p:sldId id="263" r:id="rId12"/>
-    <p:sldId id="264" r:id="rId13"/>
-    <p:sldId id="265" r:id="rId14"/>
-    <p:sldId id="266" r:id="rId15"/>
+    <p:sldId id="271" r:id="rId7"/>
+    <p:sldId id="257" r:id="rId8"/>
+    <p:sldId id="258" r:id="rId9"/>
+    <p:sldId id="259" r:id="rId10"/>
+    <p:sldId id="261" r:id="rId11"/>
+    <p:sldId id="262" r:id="rId12"/>
+    <p:sldId id="263" r:id="rId13"/>
+    <p:sldId id="264" r:id="rId14"/>
+    <p:sldId id="265" r:id="rId15"/>
+    <p:sldId id="266" r:id="rId16"/>
   </p:sldIdLst>
   <p:sldSz cx="9144000" cy="6858000" type="letter"/>
   <p:notesSz cx="9144000" cy="6858000"/>
@@ -5134,6 +5135,3386 @@
           <p:nvPr>
             <p:extLst>
               <p:ext uri="{D42A27DB-BD31-4B8C-83A1-F6EECF244321}">
+                <p14:modId xmlns:p14="http://schemas.microsoft.com/office/powerpoint/2010/main" val="114682446"/>
+              </p:ext>
+            </p:extLst>
+          </p:nvPr>
+        </p:nvGraphicFramePr>
+        <p:xfrm>
+          <a:off x="224974" y="127940"/>
+          <a:ext cx="8702933" cy="4446270"/>
+        </p:xfrm>
+        <a:graphic>
+          <a:graphicData uri="http://schemas.openxmlformats.org/drawingml/2006/table">
+            <a:tbl>
+              <a:tblPr firstRow="1" bandRow="1">
+                <a:tableStyleId>{5C22544A-7EE6-4342-B048-85BDC9FD1C3A}</a:tableStyleId>
+              </a:tblPr>
+              <a:tblGrid>
+                <a:gridCol w="8702933"/>
+              </a:tblGrid>
+              <a:tr h="582930">
+                <a:tc>
+                  <a:txBody>
+                    <a:bodyPr/>
+                    <a:lstStyle/>
+                    <a:p>
+                      <a:r>
+                        <a:rPr lang="en-US" sz="700" b="0" u="sng" dirty="0" smtClean="0">
+                          <a:solidFill>
+                            <a:schemeClr val="tx1"/>
+                          </a:solidFill>
+                        </a:rPr>
+                        <a:t>Input</a:t>
+                      </a:r>
+                    </a:p>
+                    <a:p>
+                      <a:r>
+                        <a:rPr lang="en-US" sz="700" b="0" dirty="0" err="1" smtClean="0">
+                          <a:solidFill>
+                            <a:schemeClr val="tx1"/>
+                          </a:solidFill>
+                        </a:rPr>
+                        <a:t>spx_file</a:t>
+                      </a:r>
+                      <a:r>
+                        <a:rPr lang="en-US" sz="700" b="0" dirty="0" smtClean="0">
+                          <a:solidFill>
+                            <a:schemeClr val="tx1"/>
+                          </a:solidFill>
+                        </a:rPr>
+                        <a:t> = “../../</a:t>
+                      </a:r>
+                      <a:r>
+                        <a:rPr lang="en-US" sz="700" b="0" dirty="0" err="1" smtClean="0">
+                          <a:solidFill>
+                            <a:schemeClr val="tx1"/>
+                          </a:solidFill>
+                        </a:rPr>
+                        <a:t>db</a:t>
+                      </a:r>
+                      <a:r>
+                        <a:rPr lang="en-US" sz="700" b="0" dirty="0" smtClean="0">
+                          <a:solidFill>
+                            <a:schemeClr val="tx1"/>
+                          </a:solidFill>
+                        </a:rPr>
+                        <a:t>/</a:t>
+                      </a:r>
+                      <a:r>
+                        <a:rPr lang="en-US" sz="700" b="0" dirty="0" err="1" smtClean="0">
+                          <a:solidFill>
+                            <a:schemeClr val="tx1"/>
+                          </a:solidFill>
+                        </a:rPr>
+                        <a:t>SPX.csv</a:t>
+                      </a:r>
+                      <a:r>
+                        <a:rPr lang="en-US" sz="700" b="0" dirty="0" smtClean="0">
+                          <a:solidFill>
+                            <a:schemeClr val="tx1"/>
+                          </a:solidFill>
+                        </a:rPr>
+                        <a:t>”</a:t>
+                      </a:r>
+                    </a:p>
+                    <a:p>
+                      <a:r>
+                        <a:rPr lang="en-US" sz="700" b="0" dirty="0" err="1" smtClean="0">
+                          <a:solidFill>
+                            <a:schemeClr val="tx1"/>
+                          </a:solidFill>
+                        </a:rPr>
+                        <a:t>vix_file</a:t>
+                      </a:r>
+                      <a:r>
+                        <a:rPr lang="en-US" sz="700" b="0" dirty="0" smtClean="0">
+                          <a:solidFill>
+                            <a:schemeClr val="tx1"/>
+                          </a:solidFill>
+                        </a:rPr>
+                        <a:t> = “../../</a:t>
+                      </a:r>
+                      <a:r>
+                        <a:rPr lang="en-US" sz="700" b="0" dirty="0" err="1" smtClean="0">
+                          <a:solidFill>
+                            <a:schemeClr val="tx1"/>
+                          </a:solidFill>
+                        </a:rPr>
+                        <a:t>db</a:t>
+                      </a:r>
+                      <a:r>
+                        <a:rPr lang="en-US" sz="700" b="0" dirty="0" smtClean="0">
+                          <a:solidFill>
+                            <a:schemeClr val="tx1"/>
+                          </a:solidFill>
+                        </a:rPr>
+                        <a:t>/</a:t>
+                      </a:r>
+                      <a:r>
+                        <a:rPr lang="en-US" sz="700" b="0" dirty="0" err="1" smtClean="0">
+                          <a:solidFill>
+                            <a:schemeClr val="tx1"/>
+                          </a:solidFill>
+                        </a:rPr>
+                        <a:t>VIX.csv</a:t>
+                      </a:r>
+                      <a:r>
+                        <a:rPr lang="en-US" sz="700" b="0" dirty="0" smtClean="0">
+                          <a:solidFill>
+                            <a:schemeClr val="tx1"/>
+                          </a:solidFill>
+                        </a:rPr>
+                        <a:t>”</a:t>
+                      </a:r>
+                    </a:p>
+                    <a:p>
+                      <a:r>
+                        <a:rPr lang="en-US" sz="700" b="0" dirty="0" err="1" smtClean="0">
+                          <a:solidFill>
+                            <a:schemeClr val="tx1"/>
+                          </a:solidFill>
+                        </a:rPr>
+                        <a:t>begin_date</a:t>
+                      </a:r>
+                      <a:r>
+                        <a:rPr lang="en-US" sz="700" b="0" dirty="0" smtClean="0">
+                          <a:solidFill>
+                            <a:schemeClr val="tx1"/>
+                          </a:solidFill>
+                        </a:rPr>
+                        <a:t> = “1980-1-1”</a:t>
+                      </a:r>
+                    </a:p>
+                    <a:p>
+                      <a:r>
+                        <a:rPr lang="en-US" sz="700" b="0" dirty="0" err="1" smtClean="0">
+                          <a:solidFill>
+                            <a:schemeClr val="tx1"/>
+                          </a:solidFill>
+                        </a:rPr>
+                        <a:t>end_date</a:t>
+                      </a:r>
+                      <a:r>
+                        <a:rPr lang="en-US" sz="700" b="0" dirty="0" smtClean="0">
+                          <a:solidFill>
+                            <a:schemeClr val="tx1"/>
+                          </a:solidFill>
+                        </a:rPr>
+                        <a:t> = “2007-10-1”</a:t>
+                      </a:r>
+                    </a:p>
+                  </a:txBody>
+                  <a:tcPr marL="121920" marR="121920" marT="34290" marB="34290">
+                    <a:lnL w="12700" cap="flat" cmpd="sng" algn="ctr">
+                      <a:solidFill>
+                        <a:scrgbClr r="0" g="0" b="0"/>
+                      </a:solidFill>
+                      <a:prstDash val="solid"/>
+                      <a:round/>
+                      <a:headEnd type="none" w="med" len="med"/>
+                      <a:tailEnd type="none" w="med" len="med"/>
+                    </a:lnL>
+                    <a:lnR w="12700" cap="flat" cmpd="sng" algn="ctr">
+                      <a:solidFill>
+                        <a:scrgbClr r="0" g="0" b="0"/>
+                      </a:solidFill>
+                      <a:prstDash val="solid"/>
+                      <a:round/>
+                      <a:headEnd type="none" w="med" len="med"/>
+                      <a:tailEnd type="none" w="med" len="med"/>
+                    </a:lnR>
+                    <a:lnT w="12700" cap="flat" cmpd="sng" algn="ctr">
+                      <a:solidFill>
+                        <a:scrgbClr r="0" g="0" b="0"/>
+                      </a:solidFill>
+                      <a:prstDash val="solid"/>
+                      <a:round/>
+                      <a:headEnd type="none" w="med" len="med"/>
+                      <a:tailEnd type="none" w="med" len="med"/>
+                    </a:lnT>
+                    <a:lnB w="12700" cap="flat" cmpd="sng" algn="ctr">
+                      <a:solidFill>
+                        <a:scrgbClr r="0" g="0" b="0"/>
+                      </a:solidFill>
+                      <a:prstDash val="solid"/>
+                      <a:round/>
+                      <a:headEnd type="none" w="med" len="med"/>
+                      <a:tailEnd type="none" w="med" len="med"/>
+                    </a:lnB>
+                    <a:noFill/>
+                  </a:tcPr>
+                </a:tc>
+              </a:tr>
+              <a:tr h="480060">
+                <a:tc>
+                  <a:txBody>
+                    <a:bodyPr/>
+                    <a:lstStyle/>
+                    <a:p>
+                      <a:pPr marL="0" marR="0" indent="0" algn="l" defTabSz="457200" rtl="0" eaLnBrk="1" fontAlgn="auto" latinLnBrk="0" hangingPunct="1">
+                        <a:lnSpc>
+                          <a:spcPct val="100000"/>
+                        </a:lnSpc>
+                        <a:spcBef>
+                          <a:spcPts val="0"/>
+                        </a:spcBef>
+                        <a:spcAft>
+                          <a:spcPts val="0"/>
+                        </a:spcAft>
+                        <a:buClrTx/>
+                        <a:buSzTx/>
+                        <a:buFontTx/>
+                        <a:buNone/>
+                        <a:tabLst/>
+                        <a:defRPr/>
+                      </a:pPr>
+                      <a:r>
+                        <a:rPr lang="en-US" sz="700" kern="1200" dirty="0" err="1" smtClean="0">
+                          <a:solidFill>
+                            <a:schemeClr val="dk1"/>
+                          </a:solidFill>
+                          <a:latin typeface="+mn-lt"/>
+                          <a:ea typeface="+mn-ea"/>
+                          <a:cs typeface="+mn-cs"/>
+                        </a:rPr>
+                        <a:t>const</a:t>
+                      </a:r>
+                      <a:r>
+                        <a:rPr lang="en-US" sz="700" kern="1200" dirty="0" smtClean="0">
+                          <a:solidFill>
+                            <a:schemeClr val="dk1"/>
+                          </a:solidFill>
+                          <a:latin typeface="+mn-lt"/>
+                          <a:ea typeface="+mn-ea"/>
+                          <a:cs typeface="+mn-cs"/>
+                        </a:rPr>
+                        <a:t> string </a:t>
+                      </a:r>
+                      <a:r>
+                        <a:rPr lang="en-US" sz="700" kern="1200" dirty="0" err="1" smtClean="0">
+                          <a:solidFill>
+                            <a:schemeClr val="dk1"/>
+                          </a:solidFill>
+                          <a:latin typeface="+mn-lt"/>
+                          <a:ea typeface="+mn-ea"/>
+                          <a:cs typeface="+mn-cs"/>
+                        </a:rPr>
+                        <a:t>spx_symbol</a:t>
+                      </a:r>
+                      <a:r>
+                        <a:rPr lang="en-US" sz="700" kern="1200" dirty="0" smtClean="0">
+                          <a:solidFill>
+                            <a:schemeClr val="dk1"/>
+                          </a:solidFill>
+                          <a:latin typeface="+mn-lt"/>
+                          <a:ea typeface="+mn-ea"/>
+                          <a:cs typeface="+mn-cs"/>
+                        </a:rPr>
+                        <a:t> = "SPX”</a:t>
+                      </a:r>
+                    </a:p>
+                    <a:p>
+                      <a:pPr marL="0" marR="0" indent="0" algn="l" defTabSz="457200" rtl="0" eaLnBrk="1" fontAlgn="auto" latinLnBrk="0" hangingPunct="1">
+                        <a:lnSpc>
+                          <a:spcPct val="100000"/>
+                        </a:lnSpc>
+                        <a:spcBef>
+                          <a:spcPts val="0"/>
+                        </a:spcBef>
+                        <a:spcAft>
+                          <a:spcPts val="0"/>
+                        </a:spcAft>
+                        <a:buClrTx/>
+                        <a:buSzTx/>
+                        <a:buFontTx/>
+                        <a:buNone/>
+                        <a:tabLst/>
+                        <a:defRPr/>
+                      </a:pPr>
+                      <a:r>
+                        <a:rPr lang="en-US" sz="700" kern="1200" dirty="0" err="1" smtClean="0">
+                          <a:solidFill>
+                            <a:schemeClr val="dk1"/>
+                          </a:solidFill>
+                          <a:latin typeface="+mn-lt"/>
+                          <a:ea typeface="+mn-ea"/>
+                          <a:cs typeface="+mn-cs"/>
+                        </a:rPr>
+                        <a:t>const</a:t>
+                      </a:r>
+                      <a:r>
+                        <a:rPr lang="en-US" sz="700" kern="1200" dirty="0" smtClean="0">
+                          <a:solidFill>
+                            <a:schemeClr val="dk1"/>
+                          </a:solidFill>
+                          <a:latin typeface="+mn-lt"/>
+                          <a:ea typeface="+mn-ea"/>
+                          <a:cs typeface="+mn-cs"/>
+                        </a:rPr>
+                        <a:t> string </a:t>
+                      </a:r>
+                      <a:r>
+                        <a:rPr lang="en-US" sz="700" kern="1200" dirty="0" err="1" smtClean="0">
+                          <a:solidFill>
+                            <a:schemeClr val="dk1"/>
+                          </a:solidFill>
+                          <a:latin typeface="+mn-lt"/>
+                          <a:ea typeface="+mn-ea"/>
+                          <a:cs typeface="+mn-cs"/>
+                        </a:rPr>
+                        <a:t>vix_symbol</a:t>
+                      </a:r>
+                      <a:r>
+                        <a:rPr lang="en-US" sz="700" kern="1200" dirty="0" smtClean="0">
+                          <a:solidFill>
+                            <a:schemeClr val="dk1"/>
+                          </a:solidFill>
+                          <a:latin typeface="+mn-lt"/>
+                          <a:ea typeface="+mn-ea"/>
+                          <a:cs typeface="+mn-cs"/>
+                        </a:rPr>
+                        <a:t> = "VIX”</a:t>
+                      </a:r>
+                    </a:p>
+                    <a:p>
+                      <a:pPr marL="0" marR="0" indent="0" algn="l" defTabSz="457200" rtl="0" eaLnBrk="1" fontAlgn="auto" latinLnBrk="0" hangingPunct="1">
+                        <a:lnSpc>
+                          <a:spcPct val="100000"/>
+                        </a:lnSpc>
+                        <a:spcBef>
+                          <a:spcPts val="0"/>
+                        </a:spcBef>
+                        <a:spcAft>
+                          <a:spcPts val="0"/>
+                        </a:spcAft>
+                        <a:buClrTx/>
+                        <a:buSzTx/>
+                        <a:buFontTx/>
+                        <a:buNone/>
+                        <a:tabLst/>
+                        <a:defRPr/>
+                      </a:pPr>
+                      <a:r>
+                        <a:rPr lang="en-US" sz="700" kern="1200" dirty="0" smtClean="0">
+                          <a:solidFill>
+                            <a:schemeClr val="dk1"/>
+                          </a:solidFill>
+                          <a:latin typeface="+mn-lt"/>
+                          <a:ea typeface="+mn-ea"/>
+                          <a:cs typeface="+mn-cs"/>
+                        </a:rPr>
+                        <a:t>boost::</a:t>
+                      </a:r>
+                      <a:r>
+                        <a:rPr lang="en-US" sz="700" kern="1200" dirty="0" err="1" smtClean="0">
+                          <a:solidFill>
+                            <a:schemeClr val="dk1"/>
+                          </a:solidFill>
+                          <a:latin typeface="+mn-lt"/>
+                          <a:ea typeface="+mn-ea"/>
+                          <a:cs typeface="+mn-cs"/>
+                        </a:rPr>
+                        <a:t>gregorian</a:t>
+                      </a:r>
+                      <a:r>
+                        <a:rPr lang="en-US" sz="700" kern="1200" dirty="0" smtClean="0">
+                          <a:solidFill>
+                            <a:schemeClr val="dk1"/>
+                          </a:solidFill>
+                          <a:latin typeface="+mn-lt"/>
+                          <a:ea typeface="+mn-ea"/>
+                          <a:cs typeface="+mn-cs"/>
+                        </a:rPr>
+                        <a:t>::date </a:t>
+                      </a:r>
+                      <a:r>
+                        <a:rPr lang="en-US" sz="700" kern="1200" dirty="0" err="1" smtClean="0">
+                          <a:solidFill>
+                            <a:schemeClr val="dk1"/>
+                          </a:solidFill>
+                          <a:latin typeface="+mn-lt"/>
+                          <a:ea typeface="+mn-ea"/>
+                          <a:cs typeface="+mn-cs"/>
+                        </a:rPr>
+                        <a:t>load_begin</a:t>
+                      </a:r>
+                      <a:r>
+                        <a:rPr lang="en-US" sz="700" kern="1200" dirty="0" smtClean="0">
+                          <a:solidFill>
+                            <a:schemeClr val="dk1"/>
+                          </a:solidFill>
+                          <a:latin typeface="+mn-lt"/>
+                          <a:ea typeface="+mn-ea"/>
+                          <a:cs typeface="+mn-cs"/>
+                        </a:rPr>
+                        <a:t>(</a:t>
+                      </a:r>
+                      <a:r>
+                        <a:rPr lang="en-US" sz="700" kern="1200" dirty="0" err="1" smtClean="0">
+                          <a:solidFill>
+                            <a:schemeClr val="dk1"/>
+                          </a:solidFill>
+                          <a:latin typeface="+mn-lt"/>
+                          <a:ea typeface="+mn-ea"/>
+                          <a:cs typeface="+mn-cs"/>
+                        </a:rPr>
+                        <a:t>from_simple_string</a:t>
+                      </a:r>
+                      <a:r>
+                        <a:rPr lang="en-US" sz="700" kern="1200" dirty="0" smtClean="0">
+                          <a:solidFill>
+                            <a:schemeClr val="dk1"/>
+                          </a:solidFill>
+                          <a:latin typeface="+mn-lt"/>
+                          <a:ea typeface="+mn-ea"/>
+                          <a:cs typeface="+mn-cs"/>
+                        </a:rPr>
+                        <a:t>(</a:t>
+                      </a:r>
+                      <a:r>
+                        <a:rPr lang="en-US" sz="700" kern="1200" dirty="0" err="1" smtClean="0">
+                          <a:solidFill>
+                            <a:schemeClr val="dk1"/>
+                          </a:solidFill>
+                          <a:latin typeface="+mn-lt"/>
+                          <a:ea typeface="+mn-ea"/>
+                          <a:cs typeface="+mn-cs"/>
+                        </a:rPr>
+                        <a:t>begin_date</a:t>
+                      </a:r>
+                      <a:r>
+                        <a:rPr lang="en-US" sz="700" kern="1200" dirty="0" smtClean="0">
+                          <a:solidFill>
+                            <a:schemeClr val="dk1"/>
+                          </a:solidFill>
+                          <a:latin typeface="+mn-lt"/>
+                          <a:ea typeface="+mn-ea"/>
+                          <a:cs typeface="+mn-cs"/>
+                        </a:rPr>
+                        <a:t>))</a:t>
+                      </a:r>
+                    </a:p>
+                    <a:p>
+                      <a:pPr marL="0" marR="0" indent="0" algn="l" defTabSz="457200" rtl="0" eaLnBrk="1" fontAlgn="auto" latinLnBrk="0" hangingPunct="1">
+                        <a:lnSpc>
+                          <a:spcPct val="100000"/>
+                        </a:lnSpc>
+                        <a:spcBef>
+                          <a:spcPts val="0"/>
+                        </a:spcBef>
+                        <a:spcAft>
+                          <a:spcPts val="0"/>
+                        </a:spcAft>
+                        <a:buClrTx/>
+                        <a:buSzTx/>
+                        <a:buFontTx/>
+                        <a:buNone/>
+                        <a:tabLst/>
+                        <a:defRPr/>
+                      </a:pPr>
+                      <a:r>
+                        <a:rPr lang="en-US" sz="700" kern="1200" dirty="0" smtClean="0">
+                          <a:solidFill>
+                            <a:schemeClr val="dk1"/>
+                          </a:solidFill>
+                          <a:latin typeface="+mn-lt"/>
+                          <a:ea typeface="+mn-ea"/>
+                          <a:cs typeface="+mn-cs"/>
+                        </a:rPr>
+                        <a:t>boost::</a:t>
+                      </a:r>
+                      <a:r>
+                        <a:rPr lang="en-US" sz="700" kern="1200" dirty="0" err="1" smtClean="0">
+                          <a:solidFill>
+                            <a:schemeClr val="dk1"/>
+                          </a:solidFill>
+                          <a:latin typeface="+mn-lt"/>
+                          <a:ea typeface="+mn-ea"/>
+                          <a:cs typeface="+mn-cs"/>
+                        </a:rPr>
+                        <a:t>gregorian</a:t>
+                      </a:r>
+                      <a:r>
+                        <a:rPr lang="en-US" sz="700" kern="1200" dirty="0" smtClean="0">
+                          <a:solidFill>
+                            <a:schemeClr val="dk1"/>
+                          </a:solidFill>
+                          <a:latin typeface="+mn-lt"/>
+                          <a:ea typeface="+mn-ea"/>
+                          <a:cs typeface="+mn-cs"/>
+                        </a:rPr>
+                        <a:t>::date </a:t>
+                      </a:r>
+                      <a:r>
+                        <a:rPr lang="en-US" sz="700" kern="1200" dirty="0" err="1" smtClean="0">
+                          <a:solidFill>
+                            <a:schemeClr val="dk1"/>
+                          </a:solidFill>
+                          <a:latin typeface="+mn-lt"/>
+                          <a:ea typeface="+mn-ea"/>
+                          <a:cs typeface="+mn-cs"/>
+                        </a:rPr>
+                        <a:t>load_begin</a:t>
+                      </a:r>
+                      <a:r>
+                        <a:rPr lang="en-US" sz="700" kern="1200" dirty="0" smtClean="0">
+                          <a:solidFill>
+                            <a:schemeClr val="dk1"/>
+                          </a:solidFill>
+                          <a:latin typeface="+mn-lt"/>
+                          <a:ea typeface="+mn-ea"/>
+                          <a:cs typeface="+mn-cs"/>
+                        </a:rPr>
+                        <a:t>(</a:t>
+                      </a:r>
+                      <a:r>
+                        <a:rPr lang="en-US" sz="700" kern="1200" dirty="0" err="1" smtClean="0">
+                          <a:solidFill>
+                            <a:schemeClr val="dk1"/>
+                          </a:solidFill>
+                          <a:latin typeface="+mn-lt"/>
+                          <a:ea typeface="+mn-ea"/>
+                          <a:cs typeface="+mn-cs"/>
+                        </a:rPr>
+                        <a:t>from_simple_string</a:t>
+                      </a:r>
+                      <a:r>
+                        <a:rPr lang="en-US" sz="700" kern="1200" dirty="0" smtClean="0">
+                          <a:solidFill>
+                            <a:schemeClr val="dk1"/>
+                          </a:solidFill>
+                          <a:latin typeface="+mn-lt"/>
+                          <a:ea typeface="+mn-ea"/>
+                          <a:cs typeface="+mn-cs"/>
+                        </a:rPr>
+                        <a:t>(</a:t>
+                      </a:r>
+                      <a:r>
+                        <a:rPr lang="en-US" sz="700" kern="1200" dirty="0" err="1" smtClean="0">
+                          <a:solidFill>
+                            <a:schemeClr val="dk1"/>
+                          </a:solidFill>
+                          <a:latin typeface="+mn-lt"/>
+                          <a:ea typeface="+mn-ea"/>
+                          <a:cs typeface="+mn-cs"/>
+                        </a:rPr>
+                        <a:t>end_date</a:t>
+                      </a:r>
+                      <a:r>
+                        <a:rPr lang="en-US" sz="700" kern="1200" dirty="0" smtClean="0">
+                          <a:solidFill>
+                            <a:schemeClr val="dk1"/>
+                          </a:solidFill>
+                          <a:latin typeface="+mn-lt"/>
+                          <a:ea typeface="+mn-ea"/>
+                          <a:cs typeface="+mn-cs"/>
+                        </a:rPr>
+                        <a:t>))</a:t>
+                      </a:r>
+                    </a:p>
+                  </a:txBody>
+                  <a:tcPr marL="121920" marR="121920" marT="34290" marB="34290">
+                    <a:lnL w="12700" cap="flat" cmpd="sng" algn="ctr">
+                      <a:solidFill>
+                        <a:scrgbClr r="0" g="0" b="0"/>
+                      </a:solidFill>
+                      <a:prstDash val="solid"/>
+                      <a:round/>
+                      <a:headEnd type="none" w="med" len="med"/>
+                      <a:tailEnd type="none" w="med" len="med"/>
+                    </a:lnL>
+                    <a:lnR w="12700" cap="flat" cmpd="sng" algn="ctr">
+                      <a:solidFill>
+                        <a:scrgbClr r="0" g="0" b="0"/>
+                      </a:solidFill>
+                      <a:prstDash val="solid"/>
+                      <a:round/>
+                      <a:headEnd type="none" w="med" len="med"/>
+                      <a:tailEnd type="none" w="med" len="med"/>
+                    </a:lnR>
+                    <a:lnT w="12700" cap="flat" cmpd="sng" algn="ctr">
+                      <a:solidFill>
+                        <a:scrgbClr r="0" g="0" b="0"/>
+                      </a:solidFill>
+                      <a:prstDash val="solid"/>
+                      <a:round/>
+                      <a:headEnd type="none" w="med" len="med"/>
+                      <a:tailEnd type="none" w="med" len="med"/>
+                    </a:lnT>
+                    <a:lnB w="12700" cap="flat" cmpd="sng" algn="ctr">
+                      <a:solidFill>
+                        <a:scrgbClr r="0" g="0" b="0"/>
+                      </a:solidFill>
+                      <a:prstDash val="solid"/>
+                      <a:round/>
+                      <a:headEnd type="none" w="med" len="med"/>
+                      <a:tailEnd type="none" w="med" len="med"/>
+                    </a:lnB>
+                    <a:noFill/>
+                  </a:tcPr>
+                </a:tc>
+              </a:tr>
+              <a:tr h="1200150">
+                <a:tc>
+                  <a:txBody>
+                    <a:bodyPr/>
+                    <a:lstStyle/>
+                    <a:p>
+                      <a:pPr marL="457200" marR="0" lvl="1" indent="0" algn="l" defTabSz="457200" rtl="0" eaLnBrk="1" fontAlgn="auto" latinLnBrk="0" hangingPunct="1">
+                        <a:lnSpc>
+                          <a:spcPct val="100000"/>
+                        </a:lnSpc>
+                        <a:spcBef>
+                          <a:spcPts val="0"/>
+                        </a:spcBef>
+                        <a:spcAft>
+                          <a:spcPts val="0"/>
+                        </a:spcAft>
+                        <a:buClrTx/>
+                        <a:buSzTx/>
+                        <a:buFontTx/>
+                        <a:buNone/>
+                        <a:tabLst/>
+                        <a:defRPr/>
+                      </a:pPr>
+                      <a:r>
+                        <a:rPr lang="en-US" sz="700" b="0" dirty="0" smtClean="0">
+                          <a:solidFill>
+                            <a:schemeClr val="tx1"/>
+                          </a:solidFill>
+                        </a:rPr>
+                        <a:t>Series::EODDB::instance().load(</a:t>
+                      </a:r>
+                      <a:r>
+                        <a:rPr lang="en-US" sz="700" b="0" dirty="0" err="1" smtClean="0">
+                          <a:solidFill>
+                            <a:schemeClr val="tx1"/>
+                          </a:solidFill>
+                        </a:rPr>
+                        <a:t>spx_symbol</a:t>
+                      </a:r>
+                      <a:r>
+                        <a:rPr lang="en-US" sz="700" b="0" dirty="0" smtClean="0">
+                          <a:solidFill>
+                            <a:schemeClr val="tx1"/>
+                          </a:solidFill>
+                        </a:rPr>
+                        <a:t>, </a:t>
+                      </a:r>
+                      <a:r>
+                        <a:rPr lang="en-US" sz="700" b="0" dirty="0" err="1" smtClean="0">
+                          <a:solidFill>
+                            <a:schemeClr val="tx1"/>
+                          </a:solidFill>
+                        </a:rPr>
+                        <a:t>spx_file</a:t>
+                      </a:r>
+                      <a:r>
+                        <a:rPr lang="en-US" sz="700" b="0" dirty="0" smtClean="0">
+                          <a:solidFill>
+                            <a:schemeClr val="tx1"/>
+                          </a:solidFill>
+                        </a:rPr>
+                        <a:t>, Series::EODDB::YAHOO, </a:t>
+                      </a:r>
+                      <a:r>
+                        <a:rPr lang="en-US" sz="700" b="0" dirty="0" err="1" smtClean="0">
+                          <a:solidFill>
+                            <a:schemeClr val="tx1"/>
+                          </a:solidFill>
+                        </a:rPr>
+                        <a:t>load_begin</a:t>
+                      </a:r>
+                      <a:r>
+                        <a:rPr lang="en-US" sz="700" b="0" dirty="0" smtClean="0">
+                          <a:solidFill>
+                            <a:schemeClr val="tx1"/>
+                          </a:solidFill>
+                        </a:rPr>
+                        <a:t>, </a:t>
+                      </a:r>
+                      <a:r>
+                        <a:rPr lang="en-US" sz="700" b="0" dirty="0" err="1" smtClean="0">
+                          <a:solidFill>
+                            <a:schemeClr val="tx1"/>
+                          </a:solidFill>
+                        </a:rPr>
+                        <a:t>load_end</a:t>
+                      </a:r>
+                      <a:r>
+                        <a:rPr lang="en-US" sz="700" b="0" dirty="0" smtClean="0">
+                          <a:solidFill>
+                            <a:schemeClr val="tx1"/>
+                          </a:solidFill>
+                        </a:rPr>
+                        <a:t>)</a:t>
+                      </a:r>
+                    </a:p>
+                    <a:p>
+                      <a:pPr marL="457200" marR="0" lvl="1" indent="0" algn="l" defTabSz="457200" rtl="0" eaLnBrk="1" fontAlgn="auto" latinLnBrk="0" hangingPunct="1">
+                        <a:lnSpc>
+                          <a:spcPct val="100000"/>
+                        </a:lnSpc>
+                        <a:spcBef>
+                          <a:spcPts val="0"/>
+                        </a:spcBef>
+                        <a:spcAft>
+                          <a:spcPts val="0"/>
+                        </a:spcAft>
+                        <a:buClrTx/>
+                        <a:buSzTx/>
+                        <a:buFontTx/>
+                        <a:buNone/>
+                        <a:tabLst/>
+                        <a:defRPr/>
+                      </a:pPr>
+                      <a:r>
+                        <a:rPr lang="en-US" sz="700" b="0" dirty="0" smtClean="0">
+                          <a:solidFill>
+                            <a:schemeClr val="tx1"/>
+                          </a:solidFill>
+                        </a:rPr>
+                        <a:t>			</a:t>
+                      </a:r>
+                      <a:r>
+                        <a:rPr lang="en-US" sz="700" b="0" baseline="0" dirty="0" smtClean="0">
+                          <a:solidFill>
+                            <a:schemeClr val="tx1"/>
+                          </a:solidFill>
+                        </a:rPr>
+                        <a:t>   ^^^ </a:t>
+                      </a:r>
+                      <a:r>
+                        <a:rPr lang="en-US" sz="700" b="0" baseline="0" dirty="0" err="1" smtClean="0">
+                          <a:solidFill>
+                            <a:schemeClr val="tx1"/>
+                          </a:solidFill>
+                        </a:rPr>
+                        <a:t>const</a:t>
+                      </a:r>
+                      <a:r>
+                        <a:rPr lang="en-US" sz="700" b="0" baseline="0" dirty="0" smtClean="0">
+                          <a:solidFill>
+                            <a:schemeClr val="tx1"/>
+                          </a:solidFill>
+                        </a:rPr>
+                        <a:t> </a:t>
+                      </a:r>
+                      <a:r>
+                        <a:rPr lang="en-US" sz="700" b="0" baseline="0" dirty="0" err="1" smtClean="0">
+                          <a:solidFill>
+                            <a:schemeClr val="tx1"/>
+                          </a:solidFill>
+                        </a:rPr>
+                        <a:t>str</a:t>
+                      </a:r>
+                      <a:r>
+                        <a:rPr lang="en-US" sz="700" b="0" baseline="0" dirty="0" smtClean="0">
+                          <a:solidFill>
+                            <a:schemeClr val="tx1"/>
+                          </a:solidFill>
+                        </a:rPr>
+                        <a:t>	       ^^^ </a:t>
+                      </a:r>
+                      <a:r>
+                        <a:rPr lang="en-US" sz="700" b="0" baseline="0" dirty="0" err="1" smtClean="0">
+                          <a:solidFill>
+                            <a:schemeClr val="tx1"/>
+                          </a:solidFill>
+                        </a:rPr>
+                        <a:t>DriverType</a:t>
+                      </a:r>
+                      <a:r>
+                        <a:rPr lang="en-US" sz="700" b="0" baseline="0" dirty="0" smtClean="0">
+                          <a:solidFill>
+                            <a:schemeClr val="tx1"/>
+                          </a:solidFill>
+                        </a:rPr>
+                        <a:t>(</a:t>
+                      </a:r>
+                      <a:r>
+                        <a:rPr lang="en-US" sz="700" b="0" baseline="0" dirty="0" err="1" smtClean="0">
+                          <a:solidFill>
+                            <a:schemeClr val="tx1"/>
+                          </a:solidFill>
+                        </a:rPr>
+                        <a:t>enum</a:t>
+                      </a:r>
+                      <a:r>
+                        <a:rPr lang="en-US" sz="700" b="0" baseline="0" dirty="0" smtClean="0">
+                          <a:solidFill>
+                            <a:schemeClr val="tx1"/>
+                          </a:solidFill>
+                        </a:rPr>
+                        <a:t>)    ^^^ </a:t>
+                      </a:r>
+                      <a:r>
+                        <a:rPr lang="en-US" sz="700" b="0" baseline="0" dirty="0" err="1" smtClean="0">
+                          <a:solidFill>
+                            <a:schemeClr val="tx1"/>
+                          </a:solidFill>
+                        </a:rPr>
+                        <a:t>const</a:t>
+                      </a:r>
+                      <a:r>
+                        <a:rPr lang="en-US" sz="700" b="0" baseline="0" dirty="0" smtClean="0">
+                          <a:solidFill>
+                            <a:schemeClr val="tx1"/>
+                          </a:solidFill>
+                        </a:rPr>
+                        <a:t> boost::</a:t>
+                      </a:r>
+                      <a:r>
+                        <a:rPr lang="en-US" sz="700" b="0" baseline="0" dirty="0" err="1" smtClean="0">
+                          <a:solidFill>
+                            <a:schemeClr val="tx1"/>
+                          </a:solidFill>
+                        </a:rPr>
+                        <a:t>gregorian</a:t>
+                      </a:r>
+                      <a:r>
+                        <a:rPr lang="en-US" sz="700" b="0" baseline="0" dirty="0" smtClean="0">
+                          <a:solidFill>
+                            <a:schemeClr val="tx1"/>
+                          </a:solidFill>
+                        </a:rPr>
+                        <a:t>::date&amp;</a:t>
+                      </a:r>
+                    </a:p>
+                    <a:p>
+                      <a:pPr marL="457200" marR="0" lvl="1" indent="0" algn="l" defTabSz="457200" rtl="0" eaLnBrk="1" fontAlgn="auto" latinLnBrk="0" hangingPunct="1">
+                        <a:lnSpc>
+                          <a:spcPct val="100000"/>
+                        </a:lnSpc>
+                        <a:spcBef>
+                          <a:spcPts val="0"/>
+                        </a:spcBef>
+                        <a:spcAft>
+                          <a:spcPts val="0"/>
+                        </a:spcAft>
+                        <a:buClrTx/>
+                        <a:buSzTx/>
+                        <a:buFontTx/>
+                        <a:buNone/>
+                        <a:tabLst/>
+                        <a:defRPr/>
+                      </a:pPr>
+                      <a:endParaRPr lang="en-US" sz="700" b="0" dirty="0" smtClean="0">
+                        <a:solidFill>
+                          <a:schemeClr val="tx1"/>
+                        </a:solidFill>
+                      </a:endParaRPr>
+                    </a:p>
+                    <a:p>
+                      <a:pPr marL="457200" marR="0" lvl="1" indent="0" algn="l" defTabSz="457200" rtl="0" eaLnBrk="1" fontAlgn="auto" latinLnBrk="0" hangingPunct="1">
+                        <a:lnSpc>
+                          <a:spcPct val="100000"/>
+                        </a:lnSpc>
+                        <a:spcBef>
+                          <a:spcPts val="0"/>
+                        </a:spcBef>
+                        <a:spcAft>
+                          <a:spcPts val="0"/>
+                        </a:spcAft>
+                        <a:buClrTx/>
+                        <a:buSzTx/>
+                        <a:buFontTx/>
+                        <a:buNone/>
+                        <a:tabLst/>
+                        <a:defRPr/>
+                      </a:pPr>
+                      <a:r>
+                        <a:rPr lang="en-US" sz="700" b="0" dirty="0" smtClean="0">
+                          <a:solidFill>
+                            <a:schemeClr val="tx1"/>
+                          </a:solidFill>
+                        </a:rPr>
+                        <a:t>EODDB class has a private static member _</a:t>
+                      </a:r>
+                      <a:r>
+                        <a:rPr lang="en-US" sz="700" b="0" dirty="0" err="1" smtClean="0">
+                          <a:solidFill>
+                            <a:schemeClr val="tx1"/>
+                          </a:solidFill>
+                        </a:rPr>
+                        <a:t>pInstance</a:t>
+                      </a:r>
+                      <a:r>
+                        <a:rPr lang="en-US" sz="700" b="0" dirty="0" smtClean="0">
+                          <a:solidFill>
+                            <a:schemeClr val="tx1"/>
+                          </a:solidFill>
+                        </a:rPr>
+                        <a:t> which points to an instantiation</a:t>
+                      </a:r>
+                      <a:r>
+                        <a:rPr lang="en-US" sz="700" b="0" baseline="0" dirty="0" smtClean="0">
+                          <a:solidFill>
+                            <a:schemeClr val="tx1"/>
+                          </a:solidFill>
+                        </a:rPr>
+                        <a:t> of itself</a:t>
+                      </a:r>
+                      <a:endParaRPr lang="en-US" sz="700" b="0" dirty="0" smtClean="0">
+                        <a:solidFill>
+                          <a:schemeClr val="tx1"/>
+                        </a:solidFill>
+                      </a:endParaRPr>
+                    </a:p>
+                    <a:p>
+                      <a:pPr marL="457200" marR="0" lvl="1" indent="0" algn="l" defTabSz="457200" rtl="0" eaLnBrk="1" fontAlgn="auto" latinLnBrk="0" hangingPunct="1">
+                        <a:lnSpc>
+                          <a:spcPct val="100000"/>
+                        </a:lnSpc>
+                        <a:spcBef>
+                          <a:spcPts val="0"/>
+                        </a:spcBef>
+                        <a:spcAft>
+                          <a:spcPts val="0"/>
+                        </a:spcAft>
+                        <a:buClrTx/>
+                        <a:buSzTx/>
+                        <a:buFontTx/>
+                        <a:buNone/>
+                        <a:tabLst/>
+                        <a:defRPr/>
+                      </a:pPr>
+                      <a:r>
+                        <a:rPr lang="en-US" sz="700" b="0" dirty="0" smtClean="0">
+                          <a:solidFill>
+                            <a:schemeClr val="tx1"/>
+                          </a:solidFill>
+                        </a:rPr>
+                        <a:t>_</a:t>
+                      </a:r>
+                      <a:r>
+                        <a:rPr lang="en-US" sz="700" b="0" dirty="0" err="1" smtClean="0">
+                          <a:solidFill>
+                            <a:schemeClr val="tx1"/>
+                          </a:solidFill>
+                        </a:rPr>
+                        <a:t>pInstance</a:t>
+                      </a:r>
+                      <a:r>
+                        <a:rPr lang="en-US" sz="700" b="0" dirty="0" smtClean="0">
+                          <a:solidFill>
+                            <a:schemeClr val="tx1"/>
+                          </a:solidFill>
+                        </a:rPr>
+                        <a:t> can be accessed via</a:t>
+                      </a:r>
+                      <a:r>
+                        <a:rPr lang="en-US" sz="700" b="0" baseline="0" dirty="0" smtClean="0">
+                          <a:solidFill>
+                            <a:schemeClr val="tx1"/>
+                          </a:solidFill>
+                        </a:rPr>
+                        <a:t> EODDB::instance()</a:t>
+                      </a:r>
+                    </a:p>
+                    <a:p>
+                      <a:pPr marL="457200" marR="0" lvl="1" indent="0" algn="l" defTabSz="457200" rtl="0" eaLnBrk="1" fontAlgn="auto" latinLnBrk="0" hangingPunct="1">
+                        <a:lnSpc>
+                          <a:spcPct val="100000"/>
+                        </a:lnSpc>
+                        <a:spcBef>
+                          <a:spcPts val="0"/>
+                        </a:spcBef>
+                        <a:spcAft>
+                          <a:spcPts val="0"/>
+                        </a:spcAft>
+                        <a:buClrTx/>
+                        <a:buSzTx/>
+                        <a:buFontTx/>
+                        <a:buNone/>
+                        <a:tabLst/>
+                        <a:defRPr/>
+                      </a:pPr>
+                      <a:endParaRPr lang="en-US" sz="700" b="0" dirty="0" smtClean="0">
+                        <a:solidFill>
+                          <a:schemeClr val="tx1"/>
+                        </a:solidFill>
+                      </a:endParaRPr>
+                    </a:p>
+                    <a:p>
+                      <a:pPr marL="457200" marR="0" lvl="1" indent="0" algn="l" defTabSz="457200" rtl="0" eaLnBrk="1" fontAlgn="auto" latinLnBrk="0" hangingPunct="1">
+                        <a:lnSpc>
+                          <a:spcPct val="100000"/>
+                        </a:lnSpc>
+                        <a:spcBef>
+                          <a:spcPts val="0"/>
+                        </a:spcBef>
+                        <a:spcAft>
+                          <a:spcPts val="0"/>
+                        </a:spcAft>
+                        <a:buClrTx/>
+                        <a:buSzTx/>
+                        <a:buFontTx/>
+                        <a:buNone/>
+                        <a:tabLst/>
+                        <a:defRPr/>
+                      </a:pPr>
+                      <a:r>
+                        <a:rPr lang="en-US" sz="700" b="0" dirty="0" smtClean="0">
+                          <a:solidFill>
+                            <a:schemeClr val="tx1"/>
+                          </a:solidFill>
+                        </a:rPr>
+                        <a:t>To load data to EODDB,</a:t>
+                      </a:r>
+                    </a:p>
+                    <a:p>
+                      <a:pPr marL="457200" marR="0" lvl="1" indent="0" algn="l" defTabSz="457200" rtl="0" eaLnBrk="1" fontAlgn="auto" latinLnBrk="0" hangingPunct="1">
+                        <a:lnSpc>
+                          <a:spcPct val="100000"/>
+                        </a:lnSpc>
+                        <a:spcBef>
+                          <a:spcPts val="0"/>
+                        </a:spcBef>
+                        <a:spcAft>
+                          <a:spcPts val="0"/>
+                        </a:spcAft>
+                        <a:buClrTx/>
+                        <a:buSzTx/>
+                        <a:buFontTx/>
+                        <a:buNone/>
+                        <a:tabLst/>
+                        <a:defRPr/>
+                      </a:pPr>
+                      <a:r>
+                        <a:rPr lang="en-US" sz="700" b="0" dirty="0" smtClean="0">
+                          <a:solidFill>
+                            <a:schemeClr val="tx1"/>
+                          </a:solidFill>
+                        </a:rPr>
+                        <a:t>EODDB::instance()</a:t>
+                      </a:r>
+                      <a:r>
+                        <a:rPr lang="en-US" sz="700" b="0" baseline="0" dirty="0" smtClean="0">
+                          <a:solidFill>
+                            <a:schemeClr val="tx1"/>
+                          </a:solidFill>
+                        </a:rPr>
+                        <a:t> -&gt; _</a:t>
+                      </a:r>
+                      <a:r>
+                        <a:rPr lang="en-US" sz="700" b="0" baseline="0" dirty="0" err="1" smtClean="0">
+                          <a:solidFill>
+                            <a:schemeClr val="tx1"/>
+                          </a:solidFill>
+                        </a:rPr>
+                        <a:t>pInstance</a:t>
+                      </a:r>
+                      <a:r>
+                        <a:rPr lang="en-US" sz="700" b="0" baseline="0" dirty="0" smtClean="0">
+                          <a:solidFill>
+                            <a:schemeClr val="tx1"/>
+                          </a:solidFill>
+                        </a:rPr>
+                        <a:t> -&gt; load(</a:t>
+                      </a:r>
+                      <a:r>
+                        <a:rPr lang="en-US" sz="700" b="0" baseline="0" dirty="0" err="1" smtClean="0">
+                          <a:solidFill>
+                            <a:schemeClr val="tx1"/>
+                          </a:solidFill>
+                        </a:rPr>
+                        <a:t>args</a:t>
+                      </a:r>
+                      <a:r>
+                        <a:rPr lang="en-US" sz="700" b="0" baseline="0" dirty="0" smtClean="0">
+                          <a:solidFill>
+                            <a:schemeClr val="tx1"/>
+                          </a:solidFill>
+                        </a:rPr>
+                        <a:t>) -&gt; insert (</a:t>
+                      </a:r>
+                      <a:r>
+                        <a:rPr lang="en-US" sz="700" b="0" baseline="0" dirty="0" err="1" smtClean="0">
+                          <a:solidFill>
+                            <a:schemeClr val="tx1"/>
+                          </a:solidFill>
+                        </a:rPr>
+                        <a:t>str</a:t>
+                      </a:r>
+                      <a:r>
+                        <a:rPr lang="en-US" sz="700" b="0" baseline="0" dirty="0" smtClean="0">
+                          <a:solidFill>
+                            <a:schemeClr val="tx1"/>
+                          </a:solidFill>
+                        </a:rPr>
+                        <a:t> name, </a:t>
+                      </a:r>
+                      <a:r>
+                        <a:rPr lang="en-US" sz="700" b="0" baseline="0" dirty="0" err="1" smtClean="0">
+                          <a:solidFill>
+                            <a:schemeClr val="tx1"/>
+                          </a:solidFill>
+                        </a:rPr>
+                        <a:t>EODSeries</a:t>
+                      </a:r>
+                      <a:r>
+                        <a:rPr lang="en-US" sz="700" b="0" baseline="0" dirty="0" smtClean="0">
+                          <a:solidFill>
+                            <a:schemeClr val="tx1"/>
+                          </a:solidFill>
+                        </a:rPr>
+                        <a:t>* data) to _</a:t>
+                      </a:r>
+                      <a:r>
+                        <a:rPr lang="en-US" sz="700" b="0" baseline="0" dirty="0" err="1" smtClean="0">
+                          <a:solidFill>
+                            <a:schemeClr val="tx1"/>
+                          </a:solidFill>
+                        </a:rPr>
+                        <a:t>sDB</a:t>
+                      </a:r>
+                      <a:endParaRPr lang="en-US" sz="700" b="0" baseline="0" dirty="0" smtClean="0">
+                        <a:solidFill>
+                          <a:schemeClr val="tx1"/>
+                        </a:solidFill>
+                      </a:endParaRPr>
+                    </a:p>
+                    <a:p>
+                      <a:pPr marL="457200" marR="0" lvl="1" indent="0" algn="l" defTabSz="457200" rtl="0" eaLnBrk="1" fontAlgn="auto" latinLnBrk="0" hangingPunct="1">
+                        <a:lnSpc>
+                          <a:spcPct val="100000"/>
+                        </a:lnSpc>
+                        <a:spcBef>
+                          <a:spcPts val="0"/>
+                        </a:spcBef>
+                        <a:spcAft>
+                          <a:spcPts val="0"/>
+                        </a:spcAft>
+                        <a:buClrTx/>
+                        <a:buSzTx/>
+                        <a:buFontTx/>
+                        <a:buNone/>
+                        <a:tabLst/>
+                        <a:defRPr/>
+                      </a:pPr>
+                      <a:endParaRPr lang="en-US" sz="700" b="0" baseline="0" dirty="0" smtClean="0">
+                        <a:solidFill>
+                          <a:schemeClr val="tx1"/>
+                        </a:solidFill>
+                      </a:endParaRPr>
+                    </a:p>
+                    <a:p>
+                      <a:pPr marL="457200" marR="0" lvl="1" indent="0" algn="l" defTabSz="457200" rtl="0" eaLnBrk="1" fontAlgn="auto" latinLnBrk="0" hangingPunct="1">
+                        <a:lnSpc>
+                          <a:spcPct val="100000"/>
+                        </a:lnSpc>
+                        <a:spcBef>
+                          <a:spcPts val="0"/>
+                        </a:spcBef>
+                        <a:spcAft>
+                          <a:spcPts val="0"/>
+                        </a:spcAft>
+                        <a:buClrTx/>
+                        <a:buSzTx/>
+                        <a:buFontTx/>
+                        <a:buNone/>
+                        <a:tabLst/>
+                        <a:defRPr/>
+                      </a:pPr>
+                      <a:r>
+                        <a:rPr lang="en-US" sz="700" b="0" baseline="0" dirty="0" smtClean="0">
+                          <a:solidFill>
+                            <a:schemeClr val="tx1"/>
+                          </a:solidFill>
+                        </a:rPr>
+                        <a:t>To retrieve data from EODDB,</a:t>
+                      </a:r>
+                    </a:p>
+                    <a:p>
+                      <a:pPr marL="457200" marR="0" lvl="1" indent="0" algn="l" defTabSz="457200" rtl="0" eaLnBrk="1" fontAlgn="auto" latinLnBrk="0" hangingPunct="1">
+                        <a:lnSpc>
+                          <a:spcPct val="100000"/>
+                        </a:lnSpc>
+                        <a:spcBef>
+                          <a:spcPts val="0"/>
+                        </a:spcBef>
+                        <a:spcAft>
+                          <a:spcPts val="0"/>
+                        </a:spcAft>
+                        <a:buClrTx/>
+                        <a:buSzTx/>
+                        <a:buFontTx/>
+                        <a:buNone/>
+                        <a:tabLst/>
+                        <a:defRPr/>
+                      </a:pPr>
+                      <a:r>
+                        <a:rPr lang="en-US" sz="700" b="0" dirty="0" smtClean="0">
+                          <a:solidFill>
+                            <a:schemeClr val="tx1"/>
+                          </a:solidFill>
+                        </a:rPr>
+                        <a:t>EODDB::instance()</a:t>
+                      </a:r>
+                      <a:r>
+                        <a:rPr lang="en-US" sz="700" b="0" baseline="0" dirty="0" smtClean="0">
+                          <a:solidFill>
+                            <a:schemeClr val="tx1"/>
+                          </a:solidFill>
+                        </a:rPr>
+                        <a:t> -&gt; _</a:t>
+                      </a:r>
+                      <a:r>
+                        <a:rPr lang="en-US" sz="700" b="0" baseline="0" dirty="0" err="1" smtClean="0">
+                          <a:solidFill>
+                            <a:schemeClr val="tx1"/>
+                          </a:solidFill>
+                        </a:rPr>
+                        <a:t>pInstance</a:t>
+                      </a:r>
+                      <a:r>
+                        <a:rPr lang="en-US" sz="700" b="0" baseline="0" dirty="0" smtClean="0">
+                          <a:solidFill>
+                            <a:schemeClr val="tx1"/>
+                          </a:solidFill>
+                        </a:rPr>
+                        <a:t> -&gt; get(name) -&gt; return data from _</a:t>
+                      </a:r>
+                      <a:r>
+                        <a:rPr lang="en-US" sz="700" b="0" baseline="0" dirty="0" err="1" smtClean="0">
+                          <a:solidFill>
+                            <a:schemeClr val="tx1"/>
+                          </a:solidFill>
+                        </a:rPr>
+                        <a:t>sDB</a:t>
+                      </a:r>
+                      <a:r>
+                        <a:rPr lang="en-US" sz="700" b="0" baseline="0" dirty="0" smtClean="0">
+                          <a:solidFill>
+                            <a:schemeClr val="tx1"/>
+                          </a:solidFill>
+                        </a:rPr>
+                        <a:t> if exists</a:t>
+                      </a:r>
+                    </a:p>
+                  </a:txBody>
+                  <a:tcPr marL="121920" marR="121920" marT="34290" marB="34290">
+                    <a:lnL w="12700" cap="flat" cmpd="sng" algn="ctr">
+                      <a:solidFill>
+                        <a:scrgbClr r="0" g="0" b="0"/>
+                      </a:solidFill>
+                      <a:prstDash val="solid"/>
+                      <a:round/>
+                      <a:headEnd type="none" w="med" len="med"/>
+                      <a:tailEnd type="none" w="med" len="med"/>
+                    </a:lnL>
+                    <a:lnR w="12700" cap="flat" cmpd="sng" algn="ctr">
+                      <a:solidFill>
+                        <a:scrgbClr r="0" g="0" b="0"/>
+                      </a:solidFill>
+                      <a:prstDash val="solid"/>
+                      <a:round/>
+                      <a:headEnd type="none" w="med" len="med"/>
+                      <a:tailEnd type="none" w="med" len="med"/>
+                    </a:lnR>
+                    <a:lnT w="12700" cap="flat" cmpd="sng" algn="ctr">
+                      <a:solidFill>
+                        <a:scrgbClr r="0" g="0" b="0"/>
+                      </a:solidFill>
+                      <a:prstDash val="solid"/>
+                      <a:round/>
+                      <a:headEnd type="none" w="med" len="med"/>
+                      <a:tailEnd type="none" w="med" len="med"/>
+                    </a:lnT>
+                    <a:lnB w="12700" cap="flat" cmpd="sng" algn="ctr">
+                      <a:solidFill>
+                        <a:scrgbClr r="0" g="0" b="0"/>
+                      </a:solidFill>
+                      <a:prstDash val="solid"/>
+                      <a:round/>
+                      <a:headEnd type="none" w="med" len="med"/>
+                      <a:tailEnd type="none" w="med" len="med"/>
+                    </a:lnB>
+                    <a:noFill/>
+                  </a:tcPr>
+                </a:tc>
+              </a:tr>
+              <a:tr h="1611630">
+                <a:tc>
+                  <a:txBody>
+                    <a:bodyPr/>
+                    <a:lstStyle/>
+                    <a:p>
+                      <a:pPr marL="457200" marR="0" lvl="1" indent="0" algn="l" defTabSz="457200" rtl="0" eaLnBrk="1" fontAlgn="auto" latinLnBrk="0" hangingPunct="1">
+                        <a:lnSpc>
+                          <a:spcPct val="100000"/>
+                        </a:lnSpc>
+                        <a:spcBef>
+                          <a:spcPts val="0"/>
+                        </a:spcBef>
+                        <a:spcAft>
+                          <a:spcPts val="0"/>
+                        </a:spcAft>
+                        <a:buClrTx/>
+                        <a:buSzTx/>
+                        <a:buFontTx/>
+                        <a:buNone/>
+                        <a:tabLst/>
+                        <a:defRPr/>
+                      </a:pPr>
+                      <a:r>
+                        <a:rPr lang="en-US" sz="700" b="0" baseline="0" dirty="0" err="1" smtClean="0">
+                          <a:solidFill>
+                            <a:schemeClr val="tx1"/>
+                          </a:solidFill>
+                        </a:rPr>
+                        <a:t>EODSeries</a:t>
+                      </a:r>
+                      <a:r>
+                        <a:rPr lang="en-US" sz="700" b="0" baseline="0" dirty="0" smtClean="0">
+                          <a:solidFill>
+                            <a:schemeClr val="tx1"/>
+                          </a:solidFill>
+                        </a:rPr>
+                        <a:t>* </a:t>
+                      </a:r>
+                      <a:r>
+                        <a:rPr lang="en-US" sz="700" b="0" baseline="0" dirty="0" err="1" smtClean="0">
+                          <a:solidFill>
+                            <a:schemeClr val="tx1"/>
+                          </a:solidFill>
+                        </a:rPr>
+                        <a:t>pSeries</a:t>
+                      </a:r>
+                      <a:r>
+                        <a:rPr lang="en-US" sz="700" b="0" baseline="0" dirty="0" smtClean="0">
+                          <a:solidFill>
+                            <a:schemeClr val="tx1"/>
+                          </a:solidFill>
+                        </a:rPr>
+                        <a:t> = new </a:t>
+                      </a:r>
+                      <a:r>
+                        <a:rPr lang="en-US" sz="700" b="0" baseline="0" dirty="0" err="1" smtClean="0">
+                          <a:solidFill>
+                            <a:schemeClr val="tx1"/>
+                          </a:solidFill>
+                        </a:rPr>
+                        <a:t>EODSeries</a:t>
+                      </a:r>
+                      <a:r>
+                        <a:rPr lang="en-US" sz="700" b="0" baseline="0" dirty="0" smtClean="0">
+                          <a:solidFill>
+                            <a:schemeClr val="tx1"/>
+                          </a:solidFill>
+                        </a:rPr>
+                        <a:t>(name);</a:t>
+                      </a:r>
+                    </a:p>
+                    <a:p>
+                      <a:pPr marL="457200" marR="0" lvl="1" indent="0" algn="l" defTabSz="457200" rtl="0" eaLnBrk="1" fontAlgn="auto" latinLnBrk="0" hangingPunct="1">
+                        <a:lnSpc>
+                          <a:spcPct val="100000"/>
+                        </a:lnSpc>
+                        <a:spcBef>
+                          <a:spcPts val="0"/>
+                        </a:spcBef>
+                        <a:spcAft>
+                          <a:spcPts val="0"/>
+                        </a:spcAft>
+                        <a:buClrTx/>
+                        <a:buSzTx/>
+                        <a:buFontTx/>
+                        <a:buNone/>
+                        <a:tabLst/>
+                        <a:defRPr/>
+                      </a:pPr>
+                      <a:r>
+                        <a:rPr lang="en-US" sz="700" b="0" baseline="0" dirty="0" err="1" smtClean="0">
+                          <a:solidFill>
+                            <a:schemeClr val="tx1"/>
+                          </a:solidFill>
+                        </a:rPr>
+                        <a:t>pSeries</a:t>
+                      </a:r>
+                      <a:r>
+                        <a:rPr lang="en-US" sz="700" b="0" baseline="0" dirty="0" smtClean="0">
+                          <a:solidFill>
+                            <a:schemeClr val="tx1"/>
+                          </a:solidFill>
+                        </a:rPr>
+                        <a:t>-&gt;load(*</a:t>
+                      </a:r>
+                      <a:r>
+                        <a:rPr lang="en-US" sz="700" b="0" baseline="0" dirty="0" err="1" smtClean="0">
+                          <a:solidFill>
+                            <a:schemeClr val="tx1"/>
+                          </a:solidFill>
+                        </a:rPr>
+                        <a:t>pFD</a:t>
+                      </a:r>
+                      <a:r>
+                        <a:rPr lang="en-US" sz="700" b="0" baseline="0" dirty="0" smtClean="0">
+                          <a:solidFill>
+                            <a:schemeClr val="tx1"/>
+                          </a:solidFill>
+                        </a:rPr>
+                        <a:t>, filename, begin, end)</a:t>
+                      </a:r>
+                    </a:p>
+                    <a:p>
+                      <a:pPr marL="457200" marR="0" lvl="1" indent="0" algn="l" defTabSz="457200" rtl="0" eaLnBrk="1" fontAlgn="auto" latinLnBrk="0" hangingPunct="1">
+                        <a:lnSpc>
+                          <a:spcPct val="100000"/>
+                        </a:lnSpc>
+                        <a:spcBef>
+                          <a:spcPts val="0"/>
+                        </a:spcBef>
+                        <a:spcAft>
+                          <a:spcPts val="0"/>
+                        </a:spcAft>
+                        <a:buClrTx/>
+                        <a:buSzTx/>
+                        <a:buFontTx/>
+                        <a:buNone/>
+                        <a:tabLst/>
+                        <a:defRPr/>
+                      </a:pPr>
+                      <a:r>
+                        <a:rPr lang="en-US" sz="700" b="0" baseline="0" dirty="0" smtClean="0">
+                          <a:solidFill>
+                            <a:schemeClr val="tx1"/>
+                          </a:solidFill>
+                        </a:rPr>
+                        <a:t>	        ^^ </a:t>
+                      </a:r>
+                      <a:r>
+                        <a:rPr lang="en-US" sz="700" b="0" baseline="0" dirty="0" err="1" smtClean="0">
+                          <a:solidFill>
+                            <a:schemeClr val="tx1"/>
+                          </a:solidFill>
+                        </a:rPr>
+                        <a:t>FileDriver</a:t>
+                      </a:r>
+                      <a:r>
+                        <a:rPr lang="en-US" sz="700" b="0" baseline="0" dirty="0" smtClean="0">
+                          <a:solidFill>
+                            <a:schemeClr val="tx1"/>
+                          </a:solidFill>
+                        </a:rPr>
+                        <a:t>       ^^ </a:t>
+                      </a:r>
+                      <a:r>
+                        <a:rPr lang="en-US" sz="700" b="0" baseline="0" dirty="0" err="1" smtClean="0">
+                          <a:solidFill>
+                            <a:schemeClr val="tx1"/>
+                          </a:solidFill>
+                        </a:rPr>
+                        <a:t>const</a:t>
+                      </a:r>
+                      <a:r>
+                        <a:rPr lang="en-US" sz="700" b="0" baseline="0" dirty="0" smtClean="0">
+                          <a:solidFill>
+                            <a:schemeClr val="tx1"/>
+                          </a:solidFill>
+                        </a:rPr>
+                        <a:t> boost::</a:t>
+                      </a:r>
+                      <a:r>
+                        <a:rPr lang="en-US" sz="700" b="0" baseline="0" dirty="0" err="1" smtClean="0">
+                          <a:solidFill>
+                            <a:schemeClr val="tx1"/>
+                          </a:solidFill>
+                        </a:rPr>
+                        <a:t>gregorian</a:t>
+                      </a:r>
+                      <a:r>
+                        <a:rPr lang="en-US" sz="700" b="0" baseline="0" dirty="0" smtClean="0">
+                          <a:solidFill>
+                            <a:schemeClr val="tx1"/>
+                          </a:solidFill>
+                        </a:rPr>
+                        <a:t>::date&amp;</a:t>
+                      </a:r>
+                    </a:p>
+                    <a:p>
+                      <a:pPr lvl="1"/>
+                      <a:endParaRPr lang="en-US" sz="700" kern="1200" dirty="0" smtClean="0">
+                        <a:solidFill>
+                          <a:schemeClr val="dk1"/>
+                        </a:solidFill>
+                        <a:latin typeface="+mn-lt"/>
+                        <a:ea typeface="+mn-ea"/>
+                        <a:cs typeface="+mn-cs"/>
+                      </a:endParaRPr>
+                    </a:p>
+                    <a:p>
+                      <a:pPr lvl="1"/>
+                      <a:r>
+                        <a:rPr lang="en-US" sz="700" kern="1200" dirty="0" err="1" smtClean="0">
+                          <a:solidFill>
+                            <a:schemeClr val="dk1"/>
+                          </a:solidFill>
+                          <a:latin typeface="+mn-lt"/>
+                          <a:ea typeface="+mn-ea"/>
+                          <a:cs typeface="+mn-cs"/>
+                        </a:rPr>
+                        <a:t>size_t</a:t>
+                      </a:r>
+                      <a:r>
+                        <a:rPr lang="en-US" sz="700" kern="1200" dirty="0" smtClean="0">
+                          <a:solidFill>
+                            <a:schemeClr val="dk1"/>
+                          </a:solidFill>
+                          <a:latin typeface="+mn-lt"/>
+                          <a:ea typeface="+mn-ea"/>
+                          <a:cs typeface="+mn-cs"/>
+                        </a:rPr>
+                        <a:t> Series::</a:t>
+                      </a:r>
+                      <a:r>
+                        <a:rPr lang="en-US" sz="700" kern="1200" dirty="0" err="1" smtClean="0">
+                          <a:solidFill>
+                            <a:schemeClr val="dk1"/>
+                          </a:solidFill>
+                          <a:latin typeface="+mn-lt"/>
+                          <a:ea typeface="+mn-ea"/>
+                          <a:cs typeface="+mn-cs"/>
+                        </a:rPr>
+                        <a:t>EODSeries</a:t>
+                      </a:r>
+                      <a:r>
+                        <a:rPr lang="en-US" sz="700" kern="1200" dirty="0" smtClean="0">
+                          <a:solidFill>
+                            <a:schemeClr val="dk1"/>
+                          </a:solidFill>
+                          <a:latin typeface="+mn-lt"/>
+                          <a:ea typeface="+mn-ea"/>
+                          <a:cs typeface="+mn-cs"/>
+                        </a:rPr>
+                        <a:t>::load(</a:t>
+                      </a:r>
+                      <a:r>
+                        <a:rPr lang="en-US" sz="700" kern="1200" dirty="0" err="1" smtClean="0">
+                          <a:solidFill>
+                            <a:schemeClr val="dk1"/>
+                          </a:solidFill>
+                          <a:latin typeface="+mn-lt"/>
+                          <a:ea typeface="+mn-ea"/>
+                          <a:cs typeface="+mn-cs"/>
+                        </a:rPr>
+                        <a:t>FileDriver</a:t>
+                      </a:r>
+                      <a:r>
+                        <a:rPr lang="en-US" sz="700" kern="1200" dirty="0" smtClean="0">
+                          <a:solidFill>
+                            <a:schemeClr val="dk1"/>
+                          </a:solidFill>
+                          <a:latin typeface="+mn-lt"/>
+                          <a:ea typeface="+mn-ea"/>
+                          <a:cs typeface="+mn-cs"/>
+                        </a:rPr>
+                        <a:t>&amp; driver, </a:t>
+                      </a:r>
+                      <a:r>
+                        <a:rPr lang="en-US" sz="700" kern="1200" dirty="0" err="1" smtClean="0">
+                          <a:solidFill>
+                            <a:schemeClr val="dk1"/>
+                          </a:solidFill>
+                          <a:latin typeface="+mn-lt"/>
+                          <a:ea typeface="+mn-ea"/>
+                          <a:cs typeface="+mn-cs"/>
+                        </a:rPr>
+                        <a:t>const</a:t>
+                      </a:r>
+                      <a:r>
+                        <a:rPr lang="en-US" sz="700" kern="1200" dirty="0" smtClean="0">
+                          <a:solidFill>
+                            <a:schemeClr val="dk1"/>
+                          </a:solidFill>
+                          <a:latin typeface="+mn-lt"/>
+                          <a:ea typeface="+mn-ea"/>
+                          <a:cs typeface="+mn-cs"/>
+                        </a:rPr>
+                        <a:t> </a:t>
+                      </a:r>
+                      <a:r>
+                        <a:rPr lang="en-US" sz="700" kern="1200" dirty="0" err="1" smtClean="0">
+                          <a:solidFill>
+                            <a:schemeClr val="dk1"/>
+                          </a:solidFill>
+                          <a:latin typeface="+mn-lt"/>
+                          <a:ea typeface="+mn-ea"/>
+                          <a:cs typeface="+mn-cs"/>
+                        </a:rPr>
+                        <a:t>std</a:t>
+                      </a:r>
+                      <a:r>
+                        <a:rPr lang="en-US" sz="700" kern="1200" dirty="0" smtClean="0">
+                          <a:solidFill>
+                            <a:schemeClr val="dk1"/>
+                          </a:solidFill>
+                          <a:latin typeface="+mn-lt"/>
+                          <a:ea typeface="+mn-ea"/>
+                          <a:cs typeface="+mn-cs"/>
+                        </a:rPr>
+                        <a:t>::string&amp; filename, </a:t>
+                      </a:r>
+                      <a:r>
+                        <a:rPr lang="en-US" sz="700" kern="1200" dirty="0" err="1" smtClean="0">
+                          <a:solidFill>
+                            <a:schemeClr val="dk1"/>
+                          </a:solidFill>
+                          <a:latin typeface="+mn-lt"/>
+                          <a:ea typeface="+mn-ea"/>
+                          <a:cs typeface="+mn-cs"/>
+                        </a:rPr>
+                        <a:t>const</a:t>
+                      </a:r>
+                      <a:r>
+                        <a:rPr lang="en-US" sz="700" kern="1200" dirty="0" smtClean="0">
+                          <a:solidFill>
+                            <a:schemeClr val="dk1"/>
+                          </a:solidFill>
+                          <a:latin typeface="+mn-lt"/>
+                          <a:ea typeface="+mn-ea"/>
+                          <a:cs typeface="+mn-cs"/>
+                        </a:rPr>
+                        <a:t> boost::</a:t>
+                      </a:r>
+                      <a:r>
+                        <a:rPr lang="en-US" sz="700" kern="1200" dirty="0" err="1" smtClean="0">
+                          <a:solidFill>
+                            <a:schemeClr val="dk1"/>
+                          </a:solidFill>
+                          <a:latin typeface="+mn-lt"/>
+                          <a:ea typeface="+mn-ea"/>
+                          <a:cs typeface="+mn-cs"/>
+                        </a:rPr>
+                        <a:t>gregorian</a:t>
+                      </a:r>
+                      <a:r>
+                        <a:rPr lang="en-US" sz="700" kern="1200" dirty="0" smtClean="0">
+                          <a:solidFill>
+                            <a:schemeClr val="dk1"/>
+                          </a:solidFill>
+                          <a:latin typeface="+mn-lt"/>
+                          <a:ea typeface="+mn-ea"/>
+                          <a:cs typeface="+mn-cs"/>
+                        </a:rPr>
+                        <a:t>::date&amp; begin, </a:t>
+                      </a:r>
+                      <a:r>
+                        <a:rPr lang="en-US" sz="700" kern="1200" dirty="0" err="1" smtClean="0">
+                          <a:solidFill>
+                            <a:schemeClr val="dk1"/>
+                          </a:solidFill>
+                          <a:latin typeface="+mn-lt"/>
+                          <a:ea typeface="+mn-ea"/>
+                          <a:cs typeface="+mn-cs"/>
+                        </a:rPr>
+                        <a:t>const</a:t>
+                      </a:r>
+                      <a:r>
+                        <a:rPr lang="en-US" sz="700" kern="1200" dirty="0" smtClean="0">
+                          <a:solidFill>
+                            <a:schemeClr val="dk1"/>
+                          </a:solidFill>
+                          <a:latin typeface="+mn-lt"/>
+                          <a:ea typeface="+mn-ea"/>
+                          <a:cs typeface="+mn-cs"/>
+                        </a:rPr>
+                        <a:t> boost::</a:t>
+                      </a:r>
+                      <a:r>
+                        <a:rPr lang="en-US" sz="700" kern="1200" dirty="0" err="1" smtClean="0">
+                          <a:solidFill>
+                            <a:schemeClr val="dk1"/>
+                          </a:solidFill>
+                          <a:latin typeface="+mn-lt"/>
+                          <a:ea typeface="+mn-ea"/>
+                          <a:cs typeface="+mn-cs"/>
+                        </a:rPr>
+                        <a:t>gregorian</a:t>
+                      </a:r>
+                      <a:r>
+                        <a:rPr lang="en-US" sz="700" kern="1200" dirty="0" smtClean="0">
+                          <a:solidFill>
+                            <a:schemeClr val="dk1"/>
+                          </a:solidFill>
+                          <a:latin typeface="+mn-lt"/>
+                          <a:ea typeface="+mn-ea"/>
+                          <a:cs typeface="+mn-cs"/>
+                        </a:rPr>
+                        <a:t>::date&amp; end)</a:t>
+                      </a:r>
+                      <a:r>
+                        <a:rPr lang="en-US" sz="700" kern="1200" baseline="0" dirty="0" smtClean="0">
+                          <a:solidFill>
+                            <a:schemeClr val="dk1"/>
+                          </a:solidFill>
+                          <a:latin typeface="+mn-lt"/>
+                          <a:ea typeface="+mn-ea"/>
+                          <a:cs typeface="+mn-cs"/>
+                        </a:rPr>
+                        <a:t> </a:t>
+                      </a:r>
+                      <a:r>
+                        <a:rPr lang="en-US" sz="700" kern="1200" dirty="0" smtClean="0">
+                          <a:solidFill>
+                            <a:schemeClr val="dk1"/>
+                          </a:solidFill>
+                          <a:latin typeface="+mn-lt"/>
+                          <a:ea typeface="+mn-ea"/>
+                          <a:cs typeface="+mn-cs"/>
+                        </a:rPr>
+                        <a:t>{</a:t>
+                      </a:r>
+                    </a:p>
+                    <a:p>
+                      <a:pPr lvl="1"/>
+                      <a:r>
+                        <a:rPr lang="en-US" sz="700" kern="1200" baseline="0" dirty="0" smtClean="0">
+                          <a:solidFill>
+                            <a:schemeClr val="dk1"/>
+                          </a:solidFill>
+                          <a:latin typeface="+mn-lt"/>
+                          <a:ea typeface="+mn-ea"/>
+                          <a:cs typeface="+mn-cs"/>
+                        </a:rPr>
+                        <a:t>    </a:t>
+                      </a:r>
+                      <a:r>
+                        <a:rPr lang="en-US" sz="700" kern="1200" dirty="0" err="1" smtClean="0">
+                          <a:solidFill>
+                            <a:schemeClr val="dk1"/>
+                          </a:solidFill>
+                          <a:latin typeface="+mn-lt"/>
+                          <a:ea typeface="+mn-ea"/>
+                          <a:cs typeface="+mn-cs"/>
+                        </a:rPr>
+                        <a:t>DayPrice</a:t>
+                      </a:r>
+                      <a:r>
+                        <a:rPr lang="en-US" sz="700" kern="1200" dirty="0" smtClean="0">
+                          <a:solidFill>
+                            <a:schemeClr val="dk1"/>
+                          </a:solidFill>
+                          <a:latin typeface="+mn-lt"/>
+                          <a:ea typeface="+mn-ea"/>
+                          <a:cs typeface="+mn-cs"/>
+                        </a:rPr>
+                        <a:t> rec;</a:t>
+                      </a:r>
+                    </a:p>
+                    <a:p>
+                      <a:pPr lvl="1"/>
+                      <a:r>
+                        <a:rPr lang="en-US" sz="700" kern="1200" baseline="0" dirty="0" smtClean="0">
+                          <a:solidFill>
+                            <a:schemeClr val="dk1"/>
+                          </a:solidFill>
+                          <a:latin typeface="+mn-lt"/>
+                          <a:ea typeface="+mn-ea"/>
+                          <a:cs typeface="+mn-cs"/>
+                        </a:rPr>
+                        <a:t>    </a:t>
+                      </a:r>
+                      <a:r>
+                        <a:rPr lang="en-US" sz="700" kern="1200" dirty="0" smtClean="0">
+                          <a:solidFill>
+                            <a:schemeClr val="dk1"/>
+                          </a:solidFill>
+                          <a:latin typeface="+mn-lt"/>
+                          <a:ea typeface="+mn-ea"/>
+                          <a:cs typeface="+mn-cs"/>
+                        </a:rPr>
+                        <a:t>while( !</a:t>
+                      </a:r>
+                      <a:r>
+                        <a:rPr lang="en-US" sz="700" kern="1200" dirty="0" err="1" smtClean="0">
+                          <a:solidFill>
+                            <a:schemeClr val="dk1"/>
+                          </a:solidFill>
+                          <a:latin typeface="+mn-lt"/>
+                          <a:ea typeface="+mn-ea"/>
+                          <a:cs typeface="+mn-cs"/>
+                        </a:rPr>
+                        <a:t>driver.eof</a:t>
+                      </a:r>
+                      <a:r>
+                        <a:rPr lang="en-US" sz="700" kern="1200" dirty="0" smtClean="0">
+                          <a:solidFill>
+                            <a:schemeClr val="dk1"/>
+                          </a:solidFill>
+                          <a:latin typeface="+mn-lt"/>
+                          <a:ea typeface="+mn-ea"/>
+                          <a:cs typeface="+mn-cs"/>
+                        </a:rPr>
+                        <a:t>() ) {  </a:t>
+                      </a:r>
+                      <a:r>
+                        <a:rPr lang="en-US" sz="700" kern="1200" dirty="0" smtClean="0">
+                          <a:solidFill>
+                            <a:srgbClr val="008000"/>
+                          </a:solidFill>
+                          <a:latin typeface="+mn-lt"/>
+                          <a:ea typeface="+mn-ea"/>
+                          <a:cs typeface="+mn-cs"/>
+                        </a:rPr>
+                        <a:t>// until</a:t>
+                      </a:r>
+                      <a:r>
+                        <a:rPr lang="en-US" sz="700" kern="1200" baseline="0" dirty="0" smtClean="0">
+                          <a:solidFill>
+                            <a:srgbClr val="008000"/>
+                          </a:solidFill>
+                          <a:latin typeface="+mn-lt"/>
+                          <a:ea typeface="+mn-ea"/>
+                          <a:cs typeface="+mn-cs"/>
+                        </a:rPr>
+                        <a:t> EOF</a:t>
+                      </a:r>
+                      <a:endParaRPr lang="en-US" sz="700" kern="1200" dirty="0" smtClean="0">
+                        <a:solidFill>
+                          <a:srgbClr val="008000"/>
+                        </a:solidFill>
+                        <a:latin typeface="+mn-lt"/>
+                        <a:ea typeface="+mn-ea"/>
+                        <a:cs typeface="+mn-cs"/>
+                      </a:endParaRPr>
+                    </a:p>
+                    <a:p>
+                      <a:pPr lvl="1"/>
+                      <a:r>
+                        <a:rPr lang="en-US" sz="700" kern="1200" dirty="0" smtClean="0">
+                          <a:solidFill>
+                            <a:schemeClr val="dk1"/>
+                          </a:solidFill>
+                          <a:latin typeface="+mn-lt"/>
+                          <a:ea typeface="+mn-ea"/>
+                          <a:cs typeface="+mn-cs"/>
+                        </a:rPr>
+                        <a:t>        </a:t>
+                      </a:r>
+                      <a:r>
+                        <a:rPr lang="en-US" sz="700" kern="1200" dirty="0" err="1" smtClean="0">
+                          <a:solidFill>
+                            <a:schemeClr val="dk1"/>
+                          </a:solidFill>
+                          <a:latin typeface="+mn-lt"/>
+                          <a:ea typeface="+mn-ea"/>
+                          <a:cs typeface="+mn-cs"/>
+                        </a:rPr>
+                        <a:t>driver.next</a:t>
+                      </a:r>
+                      <a:r>
+                        <a:rPr lang="en-US" sz="700" kern="1200" dirty="0" smtClean="0">
+                          <a:solidFill>
+                            <a:schemeClr val="dk1"/>
+                          </a:solidFill>
+                          <a:latin typeface="+mn-lt"/>
+                          <a:ea typeface="+mn-ea"/>
+                          <a:cs typeface="+mn-cs"/>
+                        </a:rPr>
+                        <a:t>(rec)  </a:t>
+                      </a:r>
+                      <a:r>
+                        <a:rPr lang="en-US" sz="700" kern="1200" dirty="0" smtClean="0">
+                          <a:solidFill>
+                            <a:srgbClr val="008000"/>
+                          </a:solidFill>
+                          <a:latin typeface="+mn-lt"/>
+                          <a:ea typeface="+mn-ea"/>
+                          <a:cs typeface="+mn-cs"/>
+                        </a:rPr>
+                        <a:t>// rec contains next line information</a:t>
+                      </a:r>
+                    </a:p>
+                    <a:p>
+                      <a:pPr marL="457200" marR="0" lvl="1" indent="0" algn="l" defTabSz="457200" rtl="0" eaLnBrk="1" fontAlgn="auto" latinLnBrk="0" hangingPunct="1">
+                        <a:lnSpc>
+                          <a:spcPct val="100000"/>
+                        </a:lnSpc>
+                        <a:spcBef>
+                          <a:spcPts val="0"/>
+                        </a:spcBef>
+                        <a:spcAft>
+                          <a:spcPts val="0"/>
+                        </a:spcAft>
+                        <a:buClrTx/>
+                        <a:buSzTx/>
+                        <a:buFontTx/>
+                        <a:buNone/>
+                        <a:tabLst/>
+                        <a:defRPr/>
+                      </a:pPr>
+                      <a:r>
+                        <a:rPr lang="en-US" sz="700" kern="1200" dirty="0" smtClean="0">
+                          <a:solidFill>
+                            <a:schemeClr val="dk1"/>
+                          </a:solidFill>
+                          <a:latin typeface="+mn-lt"/>
+                          <a:ea typeface="+mn-ea"/>
+                          <a:cs typeface="+mn-cs"/>
+                        </a:rPr>
+                        <a:t>        </a:t>
+                      </a:r>
+                      <a:r>
+                        <a:rPr lang="en-US" sz="700" kern="1200" dirty="0" err="1" smtClean="0">
+                          <a:solidFill>
+                            <a:schemeClr val="dk1"/>
+                          </a:solidFill>
+                          <a:latin typeface="+mn-lt"/>
+                          <a:ea typeface="+mn-ea"/>
+                          <a:cs typeface="+mn-cs"/>
+                        </a:rPr>
+                        <a:t>ThisMap</a:t>
+                      </a:r>
+                      <a:r>
+                        <a:rPr lang="en-US" sz="700" kern="1200" dirty="0" smtClean="0">
+                          <a:solidFill>
+                            <a:schemeClr val="dk1"/>
+                          </a:solidFill>
+                          <a:latin typeface="+mn-lt"/>
+                          <a:ea typeface="+mn-ea"/>
+                          <a:cs typeface="+mn-cs"/>
+                        </a:rPr>
+                        <a:t>::insert(</a:t>
+                      </a:r>
+                      <a:r>
+                        <a:rPr lang="en-US" sz="700" kern="1200" dirty="0" err="1" smtClean="0">
+                          <a:solidFill>
+                            <a:schemeClr val="dk1"/>
+                          </a:solidFill>
+                          <a:latin typeface="+mn-lt"/>
+                          <a:ea typeface="+mn-ea"/>
+                          <a:cs typeface="+mn-cs"/>
+                        </a:rPr>
+                        <a:t>ThisMap</a:t>
+                      </a:r>
+                      <a:r>
+                        <a:rPr lang="en-US" sz="700" kern="1200" dirty="0" smtClean="0">
+                          <a:solidFill>
+                            <a:schemeClr val="dk1"/>
+                          </a:solidFill>
+                          <a:latin typeface="+mn-lt"/>
+                          <a:ea typeface="+mn-ea"/>
+                          <a:cs typeface="+mn-cs"/>
+                        </a:rPr>
+                        <a:t>::</a:t>
+                      </a:r>
+                      <a:r>
+                        <a:rPr lang="en-US" sz="700" kern="1200" dirty="0" err="1" smtClean="0">
+                          <a:solidFill>
+                            <a:schemeClr val="dk1"/>
+                          </a:solidFill>
+                          <a:latin typeface="+mn-lt"/>
+                          <a:ea typeface="+mn-ea"/>
+                          <a:cs typeface="+mn-cs"/>
+                        </a:rPr>
+                        <a:t>value_type</a:t>
+                      </a:r>
+                      <a:r>
+                        <a:rPr lang="en-US" sz="700" kern="1200" dirty="0" smtClean="0">
+                          <a:solidFill>
+                            <a:schemeClr val="dk1"/>
+                          </a:solidFill>
+                          <a:latin typeface="+mn-lt"/>
+                          <a:ea typeface="+mn-ea"/>
+                          <a:cs typeface="+mn-cs"/>
+                        </a:rPr>
+                        <a:t>(</a:t>
+                      </a:r>
+                      <a:r>
+                        <a:rPr lang="en-US" sz="700" kern="1200" dirty="0" err="1" smtClean="0">
+                          <a:solidFill>
+                            <a:schemeClr val="dk1"/>
+                          </a:solidFill>
+                          <a:latin typeface="+mn-lt"/>
+                          <a:ea typeface="+mn-ea"/>
+                          <a:cs typeface="+mn-cs"/>
+                        </a:rPr>
+                        <a:t>rec.key</a:t>
+                      </a:r>
+                      <a:r>
+                        <a:rPr lang="en-US" sz="700" kern="1200" dirty="0" smtClean="0">
+                          <a:solidFill>
+                            <a:schemeClr val="dk1"/>
+                          </a:solidFill>
+                          <a:latin typeface="+mn-lt"/>
+                          <a:ea typeface="+mn-ea"/>
+                          <a:cs typeface="+mn-cs"/>
+                        </a:rPr>
+                        <a:t>, rec))  </a:t>
+                      </a:r>
+                      <a:r>
+                        <a:rPr lang="en-US" sz="700" kern="1200" dirty="0" smtClean="0">
+                          <a:solidFill>
+                            <a:srgbClr val="008000"/>
+                          </a:solidFill>
+                          <a:latin typeface="+mn-lt"/>
+                          <a:ea typeface="+mn-ea"/>
+                          <a:cs typeface="+mn-cs"/>
+                        </a:rPr>
+                        <a:t>//</a:t>
+                      </a:r>
+                      <a:r>
+                        <a:rPr lang="en-US" sz="700" kern="1200" baseline="0" dirty="0" smtClean="0">
+                          <a:solidFill>
+                            <a:srgbClr val="008000"/>
+                          </a:solidFill>
+                          <a:latin typeface="+mn-lt"/>
+                          <a:ea typeface="+mn-ea"/>
+                          <a:cs typeface="+mn-cs"/>
+                        </a:rPr>
+                        <a:t> inserted to the map</a:t>
+                      </a:r>
+                      <a:endParaRPr lang="en-US" sz="700" kern="1200" dirty="0" smtClean="0">
+                        <a:solidFill>
+                          <a:srgbClr val="008000"/>
+                        </a:solidFill>
+                        <a:latin typeface="+mn-lt"/>
+                        <a:ea typeface="+mn-ea"/>
+                        <a:cs typeface="+mn-cs"/>
+                      </a:endParaRPr>
+                    </a:p>
+                    <a:p>
+                      <a:pPr lvl="1"/>
+                      <a:r>
+                        <a:rPr lang="en-US" sz="700" kern="1200" dirty="0" smtClean="0">
+                          <a:solidFill>
+                            <a:schemeClr val="dk1"/>
+                          </a:solidFill>
+                          <a:latin typeface="+mn-lt"/>
+                          <a:ea typeface="+mn-ea"/>
+                          <a:cs typeface="+mn-cs"/>
+                        </a:rPr>
+                        <a:t>    }</a:t>
+                      </a:r>
+                    </a:p>
+                    <a:p>
+                      <a:pPr lvl="1"/>
+                      <a:r>
+                        <a:rPr lang="en-US" sz="700" kern="1200" dirty="0" err="1" smtClean="0">
+                          <a:solidFill>
+                            <a:schemeClr val="dk1"/>
+                          </a:solidFill>
+                          <a:latin typeface="+mn-lt"/>
+                          <a:ea typeface="+mn-ea"/>
+                          <a:cs typeface="+mn-cs"/>
+                        </a:rPr>
+                        <a:t>driver.close</a:t>
+                      </a:r>
+                      <a:r>
+                        <a:rPr lang="en-US" sz="700" kern="1200" dirty="0" smtClean="0">
+                          <a:solidFill>
+                            <a:schemeClr val="dk1"/>
+                          </a:solidFill>
+                          <a:latin typeface="+mn-lt"/>
+                          <a:ea typeface="+mn-ea"/>
+                          <a:cs typeface="+mn-cs"/>
+                        </a:rPr>
+                        <a:t>();</a:t>
+                      </a:r>
+                    </a:p>
+                    <a:p>
+                      <a:pPr lvl="1"/>
+                      <a:r>
+                        <a:rPr lang="en-US" sz="700" kern="1200" dirty="0" smtClean="0">
+                          <a:solidFill>
+                            <a:schemeClr val="dk1"/>
+                          </a:solidFill>
+                          <a:latin typeface="+mn-lt"/>
+                          <a:ea typeface="+mn-ea"/>
+                          <a:cs typeface="+mn-cs"/>
+                        </a:rPr>
+                        <a:t>_</a:t>
+                      </a:r>
+                      <a:r>
+                        <a:rPr lang="en-US" sz="700" kern="1200" dirty="0" err="1" smtClean="0">
+                          <a:solidFill>
+                            <a:schemeClr val="dk1"/>
+                          </a:solidFill>
+                          <a:latin typeface="+mn-lt"/>
+                          <a:ea typeface="+mn-ea"/>
+                          <a:cs typeface="+mn-cs"/>
+                        </a:rPr>
+                        <a:t>isLoaded</a:t>
+                      </a:r>
+                      <a:r>
+                        <a:rPr lang="en-US" sz="700" kern="1200" dirty="0" smtClean="0">
+                          <a:solidFill>
+                            <a:schemeClr val="dk1"/>
+                          </a:solidFill>
+                          <a:latin typeface="+mn-lt"/>
+                          <a:ea typeface="+mn-ea"/>
+                          <a:cs typeface="+mn-cs"/>
+                        </a:rPr>
+                        <a:t> = true;</a:t>
+                      </a:r>
+                    </a:p>
+                    <a:p>
+                      <a:pPr lvl="1"/>
+                      <a:r>
+                        <a:rPr lang="en-US" sz="700" kern="1200" dirty="0" smtClean="0">
+                          <a:solidFill>
+                            <a:schemeClr val="dk1"/>
+                          </a:solidFill>
+                          <a:latin typeface="+mn-lt"/>
+                          <a:ea typeface="+mn-ea"/>
+                          <a:cs typeface="+mn-cs"/>
+                        </a:rPr>
+                        <a:t>return </a:t>
+                      </a:r>
+                      <a:r>
+                        <a:rPr lang="en-US" sz="700" kern="1200" dirty="0" err="1" smtClean="0">
+                          <a:solidFill>
+                            <a:schemeClr val="dk1"/>
+                          </a:solidFill>
+                          <a:latin typeface="+mn-lt"/>
+                          <a:ea typeface="+mn-ea"/>
+                          <a:cs typeface="+mn-cs"/>
+                        </a:rPr>
+                        <a:t>ThisMap</a:t>
+                      </a:r>
+                      <a:r>
+                        <a:rPr lang="en-US" sz="700" kern="1200" dirty="0" smtClean="0">
+                          <a:solidFill>
+                            <a:schemeClr val="dk1"/>
+                          </a:solidFill>
+                          <a:latin typeface="+mn-lt"/>
+                          <a:ea typeface="+mn-ea"/>
+                          <a:cs typeface="+mn-cs"/>
+                        </a:rPr>
+                        <a:t>::size();</a:t>
+                      </a:r>
+                    </a:p>
+                    <a:p>
+                      <a:pPr lvl="1"/>
+                      <a:r>
+                        <a:rPr lang="en-US" sz="700" kern="1200" dirty="0" smtClean="0">
+                          <a:solidFill>
+                            <a:schemeClr val="dk1"/>
+                          </a:solidFill>
+                          <a:latin typeface="+mn-lt"/>
+                          <a:ea typeface="+mn-ea"/>
+                          <a:cs typeface="+mn-cs"/>
+                        </a:rPr>
+                        <a:t>}</a:t>
+                      </a:r>
+                      <a:endParaRPr lang="en-US" sz="700" b="0" baseline="0" dirty="0" smtClean="0">
+                        <a:solidFill>
+                          <a:schemeClr val="tx1"/>
+                        </a:solidFill>
+                      </a:endParaRPr>
+                    </a:p>
+                  </a:txBody>
+                  <a:tcPr marL="121920" marR="121920" marT="34290" marB="34290">
+                    <a:lnL w="12700" cap="flat" cmpd="sng" algn="ctr">
+                      <a:solidFill>
+                        <a:scrgbClr r="0" g="0" b="0"/>
+                      </a:solidFill>
+                      <a:prstDash val="solid"/>
+                      <a:round/>
+                      <a:headEnd type="none" w="med" len="med"/>
+                      <a:tailEnd type="none" w="med" len="med"/>
+                    </a:lnL>
+                    <a:lnR w="12700" cap="flat" cmpd="sng" algn="ctr">
+                      <a:solidFill>
+                        <a:scrgbClr r="0" g="0" b="0"/>
+                      </a:solidFill>
+                      <a:prstDash val="solid"/>
+                      <a:round/>
+                      <a:headEnd type="none" w="med" len="med"/>
+                      <a:tailEnd type="none" w="med" len="med"/>
+                    </a:lnR>
+                    <a:lnT w="12700" cap="flat" cmpd="sng" algn="ctr">
+                      <a:solidFill>
+                        <a:scrgbClr r="0" g="0" b="0"/>
+                      </a:solidFill>
+                      <a:prstDash val="solid"/>
+                      <a:round/>
+                      <a:headEnd type="none" w="med" len="med"/>
+                      <a:tailEnd type="none" w="med" len="med"/>
+                    </a:lnT>
+                    <a:lnB w="12700" cap="flat" cmpd="sng" algn="ctr">
+                      <a:solidFill>
+                        <a:scrgbClr r="0" g="0" b="0"/>
+                      </a:solidFill>
+                      <a:prstDash val="solid"/>
+                      <a:round/>
+                      <a:headEnd type="none" w="med" len="med"/>
+                      <a:tailEnd type="none" w="med" len="med"/>
+                    </a:lnB>
+                    <a:noFill/>
+                  </a:tcPr>
+                </a:tc>
+              </a:tr>
+              <a:tr h="480060">
+                <a:tc>
+                  <a:txBody>
+                    <a:bodyPr/>
+                    <a:lstStyle/>
+                    <a:p>
+                      <a:r>
+                        <a:rPr lang="en-US" sz="700" kern="1200" dirty="0" smtClean="0">
+                          <a:solidFill>
+                            <a:schemeClr val="dk1"/>
+                          </a:solidFill>
+                          <a:latin typeface="+mn-lt"/>
+                          <a:ea typeface="+mn-ea"/>
+                          <a:cs typeface="+mn-cs"/>
+                        </a:rPr>
+                        <a:t>Series::EODDB::instance().load(</a:t>
+                      </a:r>
+                      <a:r>
+                        <a:rPr lang="en-US" sz="700" kern="1200" dirty="0" err="1" smtClean="0">
+                          <a:solidFill>
+                            <a:schemeClr val="dk1"/>
+                          </a:solidFill>
+                          <a:latin typeface="+mn-lt"/>
+                          <a:ea typeface="+mn-ea"/>
+                          <a:cs typeface="+mn-cs"/>
+                        </a:rPr>
+                        <a:t>spx_symbol</a:t>
+                      </a:r>
+                      <a:r>
+                        <a:rPr lang="en-US" sz="700" kern="1200" dirty="0" smtClean="0">
+                          <a:solidFill>
+                            <a:schemeClr val="dk1"/>
+                          </a:solidFill>
+                          <a:latin typeface="+mn-lt"/>
+                          <a:ea typeface="+mn-ea"/>
+                          <a:cs typeface="+mn-cs"/>
+                        </a:rPr>
+                        <a:t>, </a:t>
+                      </a:r>
+                      <a:r>
+                        <a:rPr lang="en-US" sz="700" kern="1200" dirty="0" err="1" smtClean="0">
+                          <a:solidFill>
+                            <a:schemeClr val="dk1"/>
+                          </a:solidFill>
+                          <a:latin typeface="+mn-lt"/>
+                          <a:ea typeface="+mn-ea"/>
+                          <a:cs typeface="+mn-cs"/>
+                        </a:rPr>
+                        <a:t>spx_file</a:t>
+                      </a:r>
+                      <a:r>
+                        <a:rPr lang="en-US" sz="700" kern="1200" dirty="0" smtClean="0">
+                          <a:solidFill>
+                            <a:schemeClr val="dk1"/>
+                          </a:solidFill>
+                          <a:latin typeface="+mn-lt"/>
+                          <a:ea typeface="+mn-ea"/>
+                          <a:cs typeface="+mn-cs"/>
+                        </a:rPr>
+                        <a:t>, Series::EODDB::YAHOO, </a:t>
+                      </a:r>
+                      <a:r>
+                        <a:rPr lang="en-US" sz="700" kern="1200" dirty="0" err="1" smtClean="0">
+                          <a:solidFill>
+                            <a:schemeClr val="dk1"/>
+                          </a:solidFill>
+                          <a:latin typeface="+mn-lt"/>
+                          <a:ea typeface="+mn-ea"/>
+                          <a:cs typeface="+mn-cs"/>
+                        </a:rPr>
+                        <a:t>load_begin</a:t>
+                      </a:r>
+                      <a:r>
+                        <a:rPr lang="en-US" sz="700" kern="1200" dirty="0" smtClean="0">
+                          <a:solidFill>
+                            <a:schemeClr val="dk1"/>
+                          </a:solidFill>
+                          <a:latin typeface="+mn-lt"/>
+                          <a:ea typeface="+mn-ea"/>
+                          <a:cs typeface="+mn-cs"/>
+                        </a:rPr>
+                        <a:t>, </a:t>
+                      </a:r>
+                      <a:r>
+                        <a:rPr lang="en-US" sz="700" kern="1200" dirty="0" err="1" smtClean="0">
+                          <a:solidFill>
+                            <a:schemeClr val="dk1"/>
+                          </a:solidFill>
+                          <a:latin typeface="+mn-lt"/>
+                          <a:ea typeface="+mn-ea"/>
+                          <a:cs typeface="+mn-cs"/>
+                        </a:rPr>
+                        <a:t>load_end</a:t>
+                      </a:r>
+                      <a:r>
+                        <a:rPr lang="en-US" sz="700" kern="1200" dirty="0" smtClean="0">
+                          <a:solidFill>
+                            <a:schemeClr val="dk1"/>
+                          </a:solidFill>
+                          <a:latin typeface="+mn-lt"/>
+                          <a:ea typeface="+mn-ea"/>
+                          <a:cs typeface="+mn-cs"/>
+                        </a:rPr>
+                        <a:t>);  </a:t>
+                      </a:r>
+                      <a:r>
+                        <a:rPr lang="en-US" sz="700" kern="1200" dirty="0" smtClean="0">
+                          <a:solidFill>
+                            <a:srgbClr val="008000"/>
+                          </a:solidFill>
+                          <a:latin typeface="+mn-lt"/>
+                          <a:ea typeface="+mn-ea"/>
+                          <a:cs typeface="+mn-cs"/>
+                        </a:rPr>
+                        <a:t>// load</a:t>
+                      </a:r>
+                      <a:r>
+                        <a:rPr lang="en-US" sz="700" kern="1200" baseline="0" dirty="0" smtClean="0">
+                          <a:solidFill>
+                            <a:srgbClr val="008000"/>
+                          </a:solidFill>
+                          <a:latin typeface="+mn-lt"/>
+                          <a:ea typeface="+mn-ea"/>
+                          <a:cs typeface="+mn-cs"/>
+                        </a:rPr>
+                        <a:t> </a:t>
+                      </a:r>
+                      <a:r>
+                        <a:rPr lang="en-US" sz="700" kern="1200" baseline="0" dirty="0" err="1" smtClean="0">
+                          <a:solidFill>
+                            <a:srgbClr val="008000"/>
+                          </a:solidFill>
+                          <a:latin typeface="+mn-lt"/>
+                          <a:ea typeface="+mn-ea"/>
+                          <a:cs typeface="+mn-cs"/>
+                        </a:rPr>
+                        <a:t>spx.csv</a:t>
+                      </a:r>
+                      <a:endParaRPr lang="en-US" sz="700" kern="1200" dirty="0" smtClean="0">
+                        <a:solidFill>
+                          <a:schemeClr val="dk1"/>
+                        </a:solidFill>
+                        <a:latin typeface="+mn-lt"/>
+                        <a:ea typeface="+mn-ea"/>
+                        <a:cs typeface="+mn-cs"/>
+                      </a:endParaRPr>
+                    </a:p>
+                    <a:p>
+                      <a:r>
+                        <a:rPr lang="en-US" sz="700" kern="1200" dirty="0" smtClean="0">
+                          <a:solidFill>
+                            <a:schemeClr val="dk1"/>
+                          </a:solidFill>
+                          <a:latin typeface="+mn-lt"/>
+                          <a:ea typeface="+mn-ea"/>
+                          <a:cs typeface="+mn-cs"/>
+                        </a:rPr>
+                        <a:t>Series::EODDB::instance().load(</a:t>
+                      </a:r>
+                      <a:r>
+                        <a:rPr lang="en-US" sz="700" kern="1200" dirty="0" err="1" smtClean="0">
+                          <a:solidFill>
+                            <a:schemeClr val="dk1"/>
+                          </a:solidFill>
+                          <a:latin typeface="+mn-lt"/>
+                          <a:ea typeface="+mn-ea"/>
+                          <a:cs typeface="+mn-cs"/>
+                        </a:rPr>
+                        <a:t>vix_symbol</a:t>
+                      </a:r>
+                      <a:r>
+                        <a:rPr lang="en-US" sz="700" kern="1200" dirty="0" smtClean="0">
+                          <a:solidFill>
+                            <a:schemeClr val="dk1"/>
+                          </a:solidFill>
+                          <a:latin typeface="+mn-lt"/>
+                          <a:ea typeface="+mn-ea"/>
+                          <a:cs typeface="+mn-cs"/>
+                        </a:rPr>
+                        <a:t>, </a:t>
+                      </a:r>
+                      <a:r>
+                        <a:rPr lang="en-US" sz="700" kern="1200" dirty="0" err="1" smtClean="0">
+                          <a:solidFill>
+                            <a:schemeClr val="dk1"/>
+                          </a:solidFill>
+                          <a:latin typeface="+mn-lt"/>
+                          <a:ea typeface="+mn-ea"/>
+                          <a:cs typeface="+mn-cs"/>
+                        </a:rPr>
+                        <a:t>vix_file</a:t>
+                      </a:r>
+                      <a:r>
+                        <a:rPr lang="en-US" sz="700" kern="1200" dirty="0" smtClean="0">
+                          <a:solidFill>
+                            <a:schemeClr val="dk1"/>
+                          </a:solidFill>
+                          <a:latin typeface="+mn-lt"/>
+                          <a:ea typeface="+mn-ea"/>
+                          <a:cs typeface="+mn-cs"/>
+                        </a:rPr>
+                        <a:t>, Series::EODDB::YAHOO, </a:t>
+                      </a:r>
+                      <a:r>
+                        <a:rPr lang="en-US" sz="700" kern="1200" dirty="0" err="1" smtClean="0">
+                          <a:solidFill>
+                            <a:schemeClr val="dk1"/>
+                          </a:solidFill>
+                          <a:latin typeface="+mn-lt"/>
+                          <a:ea typeface="+mn-ea"/>
+                          <a:cs typeface="+mn-cs"/>
+                        </a:rPr>
+                        <a:t>load_begin</a:t>
+                      </a:r>
+                      <a:r>
+                        <a:rPr lang="en-US" sz="700" kern="1200" dirty="0" smtClean="0">
+                          <a:solidFill>
+                            <a:schemeClr val="dk1"/>
+                          </a:solidFill>
+                          <a:latin typeface="+mn-lt"/>
+                          <a:ea typeface="+mn-ea"/>
+                          <a:cs typeface="+mn-cs"/>
+                        </a:rPr>
+                        <a:t>, </a:t>
+                      </a:r>
+                      <a:r>
+                        <a:rPr lang="en-US" sz="700" kern="1200" dirty="0" err="1" smtClean="0">
+                          <a:solidFill>
+                            <a:schemeClr val="dk1"/>
+                          </a:solidFill>
+                          <a:latin typeface="+mn-lt"/>
+                          <a:ea typeface="+mn-ea"/>
+                          <a:cs typeface="+mn-cs"/>
+                        </a:rPr>
+                        <a:t>load_end</a:t>
+                      </a:r>
+                      <a:r>
+                        <a:rPr lang="en-US" sz="700" kern="1200" dirty="0" smtClean="0">
+                          <a:solidFill>
+                            <a:schemeClr val="dk1"/>
+                          </a:solidFill>
+                          <a:latin typeface="+mn-lt"/>
+                          <a:ea typeface="+mn-ea"/>
+                          <a:cs typeface="+mn-cs"/>
+                        </a:rPr>
+                        <a:t>); </a:t>
+                      </a:r>
+                      <a:r>
+                        <a:rPr lang="en-US" sz="700" kern="1200" dirty="0" smtClean="0">
+                          <a:solidFill>
+                            <a:srgbClr val="008000"/>
+                          </a:solidFill>
+                          <a:latin typeface="+mn-lt"/>
+                          <a:ea typeface="+mn-ea"/>
+                          <a:cs typeface="+mn-cs"/>
+                        </a:rPr>
+                        <a:t>// load</a:t>
+                      </a:r>
+                      <a:r>
+                        <a:rPr lang="en-US" sz="700" kern="1200" baseline="0" dirty="0" smtClean="0">
+                          <a:solidFill>
+                            <a:srgbClr val="008000"/>
+                          </a:solidFill>
+                          <a:latin typeface="+mn-lt"/>
+                          <a:ea typeface="+mn-ea"/>
+                          <a:cs typeface="+mn-cs"/>
+                        </a:rPr>
+                        <a:t> </a:t>
+                      </a:r>
+                      <a:r>
+                        <a:rPr lang="en-US" sz="700" kern="1200" baseline="0" dirty="0" err="1" smtClean="0">
+                          <a:solidFill>
+                            <a:srgbClr val="008000"/>
+                          </a:solidFill>
+                          <a:latin typeface="+mn-lt"/>
+                          <a:ea typeface="+mn-ea"/>
+                          <a:cs typeface="+mn-cs"/>
+                        </a:rPr>
+                        <a:t>vix.csv</a:t>
+                      </a:r>
+                      <a:endParaRPr lang="en-US" sz="700" kern="1200" dirty="0" smtClean="0">
+                        <a:solidFill>
+                          <a:schemeClr val="dk1"/>
+                        </a:solidFill>
+                        <a:latin typeface="+mn-lt"/>
+                        <a:ea typeface="+mn-ea"/>
+                        <a:cs typeface="+mn-cs"/>
+                      </a:endParaRPr>
+                    </a:p>
+                    <a:p>
+                      <a:r>
+                        <a:rPr lang="en-US" sz="700" kern="1200" dirty="0" err="1" smtClean="0">
+                          <a:solidFill>
+                            <a:schemeClr val="dk1"/>
+                          </a:solidFill>
+                          <a:latin typeface="+mn-lt"/>
+                          <a:ea typeface="+mn-ea"/>
+                          <a:cs typeface="+mn-cs"/>
+                        </a:rPr>
+                        <a:t>const</a:t>
+                      </a:r>
+                      <a:r>
+                        <a:rPr lang="en-US" sz="700" kern="1200" dirty="0" smtClean="0">
+                          <a:solidFill>
+                            <a:schemeClr val="dk1"/>
+                          </a:solidFill>
+                          <a:latin typeface="+mn-lt"/>
+                          <a:ea typeface="+mn-ea"/>
+                          <a:cs typeface="+mn-cs"/>
+                        </a:rPr>
+                        <a:t> Series::</a:t>
+                      </a:r>
+                      <a:r>
+                        <a:rPr lang="en-US" sz="700" kern="1200" dirty="0" err="1" smtClean="0">
+                          <a:solidFill>
+                            <a:schemeClr val="dk1"/>
+                          </a:solidFill>
+                          <a:latin typeface="+mn-lt"/>
+                          <a:ea typeface="+mn-ea"/>
+                          <a:cs typeface="+mn-cs"/>
+                        </a:rPr>
+                        <a:t>EODSeries</a:t>
+                      </a:r>
+                      <a:r>
+                        <a:rPr lang="en-US" sz="700" kern="1200" dirty="0" smtClean="0">
+                          <a:solidFill>
+                            <a:schemeClr val="dk1"/>
+                          </a:solidFill>
+                          <a:latin typeface="+mn-lt"/>
+                          <a:ea typeface="+mn-ea"/>
+                          <a:cs typeface="+mn-cs"/>
+                        </a:rPr>
+                        <a:t>&amp; </a:t>
+                      </a:r>
+                      <a:r>
+                        <a:rPr lang="en-US" sz="700" kern="1200" dirty="0" err="1" smtClean="0">
+                          <a:solidFill>
+                            <a:schemeClr val="dk1"/>
+                          </a:solidFill>
+                          <a:latin typeface="+mn-lt"/>
+                          <a:ea typeface="+mn-ea"/>
+                          <a:cs typeface="+mn-cs"/>
+                        </a:rPr>
+                        <a:t>spx_db</a:t>
+                      </a:r>
+                      <a:r>
+                        <a:rPr lang="en-US" sz="700" kern="1200" dirty="0" smtClean="0">
+                          <a:solidFill>
+                            <a:schemeClr val="dk1"/>
+                          </a:solidFill>
+                          <a:latin typeface="+mn-lt"/>
+                          <a:ea typeface="+mn-ea"/>
+                          <a:cs typeface="+mn-cs"/>
+                        </a:rPr>
+                        <a:t> = Series::EODDB::instance().get(</a:t>
+                      </a:r>
+                      <a:r>
+                        <a:rPr lang="en-US" sz="700" kern="1200" dirty="0" err="1" smtClean="0">
+                          <a:solidFill>
+                            <a:schemeClr val="dk1"/>
+                          </a:solidFill>
+                          <a:latin typeface="+mn-lt"/>
+                          <a:ea typeface="+mn-ea"/>
+                          <a:cs typeface="+mn-cs"/>
+                        </a:rPr>
+                        <a:t>spx_symbol</a:t>
+                      </a:r>
+                      <a:r>
+                        <a:rPr lang="en-US" sz="700" kern="1200" dirty="0" smtClean="0">
+                          <a:solidFill>
+                            <a:schemeClr val="dk1"/>
+                          </a:solidFill>
+                          <a:latin typeface="+mn-lt"/>
+                          <a:ea typeface="+mn-ea"/>
+                          <a:cs typeface="+mn-cs"/>
+                        </a:rPr>
+                        <a:t>); </a:t>
+                      </a:r>
+                      <a:r>
+                        <a:rPr lang="en-US" sz="700" kern="1200" dirty="0" smtClean="0">
+                          <a:solidFill>
+                            <a:srgbClr val="008000"/>
+                          </a:solidFill>
+                          <a:latin typeface="+mn-lt"/>
+                          <a:ea typeface="+mn-ea"/>
+                          <a:cs typeface="+mn-cs"/>
+                        </a:rPr>
+                        <a:t>// retrieve</a:t>
+                      </a:r>
+                      <a:r>
+                        <a:rPr lang="en-US" sz="700" kern="1200" baseline="0" dirty="0" smtClean="0">
+                          <a:solidFill>
+                            <a:srgbClr val="008000"/>
+                          </a:solidFill>
+                          <a:latin typeface="+mn-lt"/>
+                          <a:ea typeface="+mn-ea"/>
+                          <a:cs typeface="+mn-cs"/>
+                        </a:rPr>
+                        <a:t> </a:t>
+                      </a:r>
+                      <a:r>
+                        <a:rPr lang="en-US" sz="700" kern="1200" baseline="0" dirty="0" err="1" smtClean="0">
+                          <a:solidFill>
+                            <a:srgbClr val="008000"/>
+                          </a:solidFill>
+                          <a:latin typeface="+mn-lt"/>
+                          <a:ea typeface="+mn-ea"/>
+                          <a:cs typeface="+mn-cs"/>
+                        </a:rPr>
+                        <a:t>spx_db</a:t>
+                      </a:r>
+                      <a:endParaRPr lang="en-US" sz="700" kern="1200" dirty="0" smtClean="0">
+                        <a:solidFill>
+                          <a:schemeClr val="dk1"/>
+                        </a:solidFill>
+                        <a:latin typeface="+mn-lt"/>
+                        <a:ea typeface="+mn-ea"/>
+                        <a:cs typeface="+mn-cs"/>
+                      </a:endParaRPr>
+                    </a:p>
+                    <a:p>
+                      <a:r>
+                        <a:rPr lang="en-US" sz="700" kern="1200" dirty="0" err="1" smtClean="0">
+                          <a:solidFill>
+                            <a:schemeClr val="dk1"/>
+                          </a:solidFill>
+                          <a:latin typeface="+mn-lt"/>
+                          <a:ea typeface="+mn-ea"/>
+                          <a:cs typeface="+mn-cs"/>
+                        </a:rPr>
+                        <a:t>const</a:t>
+                      </a:r>
+                      <a:r>
+                        <a:rPr lang="en-US" sz="700" kern="1200" dirty="0" smtClean="0">
+                          <a:solidFill>
+                            <a:schemeClr val="dk1"/>
+                          </a:solidFill>
+                          <a:latin typeface="+mn-lt"/>
+                          <a:ea typeface="+mn-ea"/>
+                          <a:cs typeface="+mn-cs"/>
+                        </a:rPr>
+                        <a:t> Series::</a:t>
+                      </a:r>
+                      <a:r>
+                        <a:rPr lang="en-US" sz="700" kern="1200" dirty="0" err="1" smtClean="0">
+                          <a:solidFill>
+                            <a:schemeClr val="dk1"/>
+                          </a:solidFill>
+                          <a:latin typeface="+mn-lt"/>
+                          <a:ea typeface="+mn-ea"/>
+                          <a:cs typeface="+mn-cs"/>
+                        </a:rPr>
+                        <a:t>EODSeries</a:t>
+                      </a:r>
+                      <a:r>
+                        <a:rPr lang="en-US" sz="700" kern="1200" dirty="0" smtClean="0">
+                          <a:solidFill>
+                            <a:schemeClr val="dk1"/>
+                          </a:solidFill>
+                          <a:latin typeface="+mn-lt"/>
+                          <a:ea typeface="+mn-ea"/>
+                          <a:cs typeface="+mn-cs"/>
+                        </a:rPr>
+                        <a:t>&amp; </a:t>
+                      </a:r>
+                      <a:r>
+                        <a:rPr lang="en-US" sz="700" kern="1200" dirty="0" err="1" smtClean="0">
+                          <a:solidFill>
+                            <a:schemeClr val="dk1"/>
+                          </a:solidFill>
+                          <a:latin typeface="+mn-lt"/>
+                          <a:ea typeface="+mn-ea"/>
+                          <a:cs typeface="+mn-cs"/>
+                        </a:rPr>
+                        <a:t>vix_db</a:t>
+                      </a:r>
+                      <a:r>
+                        <a:rPr lang="en-US" sz="700" kern="1200" dirty="0" smtClean="0">
+                          <a:solidFill>
+                            <a:schemeClr val="dk1"/>
+                          </a:solidFill>
+                          <a:latin typeface="+mn-lt"/>
+                          <a:ea typeface="+mn-ea"/>
+                          <a:cs typeface="+mn-cs"/>
+                        </a:rPr>
+                        <a:t> = Series::EODDB::instance().get(</a:t>
+                      </a:r>
+                      <a:r>
+                        <a:rPr lang="en-US" sz="700" kern="1200" dirty="0" err="1" smtClean="0">
+                          <a:solidFill>
+                            <a:schemeClr val="dk1"/>
+                          </a:solidFill>
+                          <a:latin typeface="+mn-lt"/>
+                          <a:ea typeface="+mn-ea"/>
+                          <a:cs typeface="+mn-cs"/>
+                        </a:rPr>
+                        <a:t>vix_symbol</a:t>
+                      </a:r>
+                      <a:r>
+                        <a:rPr lang="en-US" sz="700" kern="1200" dirty="0" smtClean="0">
+                          <a:solidFill>
+                            <a:schemeClr val="dk1"/>
+                          </a:solidFill>
+                          <a:latin typeface="+mn-lt"/>
+                          <a:ea typeface="+mn-ea"/>
+                          <a:cs typeface="+mn-cs"/>
+                        </a:rPr>
+                        <a:t>); </a:t>
+                      </a:r>
+                      <a:r>
+                        <a:rPr lang="en-US" sz="700" kern="1200" dirty="0" smtClean="0">
+                          <a:solidFill>
+                            <a:srgbClr val="008000"/>
+                          </a:solidFill>
+                          <a:latin typeface="+mn-lt"/>
+                          <a:ea typeface="+mn-ea"/>
+                          <a:cs typeface="+mn-cs"/>
+                        </a:rPr>
+                        <a:t>// retrieve</a:t>
+                      </a:r>
+                      <a:r>
+                        <a:rPr lang="en-US" sz="700" kern="1200" baseline="0" dirty="0" smtClean="0">
+                          <a:solidFill>
+                            <a:srgbClr val="008000"/>
+                          </a:solidFill>
+                          <a:latin typeface="+mn-lt"/>
+                          <a:ea typeface="+mn-ea"/>
+                          <a:cs typeface="+mn-cs"/>
+                        </a:rPr>
+                        <a:t> </a:t>
+                      </a:r>
+                      <a:r>
+                        <a:rPr lang="en-US" sz="700" kern="1200" baseline="0" dirty="0" err="1" smtClean="0">
+                          <a:solidFill>
+                            <a:srgbClr val="008000"/>
+                          </a:solidFill>
+                          <a:latin typeface="+mn-lt"/>
+                          <a:ea typeface="+mn-ea"/>
+                          <a:cs typeface="+mn-cs"/>
+                        </a:rPr>
+                        <a:t>vix_db</a:t>
+                      </a:r>
+                      <a:endParaRPr lang="en-US" sz="700" b="0" baseline="0" dirty="0" smtClean="0">
+                        <a:solidFill>
+                          <a:schemeClr val="tx1"/>
+                        </a:solidFill>
+                      </a:endParaRPr>
+                    </a:p>
+                  </a:txBody>
+                  <a:tcPr marL="121920" marR="121920" marT="34290" marB="34290">
+                    <a:lnL w="12700" cap="flat" cmpd="sng" algn="ctr">
+                      <a:solidFill>
+                        <a:scrgbClr r="0" g="0" b="0"/>
+                      </a:solidFill>
+                      <a:prstDash val="solid"/>
+                      <a:round/>
+                      <a:headEnd type="none" w="med" len="med"/>
+                      <a:tailEnd type="none" w="med" len="med"/>
+                    </a:lnL>
+                    <a:lnR w="12700" cap="flat" cmpd="sng" algn="ctr">
+                      <a:solidFill>
+                        <a:scrgbClr r="0" g="0" b="0"/>
+                      </a:solidFill>
+                      <a:prstDash val="solid"/>
+                      <a:round/>
+                      <a:headEnd type="none" w="med" len="med"/>
+                      <a:tailEnd type="none" w="med" len="med"/>
+                    </a:lnR>
+                    <a:lnT w="12700" cap="flat" cmpd="sng" algn="ctr">
+                      <a:solidFill>
+                        <a:scrgbClr r="0" g="0" b="0"/>
+                      </a:solidFill>
+                      <a:prstDash val="solid"/>
+                      <a:round/>
+                      <a:headEnd type="none" w="med" len="med"/>
+                      <a:tailEnd type="none" w="med" len="med"/>
+                    </a:lnT>
+                    <a:lnB w="12700" cap="flat" cmpd="sng" algn="ctr">
+                      <a:solidFill>
+                        <a:scrgbClr r="0" g="0" b="0"/>
+                      </a:solidFill>
+                      <a:prstDash val="solid"/>
+                      <a:round/>
+                      <a:headEnd type="none" w="med" len="med"/>
+                      <a:tailEnd type="none" w="med" len="med"/>
+                    </a:lnB>
+                    <a:noFill/>
+                  </a:tcPr>
+                </a:tc>
+              </a:tr>
+            </a:tbl>
+          </a:graphicData>
+        </a:graphic>
+      </p:graphicFrame>
+      <p:sp>
+        <p:nvSpPr>
+          <p:cNvPr id="5" name="TextBox 4"/>
+          <p:cNvSpPr txBox="1"/>
+          <p:nvPr/>
+        </p:nvSpPr>
+        <p:spPr>
+          <a:xfrm>
+            <a:off x="3350824" y="4496092"/>
+            <a:ext cx="4182812" cy="3139322"/>
+          </a:xfrm>
+          <a:prstGeom prst="rect">
+            <a:avLst/>
+          </a:prstGeom>
+          <a:noFill/>
+          <a:ln>
+            <a:solidFill>
+              <a:schemeClr val="tx1"/>
+            </a:solidFill>
+            <a:prstDash val="sysDash"/>
+          </a:ln>
+        </p:spPr>
+        <p:txBody>
+          <a:bodyPr wrap="none" rtlCol="0">
+            <a:spAutoFit/>
+          </a:bodyPr>
+          <a:lstStyle/>
+          <a:p>
+            <a:r>
+              <a:rPr lang="en-US" sz="900" b="1" dirty="0" smtClean="0">
+                <a:solidFill>
+                  <a:srgbClr val="FF0000"/>
+                </a:solidFill>
+              </a:rPr>
+              <a:t>&lt;Singleton pattern&gt;: ensures that only one instance of the class is </a:t>
+            </a:r>
+            <a:r>
+              <a:rPr lang="en-US" sz="900" b="1" dirty="0" err="1" smtClean="0">
+                <a:solidFill>
+                  <a:srgbClr val="FF0000"/>
+                </a:solidFill>
+              </a:rPr>
+              <a:t>intantiated</a:t>
+            </a:r>
+            <a:endParaRPr lang="en-US" sz="900" b="1" dirty="0" smtClean="0">
+              <a:solidFill>
+                <a:srgbClr val="FF0000"/>
+              </a:solidFill>
+            </a:endParaRPr>
+          </a:p>
+          <a:p>
+            <a:r>
+              <a:rPr lang="en-US" sz="900" b="1" dirty="0">
+                <a:solidFill>
+                  <a:srgbClr val="FF0000"/>
+                </a:solidFill>
+              </a:rPr>
+              <a:t>http://</a:t>
+            </a:r>
+            <a:r>
+              <a:rPr lang="en-US" sz="900" b="1" dirty="0" err="1">
+                <a:solidFill>
+                  <a:srgbClr val="FF0000"/>
+                </a:solidFill>
+              </a:rPr>
+              <a:t>www.yolinux.com</a:t>
+            </a:r>
+            <a:r>
+              <a:rPr lang="en-US" sz="900" b="1" dirty="0">
+                <a:solidFill>
+                  <a:srgbClr val="FF0000"/>
+                </a:solidFill>
+              </a:rPr>
+              <a:t>/TUTORIALS/C++</a:t>
+            </a:r>
+            <a:r>
+              <a:rPr lang="en-US" sz="900" b="1" dirty="0" err="1">
+                <a:solidFill>
+                  <a:srgbClr val="FF0000"/>
+                </a:solidFill>
+              </a:rPr>
+              <a:t>Singleton.html</a:t>
+            </a:r>
+            <a:endParaRPr lang="en-US" sz="900" b="1" dirty="0" smtClean="0">
+              <a:solidFill>
+                <a:srgbClr val="FF0000"/>
+              </a:solidFill>
+            </a:endParaRPr>
+          </a:p>
+          <a:p>
+            <a:endParaRPr lang="en-US" sz="900" dirty="0" smtClean="0"/>
+          </a:p>
+          <a:p>
+            <a:r>
+              <a:rPr lang="en-US" sz="900" dirty="0" err="1" smtClean="0"/>
+              <a:t>std</a:t>
+            </a:r>
+            <a:r>
+              <a:rPr lang="en-US" sz="900" dirty="0"/>
+              <a:t>::</a:t>
+            </a:r>
+            <a:r>
+              <a:rPr lang="en-US" sz="900" dirty="0" err="1"/>
+              <a:t>auto_ptr</a:t>
+            </a:r>
+            <a:r>
+              <a:rPr lang="en-US" sz="900" dirty="0"/>
+              <a:t>&lt;Series::EODDB&gt; Series::EODDB::_</a:t>
+            </a:r>
+            <a:r>
+              <a:rPr lang="en-US" sz="900" dirty="0" err="1"/>
+              <a:t>pInstance</a:t>
+            </a:r>
+            <a:r>
+              <a:rPr lang="en-US" sz="900" dirty="0" smtClean="0"/>
+              <a:t>;</a:t>
+            </a:r>
+          </a:p>
+          <a:p>
+            <a:endParaRPr lang="en-US" sz="900" dirty="0"/>
+          </a:p>
+          <a:p>
+            <a:r>
+              <a:rPr lang="en-US" sz="900" dirty="0" smtClean="0"/>
+              <a:t>class EODDB {</a:t>
+            </a:r>
+            <a:endParaRPr lang="en-US" sz="900" dirty="0"/>
+          </a:p>
+          <a:p>
+            <a:r>
+              <a:rPr lang="en-US" sz="900" dirty="0" smtClean="0"/>
+              <a:t>public:</a:t>
+            </a:r>
+          </a:p>
+          <a:p>
+            <a:r>
+              <a:rPr lang="en-US" sz="900" dirty="0"/>
+              <a:t> </a:t>
+            </a:r>
+            <a:r>
+              <a:rPr lang="en-US" sz="900" dirty="0" smtClean="0"/>
+              <a:t>   </a:t>
+            </a:r>
+            <a:r>
+              <a:rPr lang="en-US" sz="900" dirty="0" smtClean="0">
+                <a:solidFill>
+                  <a:srgbClr val="FF0000"/>
+                </a:solidFill>
+              </a:rPr>
+              <a:t>static</a:t>
+            </a:r>
+            <a:r>
+              <a:rPr lang="en-US" sz="900" dirty="0" smtClean="0"/>
+              <a:t> </a:t>
+            </a:r>
+            <a:r>
+              <a:rPr lang="en-US" sz="900" dirty="0"/>
+              <a:t>EODDB&amp; instance(void</a:t>
+            </a:r>
+            <a:r>
+              <a:rPr lang="en-US" sz="900" dirty="0" smtClean="0"/>
+              <a:t>) {</a:t>
+            </a:r>
+            <a:endParaRPr lang="en-US" sz="900" dirty="0"/>
+          </a:p>
+          <a:p>
+            <a:r>
+              <a:rPr lang="en-US" sz="900" dirty="0" smtClean="0"/>
+              <a:t>        if</a:t>
+            </a:r>
+            <a:r>
+              <a:rPr lang="en-US" sz="900" dirty="0"/>
+              <a:t>( _</a:t>
+            </a:r>
+            <a:r>
+              <a:rPr lang="en-US" sz="900" dirty="0" err="1"/>
+              <a:t>pInstance.get</a:t>
+            </a:r>
+            <a:r>
+              <a:rPr lang="en-US" sz="900" dirty="0"/>
+              <a:t>() == 0 )</a:t>
+            </a:r>
+          </a:p>
+          <a:p>
+            <a:r>
+              <a:rPr lang="en-US" sz="900" dirty="0" smtClean="0"/>
+              <a:t>            _</a:t>
+            </a:r>
+            <a:r>
+              <a:rPr lang="en-US" sz="900" dirty="0" err="1" smtClean="0"/>
+              <a:t>pInstance.reset</a:t>
+            </a:r>
+            <a:r>
+              <a:rPr lang="en-US" sz="900" dirty="0"/>
+              <a:t>(new EODDB)</a:t>
+            </a:r>
+            <a:r>
+              <a:rPr lang="en-US" sz="900" dirty="0" smtClean="0"/>
+              <a:t>;</a:t>
+            </a:r>
+            <a:endParaRPr lang="en-US" sz="900" dirty="0"/>
+          </a:p>
+          <a:p>
+            <a:r>
+              <a:rPr lang="en-US" sz="900" dirty="0" smtClean="0"/>
+              <a:t>        return </a:t>
+            </a:r>
+            <a:r>
+              <a:rPr lang="en-US" sz="900" dirty="0"/>
+              <a:t>*_</a:t>
+            </a:r>
+            <a:r>
+              <a:rPr lang="en-US" sz="900" dirty="0" err="1"/>
+              <a:t>pInstance</a:t>
+            </a:r>
+            <a:r>
+              <a:rPr lang="en-US" sz="900" dirty="0"/>
+              <a:t>;</a:t>
+            </a:r>
+          </a:p>
+          <a:p>
+            <a:r>
+              <a:rPr lang="en-US" sz="900" dirty="0" smtClean="0"/>
+              <a:t>    }</a:t>
+            </a:r>
+          </a:p>
+          <a:p>
+            <a:r>
+              <a:rPr lang="en-US" sz="900" dirty="0"/>
+              <a:t> </a:t>
+            </a:r>
+            <a:r>
+              <a:rPr lang="en-US" sz="900" dirty="0" smtClean="0"/>
+              <a:t>   </a:t>
+            </a:r>
+            <a:r>
+              <a:rPr lang="en-US" sz="900" dirty="0"/>
+              <a:t>void load(</a:t>
+            </a:r>
+            <a:r>
+              <a:rPr lang="en-US" sz="900" dirty="0" err="1"/>
+              <a:t>const</a:t>
+            </a:r>
+            <a:r>
+              <a:rPr lang="en-US" sz="900" dirty="0"/>
+              <a:t> </a:t>
+            </a:r>
+            <a:r>
+              <a:rPr lang="en-US" sz="900" dirty="0" err="1"/>
+              <a:t>std</a:t>
+            </a:r>
+            <a:r>
+              <a:rPr lang="en-US" sz="900" dirty="0"/>
+              <a:t>::string&amp; name, </a:t>
+            </a:r>
+            <a:r>
+              <a:rPr lang="en-US" sz="900" dirty="0" err="1"/>
+              <a:t>const</a:t>
+            </a:r>
+            <a:r>
+              <a:rPr lang="en-US" sz="900" dirty="0"/>
+              <a:t> </a:t>
+            </a:r>
+            <a:r>
+              <a:rPr lang="en-US" sz="900" dirty="0" err="1"/>
+              <a:t>std</a:t>
+            </a:r>
+            <a:r>
+              <a:rPr lang="en-US" sz="900" dirty="0"/>
+              <a:t>::string&amp; filename, </a:t>
+            </a:r>
+            <a:r>
+              <a:rPr lang="en-US" sz="900" dirty="0" err="1"/>
+              <a:t>DriverType</a:t>
+            </a:r>
+            <a:r>
+              <a:rPr lang="en-US" sz="900" dirty="0"/>
+              <a:t> </a:t>
+            </a:r>
+            <a:r>
+              <a:rPr lang="en-US" sz="900" dirty="0" err="1"/>
+              <a:t>dt</a:t>
+            </a:r>
+            <a:r>
+              <a:rPr lang="en-US" sz="900" dirty="0"/>
+              <a:t>,</a:t>
+            </a:r>
+          </a:p>
+          <a:p>
+            <a:r>
+              <a:rPr lang="en-US" sz="900" dirty="0"/>
+              <a:t>	    </a:t>
+            </a:r>
+            <a:r>
+              <a:rPr lang="en-US" sz="900" dirty="0" err="1" smtClean="0"/>
+              <a:t>const</a:t>
+            </a:r>
+            <a:r>
+              <a:rPr lang="en-US" sz="900" dirty="0" smtClean="0"/>
+              <a:t> </a:t>
+            </a:r>
+            <a:r>
+              <a:rPr lang="en-US" sz="900" dirty="0"/>
+              <a:t>boost::</a:t>
+            </a:r>
+            <a:r>
+              <a:rPr lang="en-US" sz="900" dirty="0" err="1"/>
+              <a:t>gregorian</a:t>
+            </a:r>
+            <a:r>
+              <a:rPr lang="en-US" sz="900" dirty="0"/>
+              <a:t>::date&amp; begin, </a:t>
+            </a:r>
+            <a:r>
+              <a:rPr lang="en-US" sz="900" dirty="0" err="1"/>
+              <a:t>const</a:t>
+            </a:r>
+            <a:r>
+              <a:rPr lang="en-US" sz="900" dirty="0"/>
+              <a:t> boost::</a:t>
+            </a:r>
+            <a:r>
+              <a:rPr lang="en-US" sz="900" dirty="0" err="1"/>
+              <a:t>gregorian</a:t>
+            </a:r>
+            <a:r>
+              <a:rPr lang="en-US" sz="900" dirty="0"/>
+              <a:t>::date&amp; end</a:t>
+            </a:r>
+            <a:r>
+              <a:rPr lang="en-US" sz="900" dirty="0" smtClean="0"/>
+              <a:t>);</a:t>
+            </a:r>
+          </a:p>
+          <a:p>
+            <a:r>
+              <a:rPr lang="en-US" sz="900" dirty="0" smtClean="0"/>
+              <a:t>    </a:t>
+            </a:r>
+            <a:r>
+              <a:rPr lang="en-US" sz="900" dirty="0" err="1" smtClean="0"/>
+              <a:t>const</a:t>
+            </a:r>
+            <a:r>
+              <a:rPr lang="en-US" sz="900" dirty="0" smtClean="0"/>
+              <a:t> </a:t>
+            </a:r>
+            <a:r>
+              <a:rPr lang="en-US" sz="900" dirty="0" err="1"/>
+              <a:t>EODSeries</a:t>
+            </a:r>
+            <a:r>
+              <a:rPr lang="en-US" sz="900" dirty="0"/>
+              <a:t>&amp; get(</a:t>
+            </a:r>
+            <a:r>
+              <a:rPr lang="en-US" sz="900" dirty="0" err="1"/>
+              <a:t>const</a:t>
+            </a:r>
+            <a:r>
+              <a:rPr lang="en-US" sz="900" dirty="0"/>
+              <a:t> </a:t>
+            </a:r>
+            <a:r>
+              <a:rPr lang="en-US" sz="900" dirty="0" err="1"/>
+              <a:t>std</a:t>
+            </a:r>
+            <a:r>
+              <a:rPr lang="en-US" sz="900" dirty="0"/>
+              <a:t>::string&amp; name</a:t>
+            </a:r>
+            <a:r>
+              <a:rPr lang="en-US" sz="900" dirty="0" smtClean="0"/>
+              <a:t>);</a:t>
+            </a:r>
+          </a:p>
+          <a:p>
+            <a:r>
+              <a:rPr lang="en-US" sz="900" dirty="0" smtClean="0"/>
+              <a:t>protected:</a:t>
+            </a:r>
+          </a:p>
+          <a:p>
+            <a:r>
+              <a:rPr lang="en-US" sz="900" dirty="0" smtClean="0"/>
+              <a:t>    </a:t>
+            </a:r>
+            <a:r>
+              <a:rPr lang="en-US" sz="900" dirty="0" err="1" smtClean="0"/>
+              <a:t>std</a:t>
+            </a:r>
+            <a:r>
+              <a:rPr lang="en-US" sz="900" dirty="0"/>
+              <a:t>::map&lt;</a:t>
+            </a:r>
+            <a:r>
+              <a:rPr lang="en-US" sz="900" dirty="0" err="1"/>
+              <a:t>std</a:t>
+            </a:r>
+            <a:r>
+              <a:rPr lang="en-US" sz="900" dirty="0"/>
+              <a:t>::string, </a:t>
+            </a:r>
+            <a:r>
+              <a:rPr lang="en-US" sz="900" dirty="0" err="1"/>
+              <a:t>EODSeries</a:t>
+            </a:r>
+            <a:r>
+              <a:rPr lang="en-US" sz="900" dirty="0"/>
+              <a:t>*</a:t>
+            </a:r>
+            <a:r>
+              <a:rPr lang="en-US" sz="900" dirty="0" smtClean="0"/>
+              <a:t>&gt; _</a:t>
+            </a:r>
+            <a:r>
+              <a:rPr lang="en-US" sz="900" dirty="0" err="1" smtClean="0"/>
+              <a:t>sDB</a:t>
+            </a:r>
+            <a:r>
+              <a:rPr lang="en-US" sz="900" dirty="0" smtClean="0"/>
+              <a:t>;</a:t>
+            </a:r>
+          </a:p>
+          <a:p>
+            <a:r>
+              <a:rPr lang="en-US" sz="900" dirty="0"/>
+              <a:t> </a:t>
+            </a:r>
+            <a:r>
+              <a:rPr lang="en-US" sz="900" dirty="0" smtClean="0"/>
+              <a:t>   </a:t>
+            </a:r>
+            <a:r>
+              <a:rPr lang="en-US" sz="900" dirty="0" err="1"/>
+              <a:t>YahooDriver</a:t>
+            </a:r>
+            <a:r>
+              <a:rPr lang="en-US" sz="900" dirty="0"/>
+              <a:t> _</a:t>
+            </a:r>
+            <a:r>
+              <a:rPr lang="en-US" sz="900" dirty="0" err="1"/>
+              <a:t>yd</a:t>
+            </a:r>
+            <a:r>
+              <a:rPr lang="en-US" sz="900" dirty="0"/>
+              <a:t>;</a:t>
+            </a:r>
+          </a:p>
+          <a:p>
+            <a:r>
+              <a:rPr lang="en-US" sz="900" dirty="0"/>
+              <a:t>    </a:t>
+            </a:r>
+            <a:r>
+              <a:rPr lang="en-US" sz="900" dirty="0" err="1"/>
+              <a:t>DMYCloseDriver</a:t>
+            </a:r>
+            <a:r>
+              <a:rPr lang="en-US" sz="900" dirty="0"/>
+              <a:t> _</a:t>
+            </a:r>
+            <a:r>
+              <a:rPr lang="en-US" sz="900" dirty="0" err="1"/>
+              <a:t>dmycd</a:t>
+            </a:r>
+            <a:r>
+              <a:rPr lang="en-US" sz="900" dirty="0" smtClean="0"/>
+              <a:t>;</a:t>
+            </a:r>
+            <a:endParaRPr lang="fi-FI" sz="900" dirty="0"/>
+          </a:p>
+          <a:p>
+            <a:r>
+              <a:rPr lang="fi-FI" sz="900" dirty="0" err="1" smtClean="0"/>
+              <a:t>private</a:t>
+            </a:r>
+            <a:r>
+              <a:rPr lang="fi-FI" sz="900" dirty="0"/>
+              <a:t>:</a:t>
+            </a:r>
+          </a:p>
+          <a:p>
+            <a:r>
+              <a:rPr lang="fi-FI" sz="900" dirty="0" smtClean="0"/>
+              <a:t>    </a:t>
+            </a:r>
+            <a:r>
+              <a:rPr lang="fi-FI" sz="900" dirty="0" err="1" smtClean="0">
+                <a:solidFill>
+                  <a:srgbClr val="FF0000"/>
+                </a:solidFill>
+              </a:rPr>
+              <a:t>static</a:t>
+            </a:r>
+            <a:r>
+              <a:rPr lang="fi-FI" sz="900" dirty="0" smtClean="0">
+                <a:solidFill>
+                  <a:srgbClr val="FF0000"/>
+                </a:solidFill>
+              </a:rPr>
+              <a:t> </a:t>
+            </a:r>
+            <a:r>
+              <a:rPr lang="fi-FI" sz="900" dirty="0" err="1"/>
+              <a:t>std::auto_ptr</a:t>
+            </a:r>
+            <a:r>
+              <a:rPr lang="fi-FI" sz="900" dirty="0"/>
+              <a:t>&lt;EODDB&gt; _</a:t>
+            </a:r>
+            <a:r>
+              <a:rPr lang="fi-FI" sz="900" dirty="0" err="1"/>
+              <a:t>pInstance</a:t>
+            </a:r>
+            <a:r>
+              <a:rPr lang="fi-FI" sz="900" dirty="0"/>
+              <a:t>;</a:t>
+            </a:r>
+          </a:p>
+          <a:p>
+            <a:r>
+              <a:rPr lang="fi-FI" sz="900" dirty="0" smtClean="0"/>
+              <a:t>}</a:t>
+            </a:r>
+            <a:r>
+              <a:rPr lang="fi-FI" sz="900" dirty="0"/>
+              <a:t>;</a:t>
+            </a:r>
+            <a:endParaRPr lang="en-US" sz="900" dirty="0"/>
+          </a:p>
+        </p:txBody>
+      </p:sp>
+    </p:spTree>
+    <p:extLst>
+      <p:ext uri="{BB962C8B-B14F-4D97-AF65-F5344CB8AC3E}">
+        <p14:creationId xmlns:p14="http://schemas.microsoft.com/office/powerpoint/2010/main" val="2072318718"/>
+      </p:ext>
+    </p:extLst>
+  </p:cSld>
+  <p:clrMapOvr>
+    <a:masterClrMapping/>
+  </p:clrMapOvr>
+</p:sld>
+</file>
+
+<file path=ppt/slides/slide11.xml><?xml version="1.0" encoding="utf-8"?>
+<p:sld xmlns:a="http://schemas.openxmlformats.org/drawingml/2006/main" xmlns:r="http://schemas.openxmlformats.org/officeDocument/2006/relationships" xmlns:p="http://schemas.openxmlformats.org/presentationml/2006/main">
+  <p:cSld>
+    <p:spTree>
+      <p:nvGrpSpPr>
+        <p:cNvPr id="1" name=""/>
+        <p:cNvGrpSpPr/>
+        <p:nvPr/>
+      </p:nvGrpSpPr>
+      <p:grpSpPr>
+        <a:xfrm>
+          <a:off x="0" y="0"/>
+          <a:ext cx="0" cy="0"/>
+          <a:chOff x="0" y="0"/>
+          <a:chExt cx="0" cy="0"/>
+        </a:xfrm>
+      </p:grpSpPr>
+      <p:graphicFrame>
+        <p:nvGraphicFramePr>
+          <p:cNvPr id="3" name="Table 2"/>
+          <p:cNvGraphicFramePr>
+            <a:graphicFrameLocks noGrp="1"/>
+          </p:cNvGraphicFramePr>
+          <p:nvPr>
+            <p:extLst>
+              <p:ext uri="{D42A27DB-BD31-4B8C-83A1-F6EECF244321}">
                 <p14:modId xmlns:p14="http://schemas.microsoft.com/office/powerpoint/2010/main" val="830064121"/>
               </p:ext>
             </p:extLst>
@@ -6621,7 +10002,7 @@
 </p:sld>
 </file>
 
-<file path=ppt/slides/slide11.xml><?xml version="1.0" encoding="utf-8"?>
+<file path=ppt/slides/slide12.xml><?xml version="1.0" encoding="utf-8"?>
 <p:sld xmlns:a="http://schemas.openxmlformats.org/drawingml/2006/main" xmlns:r="http://schemas.openxmlformats.org/officeDocument/2006/relationships" xmlns:p="http://schemas.openxmlformats.org/presentationml/2006/main">
   <p:cSld>
     <p:spTree>
@@ -9050,7 +12431,7 @@
 </p:sld>
 </file>
 
-<file path=ppt/slides/slide12.xml><?xml version="1.0" encoding="utf-8"?>
+<file path=ppt/slides/slide13.xml><?xml version="1.0" encoding="utf-8"?>
 <p:sld xmlns:a="http://schemas.openxmlformats.org/drawingml/2006/main" xmlns:r="http://schemas.openxmlformats.org/officeDocument/2006/relationships" xmlns:p="http://schemas.openxmlformats.org/presentationml/2006/main">
   <p:cSld>
     <p:spTree>
@@ -11890,7 +15271,7 @@
 </p:sld>
 </file>
 
-<file path=ppt/slides/slide13.xml><?xml version="1.0" encoding="utf-8"?>
+<file path=ppt/slides/slide14.xml><?xml version="1.0" encoding="utf-8"?>
 <p:sld xmlns:a="http://schemas.openxmlformats.org/drawingml/2006/main" xmlns:r="http://schemas.openxmlformats.org/officeDocument/2006/relationships" xmlns:p="http://schemas.openxmlformats.org/presentationml/2006/main">
   <p:cSld>
     <p:spTree>
@@ -16280,7 +19661,7 @@
 </p:sld>
 </file>
 
-<file path=ppt/slides/slide14.xml><?xml version="1.0" encoding="utf-8"?>
+<file path=ppt/slides/slide15.xml><?xml version="1.0" encoding="utf-8"?>
 <p:sld xmlns:a="http://schemas.openxmlformats.org/drawingml/2006/main" xmlns:r="http://schemas.openxmlformats.org/officeDocument/2006/relationships" xmlns:p="http://schemas.openxmlformats.org/presentationml/2006/main">
   <p:cSld>
     <p:spTree>
@@ -25128,21 +28509,8 @@
                             <a:schemeClr val="tx1"/>
                           </a:solidFill>
                         </a:rPr>
-                        <a:t> : </a:t>
-                      </a:r>
-                      <a:r>
-                        <a:rPr lang="en-US" sz="1000" b="0" dirty="0" smtClean="0">
-                          <a:solidFill>
-                            <a:schemeClr val="tx1"/>
-                          </a:solidFill>
-                        </a:rPr>
-                        <a:t>double</a:t>
-                      </a:r>
-                      <a:endParaRPr lang="en-US" sz="1000" b="0" dirty="0" smtClean="0">
-                        <a:solidFill>
-                          <a:schemeClr val="tx1"/>
-                        </a:solidFill>
-                      </a:endParaRPr>
+                        <a:t> : double</a:t>
+                      </a:r>
                     </a:p>
                   </a:txBody>
                   <a:tcPr>
@@ -25241,15 +28609,7 @@
                             <a:schemeClr val="tx1"/>
                           </a:solidFill>
                         </a:rPr>
-                        <a:t> (</a:t>
-                      </a:r>
-                      <a:r>
-                        <a:rPr lang="en-US" sz="1000" b="0" dirty="0" smtClean="0">
-                          <a:solidFill>
-                            <a:schemeClr val="tx1"/>
-                          </a:solidFill>
-                        </a:rPr>
-                        <a:t>)</a:t>
+                        <a:t> ()</a:t>
                       </a:r>
                     </a:p>
                   </a:txBody>
@@ -27100,6 +30460,781 @@
 </file>
 
 <file path=ppt/slides/slide6.xml><?xml version="1.0" encoding="utf-8"?>
+<p:sld xmlns:a="http://schemas.openxmlformats.org/drawingml/2006/main" xmlns:r="http://schemas.openxmlformats.org/officeDocument/2006/relationships" xmlns:p="http://schemas.openxmlformats.org/presentationml/2006/main">
+  <p:cSld>
+    <p:spTree>
+      <p:nvGrpSpPr>
+        <p:cNvPr id="1" name=""/>
+        <p:cNvGrpSpPr/>
+        <p:nvPr/>
+      </p:nvGrpSpPr>
+      <p:grpSpPr>
+        <a:xfrm>
+          <a:off x="0" y="0"/>
+          <a:ext cx="0" cy="0"/>
+          <a:chOff x="0" y="0"/>
+          <a:chExt cx="0" cy="0"/>
+        </a:xfrm>
+      </p:grpSpPr>
+      <p:graphicFrame>
+        <p:nvGraphicFramePr>
+          <p:cNvPr id="2" name="Table 1"/>
+          <p:cNvGraphicFramePr>
+            <a:graphicFrameLocks noGrp="1"/>
+          </p:cNvGraphicFramePr>
+          <p:nvPr>
+            <p:extLst>
+              <p:ext uri="{D42A27DB-BD31-4B8C-83A1-F6EECF244321}">
+                <p14:modId xmlns:p14="http://schemas.microsoft.com/office/powerpoint/2010/main" val="4211775237"/>
+              </p:ext>
+            </p:extLst>
+          </p:nvPr>
+        </p:nvGraphicFramePr>
+        <p:xfrm>
+          <a:off x="906245" y="2529840"/>
+          <a:ext cx="1947021" cy="1493520"/>
+        </p:xfrm>
+        <a:graphic>
+          <a:graphicData uri="http://schemas.openxmlformats.org/drawingml/2006/table">
+            <a:tbl>
+              <a:tblPr firstRow="1" bandRow="1">
+                <a:tableStyleId>{5C22544A-7EE6-4342-B048-85BDC9FD1C3A}</a:tableStyleId>
+              </a:tblPr>
+              <a:tblGrid>
+                <a:gridCol w="1947021"/>
+              </a:tblGrid>
+              <a:tr h="134762">
+                <a:tc>
+                  <a:txBody>
+                    <a:bodyPr/>
+                    <a:lstStyle/>
+                    <a:p>
+                      <a:pPr algn="ctr"/>
+                      <a:r>
+                        <a:rPr lang="en-US" sz="1000" b="1" dirty="0" smtClean="0">
+                          <a:solidFill>
+                            <a:schemeClr val="tx1"/>
+                          </a:solidFill>
+                        </a:rPr>
+                        <a:t>Balance</a:t>
+                      </a:r>
+                      <a:endParaRPr lang="en-US" sz="1000" b="1" dirty="0">
+                        <a:solidFill>
+                          <a:schemeClr val="tx1"/>
+                        </a:solidFill>
+                      </a:endParaRPr>
+                    </a:p>
+                  </a:txBody>
+                  <a:tcPr>
+                    <a:lnL w="12700" cap="flat" cmpd="sng" algn="ctr">
+                      <a:solidFill>
+                        <a:scrgbClr r="0" g="0" b="0"/>
+                      </a:solidFill>
+                      <a:prstDash val="solid"/>
+                      <a:round/>
+                      <a:headEnd type="none" w="med" len="med"/>
+                      <a:tailEnd type="none" w="med" len="med"/>
+                    </a:lnL>
+                    <a:lnR w="12700" cap="flat" cmpd="sng" algn="ctr">
+                      <a:solidFill>
+                        <a:scrgbClr r="0" g="0" b="0"/>
+                      </a:solidFill>
+                      <a:prstDash val="solid"/>
+                      <a:round/>
+                      <a:headEnd type="none" w="med" len="med"/>
+                      <a:tailEnd type="none" w="med" len="med"/>
+                    </a:lnR>
+                    <a:lnT w="12700" cap="flat" cmpd="sng" algn="ctr">
+                      <a:solidFill>
+                        <a:scrgbClr r="0" g="0" b="0"/>
+                      </a:solidFill>
+                      <a:prstDash val="solid"/>
+                      <a:round/>
+                      <a:headEnd type="none" w="med" len="med"/>
+                      <a:tailEnd type="none" w="med" len="med"/>
+                    </a:lnT>
+                    <a:lnB w="12700" cap="flat" cmpd="sng" algn="ctr">
+                      <a:solidFill>
+                        <a:scrgbClr r="0" g="0" b="0"/>
+                      </a:solidFill>
+                      <a:prstDash val="solid"/>
+                      <a:round/>
+                      <a:headEnd type="none" w="med" len="med"/>
+                      <a:tailEnd type="none" w="med" len="med"/>
+                    </a:lnB>
+                    <a:noFill/>
+                  </a:tcPr>
+                </a:tc>
+              </a:tr>
+              <a:tr h="218988">
+                <a:tc>
+                  <a:txBody>
+                    <a:bodyPr/>
+                    <a:lstStyle/>
+                    <a:p>
+                      <a:r>
+                        <a:rPr lang="en-US" sz="1000" b="0" dirty="0" smtClean="0">
+                          <a:solidFill>
+                            <a:schemeClr val="tx1"/>
+                          </a:solidFill>
+                        </a:rPr>
+                        <a:t>-</a:t>
+                      </a:r>
+                      <a:r>
+                        <a:rPr lang="en-US" sz="1000" b="0" baseline="0" dirty="0" smtClean="0">
+                          <a:solidFill>
+                            <a:schemeClr val="tx1"/>
+                          </a:solidFill>
+                        </a:rPr>
+                        <a:t> </a:t>
+                      </a:r>
+                      <a:r>
+                        <a:rPr lang="en-US" sz="1000" kern="1200" dirty="0" smtClean="0">
+                          <a:solidFill>
+                            <a:schemeClr val="dk1"/>
+                          </a:solidFill>
+                          <a:latin typeface="+mn-lt"/>
+                          <a:ea typeface="+mn-ea"/>
+                          <a:cs typeface="+mn-cs"/>
+                        </a:rPr>
+                        <a:t>_</a:t>
+                      </a:r>
+                      <a:r>
+                        <a:rPr lang="en-US" sz="1000" kern="1200" dirty="0" err="1" smtClean="0">
+                          <a:solidFill>
+                            <a:schemeClr val="dk1"/>
+                          </a:solidFill>
+                          <a:latin typeface="+mn-lt"/>
+                          <a:ea typeface="+mn-ea"/>
+                          <a:cs typeface="+mn-cs"/>
+                        </a:rPr>
+                        <a:t>dt</a:t>
+                      </a:r>
+                      <a:r>
+                        <a:rPr lang="en-US" sz="1000" kern="1200" dirty="0" smtClean="0">
+                          <a:solidFill>
+                            <a:schemeClr val="dk1"/>
+                          </a:solidFill>
+                          <a:latin typeface="+mn-lt"/>
+                          <a:ea typeface="+mn-ea"/>
+                          <a:cs typeface="+mn-cs"/>
+                        </a:rPr>
+                        <a:t> </a:t>
+                      </a:r>
+                      <a:r>
+                        <a:rPr lang="en-US" sz="1000" kern="1200" dirty="0" smtClean="0">
+                          <a:solidFill>
+                            <a:schemeClr val="dk1"/>
+                          </a:solidFill>
+                          <a:latin typeface="+mn-lt"/>
+                          <a:ea typeface="+mn-ea"/>
+                          <a:cs typeface="+mn-cs"/>
+                        </a:rPr>
+                        <a:t>: </a:t>
+                      </a:r>
+                      <a:r>
+                        <a:rPr lang="en-US" sz="1000" kern="1200" dirty="0" smtClean="0">
+                          <a:solidFill>
+                            <a:schemeClr val="dk1"/>
+                          </a:solidFill>
+                          <a:latin typeface="+mn-lt"/>
+                          <a:ea typeface="+mn-ea"/>
+                          <a:cs typeface="+mn-cs"/>
+                        </a:rPr>
+                        <a:t>date</a:t>
+                      </a:r>
+                      <a:endParaRPr lang="en-US" sz="1000" kern="1200" dirty="0" smtClean="0">
+                        <a:solidFill>
+                          <a:schemeClr val="dk1"/>
+                        </a:solidFill>
+                        <a:latin typeface="+mn-lt"/>
+                        <a:ea typeface="+mn-ea"/>
+                        <a:cs typeface="+mn-cs"/>
+                      </a:endParaRPr>
+                    </a:p>
+                    <a:p>
+                      <a:r>
+                        <a:rPr lang="ro-RO" sz="1000" kern="1200" dirty="0" smtClean="0">
+                          <a:solidFill>
+                            <a:schemeClr val="dk1"/>
+                          </a:solidFill>
+                          <a:latin typeface="+mn-lt"/>
+                          <a:ea typeface="+mn-ea"/>
+                          <a:cs typeface="+mn-cs"/>
+                        </a:rPr>
+                        <a:t>-</a:t>
+                      </a:r>
+                      <a:r>
+                        <a:rPr lang="ro-RO" sz="1000" kern="1200" baseline="0" dirty="0" smtClean="0">
+                          <a:solidFill>
+                            <a:schemeClr val="dk1"/>
+                          </a:solidFill>
+                          <a:latin typeface="+mn-lt"/>
+                          <a:ea typeface="+mn-ea"/>
+                          <a:cs typeface="+mn-cs"/>
+                        </a:rPr>
+                        <a:t> </a:t>
+                      </a:r>
+                      <a:r>
+                        <a:rPr lang="ro-RO" sz="1000" kern="1200" dirty="0" smtClean="0">
+                          <a:solidFill>
+                            <a:schemeClr val="dk1"/>
+                          </a:solidFill>
+                          <a:latin typeface="+mn-lt"/>
+                          <a:ea typeface="+mn-ea"/>
+                          <a:cs typeface="+mn-cs"/>
+                        </a:rPr>
+                        <a:t>_name : string</a:t>
+                      </a:r>
+                      <a:endParaRPr lang="ro-RO" sz="1000" kern="1200" dirty="0" smtClean="0">
+                        <a:solidFill>
+                          <a:schemeClr val="dk1"/>
+                        </a:solidFill>
+                        <a:latin typeface="+mn-lt"/>
+                        <a:ea typeface="+mn-ea"/>
+                        <a:cs typeface="+mn-cs"/>
+                      </a:endParaRPr>
+                    </a:p>
+                    <a:p>
+                      <a:r>
+                        <a:rPr lang="ro-RO" sz="1000" kern="1200" dirty="0" smtClean="0">
+                          <a:solidFill>
+                            <a:schemeClr val="dk1"/>
+                          </a:solidFill>
+                          <a:latin typeface="+mn-lt"/>
+                          <a:ea typeface="+mn-ea"/>
+                          <a:cs typeface="+mn-cs"/>
+                        </a:rPr>
+                        <a:t>- _balance </a:t>
+                      </a:r>
+                      <a:r>
+                        <a:rPr lang="ro-RO" sz="1000" kern="1200" dirty="0" smtClean="0">
+                          <a:solidFill>
+                            <a:schemeClr val="dk1"/>
+                          </a:solidFill>
+                          <a:latin typeface="+mn-lt"/>
+                          <a:ea typeface="+mn-ea"/>
+                          <a:cs typeface="+mn-cs"/>
+                        </a:rPr>
+                        <a:t>: </a:t>
+                      </a:r>
+                      <a:r>
+                        <a:rPr lang="ro-RO" sz="1000" kern="1200" dirty="0" smtClean="0">
+                          <a:solidFill>
+                            <a:schemeClr val="dk1"/>
+                          </a:solidFill>
+                          <a:latin typeface="+mn-lt"/>
+                          <a:ea typeface="+mn-ea"/>
+                          <a:cs typeface="+mn-cs"/>
+                        </a:rPr>
+                        <a:t>double</a:t>
+                      </a:r>
+                      <a:endParaRPr lang="en-US" sz="1000" b="0" dirty="0" smtClean="0">
+                        <a:solidFill>
+                          <a:schemeClr val="tx1"/>
+                        </a:solidFill>
+                      </a:endParaRPr>
+                    </a:p>
+                  </a:txBody>
+                  <a:tcPr>
+                    <a:lnL w="12700" cap="flat" cmpd="sng" algn="ctr">
+                      <a:solidFill>
+                        <a:scrgbClr r="0" g="0" b="0"/>
+                      </a:solidFill>
+                      <a:prstDash val="solid"/>
+                      <a:round/>
+                      <a:headEnd type="none" w="med" len="med"/>
+                      <a:tailEnd type="none" w="med" len="med"/>
+                    </a:lnL>
+                    <a:lnR w="12700" cap="flat" cmpd="sng" algn="ctr">
+                      <a:solidFill>
+                        <a:scrgbClr r="0" g="0" b="0"/>
+                      </a:solidFill>
+                      <a:prstDash val="solid"/>
+                      <a:round/>
+                      <a:headEnd type="none" w="med" len="med"/>
+                      <a:tailEnd type="none" w="med" len="med"/>
+                    </a:lnR>
+                    <a:lnT w="12700" cap="flat" cmpd="sng" algn="ctr">
+                      <a:solidFill>
+                        <a:scrgbClr r="0" g="0" b="0"/>
+                      </a:solidFill>
+                      <a:prstDash val="solid"/>
+                      <a:round/>
+                      <a:headEnd type="none" w="med" len="med"/>
+                      <a:tailEnd type="none" w="med" len="med"/>
+                    </a:lnT>
+                    <a:lnB w="12700" cap="flat" cmpd="sng" algn="ctr">
+                      <a:solidFill>
+                        <a:scrgbClr r="0" g="0" b="0"/>
+                      </a:solidFill>
+                      <a:prstDash val="solid"/>
+                      <a:round/>
+                      <a:headEnd type="none" w="med" len="med"/>
+                      <a:tailEnd type="none" w="med" len="med"/>
+                    </a:lnB>
+                    <a:noFill/>
+                  </a:tcPr>
+                </a:tc>
+              </a:tr>
+              <a:tr h="134762">
+                <a:tc>
+                  <a:txBody>
+                    <a:bodyPr/>
+                    <a:lstStyle/>
+                    <a:p>
+                      <a:pPr marL="0" marR="0" indent="0" algn="l" defTabSz="457200" rtl="0" eaLnBrk="1" fontAlgn="auto" latinLnBrk="0" hangingPunct="1">
+                        <a:lnSpc>
+                          <a:spcPct val="100000"/>
+                        </a:lnSpc>
+                        <a:spcBef>
+                          <a:spcPts val="0"/>
+                        </a:spcBef>
+                        <a:spcAft>
+                          <a:spcPts val="0"/>
+                        </a:spcAft>
+                        <a:buClrTx/>
+                        <a:buSzTx/>
+                        <a:buFontTx/>
+                        <a:buNone/>
+                        <a:tabLst/>
+                        <a:defRPr/>
+                      </a:pPr>
+                      <a:r>
+                        <a:rPr lang="en-US" sz="1000" b="0" dirty="0" smtClean="0">
+                          <a:solidFill>
+                            <a:schemeClr val="tx1"/>
+                          </a:solidFill>
+                        </a:rPr>
+                        <a:t>+ </a:t>
+                      </a:r>
+                      <a:r>
+                        <a:rPr lang="en-US" sz="1000" b="0" dirty="0" err="1" smtClean="0">
+                          <a:solidFill>
+                            <a:schemeClr val="tx1"/>
+                          </a:solidFill>
+                        </a:rPr>
+                        <a:t>dt</a:t>
+                      </a:r>
+                      <a:r>
+                        <a:rPr lang="en-US" sz="1000" b="0" dirty="0" smtClean="0">
+                          <a:solidFill>
+                            <a:schemeClr val="tx1"/>
+                          </a:solidFill>
+                        </a:rPr>
+                        <a:t>()</a:t>
+                      </a:r>
+                    </a:p>
+                    <a:p>
+                      <a:pPr marL="0" marR="0" indent="0" algn="l" defTabSz="457200" rtl="0" eaLnBrk="1" fontAlgn="auto" latinLnBrk="0" hangingPunct="1">
+                        <a:lnSpc>
+                          <a:spcPct val="100000"/>
+                        </a:lnSpc>
+                        <a:spcBef>
+                          <a:spcPts val="0"/>
+                        </a:spcBef>
+                        <a:spcAft>
+                          <a:spcPts val="0"/>
+                        </a:spcAft>
+                        <a:buClrTx/>
+                        <a:buSzTx/>
+                        <a:buFontTx/>
+                        <a:buNone/>
+                        <a:tabLst/>
+                        <a:defRPr/>
+                      </a:pPr>
+                      <a:r>
+                        <a:rPr lang="en-US" sz="1000" b="0" dirty="0" smtClean="0">
+                          <a:solidFill>
+                            <a:schemeClr val="tx1"/>
+                          </a:solidFill>
+                        </a:rPr>
+                        <a:t>+ name()</a:t>
+                      </a:r>
+                    </a:p>
+                    <a:p>
+                      <a:pPr marL="0" marR="0" indent="0" algn="l" defTabSz="457200" rtl="0" eaLnBrk="1" fontAlgn="auto" latinLnBrk="0" hangingPunct="1">
+                        <a:lnSpc>
+                          <a:spcPct val="100000"/>
+                        </a:lnSpc>
+                        <a:spcBef>
+                          <a:spcPts val="0"/>
+                        </a:spcBef>
+                        <a:spcAft>
+                          <a:spcPts val="0"/>
+                        </a:spcAft>
+                        <a:buClrTx/>
+                        <a:buSzTx/>
+                        <a:buFontTx/>
+                        <a:buNone/>
+                        <a:tabLst/>
+                        <a:defRPr/>
+                      </a:pPr>
+                      <a:r>
+                        <a:rPr lang="en-US" sz="1000" b="0" dirty="0" smtClean="0">
+                          <a:solidFill>
+                            <a:schemeClr val="tx1"/>
+                          </a:solidFill>
+                        </a:rPr>
+                        <a:t>+ balance()</a:t>
+                      </a:r>
+                    </a:p>
+                    <a:p>
+                      <a:pPr marL="0" marR="0" indent="0" algn="l" defTabSz="457200" rtl="0" eaLnBrk="1" fontAlgn="auto" latinLnBrk="0" hangingPunct="1">
+                        <a:lnSpc>
+                          <a:spcPct val="100000"/>
+                        </a:lnSpc>
+                        <a:spcBef>
+                          <a:spcPts val="0"/>
+                        </a:spcBef>
+                        <a:spcAft>
+                          <a:spcPts val="0"/>
+                        </a:spcAft>
+                        <a:buClrTx/>
+                        <a:buSzTx/>
+                        <a:buFontTx/>
+                        <a:buNone/>
+                        <a:tabLst/>
+                        <a:defRPr/>
+                      </a:pPr>
+                      <a:r>
+                        <a:rPr lang="en-US" sz="1000" b="0" dirty="0" smtClean="0">
+                          <a:solidFill>
+                            <a:schemeClr val="tx1"/>
+                          </a:solidFill>
+                        </a:rPr>
+                        <a:t>+ </a:t>
+                      </a:r>
+                      <a:r>
+                        <a:rPr lang="en-US" sz="1000" b="0" dirty="0" smtClean="0">
+                          <a:solidFill>
+                            <a:schemeClr val="tx1"/>
+                          </a:solidFill>
+                        </a:rPr>
+                        <a:t>print()</a:t>
+                      </a:r>
+                    </a:p>
+                  </a:txBody>
+                  <a:tcPr>
+                    <a:lnL w="12700" cap="flat" cmpd="sng" algn="ctr">
+                      <a:solidFill>
+                        <a:scrgbClr r="0" g="0" b="0"/>
+                      </a:solidFill>
+                      <a:prstDash val="solid"/>
+                      <a:round/>
+                      <a:headEnd type="none" w="med" len="med"/>
+                      <a:tailEnd type="none" w="med" len="med"/>
+                    </a:lnL>
+                    <a:lnR w="12700" cap="flat" cmpd="sng" algn="ctr">
+                      <a:solidFill>
+                        <a:scrgbClr r="0" g="0" b="0"/>
+                      </a:solidFill>
+                      <a:prstDash val="solid"/>
+                      <a:round/>
+                      <a:headEnd type="none" w="med" len="med"/>
+                      <a:tailEnd type="none" w="med" len="med"/>
+                    </a:lnR>
+                    <a:lnT w="12700" cap="flat" cmpd="sng" algn="ctr">
+                      <a:solidFill>
+                        <a:scrgbClr r="0" g="0" b="0"/>
+                      </a:solidFill>
+                      <a:prstDash val="solid"/>
+                      <a:round/>
+                      <a:headEnd type="none" w="med" len="med"/>
+                      <a:tailEnd type="none" w="med" len="med"/>
+                    </a:lnT>
+                    <a:lnB w="12700" cap="flat" cmpd="sng" algn="ctr">
+                      <a:solidFill>
+                        <a:scrgbClr r="0" g="0" b="0"/>
+                      </a:solidFill>
+                      <a:prstDash val="solid"/>
+                      <a:round/>
+                      <a:headEnd type="none" w="med" len="med"/>
+                      <a:tailEnd type="none" w="med" len="med"/>
+                    </a:lnB>
+                    <a:noFill/>
+                  </a:tcPr>
+                </a:tc>
+              </a:tr>
+            </a:tbl>
+          </a:graphicData>
+        </a:graphic>
+      </p:graphicFrame>
+      <p:graphicFrame>
+        <p:nvGraphicFramePr>
+          <p:cNvPr id="3" name="Table 2"/>
+          <p:cNvGraphicFramePr>
+            <a:graphicFrameLocks noGrp="1"/>
+          </p:cNvGraphicFramePr>
+          <p:nvPr>
+            <p:extLst>
+              <p:ext uri="{D42A27DB-BD31-4B8C-83A1-F6EECF244321}">
+                <p14:modId xmlns:p14="http://schemas.microsoft.com/office/powerpoint/2010/main" val="3017446456"/>
+              </p:ext>
+            </p:extLst>
+          </p:nvPr>
+        </p:nvGraphicFramePr>
+        <p:xfrm>
+          <a:off x="906246" y="551516"/>
+          <a:ext cx="1947020" cy="731520"/>
+        </p:xfrm>
+        <a:graphic>
+          <a:graphicData uri="http://schemas.openxmlformats.org/drawingml/2006/table">
+            <a:tbl>
+              <a:tblPr firstRow="1" bandRow="1">
+                <a:tableStyleId>{5C22544A-7EE6-4342-B048-85BDC9FD1C3A}</a:tableStyleId>
+              </a:tblPr>
+              <a:tblGrid>
+                <a:gridCol w="1947020"/>
+              </a:tblGrid>
+              <a:tr h="134762">
+                <a:tc>
+                  <a:txBody>
+                    <a:bodyPr/>
+                    <a:lstStyle/>
+                    <a:p>
+                      <a:pPr algn="ctr"/>
+                      <a:r>
+                        <a:rPr lang="en-US" sz="1000" b="1" dirty="0" err="1" smtClean="0">
+                          <a:solidFill>
+                            <a:schemeClr val="tx1"/>
+                          </a:solidFill>
+                        </a:rPr>
+                        <a:t>BalanceSet</a:t>
+                      </a:r>
+                      <a:endParaRPr lang="en-US" sz="1000" b="1" dirty="0">
+                        <a:solidFill>
+                          <a:schemeClr val="tx1"/>
+                        </a:solidFill>
+                      </a:endParaRPr>
+                    </a:p>
+                  </a:txBody>
+                  <a:tcPr>
+                    <a:lnL w="12700" cap="flat" cmpd="sng" algn="ctr">
+                      <a:solidFill>
+                        <a:scrgbClr r="0" g="0" b="0"/>
+                      </a:solidFill>
+                      <a:prstDash val="solid"/>
+                      <a:round/>
+                      <a:headEnd type="none" w="med" len="med"/>
+                      <a:tailEnd type="none" w="med" len="med"/>
+                    </a:lnL>
+                    <a:lnR w="12700" cap="flat" cmpd="sng" algn="ctr">
+                      <a:solidFill>
+                        <a:scrgbClr r="0" g="0" b="0"/>
+                      </a:solidFill>
+                      <a:prstDash val="solid"/>
+                      <a:round/>
+                      <a:headEnd type="none" w="med" len="med"/>
+                      <a:tailEnd type="none" w="med" len="med"/>
+                    </a:lnR>
+                    <a:lnT w="12700" cap="flat" cmpd="sng" algn="ctr">
+                      <a:solidFill>
+                        <a:scrgbClr r="0" g="0" b="0"/>
+                      </a:solidFill>
+                      <a:prstDash val="solid"/>
+                      <a:round/>
+                      <a:headEnd type="none" w="med" len="med"/>
+                      <a:tailEnd type="none" w="med" len="med"/>
+                    </a:lnT>
+                    <a:lnB w="12700" cap="flat" cmpd="sng" algn="ctr">
+                      <a:solidFill>
+                        <a:scrgbClr r="0" g="0" b="0"/>
+                      </a:solidFill>
+                      <a:prstDash val="solid"/>
+                      <a:round/>
+                      <a:headEnd type="none" w="med" len="med"/>
+                      <a:tailEnd type="none" w="med" len="med"/>
+                    </a:lnB>
+                    <a:noFill/>
+                  </a:tcPr>
+                </a:tc>
+              </a:tr>
+              <a:tr h="218988">
+                <a:tc>
+                  <a:txBody>
+                    <a:bodyPr/>
+                    <a:lstStyle/>
+                    <a:p>
+                      <a:pPr marL="0" marR="0" indent="0" algn="l" defTabSz="457200" rtl="0" eaLnBrk="1" fontAlgn="auto" latinLnBrk="0" hangingPunct="1">
+                        <a:lnSpc>
+                          <a:spcPct val="100000"/>
+                        </a:lnSpc>
+                        <a:spcBef>
+                          <a:spcPts val="0"/>
+                        </a:spcBef>
+                        <a:spcAft>
+                          <a:spcPts val="0"/>
+                        </a:spcAft>
+                        <a:buClrTx/>
+                        <a:buSzTx/>
+                        <a:buFontTx/>
+                        <a:buNone/>
+                        <a:tabLst/>
+                        <a:defRPr/>
+                      </a:pPr>
+                      <a:endParaRPr lang="en-US" sz="1000" b="0" dirty="0" smtClean="0">
+                        <a:solidFill>
+                          <a:schemeClr val="tx1"/>
+                        </a:solidFill>
+                      </a:endParaRPr>
+                    </a:p>
+                  </a:txBody>
+                  <a:tcPr>
+                    <a:lnL w="12700" cap="flat" cmpd="sng" algn="ctr">
+                      <a:solidFill>
+                        <a:scrgbClr r="0" g="0" b="0"/>
+                      </a:solidFill>
+                      <a:prstDash val="solid"/>
+                      <a:round/>
+                      <a:headEnd type="none" w="med" len="med"/>
+                      <a:tailEnd type="none" w="med" len="med"/>
+                    </a:lnL>
+                    <a:lnR w="12700" cap="flat" cmpd="sng" algn="ctr">
+                      <a:solidFill>
+                        <a:scrgbClr r="0" g="0" b="0"/>
+                      </a:solidFill>
+                      <a:prstDash val="solid"/>
+                      <a:round/>
+                      <a:headEnd type="none" w="med" len="med"/>
+                      <a:tailEnd type="none" w="med" len="med"/>
+                    </a:lnR>
+                    <a:lnT w="12700" cap="flat" cmpd="sng" algn="ctr">
+                      <a:solidFill>
+                        <a:scrgbClr r="0" g="0" b="0"/>
+                      </a:solidFill>
+                      <a:prstDash val="solid"/>
+                      <a:round/>
+                      <a:headEnd type="none" w="med" len="med"/>
+                      <a:tailEnd type="none" w="med" len="med"/>
+                    </a:lnT>
+                    <a:lnB w="12700" cap="flat" cmpd="sng" algn="ctr">
+                      <a:solidFill>
+                        <a:scrgbClr r="0" g="0" b="0"/>
+                      </a:solidFill>
+                      <a:prstDash val="solid"/>
+                      <a:round/>
+                      <a:headEnd type="none" w="med" len="med"/>
+                      <a:tailEnd type="none" w="med" len="med"/>
+                    </a:lnB>
+                    <a:noFill/>
+                  </a:tcPr>
+                </a:tc>
+              </a:tr>
+              <a:tr h="134762">
+                <a:tc>
+                  <a:txBody>
+                    <a:bodyPr/>
+                    <a:lstStyle/>
+                    <a:p>
+                      <a:endParaRPr lang="en-US" sz="1000" b="0" dirty="0" smtClean="0">
+                        <a:solidFill>
+                          <a:schemeClr val="tx1"/>
+                        </a:solidFill>
+                      </a:endParaRPr>
+                    </a:p>
+                  </a:txBody>
+                  <a:tcPr>
+                    <a:lnL w="12700" cap="flat" cmpd="sng" algn="ctr">
+                      <a:solidFill>
+                        <a:scrgbClr r="0" g="0" b="0"/>
+                      </a:solidFill>
+                      <a:prstDash val="solid"/>
+                      <a:round/>
+                      <a:headEnd type="none" w="med" len="med"/>
+                      <a:tailEnd type="none" w="med" len="med"/>
+                    </a:lnL>
+                    <a:lnR w="12700" cap="flat" cmpd="sng" algn="ctr">
+                      <a:solidFill>
+                        <a:scrgbClr r="0" g="0" b="0"/>
+                      </a:solidFill>
+                      <a:prstDash val="solid"/>
+                      <a:round/>
+                      <a:headEnd type="none" w="med" len="med"/>
+                      <a:tailEnd type="none" w="med" len="med"/>
+                    </a:lnR>
+                    <a:lnT w="12700" cap="flat" cmpd="sng" algn="ctr">
+                      <a:solidFill>
+                        <a:scrgbClr r="0" g="0" b="0"/>
+                      </a:solidFill>
+                      <a:prstDash val="solid"/>
+                      <a:round/>
+                      <a:headEnd type="none" w="med" len="med"/>
+                      <a:tailEnd type="none" w="med" len="med"/>
+                    </a:lnT>
+                    <a:lnB w="12700" cap="flat" cmpd="sng" algn="ctr">
+                      <a:solidFill>
+                        <a:scrgbClr r="0" g="0" b="0"/>
+                      </a:solidFill>
+                      <a:prstDash val="solid"/>
+                      <a:round/>
+                      <a:headEnd type="none" w="med" len="med"/>
+                      <a:tailEnd type="none" w="med" len="med"/>
+                    </a:lnB>
+                    <a:noFill/>
+                  </a:tcPr>
+                </a:tc>
+              </a:tr>
+            </a:tbl>
+          </a:graphicData>
+        </a:graphic>
+      </p:graphicFrame>
+      <p:cxnSp>
+        <p:nvCxnSpPr>
+          <p:cNvPr id="4" name="Straight Connector 3"/>
+          <p:cNvCxnSpPr>
+            <a:stCxn id="3" idx="2"/>
+            <a:endCxn id="2" idx="0"/>
+          </p:cNvCxnSpPr>
+          <p:nvPr/>
+        </p:nvCxnSpPr>
+        <p:spPr>
+          <a:xfrm flipH="1">
+            <a:off x="1879755" y="1283036"/>
+            <a:ext cx="1" cy="1246804"/>
+          </a:xfrm>
+          <a:prstGeom prst="line">
+            <a:avLst/>
+          </a:prstGeom>
+          <a:ln w="12700" cmpd="sng">
+            <a:solidFill>
+              <a:schemeClr val="tx1"/>
+            </a:solidFill>
+            <a:prstDash val="solid"/>
+            <a:headEnd type="triangle" w="lg" len="lg"/>
+            <a:tailEnd type="none"/>
+          </a:ln>
+          <a:effectLst/>
+        </p:spPr>
+        <p:style>
+          <a:lnRef idx="2">
+            <a:schemeClr val="accent1"/>
+          </a:lnRef>
+          <a:fillRef idx="0">
+            <a:schemeClr val="accent1"/>
+          </a:fillRef>
+          <a:effectRef idx="1">
+            <a:schemeClr val="accent1"/>
+          </a:effectRef>
+          <a:fontRef idx="minor">
+            <a:schemeClr val="tx1"/>
+          </a:fontRef>
+        </p:style>
+      </p:cxnSp>
+    </p:spTree>
+    <p:extLst>
+      <p:ext uri="{BB962C8B-B14F-4D97-AF65-F5344CB8AC3E}">
+        <p14:creationId xmlns:p14="http://schemas.microsoft.com/office/powerpoint/2010/main" val="3892109827"/>
+      </p:ext>
+    </p:extLst>
+  </p:cSld>
+  <p:clrMapOvr>
+    <a:masterClrMapping/>
+  </p:clrMapOvr>
+</p:sld>
+</file>
+
+<file path=ppt/slides/slide7.xml><?xml version="1.0" encoding="utf-8"?>
 <p:sld xmlns:a="http://schemas.openxmlformats.org/drawingml/2006/main" xmlns:r="http://schemas.openxmlformats.org/officeDocument/2006/relationships" xmlns:p="http://schemas.openxmlformats.org/presentationml/2006/main">
   <p:cSld>
     <p:spTree>
@@ -32247,7 +36382,7 @@
 </p:sld>
 </file>
 
-<file path=ppt/slides/slide7.xml><?xml version="1.0" encoding="utf-8"?>
+<file path=ppt/slides/slide8.xml><?xml version="1.0" encoding="utf-8"?>
 <p:sld xmlns:a="http://schemas.openxmlformats.org/drawingml/2006/main" xmlns:r="http://schemas.openxmlformats.org/officeDocument/2006/relationships" xmlns:p="http://schemas.openxmlformats.org/presentationml/2006/main">
   <p:cSld>
     <p:spTree>
@@ -36188,7 +40323,7 @@
 </p:sld>
 </file>
 
-<file path=ppt/slides/slide8.xml><?xml version="1.0" encoding="utf-8"?>
+<file path=ppt/slides/slide9.xml><?xml version="1.0" encoding="utf-8"?>
 <p:sld xmlns:a="http://schemas.openxmlformats.org/drawingml/2006/main" xmlns:r="http://schemas.openxmlformats.org/officeDocument/2006/relationships" xmlns:p="http://schemas.openxmlformats.org/presentationml/2006/main">
   <p:cSld>
     <p:spTree>
@@ -38869,3386 +43004,6 @@
     <p:extLst>
       <p:ext uri="{BB962C8B-B14F-4D97-AF65-F5344CB8AC3E}">
         <p14:creationId xmlns:p14="http://schemas.microsoft.com/office/powerpoint/2010/main" val="1235507915"/>
-      </p:ext>
-    </p:extLst>
-  </p:cSld>
-  <p:clrMapOvr>
-    <a:masterClrMapping/>
-  </p:clrMapOvr>
-</p:sld>
-</file>
-
-<file path=ppt/slides/slide9.xml><?xml version="1.0" encoding="utf-8"?>
-<p:sld xmlns:a="http://schemas.openxmlformats.org/drawingml/2006/main" xmlns:r="http://schemas.openxmlformats.org/officeDocument/2006/relationships" xmlns:p="http://schemas.openxmlformats.org/presentationml/2006/main">
-  <p:cSld>
-    <p:spTree>
-      <p:nvGrpSpPr>
-        <p:cNvPr id="1" name=""/>
-        <p:cNvGrpSpPr/>
-        <p:nvPr/>
-      </p:nvGrpSpPr>
-      <p:grpSpPr>
-        <a:xfrm>
-          <a:off x="0" y="0"/>
-          <a:ext cx="0" cy="0"/>
-          <a:chOff x="0" y="0"/>
-          <a:chExt cx="0" cy="0"/>
-        </a:xfrm>
-      </p:grpSpPr>
-      <p:graphicFrame>
-        <p:nvGraphicFramePr>
-          <p:cNvPr id="3" name="Table 2"/>
-          <p:cNvGraphicFramePr>
-            <a:graphicFrameLocks noGrp="1"/>
-          </p:cNvGraphicFramePr>
-          <p:nvPr>
-            <p:extLst>
-              <p:ext uri="{D42A27DB-BD31-4B8C-83A1-F6EECF244321}">
-                <p14:modId xmlns:p14="http://schemas.microsoft.com/office/powerpoint/2010/main" val="114682446"/>
-              </p:ext>
-            </p:extLst>
-          </p:nvPr>
-        </p:nvGraphicFramePr>
-        <p:xfrm>
-          <a:off x="224974" y="127940"/>
-          <a:ext cx="8702933" cy="4446270"/>
-        </p:xfrm>
-        <a:graphic>
-          <a:graphicData uri="http://schemas.openxmlformats.org/drawingml/2006/table">
-            <a:tbl>
-              <a:tblPr firstRow="1" bandRow="1">
-                <a:tableStyleId>{5C22544A-7EE6-4342-B048-85BDC9FD1C3A}</a:tableStyleId>
-              </a:tblPr>
-              <a:tblGrid>
-                <a:gridCol w="8702933"/>
-              </a:tblGrid>
-              <a:tr h="582930">
-                <a:tc>
-                  <a:txBody>
-                    <a:bodyPr/>
-                    <a:lstStyle/>
-                    <a:p>
-                      <a:r>
-                        <a:rPr lang="en-US" sz="700" b="0" u="sng" dirty="0" smtClean="0">
-                          <a:solidFill>
-                            <a:schemeClr val="tx1"/>
-                          </a:solidFill>
-                        </a:rPr>
-                        <a:t>Input</a:t>
-                      </a:r>
-                    </a:p>
-                    <a:p>
-                      <a:r>
-                        <a:rPr lang="en-US" sz="700" b="0" dirty="0" err="1" smtClean="0">
-                          <a:solidFill>
-                            <a:schemeClr val="tx1"/>
-                          </a:solidFill>
-                        </a:rPr>
-                        <a:t>spx_file</a:t>
-                      </a:r>
-                      <a:r>
-                        <a:rPr lang="en-US" sz="700" b="0" dirty="0" smtClean="0">
-                          <a:solidFill>
-                            <a:schemeClr val="tx1"/>
-                          </a:solidFill>
-                        </a:rPr>
-                        <a:t> = “../../</a:t>
-                      </a:r>
-                      <a:r>
-                        <a:rPr lang="en-US" sz="700" b="0" dirty="0" err="1" smtClean="0">
-                          <a:solidFill>
-                            <a:schemeClr val="tx1"/>
-                          </a:solidFill>
-                        </a:rPr>
-                        <a:t>db</a:t>
-                      </a:r>
-                      <a:r>
-                        <a:rPr lang="en-US" sz="700" b="0" dirty="0" smtClean="0">
-                          <a:solidFill>
-                            <a:schemeClr val="tx1"/>
-                          </a:solidFill>
-                        </a:rPr>
-                        <a:t>/</a:t>
-                      </a:r>
-                      <a:r>
-                        <a:rPr lang="en-US" sz="700" b="0" dirty="0" err="1" smtClean="0">
-                          <a:solidFill>
-                            <a:schemeClr val="tx1"/>
-                          </a:solidFill>
-                        </a:rPr>
-                        <a:t>SPX.csv</a:t>
-                      </a:r>
-                      <a:r>
-                        <a:rPr lang="en-US" sz="700" b="0" dirty="0" smtClean="0">
-                          <a:solidFill>
-                            <a:schemeClr val="tx1"/>
-                          </a:solidFill>
-                        </a:rPr>
-                        <a:t>”</a:t>
-                      </a:r>
-                    </a:p>
-                    <a:p>
-                      <a:r>
-                        <a:rPr lang="en-US" sz="700" b="0" dirty="0" err="1" smtClean="0">
-                          <a:solidFill>
-                            <a:schemeClr val="tx1"/>
-                          </a:solidFill>
-                        </a:rPr>
-                        <a:t>vix_file</a:t>
-                      </a:r>
-                      <a:r>
-                        <a:rPr lang="en-US" sz="700" b="0" dirty="0" smtClean="0">
-                          <a:solidFill>
-                            <a:schemeClr val="tx1"/>
-                          </a:solidFill>
-                        </a:rPr>
-                        <a:t> = “../../</a:t>
-                      </a:r>
-                      <a:r>
-                        <a:rPr lang="en-US" sz="700" b="0" dirty="0" err="1" smtClean="0">
-                          <a:solidFill>
-                            <a:schemeClr val="tx1"/>
-                          </a:solidFill>
-                        </a:rPr>
-                        <a:t>db</a:t>
-                      </a:r>
-                      <a:r>
-                        <a:rPr lang="en-US" sz="700" b="0" dirty="0" smtClean="0">
-                          <a:solidFill>
-                            <a:schemeClr val="tx1"/>
-                          </a:solidFill>
-                        </a:rPr>
-                        <a:t>/</a:t>
-                      </a:r>
-                      <a:r>
-                        <a:rPr lang="en-US" sz="700" b="0" dirty="0" err="1" smtClean="0">
-                          <a:solidFill>
-                            <a:schemeClr val="tx1"/>
-                          </a:solidFill>
-                        </a:rPr>
-                        <a:t>VIX.csv</a:t>
-                      </a:r>
-                      <a:r>
-                        <a:rPr lang="en-US" sz="700" b="0" dirty="0" smtClean="0">
-                          <a:solidFill>
-                            <a:schemeClr val="tx1"/>
-                          </a:solidFill>
-                        </a:rPr>
-                        <a:t>”</a:t>
-                      </a:r>
-                    </a:p>
-                    <a:p>
-                      <a:r>
-                        <a:rPr lang="en-US" sz="700" b="0" dirty="0" err="1" smtClean="0">
-                          <a:solidFill>
-                            <a:schemeClr val="tx1"/>
-                          </a:solidFill>
-                        </a:rPr>
-                        <a:t>begin_date</a:t>
-                      </a:r>
-                      <a:r>
-                        <a:rPr lang="en-US" sz="700" b="0" dirty="0" smtClean="0">
-                          <a:solidFill>
-                            <a:schemeClr val="tx1"/>
-                          </a:solidFill>
-                        </a:rPr>
-                        <a:t> = “1980-1-1”</a:t>
-                      </a:r>
-                    </a:p>
-                    <a:p>
-                      <a:r>
-                        <a:rPr lang="en-US" sz="700" b="0" dirty="0" err="1" smtClean="0">
-                          <a:solidFill>
-                            <a:schemeClr val="tx1"/>
-                          </a:solidFill>
-                        </a:rPr>
-                        <a:t>end_date</a:t>
-                      </a:r>
-                      <a:r>
-                        <a:rPr lang="en-US" sz="700" b="0" dirty="0" smtClean="0">
-                          <a:solidFill>
-                            <a:schemeClr val="tx1"/>
-                          </a:solidFill>
-                        </a:rPr>
-                        <a:t> = “2007-10-1”</a:t>
-                      </a:r>
-                    </a:p>
-                  </a:txBody>
-                  <a:tcPr marL="121920" marR="121920" marT="34290" marB="34290">
-                    <a:lnL w="12700" cap="flat" cmpd="sng" algn="ctr">
-                      <a:solidFill>
-                        <a:scrgbClr r="0" g="0" b="0"/>
-                      </a:solidFill>
-                      <a:prstDash val="solid"/>
-                      <a:round/>
-                      <a:headEnd type="none" w="med" len="med"/>
-                      <a:tailEnd type="none" w="med" len="med"/>
-                    </a:lnL>
-                    <a:lnR w="12700" cap="flat" cmpd="sng" algn="ctr">
-                      <a:solidFill>
-                        <a:scrgbClr r="0" g="0" b="0"/>
-                      </a:solidFill>
-                      <a:prstDash val="solid"/>
-                      <a:round/>
-                      <a:headEnd type="none" w="med" len="med"/>
-                      <a:tailEnd type="none" w="med" len="med"/>
-                    </a:lnR>
-                    <a:lnT w="12700" cap="flat" cmpd="sng" algn="ctr">
-                      <a:solidFill>
-                        <a:scrgbClr r="0" g="0" b="0"/>
-                      </a:solidFill>
-                      <a:prstDash val="solid"/>
-                      <a:round/>
-                      <a:headEnd type="none" w="med" len="med"/>
-                      <a:tailEnd type="none" w="med" len="med"/>
-                    </a:lnT>
-                    <a:lnB w="12700" cap="flat" cmpd="sng" algn="ctr">
-                      <a:solidFill>
-                        <a:scrgbClr r="0" g="0" b="0"/>
-                      </a:solidFill>
-                      <a:prstDash val="solid"/>
-                      <a:round/>
-                      <a:headEnd type="none" w="med" len="med"/>
-                      <a:tailEnd type="none" w="med" len="med"/>
-                    </a:lnB>
-                    <a:noFill/>
-                  </a:tcPr>
-                </a:tc>
-              </a:tr>
-              <a:tr h="480060">
-                <a:tc>
-                  <a:txBody>
-                    <a:bodyPr/>
-                    <a:lstStyle/>
-                    <a:p>
-                      <a:pPr marL="0" marR="0" indent="0" algn="l" defTabSz="457200" rtl="0" eaLnBrk="1" fontAlgn="auto" latinLnBrk="0" hangingPunct="1">
-                        <a:lnSpc>
-                          <a:spcPct val="100000"/>
-                        </a:lnSpc>
-                        <a:spcBef>
-                          <a:spcPts val="0"/>
-                        </a:spcBef>
-                        <a:spcAft>
-                          <a:spcPts val="0"/>
-                        </a:spcAft>
-                        <a:buClrTx/>
-                        <a:buSzTx/>
-                        <a:buFontTx/>
-                        <a:buNone/>
-                        <a:tabLst/>
-                        <a:defRPr/>
-                      </a:pPr>
-                      <a:r>
-                        <a:rPr lang="en-US" sz="700" kern="1200" dirty="0" err="1" smtClean="0">
-                          <a:solidFill>
-                            <a:schemeClr val="dk1"/>
-                          </a:solidFill>
-                          <a:latin typeface="+mn-lt"/>
-                          <a:ea typeface="+mn-ea"/>
-                          <a:cs typeface="+mn-cs"/>
-                        </a:rPr>
-                        <a:t>const</a:t>
-                      </a:r>
-                      <a:r>
-                        <a:rPr lang="en-US" sz="700" kern="1200" dirty="0" smtClean="0">
-                          <a:solidFill>
-                            <a:schemeClr val="dk1"/>
-                          </a:solidFill>
-                          <a:latin typeface="+mn-lt"/>
-                          <a:ea typeface="+mn-ea"/>
-                          <a:cs typeface="+mn-cs"/>
-                        </a:rPr>
-                        <a:t> string </a:t>
-                      </a:r>
-                      <a:r>
-                        <a:rPr lang="en-US" sz="700" kern="1200" dirty="0" err="1" smtClean="0">
-                          <a:solidFill>
-                            <a:schemeClr val="dk1"/>
-                          </a:solidFill>
-                          <a:latin typeface="+mn-lt"/>
-                          <a:ea typeface="+mn-ea"/>
-                          <a:cs typeface="+mn-cs"/>
-                        </a:rPr>
-                        <a:t>spx_symbol</a:t>
-                      </a:r>
-                      <a:r>
-                        <a:rPr lang="en-US" sz="700" kern="1200" dirty="0" smtClean="0">
-                          <a:solidFill>
-                            <a:schemeClr val="dk1"/>
-                          </a:solidFill>
-                          <a:latin typeface="+mn-lt"/>
-                          <a:ea typeface="+mn-ea"/>
-                          <a:cs typeface="+mn-cs"/>
-                        </a:rPr>
-                        <a:t> = "SPX”</a:t>
-                      </a:r>
-                    </a:p>
-                    <a:p>
-                      <a:pPr marL="0" marR="0" indent="0" algn="l" defTabSz="457200" rtl="0" eaLnBrk="1" fontAlgn="auto" latinLnBrk="0" hangingPunct="1">
-                        <a:lnSpc>
-                          <a:spcPct val="100000"/>
-                        </a:lnSpc>
-                        <a:spcBef>
-                          <a:spcPts val="0"/>
-                        </a:spcBef>
-                        <a:spcAft>
-                          <a:spcPts val="0"/>
-                        </a:spcAft>
-                        <a:buClrTx/>
-                        <a:buSzTx/>
-                        <a:buFontTx/>
-                        <a:buNone/>
-                        <a:tabLst/>
-                        <a:defRPr/>
-                      </a:pPr>
-                      <a:r>
-                        <a:rPr lang="en-US" sz="700" kern="1200" dirty="0" err="1" smtClean="0">
-                          <a:solidFill>
-                            <a:schemeClr val="dk1"/>
-                          </a:solidFill>
-                          <a:latin typeface="+mn-lt"/>
-                          <a:ea typeface="+mn-ea"/>
-                          <a:cs typeface="+mn-cs"/>
-                        </a:rPr>
-                        <a:t>const</a:t>
-                      </a:r>
-                      <a:r>
-                        <a:rPr lang="en-US" sz="700" kern="1200" dirty="0" smtClean="0">
-                          <a:solidFill>
-                            <a:schemeClr val="dk1"/>
-                          </a:solidFill>
-                          <a:latin typeface="+mn-lt"/>
-                          <a:ea typeface="+mn-ea"/>
-                          <a:cs typeface="+mn-cs"/>
-                        </a:rPr>
-                        <a:t> string </a:t>
-                      </a:r>
-                      <a:r>
-                        <a:rPr lang="en-US" sz="700" kern="1200" dirty="0" err="1" smtClean="0">
-                          <a:solidFill>
-                            <a:schemeClr val="dk1"/>
-                          </a:solidFill>
-                          <a:latin typeface="+mn-lt"/>
-                          <a:ea typeface="+mn-ea"/>
-                          <a:cs typeface="+mn-cs"/>
-                        </a:rPr>
-                        <a:t>vix_symbol</a:t>
-                      </a:r>
-                      <a:r>
-                        <a:rPr lang="en-US" sz="700" kern="1200" dirty="0" smtClean="0">
-                          <a:solidFill>
-                            <a:schemeClr val="dk1"/>
-                          </a:solidFill>
-                          <a:latin typeface="+mn-lt"/>
-                          <a:ea typeface="+mn-ea"/>
-                          <a:cs typeface="+mn-cs"/>
-                        </a:rPr>
-                        <a:t> = "VIX”</a:t>
-                      </a:r>
-                    </a:p>
-                    <a:p>
-                      <a:pPr marL="0" marR="0" indent="0" algn="l" defTabSz="457200" rtl="0" eaLnBrk="1" fontAlgn="auto" latinLnBrk="0" hangingPunct="1">
-                        <a:lnSpc>
-                          <a:spcPct val="100000"/>
-                        </a:lnSpc>
-                        <a:spcBef>
-                          <a:spcPts val="0"/>
-                        </a:spcBef>
-                        <a:spcAft>
-                          <a:spcPts val="0"/>
-                        </a:spcAft>
-                        <a:buClrTx/>
-                        <a:buSzTx/>
-                        <a:buFontTx/>
-                        <a:buNone/>
-                        <a:tabLst/>
-                        <a:defRPr/>
-                      </a:pPr>
-                      <a:r>
-                        <a:rPr lang="en-US" sz="700" kern="1200" dirty="0" smtClean="0">
-                          <a:solidFill>
-                            <a:schemeClr val="dk1"/>
-                          </a:solidFill>
-                          <a:latin typeface="+mn-lt"/>
-                          <a:ea typeface="+mn-ea"/>
-                          <a:cs typeface="+mn-cs"/>
-                        </a:rPr>
-                        <a:t>boost::</a:t>
-                      </a:r>
-                      <a:r>
-                        <a:rPr lang="en-US" sz="700" kern="1200" dirty="0" err="1" smtClean="0">
-                          <a:solidFill>
-                            <a:schemeClr val="dk1"/>
-                          </a:solidFill>
-                          <a:latin typeface="+mn-lt"/>
-                          <a:ea typeface="+mn-ea"/>
-                          <a:cs typeface="+mn-cs"/>
-                        </a:rPr>
-                        <a:t>gregorian</a:t>
-                      </a:r>
-                      <a:r>
-                        <a:rPr lang="en-US" sz="700" kern="1200" dirty="0" smtClean="0">
-                          <a:solidFill>
-                            <a:schemeClr val="dk1"/>
-                          </a:solidFill>
-                          <a:latin typeface="+mn-lt"/>
-                          <a:ea typeface="+mn-ea"/>
-                          <a:cs typeface="+mn-cs"/>
-                        </a:rPr>
-                        <a:t>::date </a:t>
-                      </a:r>
-                      <a:r>
-                        <a:rPr lang="en-US" sz="700" kern="1200" dirty="0" err="1" smtClean="0">
-                          <a:solidFill>
-                            <a:schemeClr val="dk1"/>
-                          </a:solidFill>
-                          <a:latin typeface="+mn-lt"/>
-                          <a:ea typeface="+mn-ea"/>
-                          <a:cs typeface="+mn-cs"/>
-                        </a:rPr>
-                        <a:t>load_begin</a:t>
-                      </a:r>
-                      <a:r>
-                        <a:rPr lang="en-US" sz="700" kern="1200" dirty="0" smtClean="0">
-                          <a:solidFill>
-                            <a:schemeClr val="dk1"/>
-                          </a:solidFill>
-                          <a:latin typeface="+mn-lt"/>
-                          <a:ea typeface="+mn-ea"/>
-                          <a:cs typeface="+mn-cs"/>
-                        </a:rPr>
-                        <a:t>(</a:t>
-                      </a:r>
-                      <a:r>
-                        <a:rPr lang="en-US" sz="700" kern="1200" dirty="0" err="1" smtClean="0">
-                          <a:solidFill>
-                            <a:schemeClr val="dk1"/>
-                          </a:solidFill>
-                          <a:latin typeface="+mn-lt"/>
-                          <a:ea typeface="+mn-ea"/>
-                          <a:cs typeface="+mn-cs"/>
-                        </a:rPr>
-                        <a:t>from_simple_string</a:t>
-                      </a:r>
-                      <a:r>
-                        <a:rPr lang="en-US" sz="700" kern="1200" dirty="0" smtClean="0">
-                          <a:solidFill>
-                            <a:schemeClr val="dk1"/>
-                          </a:solidFill>
-                          <a:latin typeface="+mn-lt"/>
-                          <a:ea typeface="+mn-ea"/>
-                          <a:cs typeface="+mn-cs"/>
-                        </a:rPr>
-                        <a:t>(</a:t>
-                      </a:r>
-                      <a:r>
-                        <a:rPr lang="en-US" sz="700" kern="1200" dirty="0" err="1" smtClean="0">
-                          <a:solidFill>
-                            <a:schemeClr val="dk1"/>
-                          </a:solidFill>
-                          <a:latin typeface="+mn-lt"/>
-                          <a:ea typeface="+mn-ea"/>
-                          <a:cs typeface="+mn-cs"/>
-                        </a:rPr>
-                        <a:t>begin_date</a:t>
-                      </a:r>
-                      <a:r>
-                        <a:rPr lang="en-US" sz="700" kern="1200" dirty="0" smtClean="0">
-                          <a:solidFill>
-                            <a:schemeClr val="dk1"/>
-                          </a:solidFill>
-                          <a:latin typeface="+mn-lt"/>
-                          <a:ea typeface="+mn-ea"/>
-                          <a:cs typeface="+mn-cs"/>
-                        </a:rPr>
-                        <a:t>))</a:t>
-                      </a:r>
-                    </a:p>
-                    <a:p>
-                      <a:pPr marL="0" marR="0" indent="0" algn="l" defTabSz="457200" rtl="0" eaLnBrk="1" fontAlgn="auto" latinLnBrk="0" hangingPunct="1">
-                        <a:lnSpc>
-                          <a:spcPct val="100000"/>
-                        </a:lnSpc>
-                        <a:spcBef>
-                          <a:spcPts val="0"/>
-                        </a:spcBef>
-                        <a:spcAft>
-                          <a:spcPts val="0"/>
-                        </a:spcAft>
-                        <a:buClrTx/>
-                        <a:buSzTx/>
-                        <a:buFontTx/>
-                        <a:buNone/>
-                        <a:tabLst/>
-                        <a:defRPr/>
-                      </a:pPr>
-                      <a:r>
-                        <a:rPr lang="en-US" sz="700" kern="1200" dirty="0" smtClean="0">
-                          <a:solidFill>
-                            <a:schemeClr val="dk1"/>
-                          </a:solidFill>
-                          <a:latin typeface="+mn-lt"/>
-                          <a:ea typeface="+mn-ea"/>
-                          <a:cs typeface="+mn-cs"/>
-                        </a:rPr>
-                        <a:t>boost::</a:t>
-                      </a:r>
-                      <a:r>
-                        <a:rPr lang="en-US" sz="700" kern="1200" dirty="0" err="1" smtClean="0">
-                          <a:solidFill>
-                            <a:schemeClr val="dk1"/>
-                          </a:solidFill>
-                          <a:latin typeface="+mn-lt"/>
-                          <a:ea typeface="+mn-ea"/>
-                          <a:cs typeface="+mn-cs"/>
-                        </a:rPr>
-                        <a:t>gregorian</a:t>
-                      </a:r>
-                      <a:r>
-                        <a:rPr lang="en-US" sz="700" kern="1200" dirty="0" smtClean="0">
-                          <a:solidFill>
-                            <a:schemeClr val="dk1"/>
-                          </a:solidFill>
-                          <a:latin typeface="+mn-lt"/>
-                          <a:ea typeface="+mn-ea"/>
-                          <a:cs typeface="+mn-cs"/>
-                        </a:rPr>
-                        <a:t>::date </a:t>
-                      </a:r>
-                      <a:r>
-                        <a:rPr lang="en-US" sz="700" kern="1200" dirty="0" err="1" smtClean="0">
-                          <a:solidFill>
-                            <a:schemeClr val="dk1"/>
-                          </a:solidFill>
-                          <a:latin typeface="+mn-lt"/>
-                          <a:ea typeface="+mn-ea"/>
-                          <a:cs typeface="+mn-cs"/>
-                        </a:rPr>
-                        <a:t>load_begin</a:t>
-                      </a:r>
-                      <a:r>
-                        <a:rPr lang="en-US" sz="700" kern="1200" dirty="0" smtClean="0">
-                          <a:solidFill>
-                            <a:schemeClr val="dk1"/>
-                          </a:solidFill>
-                          <a:latin typeface="+mn-lt"/>
-                          <a:ea typeface="+mn-ea"/>
-                          <a:cs typeface="+mn-cs"/>
-                        </a:rPr>
-                        <a:t>(</a:t>
-                      </a:r>
-                      <a:r>
-                        <a:rPr lang="en-US" sz="700" kern="1200" dirty="0" err="1" smtClean="0">
-                          <a:solidFill>
-                            <a:schemeClr val="dk1"/>
-                          </a:solidFill>
-                          <a:latin typeface="+mn-lt"/>
-                          <a:ea typeface="+mn-ea"/>
-                          <a:cs typeface="+mn-cs"/>
-                        </a:rPr>
-                        <a:t>from_simple_string</a:t>
-                      </a:r>
-                      <a:r>
-                        <a:rPr lang="en-US" sz="700" kern="1200" dirty="0" smtClean="0">
-                          <a:solidFill>
-                            <a:schemeClr val="dk1"/>
-                          </a:solidFill>
-                          <a:latin typeface="+mn-lt"/>
-                          <a:ea typeface="+mn-ea"/>
-                          <a:cs typeface="+mn-cs"/>
-                        </a:rPr>
-                        <a:t>(</a:t>
-                      </a:r>
-                      <a:r>
-                        <a:rPr lang="en-US" sz="700" kern="1200" dirty="0" err="1" smtClean="0">
-                          <a:solidFill>
-                            <a:schemeClr val="dk1"/>
-                          </a:solidFill>
-                          <a:latin typeface="+mn-lt"/>
-                          <a:ea typeface="+mn-ea"/>
-                          <a:cs typeface="+mn-cs"/>
-                        </a:rPr>
-                        <a:t>end_date</a:t>
-                      </a:r>
-                      <a:r>
-                        <a:rPr lang="en-US" sz="700" kern="1200" dirty="0" smtClean="0">
-                          <a:solidFill>
-                            <a:schemeClr val="dk1"/>
-                          </a:solidFill>
-                          <a:latin typeface="+mn-lt"/>
-                          <a:ea typeface="+mn-ea"/>
-                          <a:cs typeface="+mn-cs"/>
-                        </a:rPr>
-                        <a:t>))</a:t>
-                      </a:r>
-                    </a:p>
-                  </a:txBody>
-                  <a:tcPr marL="121920" marR="121920" marT="34290" marB="34290">
-                    <a:lnL w="12700" cap="flat" cmpd="sng" algn="ctr">
-                      <a:solidFill>
-                        <a:scrgbClr r="0" g="0" b="0"/>
-                      </a:solidFill>
-                      <a:prstDash val="solid"/>
-                      <a:round/>
-                      <a:headEnd type="none" w="med" len="med"/>
-                      <a:tailEnd type="none" w="med" len="med"/>
-                    </a:lnL>
-                    <a:lnR w="12700" cap="flat" cmpd="sng" algn="ctr">
-                      <a:solidFill>
-                        <a:scrgbClr r="0" g="0" b="0"/>
-                      </a:solidFill>
-                      <a:prstDash val="solid"/>
-                      <a:round/>
-                      <a:headEnd type="none" w="med" len="med"/>
-                      <a:tailEnd type="none" w="med" len="med"/>
-                    </a:lnR>
-                    <a:lnT w="12700" cap="flat" cmpd="sng" algn="ctr">
-                      <a:solidFill>
-                        <a:scrgbClr r="0" g="0" b="0"/>
-                      </a:solidFill>
-                      <a:prstDash val="solid"/>
-                      <a:round/>
-                      <a:headEnd type="none" w="med" len="med"/>
-                      <a:tailEnd type="none" w="med" len="med"/>
-                    </a:lnT>
-                    <a:lnB w="12700" cap="flat" cmpd="sng" algn="ctr">
-                      <a:solidFill>
-                        <a:scrgbClr r="0" g="0" b="0"/>
-                      </a:solidFill>
-                      <a:prstDash val="solid"/>
-                      <a:round/>
-                      <a:headEnd type="none" w="med" len="med"/>
-                      <a:tailEnd type="none" w="med" len="med"/>
-                    </a:lnB>
-                    <a:noFill/>
-                  </a:tcPr>
-                </a:tc>
-              </a:tr>
-              <a:tr h="1200150">
-                <a:tc>
-                  <a:txBody>
-                    <a:bodyPr/>
-                    <a:lstStyle/>
-                    <a:p>
-                      <a:pPr marL="457200" marR="0" lvl="1" indent="0" algn="l" defTabSz="457200" rtl="0" eaLnBrk="1" fontAlgn="auto" latinLnBrk="0" hangingPunct="1">
-                        <a:lnSpc>
-                          <a:spcPct val="100000"/>
-                        </a:lnSpc>
-                        <a:spcBef>
-                          <a:spcPts val="0"/>
-                        </a:spcBef>
-                        <a:spcAft>
-                          <a:spcPts val="0"/>
-                        </a:spcAft>
-                        <a:buClrTx/>
-                        <a:buSzTx/>
-                        <a:buFontTx/>
-                        <a:buNone/>
-                        <a:tabLst/>
-                        <a:defRPr/>
-                      </a:pPr>
-                      <a:r>
-                        <a:rPr lang="en-US" sz="700" b="0" dirty="0" smtClean="0">
-                          <a:solidFill>
-                            <a:schemeClr val="tx1"/>
-                          </a:solidFill>
-                        </a:rPr>
-                        <a:t>Series::EODDB::instance().load(</a:t>
-                      </a:r>
-                      <a:r>
-                        <a:rPr lang="en-US" sz="700" b="0" dirty="0" err="1" smtClean="0">
-                          <a:solidFill>
-                            <a:schemeClr val="tx1"/>
-                          </a:solidFill>
-                        </a:rPr>
-                        <a:t>spx_symbol</a:t>
-                      </a:r>
-                      <a:r>
-                        <a:rPr lang="en-US" sz="700" b="0" dirty="0" smtClean="0">
-                          <a:solidFill>
-                            <a:schemeClr val="tx1"/>
-                          </a:solidFill>
-                        </a:rPr>
-                        <a:t>, </a:t>
-                      </a:r>
-                      <a:r>
-                        <a:rPr lang="en-US" sz="700" b="0" dirty="0" err="1" smtClean="0">
-                          <a:solidFill>
-                            <a:schemeClr val="tx1"/>
-                          </a:solidFill>
-                        </a:rPr>
-                        <a:t>spx_file</a:t>
-                      </a:r>
-                      <a:r>
-                        <a:rPr lang="en-US" sz="700" b="0" dirty="0" smtClean="0">
-                          <a:solidFill>
-                            <a:schemeClr val="tx1"/>
-                          </a:solidFill>
-                        </a:rPr>
-                        <a:t>, Series::EODDB::YAHOO, </a:t>
-                      </a:r>
-                      <a:r>
-                        <a:rPr lang="en-US" sz="700" b="0" dirty="0" err="1" smtClean="0">
-                          <a:solidFill>
-                            <a:schemeClr val="tx1"/>
-                          </a:solidFill>
-                        </a:rPr>
-                        <a:t>load_begin</a:t>
-                      </a:r>
-                      <a:r>
-                        <a:rPr lang="en-US" sz="700" b="0" dirty="0" smtClean="0">
-                          <a:solidFill>
-                            <a:schemeClr val="tx1"/>
-                          </a:solidFill>
-                        </a:rPr>
-                        <a:t>, </a:t>
-                      </a:r>
-                      <a:r>
-                        <a:rPr lang="en-US" sz="700" b="0" dirty="0" err="1" smtClean="0">
-                          <a:solidFill>
-                            <a:schemeClr val="tx1"/>
-                          </a:solidFill>
-                        </a:rPr>
-                        <a:t>load_end</a:t>
-                      </a:r>
-                      <a:r>
-                        <a:rPr lang="en-US" sz="700" b="0" dirty="0" smtClean="0">
-                          <a:solidFill>
-                            <a:schemeClr val="tx1"/>
-                          </a:solidFill>
-                        </a:rPr>
-                        <a:t>)</a:t>
-                      </a:r>
-                    </a:p>
-                    <a:p>
-                      <a:pPr marL="457200" marR="0" lvl="1" indent="0" algn="l" defTabSz="457200" rtl="0" eaLnBrk="1" fontAlgn="auto" latinLnBrk="0" hangingPunct="1">
-                        <a:lnSpc>
-                          <a:spcPct val="100000"/>
-                        </a:lnSpc>
-                        <a:spcBef>
-                          <a:spcPts val="0"/>
-                        </a:spcBef>
-                        <a:spcAft>
-                          <a:spcPts val="0"/>
-                        </a:spcAft>
-                        <a:buClrTx/>
-                        <a:buSzTx/>
-                        <a:buFontTx/>
-                        <a:buNone/>
-                        <a:tabLst/>
-                        <a:defRPr/>
-                      </a:pPr>
-                      <a:r>
-                        <a:rPr lang="en-US" sz="700" b="0" dirty="0" smtClean="0">
-                          <a:solidFill>
-                            <a:schemeClr val="tx1"/>
-                          </a:solidFill>
-                        </a:rPr>
-                        <a:t>			</a:t>
-                      </a:r>
-                      <a:r>
-                        <a:rPr lang="en-US" sz="700" b="0" baseline="0" dirty="0" smtClean="0">
-                          <a:solidFill>
-                            <a:schemeClr val="tx1"/>
-                          </a:solidFill>
-                        </a:rPr>
-                        <a:t>   ^^^ </a:t>
-                      </a:r>
-                      <a:r>
-                        <a:rPr lang="en-US" sz="700" b="0" baseline="0" dirty="0" err="1" smtClean="0">
-                          <a:solidFill>
-                            <a:schemeClr val="tx1"/>
-                          </a:solidFill>
-                        </a:rPr>
-                        <a:t>const</a:t>
-                      </a:r>
-                      <a:r>
-                        <a:rPr lang="en-US" sz="700" b="0" baseline="0" dirty="0" smtClean="0">
-                          <a:solidFill>
-                            <a:schemeClr val="tx1"/>
-                          </a:solidFill>
-                        </a:rPr>
-                        <a:t> </a:t>
-                      </a:r>
-                      <a:r>
-                        <a:rPr lang="en-US" sz="700" b="0" baseline="0" dirty="0" err="1" smtClean="0">
-                          <a:solidFill>
-                            <a:schemeClr val="tx1"/>
-                          </a:solidFill>
-                        </a:rPr>
-                        <a:t>str</a:t>
-                      </a:r>
-                      <a:r>
-                        <a:rPr lang="en-US" sz="700" b="0" baseline="0" dirty="0" smtClean="0">
-                          <a:solidFill>
-                            <a:schemeClr val="tx1"/>
-                          </a:solidFill>
-                        </a:rPr>
-                        <a:t>	       ^^^ </a:t>
-                      </a:r>
-                      <a:r>
-                        <a:rPr lang="en-US" sz="700" b="0" baseline="0" dirty="0" err="1" smtClean="0">
-                          <a:solidFill>
-                            <a:schemeClr val="tx1"/>
-                          </a:solidFill>
-                        </a:rPr>
-                        <a:t>DriverType</a:t>
-                      </a:r>
-                      <a:r>
-                        <a:rPr lang="en-US" sz="700" b="0" baseline="0" dirty="0" smtClean="0">
-                          <a:solidFill>
-                            <a:schemeClr val="tx1"/>
-                          </a:solidFill>
-                        </a:rPr>
-                        <a:t>(</a:t>
-                      </a:r>
-                      <a:r>
-                        <a:rPr lang="en-US" sz="700" b="0" baseline="0" dirty="0" err="1" smtClean="0">
-                          <a:solidFill>
-                            <a:schemeClr val="tx1"/>
-                          </a:solidFill>
-                        </a:rPr>
-                        <a:t>enum</a:t>
-                      </a:r>
-                      <a:r>
-                        <a:rPr lang="en-US" sz="700" b="0" baseline="0" dirty="0" smtClean="0">
-                          <a:solidFill>
-                            <a:schemeClr val="tx1"/>
-                          </a:solidFill>
-                        </a:rPr>
-                        <a:t>)    ^^^ </a:t>
-                      </a:r>
-                      <a:r>
-                        <a:rPr lang="en-US" sz="700" b="0" baseline="0" dirty="0" err="1" smtClean="0">
-                          <a:solidFill>
-                            <a:schemeClr val="tx1"/>
-                          </a:solidFill>
-                        </a:rPr>
-                        <a:t>const</a:t>
-                      </a:r>
-                      <a:r>
-                        <a:rPr lang="en-US" sz="700" b="0" baseline="0" dirty="0" smtClean="0">
-                          <a:solidFill>
-                            <a:schemeClr val="tx1"/>
-                          </a:solidFill>
-                        </a:rPr>
-                        <a:t> boost::</a:t>
-                      </a:r>
-                      <a:r>
-                        <a:rPr lang="en-US" sz="700" b="0" baseline="0" dirty="0" err="1" smtClean="0">
-                          <a:solidFill>
-                            <a:schemeClr val="tx1"/>
-                          </a:solidFill>
-                        </a:rPr>
-                        <a:t>gregorian</a:t>
-                      </a:r>
-                      <a:r>
-                        <a:rPr lang="en-US" sz="700" b="0" baseline="0" dirty="0" smtClean="0">
-                          <a:solidFill>
-                            <a:schemeClr val="tx1"/>
-                          </a:solidFill>
-                        </a:rPr>
-                        <a:t>::date&amp;</a:t>
-                      </a:r>
-                    </a:p>
-                    <a:p>
-                      <a:pPr marL="457200" marR="0" lvl="1" indent="0" algn="l" defTabSz="457200" rtl="0" eaLnBrk="1" fontAlgn="auto" latinLnBrk="0" hangingPunct="1">
-                        <a:lnSpc>
-                          <a:spcPct val="100000"/>
-                        </a:lnSpc>
-                        <a:spcBef>
-                          <a:spcPts val="0"/>
-                        </a:spcBef>
-                        <a:spcAft>
-                          <a:spcPts val="0"/>
-                        </a:spcAft>
-                        <a:buClrTx/>
-                        <a:buSzTx/>
-                        <a:buFontTx/>
-                        <a:buNone/>
-                        <a:tabLst/>
-                        <a:defRPr/>
-                      </a:pPr>
-                      <a:endParaRPr lang="en-US" sz="700" b="0" dirty="0" smtClean="0">
-                        <a:solidFill>
-                          <a:schemeClr val="tx1"/>
-                        </a:solidFill>
-                      </a:endParaRPr>
-                    </a:p>
-                    <a:p>
-                      <a:pPr marL="457200" marR="0" lvl="1" indent="0" algn="l" defTabSz="457200" rtl="0" eaLnBrk="1" fontAlgn="auto" latinLnBrk="0" hangingPunct="1">
-                        <a:lnSpc>
-                          <a:spcPct val="100000"/>
-                        </a:lnSpc>
-                        <a:spcBef>
-                          <a:spcPts val="0"/>
-                        </a:spcBef>
-                        <a:spcAft>
-                          <a:spcPts val="0"/>
-                        </a:spcAft>
-                        <a:buClrTx/>
-                        <a:buSzTx/>
-                        <a:buFontTx/>
-                        <a:buNone/>
-                        <a:tabLst/>
-                        <a:defRPr/>
-                      </a:pPr>
-                      <a:r>
-                        <a:rPr lang="en-US" sz="700" b="0" dirty="0" smtClean="0">
-                          <a:solidFill>
-                            <a:schemeClr val="tx1"/>
-                          </a:solidFill>
-                        </a:rPr>
-                        <a:t>EODDB class has a private static member _</a:t>
-                      </a:r>
-                      <a:r>
-                        <a:rPr lang="en-US" sz="700" b="0" dirty="0" err="1" smtClean="0">
-                          <a:solidFill>
-                            <a:schemeClr val="tx1"/>
-                          </a:solidFill>
-                        </a:rPr>
-                        <a:t>pInstance</a:t>
-                      </a:r>
-                      <a:r>
-                        <a:rPr lang="en-US" sz="700" b="0" dirty="0" smtClean="0">
-                          <a:solidFill>
-                            <a:schemeClr val="tx1"/>
-                          </a:solidFill>
-                        </a:rPr>
-                        <a:t> which points to an instantiation</a:t>
-                      </a:r>
-                      <a:r>
-                        <a:rPr lang="en-US" sz="700" b="0" baseline="0" dirty="0" smtClean="0">
-                          <a:solidFill>
-                            <a:schemeClr val="tx1"/>
-                          </a:solidFill>
-                        </a:rPr>
-                        <a:t> of itself</a:t>
-                      </a:r>
-                      <a:endParaRPr lang="en-US" sz="700" b="0" dirty="0" smtClean="0">
-                        <a:solidFill>
-                          <a:schemeClr val="tx1"/>
-                        </a:solidFill>
-                      </a:endParaRPr>
-                    </a:p>
-                    <a:p>
-                      <a:pPr marL="457200" marR="0" lvl="1" indent="0" algn="l" defTabSz="457200" rtl="0" eaLnBrk="1" fontAlgn="auto" latinLnBrk="0" hangingPunct="1">
-                        <a:lnSpc>
-                          <a:spcPct val="100000"/>
-                        </a:lnSpc>
-                        <a:spcBef>
-                          <a:spcPts val="0"/>
-                        </a:spcBef>
-                        <a:spcAft>
-                          <a:spcPts val="0"/>
-                        </a:spcAft>
-                        <a:buClrTx/>
-                        <a:buSzTx/>
-                        <a:buFontTx/>
-                        <a:buNone/>
-                        <a:tabLst/>
-                        <a:defRPr/>
-                      </a:pPr>
-                      <a:r>
-                        <a:rPr lang="en-US" sz="700" b="0" dirty="0" smtClean="0">
-                          <a:solidFill>
-                            <a:schemeClr val="tx1"/>
-                          </a:solidFill>
-                        </a:rPr>
-                        <a:t>_</a:t>
-                      </a:r>
-                      <a:r>
-                        <a:rPr lang="en-US" sz="700" b="0" dirty="0" err="1" smtClean="0">
-                          <a:solidFill>
-                            <a:schemeClr val="tx1"/>
-                          </a:solidFill>
-                        </a:rPr>
-                        <a:t>pInstance</a:t>
-                      </a:r>
-                      <a:r>
-                        <a:rPr lang="en-US" sz="700" b="0" dirty="0" smtClean="0">
-                          <a:solidFill>
-                            <a:schemeClr val="tx1"/>
-                          </a:solidFill>
-                        </a:rPr>
-                        <a:t> can be accessed via</a:t>
-                      </a:r>
-                      <a:r>
-                        <a:rPr lang="en-US" sz="700" b="0" baseline="0" dirty="0" smtClean="0">
-                          <a:solidFill>
-                            <a:schemeClr val="tx1"/>
-                          </a:solidFill>
-                        </a:rPr>
-                        <a:t> EODDB::instance()</a:t>
-                      </a:r>
-                    </a:p>
-                    <a:p>
-                      <a:pPr marL="457200" marR="0" lvl="1" indent="0" algn="l" defTabSz="457200" rtl="0" eaLnBrk="1" fontAlgn="auto" latinLnBrk="0" hangingPunct="1">
-                        <a:lnSpc>
-                          <a:spcPct val="100000"/>
-                        </a:lnSpc>
-                        <a:spcBef>
-                          <a:spcPts val="0"/>
-                        </a:spcBef>
-                        <a:spcAft>
-                          <a:spcPts val="0"/>
-                        </a:spcAft>
-                        <a:buClrTx/>
-                        <a:buSzTx/>
-                        <a:buFontTx/>
-                        <a:buNone/>
-                        <a:tabLst/>
-                        <a:defRPr/>
-                      </a:pPr>
-                      <a:endParaRPr lang="en-US" sz="700" b="0" dirty="0" smtClean="0">
-                        <a:solidFill>
-                          <a:schemeClr val="tx1"/>
-                        </a:solidFill>
-                      </a:endParaRPr>
-                    </a:p>
-                    <a:p>
-                      <a:pPr marL="457200" marR="0" lvl="1" indent="0" algn="l" defTabSz="457200" rtl="0" eaLnBrk="1" fontAlgn="auto" latinLnBrk="0" hangingPunct="1">
-                        <a:lnSpc>
-                          <a:spcPct val="100000"/>
-                        </a:lnSpc>
-                        <a:spcBef>
-                          <a:spcPts val="0"/>
-                        </a:spcBef>
-                        <a:spcAft>
-                          <a:spcPts val="0"/>
-                        </a:spcAft>
-                        <a:buClrTx/>
-                        <a:buSzTx/>
-                        <a:buFontTx/>
-                        <a:buNone/>
-                        <a:tabLst/>
-                        <a:defRPr/>
-                      </a:pPr>
-                      <a:r>
-                        <a:rPr lang="en-US" sz="700" b="0" dirty="0" smtClean="0">
-                          <a:solidFill>
-                            <a:schemeClr val="tx1"/>
-                          </a:solidFill>
-                        </a:rPr>
-                        <a:t>To load data to EODDB,</a:t>
-                      </a:r>
-                    </a:p>
-                    <a:p>
-                      <a:pPr marL="457200" marR="0" lvl="1" indent="0" algn="l" defTabSz="457200" rtl="0" eaLnBrk="1" fontAlgn="auto" latinLnBrk="0" hangingPunct="1">
-                        <a:lnSpc>
-                          <a:spcPct val="100000"/>
-                        </a:lnSpc>
-                        <a:spcBef>
-                          <a:spcPts val="0"/>
-                        </a:spcBef>
-                        <a:spcAft>
-                          <a:spcPts val="0"/>
-                        </a:spcAft>
-                        <a:buClrTx/>
-                        <a:buSzTx/>
-                        <a:buFontTx/>
-                        <a:buNone/>
-                        <a:tabLst/>
-                        <a:defRPr/>
-                      </a:pPr>
-                      <a:r>
-                        <a:rPr lang="en-US" sz="700" b="0" dirty="0" smtClean="0">
-                          <a:solidFill>
-                            <a:schemeClr val="tx1"/>
-                          </a:solidFill>
-                        </a:rPr>
-                        <a:t>EODDB::instance()</a:t>
-                      </a:r>
-                      <a:r>
-                        <a:rPr lang="en-US" sz="700" b="0" baseline="0" dirty="0" smtClean="0">
-                          <a:solidFill>
-                            <a:schemeClr val="tx1"/>
-                          </a:solidFill>
-                        </a:rPr>
-                        <a:t> -&gt; _</a:t>
-                      </a:r>
-                      <a:r>
-                        <a:rPr lang="en-US" sz="700" b="0" baseline="0" dirty="0" err="1" smtClean="0">
-                          <a:solidFill>
-                            <a:schemeClr val="tx1"/>
-                          </a:solidFill>
-                        </a:rPr>
-                        <a:t>pInstance</a:t>
-                      </a:r>
-                      <a:r>
-                        <a:rPr lang="en-US" sz="700" b="0" baseline="0" dirty="0" smtClean="0">
-                          <a:solidFill>
-                            <a:schemeClr val="tx1"/>
-                          </a:solidFill>
-                        </a:rPr>
-                        <a:t> -&gt; load(</a:t>
-                      </a:r>
-                      <a:r>
-                        <a:rPr lang="en-US" sz="700" b="0" baseline="0" dirty="0" err="1" smtClean="0">
-                          <a:solidFill>
-                            <a:schemeClr val="tx1"/>
-                          </a:solidFill>
-                        </a:rPr>
-                        <a:t>args</a:t>
-                      </a:r>
-                      <a:r>
-                        <a:rPr lang="en-US" sz="700" b="0" baseline="0" dirty="0" smtClean="0">
-                          <a:solidFill>
-                            <a:schemeClr val="tx1"/>
-                          </a:solidFill>
-                        </a:rPr>
-                        <a:t>) -&gt; insert (</a:t>
-                      </a:r>
-                      <a:r>
-                        <a:rPr lang="en-US" sz="700" b="0" baseline="0" dirty="0" err="1" smtClean="0">
-                          <a:solidFill>
-                            <a:schemeClr val="tx1"/>
-                          </a:solidFill>
-                        </a:rPr>
-                        <a:t>str</a:t>
-                      </a:r>
-                      <a:r>
-                        <a:rPr lang="en-US" sz="700" b="0" baseline="0" dirty="0" smtClean="0">
-                          <a:solidFill>
-                            <a:schemeClr val="tx1"/>
-                          </a:solidFill>
-                        </a:rPr>
-                        <a:t> name, </a:t>
-                      </a:r>
-                      <a:r>
-                        <a:rPr lang="en-US" sz="700" b="0" baseline="0" dirty="0" err="1" smtClean="0">
-                          <a:solidFill>
-                            <a:schemeClr val="tx1"/>
-                          </a:solidFill>
-                        </a:rPr>
-                        <a:t>EODSeries</a:t>
-                      </a:r>
-                      <a:r>
-                        <a:rPr lang="en-US" sz="700" b="0" baseline="0" dirty="0" smtClean="0">
-                          <a:solidFill>
-                            <a:schemeClr val="tx1"/>
-                          </a:solidFill>
-                        </a:rPr>
-                        <a:t>* data) to _</a:t>
-                      </a:r>
-                      <a:r>
-                        <a:rPr lang="en-US" sz="700" b="0" baseline="0" dirty="0" err="1" smtClean="0">
-                          <a:solidFill>
-                            <a:schemeClr val="tx1"/>
-                          </a:solidFill>
-                        </a:rPr>
-                        <a:t>sDB</a:t>
-                      </a:r>
-                      <a:endParaRPr lang="en-US" sz="700" b="0" baseline="0" dirty="0" smtClean="0">
-                        <a:solidFill>
-                          <a:schemeClr val="tx1"/>
-                        </a:solidFill>
-                      </a:endParaRPr>
-                    </a:p>
-                    <a:p>
-                      <a:pPr marL="457200" marR="0" lvl="1" indent="0" algn="l" defTabSz="457200" rtl="0" eaLnBrk="1" fontAlgn="auto" latinLnBrk="0" hangingPunct="1">
-                        <a:lnSpc>
-                          <a:spcPct val="100000"/>
-                        </a:lnSpc>
-                        <a:spcBef>
-                          <a:spcPts val="0"/>
-                        </a:spcBef>
-                        <a:spcAft>
-                          <a:spcPts val="0"/>
-                        </a:spcAft>
-                        <a:buClrTx/>
-                        <a:buSzTx/>
-                        <a:buFontTx/>
-                        <a:buNone/>
-                        <a:tabLst/>
-                        <a:defRPr/>
-                      </a:pPr>
-                      <a:endParaRPr lang="en-US" sz="700" b="0" baseline="0" dirty="0" smtClean="0">
-                        <a:solidFill>
-                          <a:schemeClr val="tx1"/>
-                        </a:solidFill>
-                      </a:endParaRPr>
-                    </a:p>
-                    <a:p>
-                      <a:pPr marL="457200" marR="0" lvl="1" indent="0" algn="l" defTabSz="457200" rtl="0" eaLnBrk="1" fontAlgn="auto" latinLnBrk="0" hangingPunct="1">
-                        <a:lnSpc>
-                          <a:spcPct val="100000"/>
-                        </a:lnSpc>
-                        <a:spcBef>
-                          <a:spcPts val="0"/>
-                        </a:spcBef>
-                        <a:spcAft>
-                          <a:spcPts val="0"/>
-                        </a:spcAft>
-                        <a:buClrTx/>
-                        <a:buSzTx/>
-                        <a:buFontTx/>
-                        <a:buNone/>
-                        <a:tabLst/>
-                        <a:defRPr/>
-                      </a:pPr>
-                      <a:r>
-                        <a:rPr lang="en-US" sz="700" b="0" baseline="0" dirty="0" smtClean="0">
-                          <a:solidFill>
-                            <a:schemeClr val="tx1"/>
-                          </a:solidFill>
-                        </a:rPr>
-                        <a:t>To retrieve data from EODDB,</a:t>
-                      </a:r>
-                    </a:p>
-                    <a:p>
-                      <a:pPr marL="457200" marR="0" lvl="1" indent="0" algn="l" defTabSz="457200" rtl="0" eaLnBrk="1" fontAlgn="auto" latinLnBrk="0" hangingPunct="1">
-                        <a:lnSpc>
-                          <a:spcPct val="100000"/>
-                        </a:lnSpc>
-                        <a:spcBef>
-                          <a:spcPts val="0"/>
-                        </a:spcBef>
-                        <a:spcAft>
-                          <a:spcPts val="0"/>
-                        </a:spcAft>
-                        <a:buClrTx/>
-                        <a:buSzTx/>
-                        <a:buFontTx/>
-                        <a:buNone/>
-                        <a:tabLst/>
-                        <a:defRPr/>
-                      </a:pPr>
-                      <a:r>
-                        <a:rPr lang="en-US" sz="700" b="0" dirty="0" smtClean="0">
-                          <a:solidFill>
-                            <a:schemeClr val="tx1"/>
-                          </a:solidFill>
-                        </a:rPr>
-                        <a:t>EODDB::instance()</a:t>
-                      </a:r>
-                      <a:r>
-                        <a:rPr lang="en-US" sz="700" b="0" baseline="0" dirty="0" smtClean="0">
-                          <a:solidFill>
-                            <a:schemeClr val="tx1"/>
-                          </a:solidFill>
-                        </a:rPr>
-                        <a:t> -&gt; _</a:t>
-                      </a:r>
-                      <a:r>
-                        <a:rPr lang="en-US" sz="700" b="0" baseline="0" dirty="0" err="1" smtClean="0">
-                          <a:solidFill>
-                            <a:schemeClr val="tx1"/>
-                          </a:solidFill>
-                        </a:rPr>
-                        <a:t>pInstance</a:t>
-                      </a:r>
-                      <a:r>
-                        <a:rPr lang="en-US" sz="700" b="0" baseline="0" dirty="0" smtClean="0">
-                          <a:solidFill>
-                            <a:schemeClr val="tx1"/>
-                          </a:solidFill>
-                        </a:rPr>
-                        <a:t> -&gt; get(name) -&gt; return data from _</a:t>
-                      </a:r>
-                      <a:r>
-                        <a:rPr lang="en-US" sz="700" b="0" baseline="0" dirty="0" err="1" smtClean="0">
-                          <a:solidFill>
-                            <a:schemeClr val="tx1"/>
-                          </a:solidFill>
-                        </a:rPr>
-                        <a:t>sDB</a:t>
-                      </a:r>
-                      <a:r>
-                        <a:rPr lang="en-US" sz="700" b="0" baseline="0" dirty="0" smtClean="0">
-                          <a:solidFill>
-                            <a:schemeClr val="tx1"/>
-                          </a:solidFill>
-                        </a:rPr>
-                        <a:t> if exists</a:t>
-                      </a:r>
-                    </a:p>
-                  </a:txBody>
-                  <a:tcPr marL="121920" marR="121920" marT="34290" marB="34290">
-                    <a:lnL w="12700" cap="flat" cmpd="sng" algn="ctr">
-                      <a:solidFill>
-                        <a:scrgbClr r="0" g="0" b="0"/>
-                      </a:solidFill>
-                      <a:prstDash val="solid"/>
-                      <a:round/>
-                      <a:headEnd type="none" w="med" len="med"/>
-                      <a:tailEnd type="none" w="med" len="med"/>
-                    </a:lnL>
-                    <a:lnR w="12700" cap="flat" cmpd="sng" algn="ctr">
-                      <a:solidFill>
-                        <a:scrgbClr r="0" g="0" b="0"/>
-                      </a:solidFill>
-                      <a:prstDash val="solid"/>
-                      <a:round/>
-                      <a:headEnd type="none" w="med" len="med"/>
-                      <a:tailEnd type="none" w="med" len="med"/>
-                    </a:lnR>
-                    <a:lnT w="12700" cap="flat" cmpd="sng" algn="ctr">
-                      <a:solidFill>
-                        <a:scrgbClr r="0" g="0" b="0"/>
-                      </a:solidFill>
-                      <a:prstDash val="solid"/>
-                      <a:round/>
-                      <a:headEnd type="none" w="med" len="med"/>
-                      <a:tailEnd type="none" w="med" len="med"/>
-                    </a:lnT>
-                    <a:lnB w="12700" cap="flat" cmpd="sng" algn="ctr">
-                      <a:solidFill>
-                        <a:scrgbClr r="0" g="0" b="0"/>
-                      </a:solidFill>
-                      <a:prstDash val="solid"/>
-                      <a:round/>
-                      <a:headEnd type="none" w="med" len="med"/>
-                      <a:tailEnd type="none" w="med" len="med"/>
-                    </a:lnB>
-                    <a:noFill/>
-                  </a:tcPr>
-                </a:tc>
-              </a:tr>
-              <a:tr h="1611630">
-                <a:tc>
-                  <a:txBody>
-                    <a:bodyPr/>
-                    <a:lstStyle/>
-                    <a:p>
-                      <a:pPr marL="457200" marR="0" lvl="1" indent="0" algn="l" defTabSz="457200" rtl="0" eaLnBrk="1" fontAlgn="auto" latinLnBrk="0" hangingPunct="1">
-                        <a:lnSpc>
-                          <a:spcPct val="100000"/>
-                        </a:lnSpc>
-                        <a:spcBef>
-                          <a:spcPts val="0"/>
-                        </a:spcBef>
-                        <a:spcAft>
-                          <a:spcPts val="0"/>
-                        </a:spcAft>
-                        <a:buClrTx/>
-                        <a:buSzTx/>
-                        <a:buFontTx/>
-                        <a:buNone/>
-                        <a:tabLst/>
-                        <a:defRPr/>
-                      </a:pPr>
-                      <a:r>
-                        <a:rPr lang="en-US" sz="700" b="0" baseline="0" dirty="0" err="1" smtClean="0">
-                          <a:solidFill>
-                            <a:schemeClr val="tx1"/>
-                          </a:solidFill>
-                        </a:rPr>
-                        <a:t>EODSeries</a:t>
-                      </a:r>
-                      <a:r>
-                        <a:rPr lang="en-US" sz="700" b="0" baseline="0" dirty="0" smtClean="0">
-                          <a:solidFill>
-                            <a:schemeClr val="tx1"/>
-                          </a:solidFill>
-                        </a:rPr>
-                        <a:t>* </a:t>
-                      </a:r>
-                      <a:r>
-                        <a:rPr lang="en-US" sz="700" b="0" baseline="0" dirty="0" err="1" smtClean="0">
-                          <a:solidFill>
-                            <a:schemeClr val="tx1"/>
-                          </a:solidFill>
-                        </a:rPr>
-                        <a:t>pSeries</a:t>
-                      </a:r>
-                      <a:r>
-                        <a:rPr lang="en-US" sz="700" b="0" baseline="0" dirty="0" smtClean="0">
-                          <a:solidFill>
-                            <a:schemeClr val="tx1"/>
-                          </a:solidFill>
-                        </a:rPr>
-                        <a:t> = new </a:t>
-                      </a:r>
-                      <a:r>
-                        <a:rPr lang="en-US" sz="700" b="0" baseline="0" dirty="0" err="1" smtClean="0">
-                          <a:solidFill>
-                            <a:schemeClr val="tx1"/>
-                          </a:solidFill>
-                        </a:rPr>
-                        <a:t>EODSeries</a:t>
-                      </a:r>
-                      <a:r>
-                        <a:rPr lang="en-US" sz="700" b="0" baseline="0" dirty="0" smtClean="0">
-                          <a:solidFill>
-                            <a:schemeClr val="tx1"/>
-                          </a:solidFill>
-                        </a:rPr>
-                        <a:t>(name);</a:t>
-                      </a:r>
-                    </a:p>
-                    <a:p>
-                      <a:pPr marL="457200" marR="0" lvl="1" indent="0" algn="l" defTabSz="457200" rtl="0" eaLnBrk="1" fontAlgn="auto" latinLnBrk="0" hangingPunct="1">
-                        <a:lnSpc>
-                          <a:spcPct val="100000"/>
-                        </a:lnSpc>
-                        <a:spcBef>
-                          <a:spcPts val="0"/>
-                        </a:spcBef>
-                        <a:spcAft>
-                          <a:spcPts val="0"/>
-                        </a:spcAft>
-                        <a:buClrTx/>
-                        <a:buSzTx/>
-                        <a:buFontTx/>
-                        <a:buNone/>
-                        <a:tabLst/>
-                        <a:defRPr/>
-                      </a:pPr>
-                      <a:r>
-                        <a:rPr lang="en-US" sz="700" b="0" baseline="0" dirty="0" err="1" smtClean="0">
-                          <a:solidFill>
-                            <a:schemeClr val="tx1"/>
-                          </a:solidFill>
-                        </a:rPr>
-                        <a:t>pSeries</a:t>
-                      </a:r>
-                      <a:r>
-                        <a:rPr lang="en-US" sz="700" b="0" baseline="0" dirty="0" smtClean="0">
-                          <a:solidFill>
-                            <a:schemeClr val="tx1"/>
-                          </a:solidFill>
-                        </a:rPr>
-                        <a:t>-&gt;load(*</a:t>
-                      </a:r>
-                      <a:r>
-                        <a:rPr lang="en-US" sz="700" b="0" baseline="0" dirty="0" err="1" smtClean="0">
-                          <a:solidFill>
-                            <a:schemeClr val="tx1"/>
-                          </a:solidFill>
-                        </a:rPr>
-                        <a:t>pFD</a:t>
-                      </a:r>
-                      <a:r>
-                        <a:rPr lang="en-US" sz="700" b="0" baseline="0" dirty="0" smtClean="0">
-                          <a:solidFill>
-                            <a:schemeClr val="tx1"/>
-                          </a:solidFill>
-                        </a:rPr>
-                        <a:t>, filename, begin, end)</a:t>
-                      </a:r>
-                    </a:p>
-                    <a:p>
-                      <a:pPr marL="457200" marR="0" lvl="1" indent="0" algn="l" defTabSz="457200" rtl="0" eaLnBrk="1" fontAlgn="auto" latinLnBrk="0" hangingPunct="1">
-                        <a:lnSpc>
-                          <a:spcPct val="100000"/>
-                        </a:lnSpc>
-                        <a:spcBef>
-                          <a:spcPts val="0"/>
-                        </a:spcBef>
-                        <a:spcAft>
-                          <a:spcPts val="0"/>
-                        </a:spcAft>
-                        <a:buClrTx/>
-                        <a:buSzTx/>
-                        <a:buFontTx/>
-                        <a:buNone/>
-                        <a:tabLst/>
-                        <a:defRPr/>
-                      </a:pPr>
-                      <a:r>
-                        <a:rPr lang="en-US" sz="700" b="0" baseline="0" dirty="0" smtClean="0">
-                          <a:solidFill>
-                            <a:schemeClr val="tx1"/>
-                          </a:solidFill>
-                        </a:rPr>
-                        <a:t>	        ^^ </a:t>
-                      </a:r>
-                      <a:r>
-                        <a:rPr lang="en-US" sz="700" b="0" baseline="0" dirty="0" err="1" smtClean="0">
-                          <a:solidFill>
-                            <a:schemeClr val="tx1"/>
-                          </a:solidFill>
-                        </a:rPr>
-                        <a:t>FileDriver</a:t>
-                      </a:r>
-                      <a:r>
-                        <a:rPr lang="en-US" sz="700" b="0" baseline="0" dirty="0" smtClean="0">
-                          <a:solidFill>
-                            <a:schemeClr val="tx1"/>
-                          </a:solidFill>
-                        </a:rPr>
-                        <a:t>       ^^ </a:t>
-                      </a:r>
-                      <a:r>
-                        <a:rPr lang="en-US" sz="700" b="0" baseline="0" dirty="0" err="1" smtClean="0">
-                          <a:solidFill>
-                            <a:schemeClr val="tx1"/>
-                          </a:solidFill>
-                        </a:rPr>
-                        <a:t>const</a:t>
-                      </a:r>
-                      <a:r>
-                        <a:rPr lang="en-US" sz="700" b="0" baseline="0" dirty="0" smtClean="0">
-                          <a:solidFill>
-                            <a:schemeClr val="tx1"/>
-                          </a:solidFill>
-                        </a:rPr>
-                        <a:t> boost::</a:t>
-                      </a:r>
-                      <a:r>
-                        <a:rPr lang="en-US" sz="700" b="0" baseline="0" dirty="0" err="1" smtClean="0">
-                          <a:solidFill>
-                            <a:schemeClr val="tx1"/>
-                          </a:solidFill>
-                        </a:rPr>
-                        <a:t>gregorian</a:t>
-                      </a:r>
-                      <a:r>
-                        <a:rPr lang="en-US" sz="700" b="0" baseline="0" dirty="0" smtClean="0">
-                          <a:solidFill>
-                            <a:schemeClr val="tx1"/>
-                          </a:solidFill>
-                        </a:rPr>
-                        <a:t>::date&amp;</a:t>
-                      </a:r>
-                    </a:p>
-                    <a:p>
-                      <a:pPr lvl="1"/>
-                      <a:endParaRPr lang="en-US" sz="700" kern="1200" dirty="0" smtClean="0">
-                        <a:solidFill>
-                          <a:schemeClr val="dk1"/>
-                        </a:solidFill>
-                        <a:latin typeface="+mn-lt"/>
-                        <a:ea typeface="+mn-ea"/>
-                        <a:cs typeface="+mn-cs"/>
-                      </a:endParaRPr>
-                    </a:p>
-                    <a:p>
-                      <a:pPr lvl="1"/>
-                      <a:r>
-                        <a:rPr lang="en-US" sz="700" kern="1200" dirty="0" err="1" smtClean="0">
-                          <a:solidFill>
-                            <a:schemeClr val="dk1"/>
-                          </a:solidFill>
-                          <a:latin typeface="+mn-lt"/>
-                          <a:ea typeface="+mn-ea"/>
-                          <a:cs typeface="+mn-cs"/>
-                        </a:rPr>
-                        <a:t>size_t</a:t>
-                      </a:r>
-                      <a:r>
-                        <a:rPr lang="en-US" sz="700" kern="1200" dirty="0" smtClean="0">
-                          <a:solidFill>
-                            <a:schemeClr val="dk1"/>
-                          </a:solidFill>
-                          <a:latin typeface="+mn-lt"/>
-                          <a:ea typeface="+mn-ea"/>
-                          <a:cs typeface="+mn-cs"/>
-                        </a:rPr>
-                        <a:t> Series::</a:t>
-                      </a:r>
-                      <a:r>
-                        <a:rPr lang="en-US" sz="700" kern="1200" dirty="0" err="1" smtClean="0">
-                          <a:solidFill>
-                            <a:schemeClr val="dk1"/>
-                          </a:solidFill>
-                          <a:latin typeface="+mn-lt"/>
-                          <a:ea typeface="+mn-ea"/>
-                          <a:cs typeface="+mn-cs"/>
-                        </a:rPr>
-                        <a:t>EODSeries</a:t>
-                      </a:r>
-                      <a:r>
-                        <a:rPr lang="en-US" sz="700" kern="1200" dirty="0" smtClean="0">
-                          <a:solidFill>
-                            <a:schemeClr val="dk1"/>
-                          </a:solidFill>
-                          <a:latin typeface="+mn-lt"/>
-                          <a:ea typeface="+mn-ea"/>
-                          <a:cs typeface="+mn-cs"/>
-                        </a:rPr>
-                        <a:t>::load(</a:t>
-                      </a:r>
-                      <a:r>
-                        <a:rPr lang="en-US" sz="700" kern="1200" dirty="0" err="1" smtClean="0">
-                          <a:solidFill>
-                            <a:schemeClr val="dk1"/>
-                          </a:solidFill>
-                          <a:latin typeface="+mn-lt"/>
-                          <a:ea typeface="+mn-ea"/>
-                          <a:cs typeface="+mn-cs"/>
-                        </a:rPr>
-                        <a:t>FileDriver</a:t>
-                      </a:r>
-                      <a:r>
-                        <a:rPr lang="en-US" sz="700" kern="1200" dirty="0" smtClean="0">
-                          <a:solidFill>
-                            <a:schemeClr val="dk1"/>
-                          </a:solidFill>
-                          <a:latin typeface="+mn-lt"/>
-                          <a:ea typeface="+mn-ea"/>
-                          <a:cs typeface="+mn-cs"/>
-                        </a:rPr>
-                        <a:t>&amp; driver, </a:t>
-                      </a:r>
-                      <a:r>
-                        <a:rPr lang="en-US" sz="700" kern="1200" dirty="0" err="1" smtClean="0">
-                          <a:solidFill>
-                            <a:schemeClr val="dk1"/>
-                          </a:solidFill>
-                          <a:latin typeface="+mn-lt"/>
-                          <a:ea typeface="+mn-ea"/>
-                          <a:cs typeface="+mn-cs"/>
-                        </a:rPr>
-                        <a:t>const</a:t>
-                      </a:r>
-                      <a:r>
-                        <a:rPr lang="en-US" sz="700" kern="1200" dirty="0" smtClean="0">
-                          <a:solidFill>
-                            <a:schemeClr val="dk1"/>
-                          </a:solidFill>
-                          <a:latin typeface="+mn-lt"/>
-                          <a:ea typeface="+mn-ea"/>
-                          <a:cs typeface="+mn-cs"/>
-                        </a:rPr>
-                        <a:t> </a:t>
-                      </a:r>
-                      <a:r>
-                        <a:rPr lang="en-US" sz="700" kern="1200" dirty="0" err="1" smtClean="0">
-                          <a:solidFill>
-                            <a:schemeClr val="dk1"/>
-                          </a:solidFill>
-                          <a:latin typeface="+mn-lt"/>
-                          <a:ea typeface="+mn-ea"/>
-                          <a:cs typeface="+mn-cs"/>
-                        </a:rPr>
-                        <a:t>std</a:t>
-                      </a:r>
-                      <a:r>
-                        <a:rPr lang="en-US" sz="700" kern="1200" dirty="0" smtClean="0">
-                          <a:solidFill>
-                            <a:schemeClr val="dk1"/>
-                          </a:solidFill>
-                          <a:latin typeface="+mn-lt"/>
-                          <a:ea typeface="+mn-ea"/>
-                          <a:cs typeface="+mn-cs"/>
-                        </a:rPr>
-                        <a:t>::string&amp; filename, </a:t>
-                      </a:r>
-                      <a:r>
-                        <a:rPr lang="en-US" sz="700" kern="1200" dirty="0" err="1" smtClean="0">
-                          <a:solidFill>
-                            <a:schemeClr val="dk1"/>
-                          </a:solidFill>
-                          <a:latin typeface="+mn-lt"/>
-                          <a:ea typeface="+mn-ea"/>
-                          <a:cs typeface="+mn-cs"/>
-                        </a:rPr>
-                        <a:t>const</a:t>
-                      </a:r>
-                      <a:r>
-                        <a:rPr lang="en-US" sz="700" kern="1200" dirty="0" smtClean="0">
-                          <a:solidFill>
-                            <a:schemeClr val="dk1"/>
-                          </a:solidFill>
-                          <a:latin typeface="+mn-lt"/>
-                          <a:ea typeface="+mn-ea"/>
-                          <a:cs typeface="+mn-cs"/>
-                        </a:rPr>
-                        <a:t> boost::</a:t>
-                      </a:r>
-                      <a:r>
-                        <a:rPr lang="en-US" sz="700" kern="1200" dirty="0" err="1" smtClean="0">
-                          <a:solidFill>
-                            <a:schemeClr val="dk1"/>
-                          </a:solidFill>
-                          <a:latin typeface="+mn-lt"/>
-                          <a:ea typeface="+mn-ea"/>
-                          <a:cs typeface="+mn-cs"/>
-                        </a:rPr>
-                        <a:t>gregorian</a:t>
-                      </a:r>
-                      <a:r>
-                        <a:rPr lang="en-US" sz="700" kern="1200" dirty="0" smtClean="0">
-                          <a:solidFill>
-                            <a:schemeClr val="dk1"/>
-                          </a:solidFill>
-                          <a:latin typeface="+mn-lt"/>
-                          <a:ea typeface="+mn-ea"/>
-                          <a:cs typeface="+mn-cs"/>
-                        </a:rPr>
-                        <a:t>::date&amp; begin, </a:t>
-                      </a:r>
-                      <a:r>
-                        <a:rPr lang="en-US" sz="700" kern="1200" dirty="0" err="1" smtClean="0">
-                          <a:solidFill>
-                            <a:schemeClr val="dk1"/>
-                          </a:solidFill>
-                          <a:latin typeface="+mn-lt"/>
-                          <a:ea typeface="+mn-ea"/>
-                          <a:cs typeface="+mn-cs"/>
-                        </a:rPr>
-                        <a:t>const</a:t>
-                      </a:r>
-                      <a:r>
-                        <a:rPr lang="en-US" sz="700" kern="1200" dirty="0" smtClean="0">
-                          <a:solidFill>
-                            <a:schemeClr val="dk1"/>
-                          </a:solidFill>
-                          <a:latin typeface="+mn-lt"/>
-                          <a:ea typeface="+mn-ea"/>
-                          <a:cs typeface="+mn-cs"/>
-                        </a:rPr>
-                        <a:t> boost::</a:t>
-                      </a:r>
-                      <a:r>
-                        <a:rPr lang="en-US" sz="700" kern="1200" dirty="0" err="1" smtClean="0">
-                          <a:solidFill>
-                            <a:schemeClr val="dk1"/>
-                          </a:solidFill>
-                          <a:latin typeface="+mn-lt"/>
-                          <a:ea typeface="+mn-ea"/>
-                          <a:cs typeface="+mn-cs"/>
-                        </a:rPr>
-                        <a:t>gregorian</a:t>
-                      </a:r>
-                      <a:r>
-                        <a:rPr lang="en-US" sz="700" kern="1200" dirty="0" smtClean="0">
-                          <a:solidFill>
-                            <a:schemeClr val="dk1"/>
-                          </a:solidFill>
-                          <a:latin typeface="+mn-lt"/>
-                          <a:ea typeface="+mn-ea"/>
-                          <a:cs typeface="+mn-cs"/>
-                        </a:rPr>
-                        <a:t>::date&amp; end)</a:t>
-                      </a:r>
-                      <a:r>
-                        <a:rPr lang="en-US" sz="700" kern="1200" baseline="0" dirty="0" smtClean="0">
-                          <a:solidFill>
-                            <a:schemeClr val="dk1"/>
-                          </a:solidFill>
-                          <a:latin typeface="+mn-lt"/>
-                          <a:ea typeface="+mn-ea"/>
-                          <a:cs typeface="+mn-cs"/>
-                        </a:rPr>
-                        <a:t> </a:t>
-                      </a:r>
-                      <a:r>
-                        <a:rPr lang="en-US" sz="700" kern="1200" dirty="0" smtClean="0">
-                          <a:solidFill>
-                            <a:schemeClr val="dk1"/>
-                          </a:solidFill>
-                          <a:latin typeface="+mn-lt"/>
-                          <a:ea typeface="+mn-ea"/>
-                          <a:cs typeface="+mn-cs"/>
-                        </a:rPr>
-                        <a:t>{</a:t>
-                      </a:r>
-                    </a:p>
-                    <a:p>
-                      <a:pPr lvl="1"/>
-                      <a:r>
-                        <a:rPr lang="en-US" sz="700" kern="1200" baseline="0" dirty="0" smtClean="0">
-                          <a:solidFill>
-                            <a:schemeClr val="dk1"/>
-                          </a:solidFill>
-                          <a:latin typeface="+mn-lt"/>
-                          <a:ea typeface="+mn-ea"/>
-                          <a:cs typeface="+mn-cs"/>
-                        </a:rPr>
-                        <a:t>    </a:t>
-                      </a:r>
-                      <a:r>
-                        <a:rPr lang="en-US" sz="700" kern="1200" dirty="0" err="1" smtClean="0">
-                          <a:solidFill>
-                            <a:schemeClr val="dk1"/>
-                          </a:solidFill>
-                          <a:latin typeface="+mn-lt"/>
-                          <a:ea typeface="+mn-ea"/>
-                          <a:cs typeface="+mn-cs"/>
-                        </a:rPr>
-                        <a:t>DayPrice</a:t>
-                      </a:r>
-                      <a:r>
-                        <a:rPr lang="en-US" sz="700" kern="1200" dirty="0" smtClean="0">
-                          <a:solidFill>
-                            <a:schemeClr val="dk1"/>
-                          </a:solidFill>
-                          <a:latin typeface="+mn-lt"/>
-                          <a:ea typeface="+mn-ea"/>
-                          <a:cs typeface="+mn-cs"/>
-                        </a:rPr>
-                        <a:t> rec;</a:t>
-                      </a:r>
-                    </a:p>
-                    <a:p>
-                      <a:pPr lvl="1"/>
-                      <a:r>
-                        <a:rPr lang="en-US" sz="700" kern="1200" baseline="0" dirty="0" smtClean="0">
-                          <a:solidFill>
-                            <a:schemeClr val="dk1"/>
-                          </a:solidFill>
-                          <a:latin typeface="+mn-lt"/>
-                          <a:ea typeface="+mn-ea"/>
-                          <a:cs typeface="+mn-cs"/>
-                        </a:rPr>
-                        <a:t>    </a:t>
-                      </a:r>
-                      <a:r>
-                        <a:rPr lang="en-US" sz="700" kern="1200" dirty="0" smtClean="0">
-                          <a:solidFill>
-                            <a:schemeClr val="dk1"/>
-                          </a:solidFill>
-                          <a:latin typeface="+mn-lt"/>
-                          <a:ea typeface="+mn-ea"/>
-                          <a:cs typeface="+mn-cs"/>
-                        </a:rPr>
-                        <a:t>while( !</a:t>
-                      </a:r>
-                      <a:r>
-                        <a:rPr lang="en-US" sz="700" kern="1200" dirty="0" err="1" smtClean="0">
-                          <a:solidFill>
-                            <a:schemeClr val="dk1"/>
-                          </a:solidFill>
-                          <a:latin typeface="+mn-lt"/>
-                          <a:ea typeface="+mn-ea"/>
-                          <a:cs typeface="+mn-cs"/>
-                        </a:rPr>
-                        <a:t>driver.eof</a:t>
-                      </a:r>
-                      <a:r>
-                        <a:rPr lang="en-US" sz="700" kern="1200" dirty="0" smtClean="0">
-                          <a:solidFill>
-                            <a:schemeClr val="dk1"/>
-                          </a:solidFill>
-                          <a:latin typeface="+mn-lt"/>
-                          <a:ea typeface="+mn-ea"/>
-                          <a:cs typeface="+mn-cs"/>
-                        </a:rPr>
-                        <a:t>() ) {  </a:t>
-                      </a:r>
-                      <a:r>
-                        <a:rPr lang="en-US" sz="700" kern="1200" dirty="0" smtClean="0">
-                          <a:solidFill>
-                            <a:srgbClr val="008000"/>
-                          </a:solidFill>
-                          <a:latin typeface="+mn-lt"/>
-                          <a:ea typeface="+mn-ea"/>
-                          <a:cs typeface="+mn-cs"/>
-                        </a:rPr>
-                        <a:t>// until</a:t>
-                      </a:r>
-                      <a:r>
-                        <a:rPr lang="en-US" sz="700" kern="1200" baseline="0" dirty="0" smtClean="0">
-                          <a:solidFill>
-                            <a:srgbClr val="008000"/>
-                          </a:solidFill>
-                          <a:latin typeface="+mn-lt"/>
-                          <a:ea typeface="+mn-ea"/>
-                          <a:cs typeface="+mn-cs"/>
-                        </a:rPr>
-                        <a:t> EOF</a:t>
-                      </a:r>
-                      <a:endParaRPr lang="en-US" sz="700" kern="1200" dirty="0" smtClean="0">
-                        <a:solidFill>
-                          <a:srgbClr val="008000"/>
-                        </a:solidFill>
-                        <a:latin typeface="+mn-lt"/>
-                        <a:ea typeface="+mn-ea"/>
-                        <a:cs typeface="+mn-cs"/>
-                      </a:endParaRPr>
-                    </a:p>
-                    <a:p>
-                      <a:pPr lvl="1"/>
-                      <a:r>
-                        <a:rPr lang="en-US" sz="700" kern="1200" dirty="0" smtClean="0">
-                          <a:solidFill>
-                            <a:schemeClr val="dk1"/>
-                          </a:solidFill>
-                          <a:latin typeface="+mn-lt"/>
-                          <a:ea typeface="+mn-ea"/>
-                          <a:cs typeface="+mn-cs"/>
-                        </a:rPr>
-                        <a:t>        </a:t>
-                      </a:r>
-                      <a:r>
-                        <a:rPr lang="en-US" sz="700" kern="1200" dirty="0" err="1" smtClean="0">
-                          <a:solidFill>
-                            <a:schemeClr val="dk1"/>
-                          </a:solidFill>
-                          <a:latin typeface="+mn-lt"/>
-                          <a:ea typeface="+mn-ea"/>
-                          <a:cs typeface="+mn-cs"/>
-                        </a:rPr>
-                        <a:t>driver.next</a:t>
-                      </a:r>
-                      <a:r>
-                        <a:rPr lang="en-US" sz="700" kern="1200" dirty="0" smtClean="0">
-                          <a:solidFill>
-                            <a:schemeClr val="dk1"/>
-                          </a:solidFill>
-                          <a:latin typeface="+mn-lt"/>
-                          <a:ea typeface="+mn-ea"/>
-                          <a:cs typeface="+mn-cs"/>
-                        </a:rPr>
-                        <a:t>(rec)  </a:t>
-                      </a:r>
-                      <a:r>
-                        <a:rPr lang="en-US" sz="700" kern="1200" dirty="0" smtClean="0">
-                          <a:solidFill>
-                            <a:srgbClr val="008000"/>
-                          </a:solidFill>
-                          <a:latin typeface="+mn-lt"/>
-                          <a:ea typeface="+mn-ea"/>
-                          <a:cs typeface="+mn-cs"/>
-                        </a:rPr>
-                        <a:t>// rec contains next line information</a:t>
-                      </a:r>
-                    </a:p>
-                    <a:p>
-                      <a:pPr marL="457200" marR="0" lvl="1" indent="0" algn="l" defTabSz="457200" rtl="0" eaLnBrk="1" fontAlgn="auto" latinLnBrk="0" hangingPunct="1">
-                        <a:lnSpc>
-                          <a:spcPct val="100000"/>
-                        </a:lnSpc>
-                        <a:spcBef>
-                          <a:spcPts val="0"/>
-                        </a:spcBef>
-                        <a:spcAft>
-                          <a:spcPts val="0"/>
-                        </a:spcAft>
-                        <a:buClrTx/>
-                        <a:buSzTx/>
-                        <a:buFontTx/>
-                        <a:buNone/>
-                        <a:tabLst/>
-                        <a:defRPr/>
-                      </a:pPr>
-                      <a:r>
-                        <a:rPr lang="en-US" sz="700" kern="1200" dirty="0" smtClean="0">
-                          <a:solidFill>
-                            <a:schemeClr val="dk1"/>
-                          </a:solidFill>
-                          <a:latin typeface="+mn-lt"/>
-                          <a:ea typeface="+mn-ea"/>
-                          <a:cs typeface="+mn-cs"/>
-                        </a:rPr>
-                        <a:t>        </a:t>
-                      </a:r>
-                      <a:r>
-                        <a:rPr lang="en-US" sz="700" kern="1200" dirty="0" err="1" smtClean="0">
-                          <a:solidFill>
-                            <a:schemeClr val="dk1"/>
-                          </a:solidFill>
-                          <a:latin typeface="+mn-lt"/>
-                          <a:ea typeface="+mn-ea"/>
-                          <a:cs typeface="+mn-cs"/>
-                        </a:rPr>
-                        <a:t>ThisMap</a:t>
-                      </a:r>
-                      <a:r>
-                        <a:rPr lang="en-US" sz="700" kern="1200" dirty="0" smtClean="0">
-                          <a:solidFill>
-                            <a:schemeClr val="dk1"/>
-                          </a:solidFill>
-                          <a:latin typeface="+mn-lt"/>
-                          <a:ea typeface="+mn-ea"/>
-                          <a:cs typeface="+mn-cs"/>
-                        </a:rPr>
-                        <a:t>::insert(</a:t>
-                      </a:r>
-                      <a:r>
-                        <a:rPr lang="en-US" sz="700" kern="1200" dirty="0" err="1" smtClean="0">
-                          <a:solidFill>
-                            <a:schemeClr val="dk1"/>
-                          </a:solidFill>
-                          <a:latin typeface="+mn-lt"/>
-                          <a:ea typeface="+mn-ea"/>
-                          <a:cs typeface="+mn-cs"/>
-                        </a:rPr>
-                        <a:t>ThisMap</a:t>
-                      </a:r>
-                      <a:r>
-                        <a:rPr lang="en-US" sz="700" kern="1200" dirty="0" smtClean="0">
-                          <a:solidFill>
-                            <a:schemeClr val="dk1"/>
-                          </a:solidFill>
-                          <a:latin typeface="+mn-lt"/>
-                          <a:ea typeface="+mn-ea"/>
-                          <a:cs typeface="+mn-cs"/>
-                        </a:rPr>
-                        <a:t>::</a:t>
-                      </a:r>
-                      <a:r>
-                        <a:rPr lang="en-US" sz="700" kern="1200" dirty="0" err="1" smtClean="0">
-                          <a:solidFill>
-                            <a:schemeClr val="dk1"/>
-                          </a:solidFill>
-                          <a:latin typeface="+mn-lt"/>
-                          <a:ea typeface="+mn-ea"/>
-                          <a:cs typeface="+mn-cs"/>
-                        </a:rPr>
-                        <a:t>value_type</a:t>
-                      </a:r>
-                      <a:r>
-                        <a:rPr lang="en-US" sz="700" kern="1200" dirty="0" smtClean="0">
-                          <a:solidFill>
-                            <a:schemeClr val="dk1"/>
-                          </a:solidFill>
-                          <a:latin typeface="+mn-lt"/>
-                          <a:ea typeface="+mn-ea"/>
-                          <a:cs typeface="+mn-cs"/>
-                        </a:rPr>
-                        <a:t>(</a:t>
-                      </a:r>
-                      <a:r>
-                        <a:rPr lang="en-US" sz="700" kern="1200" dirty="0" err="1" smtClean="0">
-                          <a:solidFill>
-                            <a:schemeClr val="dk1"/>
-                          </a:solidFill>
-                          <a:latin typeface="+mn-lt"/>
-                          <a:ea typeface="+mn-ea"/>
-                          <a:cs typeface="+mn-cs"/>
-                        </a:rPr>
-                        <a:t>rec.key</a:t>
-                      </a:r>
-                      <a:r>
-                        <a:rPr lang="en-US" sz="700" kern="1200" dirty="0" smtClean="0">
-                          <a:solidFill>
-                            <a:schemeClr val="dk1"/>
-                          </a:solidFill>
-                          <a:latin typeface="+mn-lt"/>
-                          <a:ea typeface="+mn-ea"/>
-                          <a:cs typeface="+mn-cs"/>
-                        </a:rPr>
-                        <a:t>, rec))  </a:t>
-                      </a:r>
-                      <a:r>
-                        <a:rPr lang="en-US" sz="700" kern="1200" dirty="0" smtClean="0">
-                          <a:solidFill>
-                            <a:srgbClr val="008000"/>
-                          </a:solidFill>
-                          <a:latin typeface="+mn-lt"/>
-                          <a:ea typeface="+mn-ea"/>
-                          <a:cs typeface="+mn-cs"/>
-                        </a:rPr>
-                        <a:t>//</a:t>
-                      </a:r>
-                      <a:r>
-                        <a:rPr lang="en-US" sz="700" kern="1200" baseline="0" dirty="0" smtClean="0">
-                          <a:solidFill>
-                            <a:srgbClr val="008000"/>
-                          </a:solidFill>
-                          <a:latin typeface="+mn-lt"/>
-                          <a:ea typeface="+mn-ea"/>
-                          <a:cs typeface="+mn-cs"/>
-                        </a:rPr>
-                        <a:t> inserted to the map</a:t>
-                      </a:r>
-                      <a:endParaRPr lang="en-US" sz="700" kern="1200" dirty="0" smtClean="0">
-                        <a:solidFill>
-                          <a:srgbClr val="008000"/>
-                        </a:solidFill>
-                        <a:latin typeface="+mn-lt"/>
-                        <a:ea typeface="+mn-ea"/>
-                        <a:cs typeface="+mn-cs"/>
-                      </a:endParaRPr>
-                    </a:p>
-                    <a:p>
-                      <a:pPr lvl="1"/>
-                      <a:r>
-                        <a:rPr lang="en-US" sz="700" kern="1200" dirty="0" smtClean="0">
-                          <a:solidFill>
-                            <a:schemeClr val="dk1"/>
-                          </a:solidFill>
-                          <a:latin typeface="+mn-lt"/>
-                          <a:ea typeface="+mn-ea"/>
-                          <a:cs typeface="+mn-cs"/>
-                        </a:rPr>
-                        <a:t>    }</a:t>
-                      </a:r>
-                    </a:p>
-                    <a:p>
-                      <a:pPr lvl="1"/>
-                      <a:r>
-                        <a:rPr lang="en-US" sz="700" kern="1200" dirty="0" err="1" smtClean="0">
-                          <a:solidFill>
-                            <a:schemeClr val="dk1"/>
-                          </a:solidFill>
-                          <a:latin typeface="+mn-lt"/>
-                          <a:ea typeface="+mn-ea"/>
-                          <a:cs typeface="+mn-cs"/>
-                        </a:rPr>
-                        <a:t>driver.close</a:t>
-                      </a:r>
-                      <a:r>
-                        <a:rPr lang="en-US" sz="700" kern="1200" dirty="0" smtClean="0">
-                          <a:solidFill>
-                            <a:schemeClr val="dk1"/>
-                          </a:solidFill>
-                          <a:latin typeface="+mn-lt"/>
-                          <a:ea typeface="+mn-ea"/>
-                          <a:cs typeface="+mn-cs"/>
-                        </a:rPr>
-                        <a:t>();</a:t>
-                      </a:r>
-                    </a:p>
-                    <a:p>
-                      <a:pPr lvl="1"/>
-                      <a:r>
-                        <a:rPr lang="en-US" sz="700" kern="1200" dirty="0" smtClean="0">
-                          <a:solidFill>
-                            <a:schemeClr val="dk1"/>
-                          </a:solidFill>
-                          <a:latin typeface="+mn-lt"/>
-                          <a:ea typeface="+mn-ea"/>
-                          <a:cs typeface="+mn-cs"/>
-                        </a:rPr>
-                        <a:t>_</a:t>
-                      </a:r>
-                      <a:r>
-                        <a:rPr lang="en-US" sz="700" kern="1200" dirty="0" err="1" smtClean="0">
-                          <a:solidFill>
-                            <a:schemeClr val="dk1"/>
-                          </a:solidFill>
-                          <a:latin typeface="+mn-lt"/>
-                          <a:ea typeface="+mn-ea"/>
-                          <a:cs typeface="+mn-cs"/>
-                        </a:rPr>
-                        <a:t>isLoaded</a:t>
-                      </a:r>
-                      <a:r>
-                        <a:rPr lang="en-US" sz="700" kern="1200" dirty="0" smtClean="0">
-                          <a:solidFill>
-                            <a:schemeClr val="dk1"/>
-                          </a:solidFill>
-                          <a:latin typeface="+mn-lt"/>
-                          <a:ea typeface="+mn-ea"/>
-                          <a:cs typeface="+mn-cs"/>
-                        </a:rPr>
-                        <a:t> = true;</a:t>
-                      </a:r>
-                    </a:p>
-                    <a:p>
-                      <a:pPr lvl="1"/>
-                      <a:r>
-                        <a:rPr lang="en-US" sz="700" kern="1200" dirty="0" smtClean="0">
-                          <a:solidFill>
-                            <a:schemeClr val="dk1"/>
-                          </a:solidFill>
-                          <a:latin typeface="+mn-lt"/>
-                          <a:ea typeface="+mn-ea"/>
-                          <a:cs typeface="+mn-cs"/>
-                        </a:rPr>
-                        <a:t>return </a:t>
-                      </a:r>
-                      <a:r>
-                        <a:rPr lang="en-US" sz="700" kern="1200" dirty="0" err="1" smtClean="0">
-                          <a:solidFill>
-                            <a:schemeClr val="dk1"/>
-                          </a:solidFill>
-                          <a:latin typeface="+mn-lt"/>
-                          <a:ea typeface="+mn-ea"/>
-                          <a:cs typeface="+mn-cs"/>
-                        </a:rPr>
-                        <a:t>ThisMap</a:t>
-                      </a:r>
-                      <a:r>
-                        <a:rPr lang="en-US" sz="700" kern="1200" dirty="0" smtClean="0">
-                          <a:solidFill>
-                            <a:schemeClr val="dk1"/>
-                          </a:solidFill>
-                          <a:latin typeface="+mn-lt"/>
-                          <a:ea typeface="+mn-ea"/>
-                          <a:cs typeface="+mn-cs"/>
-                        </a:rPr>
-                        <a:t>::size();</a:t>
-                      </a:r>
-                    </a:p>
-                    <a:p>
-                      <a:pPr lvl="1"/>
-                      <a:r>
-                        <a:rPr lang="en-US" sz="700" kern="1200" dirty="0" smtClean="0">
-                          <a:solidFill>
-                            <a:schemeClr val="dk1"/>
-                          </a:solidFill>
-                          <a:latin typeface="+mn-lt"/>
-                          <a:ea typeface="+mn-ea"/>
-                          <a:cs typeface="+mn-cs"/>
-                        </a:rPr>
-                        <a:t>}</a:t>
-                      </a:r>
-                      <a:endParaRPr lang="en-US" sz="700" b="0" baseline="0" dirty="0" smtClean="0">
-                        <a:solidFill>
-                          <a:schemeClr val="tx1"/>
-                        </a:solidFill>
-                      </a:endParaRPr>
-                    </a:p>
-                  </a:txBody>
-                  <a:tcPr marL="121920" marR="121920" marT="34290" marB="34290">
-                    <a:lnL w="12700" cap="flat" cmpd="sng" algn="ctr">
-                      <a:solidFill>
-                        <a:scrgbClr r="0" g="0" b="0"/>
-                      </a:solidFill>
-                      <a:prstDash val="solid"/>
-                      <a:round/>
-                      <a:headEnd type="none" w="med" len="med"/>
-                      <a:tailEnd type="none" w="med" len="med"/>
-                    </a:lnL>
-                    <a:lnR w="12700" cap="flat" cmpd="sng" algn="ctr">
-                      <a:solidFill>
-                        <a:scrgbClr r="0" g="0" b="0"/>
-                      </a:solidFill>
-                      <a:prstDash val="solid"/>
-                      <a:round/>
-                      <a:headEnd type="none" w="med" len="med"/>
-                      <a:tailEnd type="none" w="med" len="med"/>
-                    </a:lnR>
-                    <a:lnT w="12700" cap="flat" cmpd="sng" algn="ctr">
-                      <a:solidFill>
-                        <a:scrgbClr r="0" g="0" b="0"/>
-                      </a:solidFill>
-                      <a:prstDash val="solid"/>
-                      <a:round/>
-                      <a:headEnd type="none" w="med" len="med"/>
-                      <a:tailEnd type="none" w="med" len="med"/>
-                    </a:lnT>
-                    <a:lnB w="12700" cap="flat" cmpd="sng" algn="ctr">
-                      <a:solidFill>
-                        <a:scrgbClr r="0" g="0" b="0"/>
-                      </a:solidFill>
-                      <a:prstDash val="solid"/>
-                      <a:round/>
-                      <a:headEnd type="none" w="med" len="med"/>
-                      <a:tailEnd type="none" w="med" len="med"/>
-                    </a:lnB>
-                    <a:noFill/>
-                  </a:tcPr>
-                </a:tc>
-              </a:tr>
-              <a:tr h="480060">
-                <a:tc>
-                  <a:txBody>
-                    <a:bodyPr/>
-                    <a:lstStyle/>
-                    <a:p>
-                      <a:r>
-                        <a:rPr lang="en-US" sz="700" kern="1200" dirty="0" smtClean="0">
-                          <a:solidFill>
-                            <a:schemeClr val="dk1"/>
-                          </a:solidFill>
-                          <a:latin typeface="+mn-lt"/>
-                          <a:ea typeface="+mn-ea"/>
-                          <a:cs typeface="+mn-cs"/>
-                        </a:rPr>
-                        <a:t>Series::EODDB::instance().load(</a:t>
-                      </a:r>
-                      <a:r>
-                        <a:rPr lang="en-US" sz="700" kern="1200" dirty="0" err="1" smtClean="0">
-                          <a:solidFill>
-                            <a:schemeClr val="dk1"/>
-                          </a:solidFill>
-                          <a:latin typeface="+mn-lt"/>
-                          <a:ea typeface="+mn-ea"/>
-                          <a:cs typeface="+mn-cs"/>
-                        </a:rPr>
-                        <a:t>spx_symbol</a:t>
-                      </a:r>
-                      <a:r>
-                        <a:rPr lang="en-US" sz="700" kern="1200" dirty="0" smtClean="0">
-                          <a:solidFill>
-                            <a:schemeClr val="dk1"/>
-                          </a:solidFill>
-                          <a:latin typeface="+mn-lt"/>
-                          <a:ea typeface="+mn-ea"/>
-                          <a:cs typeface="+mn-cs"/>
-                        </a:rPr>
-                        <a:t>, </a:t>
-                      </a:r>
-                      <a:r>
-                        <a:rPr lang="en-US" sz="700" kern="1200" dirty="0" err="1" smtClean="0">
-                          <a:solidFill>
-                            <a:schemeClr val="dk1"/>
-                          </a:solidFill>
-                          <a:latin typeface="+mn-lt"/>
-                          <a:ea typeface="+mn-ea"/>
-                          <a:cs typeface="+mn-cs"/>
-                        </a:rPr>
-                        <a:t>spx_file</a:t>
-                      </a:r>
-                      <a:r>
-                        <a:rPr lang="en-US" sz="700" kern="1200" dirty="0" smtClean="0">
-                          <a:solidFill>
-                            <a:schemeClr val="dk1"/>
-                          </a:solidFill>
-                          <a:latin typeface="+mn-lt"/>
-                          <a:ea typeface="+mn-ea"/>
-                          <a:cs typeface="+mn-cs"/>
-                        </a:rPr>
-                        <a:t>, Series::EODDB::YAHOO, </a:t>
-                      </a:r>
-                      <a:r>
-                        <a:rPr lang="en-US" sz="700" kern="1200" dirty="0" err="1" smtClean="0">
-                          <a:solidFill>
-                            <a:schemeClr val="dk1"/>
-                          </a:solidFill>
-                          <a:latin typeface="+mn-lt"/>
-                          <a:ea typeface="+mn-ea"/>
-                          <a:cs typeface="+mn-cs"/>
-                        </a:rPr>
-                        <a:t>load_begin</a:t>
-                      </a:r>
-                      <a:r>
-                        <a:rPr lang="en-US" sz="700" kern="1200" dirty="0" smtClean="0">
-                          <a:solidFill>
-                            <a:schemeClr val="dk1"/>
-                          </a:solidFill>
-                          <a:latin typeface="+mn-lt"/>
-                          <a:ea typeface="+mn-ea"/>
-                          <a:cs typeface="+mn-cs"/>
-                        </a:rPr>
-                        <a:t>, </a:t>
-                      </a:r>
-                      <a:r>
-                        <a:rPr lang="en-US" sz="700" kern="1200" dirty="0" err="1" smtClean="0">
-                          <a:solidFill>
-                            <a:schemeClr val="dk1"/>
-                          </a:solidFill>
-                          <a:latin typeface="+mn-lt"/>
-                          <a:ea typeface="+mn-ea"/>
-                          <a:cs typeface="+mn-cs"/>
-                        </a:rPr>
-                        <a:t>load_end</a:t>
-                      </a:r>
-                      <a:r>
-                        <a:rPr lang="en-US" sz="700" kern="1200" dirty="0" smtClean="0">
-                          <a:solidFill>
-                            <a:schemeClr val="dk1"/>
-                          </a:solidFill>
-                          <a:latin typeface="+mn-lt"/>
-                          <a:ea typeface="+mn-ea"/>
-                          <a:cs typeface="+mn-cs"/>
-                        </a:rPr>
-                        <a:t>);  </a:t>
-                      </a:r>
-                      <a:r>
-                        <a:rPr lang="en-US" sz="700" kern="1200" dirty="0" smtClean="0">
-                          <a:solidFill>
-                            <a:srgbClr val="008000"/>
-                          </a:solidFill>
-                          <a:latin typeface="+mn-lt"/>
-                          <a:ea typeface="+mn-ea"/>
-                          <a:cs typeface="+mn-cs"/>
-                        </a:rPr>
-                        <a:t>// load</a:t>
-                      </a:r>
-                      <a:r>
-                        <a:rPr lang="en-US" sz="700" kern="1200" baseline="0" dirty="0" smtClean="0">
-                          <a:solidFill>
-                            <a:srgbClr val="008000"/>
-                          </a:solidFill>
-                          <a:latin typeface="+mn-lt"/>
-                          <a:ea typeface="+mn-ea"/>
-                          <a:cs typeface="+mn-cs"/>
-                        </a:rPr>
-                        <a:t> </a:t>
-                      </a:r>
-                      <a:r>
-                        <a:rPr lang="en-US" sz="700" kern="1200" baseline="0" dirty="0" err="1" smtClean="0">
-                          <a:solidFill>
-                            <a:srgbClr val="008000"/>
-                          </a:solidFill>
-                          <a:latin typeface="+mn-lt"/>
-                          <a:ea typeface="+mn-ea"/>
-                          <a:cs typeface="+mn-cs"/>
-                        </a:rPr>
-                        <a:t>spx.csv</a:t>
-                      </a:r>
-                      <a:endParaRPr lang="en-US" sz="700" kern="1200" dirty="0" smtClean="0">
-                        <a:solidFill>
-                          <a:schemeClr val="dk1"/>
-                        </a:solidFill>
-                        <a:latin typeface="+mn-lt"/>
-                        <a:ea typeface="+mn-ea"/>
-                        <a:cs typeface="+mn-cs"/>
-                      </a:endParaRPr>
-                    </a:p>
-                    <a:p>
-                      <a:r>
-                        <a:rPr lang="en-US" sz="700" kern="1200" dirty="0" smtClean="0">
-                          <a:solidFill>
-                            <a:schemeClr val="dk1"/>
-                          </a:solidFill>
-                          <a:latin typeface="+mn-lt"/>
-                          <a:ea typeface="+mn-ea"/>
-                          <a:cs typeface="+mn-cs"/>
-                        </a:rPr>
-                        <a:t>Series::EODDB::instance().load(</a:t>
-                      </a:r>
-                      <a:r>
-                        <a:rPr lang="en-US" sz="700" kern="1200" dirty="0" err="1" smtClean="0">
-                          <a:solidFill>
-                            <a:schemeClr val="dk1"/>
-                          </a:solidFill>
-                          <a:latin typeface="+mn-lt"/>
-                          <a:ea typeface="+mn-ea"/>
-                          <a:cs typeface="+mn-cs"/>
-                        </a:rPr>
-                        <a:t>vix_symbol</a:t>
-                      </a:r>
-                      <a:r>
-                        <a:rPr lang="en-US" sz="700" kern="1200" dirty="0" smtClean="0">
-                          <a:solidFill>
-                            <a:schemeClr val="dk1"/>
-                          </a:solidFill>
-                          <a:latin typeface="+mn-lt"/>
-                          <a:ea typeface="+mn-ea"/>
-                          <a:cs typeface="+mn-cs"/>
-                        </a:rPr>
-                        <a:t>, </a:t>
-                      </a:r>
-                      <a:r>
-                        <a:rPr lang="en-US" sz="700" kern="1200" dirty="0" err="1" smtClean="0">
-                          <a:solidFill>
-                            <a:schemeClr val="dk1"/>
-                          </a:solidFill>
-                          <a:latin typeface="+mn-lt"/>
-                          <a:ea typeface="+mn-ea"/>
-                          <a:cs typeface="+mn-cs"/>
-                        </a:rPr>
-                        <a:t>vix_file</a:t>
-                      </a:r>
-                      <a:r>
-                        <a:rPr lang="en-US" sz="700" kern="1200" dirty="0" smtClean="0">
-                          <a:solidFill>
-                            <a:schemeClr val="dk1"/>
-                          </a:solidFill>
-                          <a:latin typeface="+mn-lt"/>
-                          <a:ea typeface="+mn-ea"/>
-                          <a:cs typeface="+mn-cs"/>
-                        </a:rPr>
-                        <a:t>, Series::EODDB::YAHOO, </a:t>
-                      </a:r>
-                      <a:r>
-                        <a:rPr lang="en-US" sz="700" kern="1200" dirty="0" err="1" smtClean="0">
-                          <a:solidFill>
-                            <a:schemeClr val="dk1"/>
-                          </a:solidFill>
-                          <a:latin typeface="+mn-lt"/>
-                          <a:ea typeface="+mn-ea"/>
-                          <a:cs typeface="+mn-cs"/>
-                        </a:rPr>
-                        <a:t>load_begin</a:t>
-                      </a:r>
-                      <a:r>
-                        <a:rPr lang="en-US" sz="700" kern="1200" dirty="0" smtClean="0">
-                          <a:solidFill>
-                            <a:schemeClr val="dk1"/>
-                          </a:solidFill>
-                          <a:latin typeface="+mn-lt"/>
-                          <a:ea typeface="+mn-ea"/>
-                          <a:cs typeface="+mn-cs"/>
-                        </a:rPr>
-                        <a:t>, </a:t>
-                      </a:r>
-                      <a:r>
-                        <a:rPr lang="en-US" sz="700" kern="1200" dirty="0" err="1" smtClean="0">
-                          <a:solidFill>
-                            <a:schemeClr val="dk1"/>
-                          </a:solidFill>
-                          <a:latin typeface="+mn-lt"/>
-                          <a:ea typeface="+mn-ea"/>
-                          <a:cs typeface="+mn-cs"/>
-                        </a:rPr>
-                        <a:t>load_end</a:t>
-                      </a:r>
-                      <a:r>
-                        <a:rPr lang="en-US" sz="700" kern="1200" dirty="0" smtClean="0">
-                          <a:solidFill>
-                            <a:schemeClr val="dk1"/>
-                          </a:solidFill>
-                          <a:latin typeface="+mn-lt"/>
-                          <a:ea typeface="+mn-ea"/>
-                          <a:cs typeface="+mn-cs"/>
-                        </a:rPr>
-                        <a:t>); </a:t>
-                      </a:r>
-                      <a:r>
-                        <a:rPr lang="en-US" sz="700" kern="1200" dirty="0" smtClean="0">
-                          <a:solidFill>
-                            <a:srgbClr val="008000"/>
-                          </a:solidFill>
-                          <a:latin typeface="+mn-lt"/>
-                          <a:ea typeface="+mn-ea"/>
-                          <a:cs typeface="+mn-cs"/>
-                        </a:rPr>
-                        <a:t>// load</a:t>
-                      </a:r>
-                      <a:r>
-                        <a:rPr lang="en-US" sz="700" kern="1200" baseline="0" dirty="0" smtClean="0">
-                          <a:solidFill>
-                            <a:srgbClr val="008000"/>
-                          </a:solidFill>
-                          <a:latin typeface="+mn-lt"/>
-                          <a:ea typeface="+mn-ea"/>
-                          <a:cs typeface="+mn-cs"/>
-                        </a:rPr>
-                        <a:t> </a:t>
-                      </a:r>
-                      <a:r>
-                        <a:rPr lang="en-US" sz="700" kern="1200" baseline="0" dirty="0" err="1" smtClean="0">
-                          <a:solidFill>
-                            <a:srgbClr val="008000"/>
-                          </a:solidFill>
-                          <a:latin typeface="+mn-lt"/>
-                          <a:ea typeface="+mn-ea"/>
-                          <a:cs typeface="+mn-cs"/>
-                        </a:rPr>
-                        <a:t>vix.csv</a:t>
-                      </a:r>
-                      <a:endParaRPr lang="en-US" sz="700" kern="1200" dirty="0" smtClean="0">
-                        <a:solidFill>
-                          <a:schemeClr val="dk1"/>
-                        </a:solidFill>
-                        <a:latin typeface="+mn-lt"/>
-                        <a:ea typeface="+mn-ea"/>
-                        <a:cs typeface="+mn-cs"/>
-                      </a:endParaRPr>
-                    </a:p>
-                    <a:p>
-                      <a:r>
-                        <a:rPr lang="en-US" sz="700" kern="1200" dirty="0" err="1" smtClean="0">
-                          <a:solidFill>
-                            <a:schemeClr val="dk1"/>
-                          </a:solidFill>
-                          <a:latin typeface="+mn-lt"/>
-                          <a:ea typeface="+mn-ea"/>
-                          <a:cs typeface="+mn-cs"/>
-                        </a:rPr>
-                        <a:t>const</a:t>
-                      </a:r>
-                      <a:r>
-                        <a:rPr lang="en-US" sz="700" kern="1200" dirty="0" smtClean="0">
-                          <a:solidFill>
-                            <a:schemeClr val="dk1"/>
-                          </a:solidFill>
-                          <a:latin typeface="+mn-lt"/>
-                          <a:ea typeface="+mn-ea"/>
-                          <a:cs typeface="+mn-cs"/>
-                        </a:rPr>
-                        <a:t> Series::</a:t>
-                      </a:r>
-                      <a:r>
-                        <a:rPr lang="en-US" sz="700" kern="1200" dirty="0" err="1" smtClean="0">
-                          <a:solidFill>
-                            <a:schemeClr val="dk1"/>
-                          </a:solidFill>
-                          <a:latin typeface="+mn-lt"/>
-                          <a:ea typeface="+mn-ea"/>
-                          <a:cs typeface="+mn-cs"/>
-                        </a:rPr>
-                        <a:t>EODSeries</a:t>
-                      </a:r>
-                      <a:r>
-                        <a:rPr lang="en-US" sz="700" kern="1200" dirty="0" smtClean="0">
-                          <a:solidFill>
-                            <a:schemeClr val="dk1"/>
-                          </a:solidFill>
-                          <a:latin typeface="+mn-lt"/>
-                          <a:ea typeface="+mn-ea"/>
-                          <a:cs typeface="+mn-cs"/>
-                        </a:rPr>
-                        <a:t>&amp; </a:t>
-                      </a:r>
-                      <a:r>
-                        <a:rPr lang="en-US" sz="700" kern="1200" dirty="0" err="1" smtClean="0">
-                          <a:solidFill>
-                            <a:schemeClr val="dk1"/>
-                          </a:solidFill>
-                          <a:latin typeface="+mn-lt"/>
-                          <a:ea typeface="+mn-ea"/>
-                          <a:cs typeface="+mn-cs"/>
-                        </a:rPr>
-                        <a:t>spx_db</a:t>
-                      </a:r>
-                      <a:r>
-                        <a:rPr lang="en-US" sz="700" kern="1200" dirty="0" smtClean="0">
-                          <a:solidFill>
-                            <a:schemeClr val="dk1"/>
-                          </a:solidFill>
-                          <a:latin typeface="+mn-lt"/>
-                          <a:ea typeface="+mn-ea"/>
-                          <a:cs typeface="+mn-cs"/>
-                        </a:rPr>
-                        <a:t> = Series::EODDB::instance().get(</a:t>
-                      </a:r>
-                      <a:r>
-                        <a:rPr lang="en-US" sz="700" kern="1200" dirty="0" err="1" smtClean="0">
-                          <a:solidFill>
-                            <a:schemeClr val="dk1"/>
-                          </a:solidFill>
-                          <a:latin typeface="+mn-lt"/>
-                          <a:ea typeface="+mn-ea"/>
-                          <a:cs typeface="+mn-cs"/>
-                        </a:rPr>
-                        <a:t>spx_symbol</a:t>
-                      </a:r>
-                      <a:r>
-                        <a:rPr lang="en-US" sz="700" kern="1200" dirty="0" smtClean="0">
-                          <a:solidFill>
-                            <a:schemeClr val="dk1"/>
-                          </a:solidFill>
-                          <a:latin typeface="+mn-lt"/>
-                          <a:ea typeface="+mn-ea"/>
-                          <a:cs typeface="+mn-cs"/>
-                        </a:rPr>
-                        <a:t>); </a:t>
-                      </a:r>
-                      <a:r>
-                        <a:rPr lang="en-US" sz="700" kern="1200" dirty="0" smtClean="0">
-                          <a:solidFill>
-                            <a:srgbClr val="008000"/>
-                          </a:solidFill>
-                          <a:latin typeface="+mn-lt"/>
-                          <a:ea typeface="+mn-ea"/>
-                          <a:cs typeface="+mn-cs"/>
-                        </a:rPr>
-                        <a:t>// retrieve</a:t>
-                      </a:r>
-                      <a:r>
-                        <a:rPr lang="en-US" sz="700" kern="1200" baseline="0" dirty="0" smtClean="0">
-                          <a:solidFill>
-                            <a:srgbClr val="008000"/>
-                          </a:solidFill>
-                          <a:latin typeface="+mn-lt"/>
-                          <a:ea typeface="+mn-ea"/>
-                          <a:cs typeface="+mn-cs"/>
-                        </a:rPr>
-                        <a:t> </a:t>
-                      </a:r>
-                      <a:r>
-                        <a:rPr lang="en-US" sz="700" kern="1200" baseline="0" dirty="0" err="1" smtClean="0">
-                          <a:solidFill>
-                            <a:srgbClr val="008000"/>
-                          </a:solidFill>
-                          <a:latin typeface="+mn-lt"/>
-                          <a:ea typeface="+mn-ea"/>
-                          <a:cs typeface="+mn-cs"/>
-                        </a:rPr>
-                        <a:t>spx_db</a:t>
-                      </a:r>
-                      <a:endParaRPr lang="en-US" sz="700" kern="1200" dirty="0" smtClean="0">
-                        <a:solidFill>
-                          <a:schemeClr val="dk1"/>
-                        </a:solidFill>
-                        <a:latin typeface="+mn-lt"/>
-                        <a:ea typeface="+mn-ea"/>
-                        <a:cs typeface="+mn-cs"/>
-                      </a:endParaRPr>
-                    </a:p>
-                    <a:p>
-                      <a:r>
-                        <a:rPr lang="en-US" sz="700" kern="1200" dirty="0" err="1" smtClean="0">
-                          <a:solidFill>
-                            <a:schemeClr val="dk1"/>
-                          </a:solidFill>
-                          <a:latin typeface="+mn-lt"/>
-                          <a:ea typeface="+mn-ea"/>
-                          <a:cs typeface="+mn-cs"/>
-                        </a:rPr>
-                        <a:t>const</a:t>
-                      </a:r>
-                      <a:r>
-                        <a:rPr lang="en-US" sz="700" kern="1200" dirty="0" smtClean="0">
-                          <a:solidFill>
-                            <a:schemeClr val="dk1"/>
-                          </a:solidFill>
-                          <a:latin typeface="+mn-lt"/>
-                          <a:ea typeface="+mn-ea"/>
-                          <a:cs typeface="+mn-cs"/>
-                        </a:rPr>
-                        <a:t> Series::</a:t>
-                      </a:r>
-                      <a:r>
-                        <a:rPr lang="en-US" sz="700" kern="1200" dirty="0" err="1" smtClean="0">
-                          <a:solidFill>
-                            <a:schemeClr val="dk1"/>
-                          </a:solidFill>
-                          <a:latin typeface="+mn-lt"/>
-                          <a:ea typeface="+mn-ea"/>
-                          <a:cs typeface="+mn-cs"/>
-                        </a:rPr>
-                        <a:t>EODSeries</a:t>
-                      </a:r>
-                      <a:r>
-                        <a:rPr lang="en-US" sz="700" kern="1200" dirty="0" smtClean="0">
-                          <a:solidFill>
-                            <a:schemeClr val="dk1"/>
-                          </a:solidFill>
-                          <a:latin typeface="+mn-lt"/>
-                          <a:ea typeface="+mn-ea"/>
-                          <a:cs typeface="+mn-cs"/>
-                        </a:rPr>
-                        <a:t>&amp; </a:t>
-                      </a:r>
-                      <a:r>
-                        <a:rPr lang="en-US" sz="700" kern="1200" dirty="0" err="1" smtClean="0">
-                          <a:solidFill>
-                            <a:schemeClr val="dk1"/>
-                          </a:solidFill>
-                          <a:latin typeface="+mn-lt"/>
-                          <a:ea typeface="+mn-ea"/>
-                          <a:cs typeface="+mn-cs"/>
-                        </a:rPr>
-                        <a:t>vix_db</a:t>
-                      </a:r>
-                      <a:r>
-                        <a:rPr lang="en-US" sz="700" kern="1200" dirty="0" smtClean="0">
-                          <a:solidFill>
-                            <a:schemeClr val="dk1"/>
-                          </a:solidFill>
-                          <a:latin typeface="+mn-lt"/>
-                          <a:ea typeface="+mn-ea"/>
-                          <a:cs typeface="+mn-cs"/>
-                        </a:rPr>
-                        <a:t> = Series::EODDB::instance().get(</a:t>
-                      </a:r>
-                      <a:r>
-                        <a:rPr lang="en-US" sz="700" kern="1200" dirty="0" err="1" smtClean="0">
-                          <a:solidFill>
-                            <a:schemeClr val="dk1"/>
-                          </a:solidFill>
-                          <a:latin typeface="+mn-lt"/>
-                          <a:ea typeface="+mn-ea"/>
-                          <a:cs typeface="+mn-cs"/>
-                        </a:rPr>
-                        <a:t>vix_symbol</a:t>
-                      </a:r>
-                      <a:r>
-                        <a:rPr lang="en-US" sz="700" kern="1200" dirty="0" smtClean="0">
-                          <a:solidFill>
-                            <a:schemeClr val="dk1"/>
-                          </a:solidFill>
-                          <a:latin typeface="+mn-lt"/>
-                          <a:ea typeface="+mn-ea"/>
-                          <a:cs typeface="+mn-cs"/>
-                        </a:rPr>
-                        <a:t>); </a:t>
-                      </a:r>
-                      <a:r>
-                        <a:rPr lang="en-US" sz="700" kern="1200" dirty="0" smtClean="0">
-                          <a:solidFill>
-                            <a:srgbClr val="008000"/>
-                          </a:solidFill>
-                          <a:latin typeface="+mn-lt"/>
-                          <a:ea typeface="+mn-ea"/>
-                          <a:cs typeface="+mn-cs"/>
-                        </a:rPr>
-                        <a:t>// retrieve</a:t>
-                      </a:r>
-                      <a:r>
-                        <a:rPr lang="en-US" sz="700" kern="1200" baseline="0" dirty="0" smtClean="0">
-                          <a:solidFill>
-                            <a:srgbClr val="008000"/>
-                          </a:solidFill>
-                          <a:latin typeface="+mn-lt"/>
-                          <a:ea typeface="+mn-ea"/>
-                          <a:cs typeface="+mn-cs"/>
-                        </a:rPr>
-                        <a:t> </a:t>
-                      </a:r>
-                      <a:r>
-                        <a:rPr lang="en-US" sz="700" kern="1200" baseline="0" dirty="0" err="1" smtClean="0">
-                          <a:solidFill>
-                            <a:srgbClr val="008000"/>
-                          </a:solidFill>
-                          <a:latin typeface="+mn-lt"/>
-                          <a:ea typeface="+mn-ea"/>
-                          <a:cs typeface="+mn-cs"/>
-                        </a:rPr>
-                        <a:t>vix_db</a:t>
-                      </a:r>
-                      <a:endParaRPr lang="en-US" sz="700" b="0" baseline="0" dirty="0" smtClean="0">
-                        <a:solidFill>
-                          <a:schemeClr val="tx1"/>
-                        </a:solidFill>
-                      </a:endParaRPr>
-                    </a:p>
-                  </a:txBody>
-                  <a:tcPr marL="121920" marR="121920" marT="34290" marB="34290">
-                    <a:lnL w="12700" cap="flat" cmpd="sng" algn="ctr">
-                      <a:solidFill>
-                        <a:scrgbClr r="0" g="0" b="0"/>
-                      </a:solidFill>
-                      <a:prstDash val="solid"/>
-                      <a:round/>
-                      <a:headEnd type="none" w="med" len="med"/>
-                      <a:tailEnd type="none" w="med" len="med"/>
-                    </a:lnL>
-                    <a:lnR w="12700" cap="flat" cmpd="sng" algn="ctr">
-                      <a:solidFill>
-                        <a:scrgbClr r="0" g="0" b="0"/>
-                      </a:solidFill>
-                      <a:prstDash val="solid"/>
-                      <a:round/>
-                      <a:headEnd type="none" w="med" len="med"/>
-                      <a:tailEnd type="none" w="med" len="med"/>
-                    </a:lnR>
-                    <a:lnT w="12700" cap="flat" cmpd="sng" algn="ctr">
-                      <a:solidFill>
-                        <a:scrgbClr r="0" g="0" b="0"/>
-                      </a:solidFill>
-                      <a:prstDash val="solid"/>
-                      <a:round/>
-                      <a:headEnd type="none" w="med" len="med"/>
-                      <a:tailEnd type="none" w="med" len="med"/>
-                    </a:lnT>
-                    <a:lnB w="12700" cap="flat" cmpd="sng" algn="ctr">
-                      <a:solidFill>
-                        <a:scrgbClr r="0" g="0" b="0"/>
-                      </a:solidFill>
-                      <a:prstDash val="solid"/>
-                      <a:round/>
-                      <a:headEnd type="none" w="med" len="med"/>
-                      <a:tailEnd type="none" w="med" len="med"/>
-                    </a:lnB>
-                    <a:noFill/>
-                  </a:tcPr>
-                </a:tc>
-              </a:tr>
-            </a:tbl>
-          </a:graphicData>
-        </a:graphic>
-      </p:graphicFrame>
-      <p:sp>
-        <p:nvSpPr>
-          <p:cNvPr id="5" name="TextBox 4"/>
-          <p:cNvSpPr txBox="1"/>
-          <p:nvPr/>
-        </p:nvSpPr>
-        <p:spPr>
-          <a:xfrm>
-            <a:off x="3350824" y="4496092"/>
-            <a:ext cx="4182812" cy="3139322"/>
-          </a:xfrm>
-          <a:prstGeom prst="rect">
-            <a:avLst/>
-          </a:prstGeom>
-          <a:noFill/>
-          <a:ln>
-            <a:solidFill>
-              <a:schemeClr val="tx1"/>
-            </a:solidFill>
-            <a:prstDash val="sysDash"/>
-          </a:ln>
-        </p:spPr>
-        <p:txBody>
-          <a:bodyPr wrap="none" rtlCol="0">
-            <a:spAutoFit/>
-          </a:bodyPr>
-          <a:lstStyle/>
-          <a:p>
-            <a:r>
-              <a:rPr lang="en-US" sz="900" b="1" dirty="0" smtClean="0">
-                <a:solidFill>
-                  <a:srgbClr val="FF0000"/>
-                </a:solidFill>
-              </a:rPr>
-              <a:t>&lt;Singleton pattern&gt;: ensures that only one instance of the class is </a:t>
-            </a:r>
-            <a:r>
-              <a:rPr lang="en-US" sz="900" b="1" dirty="0" err="1" smtClean="0">
-                <a:solidFill>
-                  <a:srgbClr val="FF0000"/>
-                </a:solidFill>
-              </a:rPr>
-              <a:t>intantiated</a:t>
-            </a:r>
-            <a:endParaRPr lang="en-US" sz="900" b="1" dirty="0" smtClean="0">
-              <a:solidFill>
-                <a:srgbClr val="FF0000"/>
-              </a:solidFill>
-            </a:endParaRPr>
-          </a:p>
-          <a:p>
-            <a:r>
-              <a:rPr lang="en-US" sz="900" b="1" dirty="0">
-                <a:solidFill>
-                  <a:srgbClr val="FF0000"/>
-                </a:solidFill>
-              </a:rPr>
-              <a:t>http://</a:t>
-            </a:r>
-            <a:r>
-              <a:rPr lang="en-US" sz="900" b="1" dirty="0" err="1">
-                <a:solidFill>
-                  <a:srgbClr val="FF0000"/>
-                </a:solidFill>
-              </a:rPr>
-              <a:t>www.yolinux.com</a:t>
-            </a:r>
-            <a:r>
-              <a:rPr lang="en-US" sz="900" b="1" dirty="0">
-                <a:solidFill>
-                  <a:srgbClr val="FF0000"/>
-                </a:solidFill>
-              </a:rPr>
-              <a:t>/TUTORIALS/C++</a:t>
-            </a:r>
-            <a:r>
-              <a:rPr lang="en-US" sz="900" b="1" dirty="0" err="1">
-                <a:solidFill>
-                  <a:srgbClr val="FF0000"/>
-                </a:solidFill>
-              </a:rPr>
-              <a:t>Singleton.html</a:t>
-            </a:r>
-            <a:endParaRPr lang="en-US" sz="900" b="1" dirty="0" smtClean="0">
-              <a:solidFill>
-                <a:srgbClr val="FF0000"/>
-              </a:solidFill>
-            </a:endParaRPr>
-          </a:p>
-          <a:p>
-            <a:endParaRPr lang="en-US" sz="900" dirty="0" smtClean="0"/>
-          </a:p>
-          <a:p>
-            <a:r>
-              <a:rPr lang="en-US" sz="900" dirty="0" err="1" smtClean="0"/>
-              <a:t>std</a:t>
-            </a:r>
-            <a:r>
-              <a:rPr lang="en-US" sz="900" dirty="0"/>
-              <a:t>::</a:t>
-            </a:r>
-            <a:r>
-              <a:rPr lang="en-US" sz="900" dirty="0" err="1"/>
-              <a:t>auto_ptr</a:t>
-            </a:r>
-            <a:r>
-              <a:rPr lang="en-US" sz="900" dirty="0"/>
-              <a:t>&lt;Series::EODDB&gt; Series::EODDB::_</a:t>
-            </a:r>
-            <a:r>
-              <a:rPr lang="en-US" sz="900" dirty="0" err="1"/>
-              <a:t>pInstance</a:t>
-            </a:r>
-            <a:r>
-              <a:rPr lang="en-US" sz="900" dirty="0" smtClean="0"/>
-              <a:t>;</a:t>
-            </a:r>
-          </a:p>
-          <a:p>
-            <a:endParaRPr lang="en-US" sz="900" dirty="0"/>
-          </a:p>
-          <a:p>
-            <a:r>
-              <a:rPr lang="en-US" sz="900" dirty="0" smtClean="0"/>
-              <a:t>class EODDB {</a:t>
-            </a:r>
-            <a:endParaRPr lang="en-US" sz="900" dirty="0"/>
-          </a:p>
-          <a:p>
-            <a:r>
-              <a:rPr lang="en-US" sz="900" dirty="0" smtClean="0"/>
-              <a:t>public:</a:t>
-            </a:r>
-          </a:p>
-          <a:p>
-            <a:r>
-              <a:rPr lang="en-US" sz="900" dirty="0"/>
-              <a:t> </a:t>
-            </a:r>
-            <a:r>
-              <a:rPr lang="en-US" sz="900" dirty="0" smtClean="0"/>
-              <a:t>   </a:t>
-            </a:r>
-            <a:r>
-              <a:rPr lang="en-US" sz="900" dirty="0" smtClean="0">
-                <a:solidFill>
-                  <a:srgbClr val="FF0000"/>
-                </a:solidFill>
-              </a:rPr>
-              <a:t>static</a:t>
-            </a:r>
-            <a:r>
-              <a:rPr lang="en-US" sz="900" dirty="0" smtClean="0"/>
-              <a:t> </a:t>
-            </a:r>
-            <a:r>
-              <a:rPr lang="en-US" sz="900" dirty="0"/>
-              <a:t>EODDB&amp; instance(void</a:t>
-            </a:r>
-            <a:r>
-              <a:rPr lang="en-US" sz="900" dirty="0" smtClean="0"/>
-              <a:t>) {</a:t>
-            </a:r>
-            <a:endParaRPr lang="en-US" sz="900" dirty="0"/>
-          </a:p>
-          <a:p>
-            <a:r>
-              <a:rPr lang="en-US" sz="900" dirty="0" smtClean="0"/>
-              <a:t>        if</a:t>
-            </a:r>
-            <a:r>
-              <a:rPr lang="en-US" sz="900" dirty="0"/>
-              <a:t>( _</a:t>
-            </a:r>
-            <a:r>
-              <a:rPr lang="en-US" sz="900" dirty="0" err="1"/>
-              <a:t>pInstance.get</a:t>
-            </a:r>
-            <a:r>
-              <a:rPr lang="en-US" sz="900" dirty="0"/>
-              <a:t>() == 0 )</a:t>
-            </a:r>
-          </a:p>
-          <a:p>
-            <a:r>
-              <a:rPr lang="en-US" sz="900" dirty="0" smtClean="0"/>
-              <a:t>            _</a:t>
-            </a:r>
-            <a:r>
-              <a:rPr lang="en-US" sz="900" dirty="0" err="1" smtClean="0"/>
-              <a:t>pInstance.reset</a:t>
-            </a:r>
-            <a:r>
-              <a:rPr lang="en-US" sz="900" dirty="0"/>
-              <a:t>(new EODDB)</a:t>
-            </a:r>
-            <a:r>
-              <a:rPr lang="en-US" sz="900" dirty="0" smtClean="0"/>
-              <a:t>;</a:t>
-            </a:r>
-            <a:endParaRPr lang="en-US" sz="900" dirty="0"/>
-          </a:p>
-          <a:p>
-            <a:r>
-              <a:rPr lang="en-US" sz="900" dirty="0" smtClean="0"/>
-              <a:t>        return </a:t>
-            </a:r>
-            <a:r>
-              <a:rPr lang="en-US" sz="900" dirty="0"/>
-              <a:t>*_</a:t>
-            </a:r>
-            <a:r>
-              <a:rPr lang="en-US" sz="900" dirty="0" err="1"/>
-              <a:t>pInstance</a:t>
-            </a:r>
-            <a:r>
-              <a:rPr lang="en-US" sz="900" dirty="0"/>
-              <a:t>;</a:t>
-            </a:r>
-          </a:p>
-          <a:p>
-            <a:r>
-              <a:rPr lang="en-US" sz="900" dirty="0" smtClean="0"/>
-              <a:t>    }</a:t>
-            </a:r>
-          </a:p>
-          <a:p>
-            <a:r>
-              <a:rPr lang="en-US" sz="900" dirty="0"/>
-              <a:t> </a:t>
-            </a:r>
-            <a:r>
-              <a:rPr lang="en-US" sz="900" dirty="0" smtClean="0"/>
-              <a:t>   </a:t>
-            </a:r>
-            <a:r>
-              <a:rPr lang="en-US" sz="900" dirty="0"/>
-              <a:t>void load(</a:t>
-            </a:r>
-            <a:r>
-              <a:rPr lang="en-US" sz="900" dirty="0" err="1"/>
-              <a:t>const</a:t>
-            </a:r>
-            <a:r>
-              <a:rPr lang="en-US" sz="900" dirty="0"/>
-              <a:t> </a:t>
-            </a:r>
-            <a:r>
-              <a:rPr lang="en-US" sz="900" dirty="0" err="1"/>
-              <a:t>std</a:t>
-            </a:r>
-            <a:r>
-              <a:rPr lang="en-US" sz="900" dirty="0"/>
-              <a:t>::string&amp; name, </a:t>
-            </a:r>
-            <a:r>
-              <a:rPr lang="en-US" sz="900" dirty="0" err="1"/>
-              <a:t>const</a:t>
-            </a:r>
-            <a:r>
-              <a:rPr lang="en-US" sz="900" dirty="0"/>
-              <a:t> </a:t>
-            </a:r>
-            <a:r>
-              <a:rPr lang="en-US" sz="900" dirty="0" err="1"/>
-              <a:t>std</a:t>
-            </a:r>
-            <a:r>
-              <a:rPr lang="en-US" sz="900" dirty="0"/>
-              <a:t>::string&amp; filename, </a:t>
-            </a:r>
-            <a:r>
-              <a:rPr lang="en-US" sz="900" dirty="0" err="1"/>
-              <a:t>DriverType</a:t>
-            </a:r>
-            <a:r>
-              <a:rPr lang="en-US" sz="900" dirty="0"/>
-              <a:t> </a:t>
-            </a:r>
-            <a:r>
-              <a:rPr lang="en-US" sz="900" dirty="0" err="1"/>
-              <a:t>dt</a:t>
-            </a:r>
-            <a:r>
-              <a:rPr lang="en-US" sz="900" dirty="0"/>
-              <a:t>,</a:t>
-            </a:r>
-          </a:p>
-          <a:p>
-            <a:r>
-              <a:rPr lang="en-US" sz="900" dirty="0"/>
-              <a:t>	    </a:t>
-            </a:r>
-            <a:r>
-              <a:rPr lang="en-US" sz="900" dirty="0" err="1" smtClean="0"/>
-              <a:t>const</a:t>
-            </a:r>
-            <a:r>
-              <a:rPr lang="en-US" sz="900" dirty="0" smtClean="0"/>
-              <a:t> </a:t>
-            </a:r>
-            <a:r>
-              <a:rPr lang="en-US" sz="900" dirty="0"/>
-              <a:t>boost::</a:t>
-            </a:r>
-            <a:r>
-              <a:rPr lang="en-US" sz="900" dirty="0" err="1"/>
-              <a:t>gregorian</a:t>
-            </a:r>
-            <a:r>
-              <a:rPr lang="en-US" sz="900" dirty="0"/>
-              <a:t>::date&amp; begin, </a:t>
-            </a:r>
-            <a:r>
-              <a:rPr lang="en-US" sz="900" dirty="0" err="1"/>
-              <a:t>const</a:t>
-            </a:r>
-            <a:r>
-              <a:rPr lang="en-US" sz="900" dirty="0"/>
-              <a:t> boost::</a:t>
-            </a:r>
-            <a:r>
-              <a:rPr lang="en-US" sz="900" dirty="0" err="1"/>
-              <a:t>gregorian</a:t>
-            </a:r>
-            <a:r>
-              <a:rPr lang="en-US" sz="900" dirty="0"/>
-              <a:t>::date&amp; end</a:t>
-            </a:r>
-            <a:r>
-              <a:rPr lang="en-US" sz="900" dirty="0" smtClean="0"/>
-              <a:t>);</a:t>
-            </a:r>
-          </a:p>
-          <a:p>
-            <a:r>
-              <a:rPr lang="en-US" sz="900" dirty="0" smtClean="0"/>
-              <a:t>    </a:t>
-            </a:r>
-            <a:r>
-              <a:rPr lang="en-US" sz="900" dirty="0" err="1" smtClean="0"/>
-              <a:t>const</a:t>
-            </a:r>
-            <a:r>
-              <a:rPr lang="en-US" sz="900" dirty="0" smtClean="0"/>
-              <a:t> </a:t>
-            </a:r>
-            <a:r>
-              <a:rPr lang="en-US" sz="900" dirty="0" err="1"/>
-              <a:t>EODSeries</a:t>
-            </a:r>
-            <a:r>
-              <a:rPr lang="en-US" sz="900" dirty="0"/>
-              <a:t>&amp; get(</a:t>
-            </a:r>
-            <a:r>
-              <a:rPr lang="en-US" sz="900" dirty="0" err="1"/>
-              <a:t>const</a:t>
-            </a:r>
-            <a:r>
-              <a:rPr lang="en-US" sz="900" dirty="0"/>
-              <a:t> </a:t>
-            </a:r>
-            <a:r>
-              <a:rPr lang="en-US" sz="900" dirty="0" err="1"/>
-              <a:t>std</a:t>
-            </a:r>
-            <a:r>
-              <a:rPr lang="en-US" sz="900" dirty="0"/>
-              <a:t>::string&amp; name</a:t>
-            </a:r>
-            <a:r>
-              <a:rPr lang="en-US" sz="900" dirty="0" smtClean="0"/>
-              <a:t>);</a:t>
-            </a:r>
-          </a:p>
-          <a:p>
-            <a:r>
-              <a:rPr lang="en-US" sz="900" dirty="0" smtClean="0"/>
-              <a:t>protected:</a:t>
-            </a:r>
-          </a:p>
-          <a:p>
-            <a:r>
-              <a:rPr lang="en-US" sz="900" dirty="0" smtClean="0"/>
-              <a:t>    </a:t>
-            </a:r>
-            <a:r>
-              <a:rPr lang="en-US" sz="900" dirty="0" err="1" smtClean="0"/>
-              <a:t>std</a:t>
-            </a:r>
-            <a:r>
-              <a:rPr lang="en-US" sz="900" dirty="0"/>
-              <a:t>::map&lt;</a:t>
-            </a:r>
-            <a:r>
-              <a:rPr lang="en-US" sz="900" dirty="0" err="1"/>
-              <a:t>std</a:t>
-            </a:r>
-            <a:r>
-              <a:rPr lang="en-US" sz="900" dirty="0"/>
-              <a:t>::string, </a:t>
-            </a:r>
-            <a:r>
-              <a:rPr lang="en-US" sz="900" dirty="0" err="1"/>
-              <a:t>EODSeries</a:t>
-            </a:r>
-            <a:r>
-              <a:rPr lang="en-US" sz="900" dirty="0"/>
-              <a:t>*</a:t>
-            </a:r>
-            <a:r>
-              <a:rPr lang="en-US" sz="900" dirty="0" smtClean="0"/>
-              <a:t>&gt; _</a:t>
-            </a:r>
-            <a:r>
-              <a:rPr lang="en-US" sz="900" dirty="0" err="1" smtClean="0"/>
-              <a:t>sDB</a:t>
-            </a:r>
-            <a:r>
-              <a:rPr lang="en-US" sz="900" dirty="0" smtClean="0"/>
-              <a:t>;</a:t>
-            </a:r>
-          </a:p>
-          <a:p>
-            <a:r>
-              <a:rPr lang="en-US" sz="900" dirty="0"/>
-              <a:t> </a:t>
-            </a:r>
-            <a:r>
-              <a:rPr lang="en-US" sz="900" dirty="0" smtClean="0"/>
-              <a:t>   </a:t>
-            </a:r>
-            <a:r>
-              <a:rPr lang="en-US" sz="900" dirty="0" err="1"/>
-              <a:t>YahooDriver</a:t>
-            </a:r>
-            <a:r>
-              <a:rPr lang="en-US" sz="900" dirty="0"/>
-              <a:t> _</a:t>
-            </a:r>
-            <a:r>
-              <a:rPr lang="en-US" sz="900" dirty="0" err="1"/>
-              <a:t>yd</a:t>
-            </a:r>
-            <a:r>
-              <a:rPr lang="en-US" sz="900" dirty="0"/>
-              <a:t>;</a:t>
-            </a:r>
-          </a:p>
-          <a:p>
-            <a:r>
-              <a:rPr lang="en-US" sz="900" dirty="0"/>
-              <a:t>    </a:t>
-            </a:r>
-            <a:r>
-              <a:rPr lang="en-US" sz="900" dirty="0" err="1"/>
-              <a:t>DMYCloseDriver</a:t>
-            </a:r>
-            <a:r>
-              <a:rPr lang="en-US" sz="900" dirty="0"/>
-              <a:t> _</a:t>
-            </a:r>
-            <a:r>
-              <a:rPr lang="en-US" sz="900" dirty="0" err="1"/>
-              <a:t>dmycd</a:t>
-            </a:r>
-            <a:r>
-              <a:rPr lang="en-US" sz="900" dirty="0" smtClean="0"/>
-              <a:t>;</a:t>
-            </a:r>
-            <a:endParaRPr lang="fi-FI" sz="900" dirty="0"/>
-          </a:p>
-          <a:p>
-            <a:r>
-              <a:rPr lang="fi-FI" sz="900" dirty="0" err="1" smtClean="0"/>
-              <a:t>private</a:t>
-            </a:r>
-            <a:r>
-              <a:rPr lang="fi-FI" sz="900" dirty="0"/>
-              <a:t>:</a:t>
-            </a:r>
-          </a:p>
-          <a:p>
-            <a:r>
-              <a:rPr lang="fi-FI" sz="900" dirty="0" smtClean="0"/>
-              <a:t>    </a:t>
-            </a:r>
-            <a:r>
-              <a:rPr lang="fi-FI" sz="900" dirty="0" err="1" smtClean="0">
-                <a:solidFill>
-                  <a:srgbClr val="FF0000"/>
-                </a:solidFill>
-              </a:rPr>
-              <a:t>static</a:t>
-            </a:r>
-            <a:r>
-              <a:rPr lang="fi-FI" sz="900" dirty="0" smtClean="0">
-                <a:solidFill>
-                  <a:srgbClr val="FF0000"/>
-                </a:solidFill>
-              </a:rPr>
-              <a:t> </a:t>
-            </a:r>
-            <a:r>
-              <a:rPr lang="fi-FI" sz="900" dirty="0" err="1"/>
-              <a:t>std::auto_ptr</a:t>
-            </a:r>
-            <a:r>
-              <a:rPr lang="fi-FI" sz="900" dirty="0"/>
-              <a:t>&lt;EODDB&gt; _</a:t>
-            </a:r>
-            <a:r>
-              <a:rPr lang="fi-FI" sz="900" dirty="0" err="1"/>
-              <a:t>pInstance</a:t>
-            </a:r>
-            <a:r>
-              <a:rPr lang="fi-FI" sz="900" dirty="0"/>
-              <a:t>;</a:t>
-            </a:r>
-          </a:p>
-          <a:p>
-            <a:r>
-              <a:rPr lang="fi-FI" sz="900" dirty="0" smtClean="0"/>
-              <a:t>}</a:t>
-            </a:r>
-            <a:r>
-              <a:rPr lang="fi-FI" sz="900" dirty="0"/>
-              <a:t>;</a:t>
-            </a:r>
-            <a:endParaRPr lang="en-US" sz="900" dirty="0"/>
-          </a:p>
-        </p:txBody>
-      </p:sp>
-    </p:spTree>
-    <p:extLst>
-      <p:ext uri="{BB962C8B-B14F-4D97-AF65-F5344CB8AC3E}">
-        <p14:creationId xmlns:p14="http://schemas.microsoft.com/office/powerpoint/2010/main" val="2072318718"/>
       </p:ext>
     </p:extLst>
   </p:cSld>

--- a/UML.pptx
+++ b/UML.pptx
@@ -302,7 +302,7 @@
           <a:p>
             <a:fld id="{92E66E4B-7A79-FB43-8638-E9A35802AE45}" type="datetimeFigureOut">
               <a:rPr lang="en-US" smtClean="0"/>
-              <a:t>4/19/16</a:t>
+              <a:t>4/20/16</a:t>
             </a:fld>
             <a:endParaRPr lang="en-US"/>
           </a:p>
@@ -472,7 +472,7 @@
           <a:p>
             <a:fld id="{92E66E4B-7A79-FB43-8638-E9A35802AE45}" type="datetimeFigureOut">
               <a:rPr lang="en-US" smtClean="0"/>
-              <a:t>4/19/16</a:t>
+              <a:t>4/20/16</a:t>
             </a:fld>
             <a:endParaRPr lang="en-US"/>
           </a:p>
@@ -652,7 +652,7 @@
           <a:p>
             <a:fld id="{92E66E4B-7A79-FB43-8638-E9A35802AE45}" type="datetimeFigureOut">
               <a:rPr lang="en-US" smtClean="0"/>
-              <a:t>4/19/16</a:t>
+              <a:t>4/20/16</a:t>
             </a:fld>
             <a:endParaRPr lang="en-US"/>
           </a:p>
@@ -822,7 +822,7 @@
           <a:p>
             <a:fld id="{92E66E4B-7A79-FB43-8638-E9A35802AE45}" type="datetimeFigureOut">
               <a:rPr lang="en-US" smtClean="0"/>
-              <a:t>4/19/16</a:t>
+              <a:t>4/20/16</a:t>
             </a:fld>
             <a:endParaRPr lang="en-US"/>
           </a:p>
@@ -1068,7 +1068,7 @@
           <a:p>
             <a:fld id="{92E66E4B-7A79-FB43-8638-E9A35802AE45}" type="datetimeFigureOut">
               <a:rPr lang="en-US" smtClean="0"/>
-              <a:t>4/19/16</a:t>
+              <a:t>4/20/16</a:t>
             </a:fld>
             <a:endParaRPr lang="en-US"/>
           </a:p>
@@ -1356,7 +1356,7 @@
           <a:p>
             <a:fld id="{92E66E4B-7A79-FB43-8638-E9A35802AE45}" type="datetimeFigureOut">
               <a:rPr lang="en-US" smtClean="0"/>
-              <a:t>4/19/16</a:t>
+              <a:t>4/20/16</a:t>
             </a:fld>
             <a:endParaRPr lang="en-US"/>
           </a:p>
@@ -1783,7 +1783,7 @@
           <a:p>
             <a:fld id="{92E66E4B-7A79-FB43-8638-E9A35802AE45}" type="datetimeFigureOut">
               <a:rPr lang="en-US" smtClean="0"/>
-              <a:t>4/19/16</a:t>
+              <a:t>4/20/16</a:t>
             </a:fld>
             <a:endParaRPr lang="en-US"/>
           </a:p>
@@ -1901,7 +1901,7 @@
           <a:p>
             <a:fld id="{92E66E4B-7A79-FB43-8638-E9A35802AE45}" type="datetimeFigureOut">
               <a:rPr lang="en-US" smtClean="0"/>
-              <a:t>4/19/16</a:t>
+              <a:t>4/20/16</a:t>
             </a:fld>
             <a:endParaRPr lang="en-US"/>
           </a:p>
@@ -1996,7 +1996,7 @@
           <a:p>
             <a:fld id="{92E66E4B-7A79-FB43-8638-E9A35802AE45}" type="datetimeFigureOut">
               <a:rPr lang="en-US" smtClean="0"/>
-              <a:t>4/19/16</a:t>
+              <a:t>4/20/16</a:t>
             </a:fld>
             <a:endParaRPr lang="en-US"/>
           </a:p>
@@ -2273,7 +2273,7 @@
           <a:p>
             <a:fld id="{92E66E4B-7A79-FB43-8638-E9A35802AE45}" type="datetimeFigureOut">
               <a:rPr lang="en-US" smtClean="0"/>
-              <a:t>4/19/16</a:t>
+              <a:t>4/20/16</a:t>
             </a:fld>
             <a:endParaRPr lang="en-US"/>
           </a:p>
@@ -2526,7 +2526,7 @@
           <a:p>
             <a:fld id="{92E66E4B-7A79-FB43-8638-E9A35802AE45}" type="datetimeFigureOut">
               <a:rPr lang="en-US" smtClean="0"/>
-              <a:t>4/19/16</a:t>
+              <a:t>4/20/16</a:t>
             </a:fld>
             <a:endParaRPr lang="en-US"/>
           </a:p>
@@ -2739,7 +2739,7 @@
           <a:p>
             <a:fld id="{92E66E4B-7A79-FB43-8638-E9A35802AE45}" type="datetimeFigureOut">
               <a:rPr lang="en-US" smtClean="0"/>
-              <a:t>4/19/16</a:t>
+              <a:t>4/20/16</a:t>
             </a:fld>
             <a:endParaRPr lang="en-US"/>
           </a:p>
@@ -27767,14 +27767,14 @@
           <p:nvPr>
             <p:extLst>
               <p:ext uri="{D42A27DB-BD31-4B8C-83A1-F6EECF244321}">
-                <p14:modId xmlns:p14="http://schemas.microsoft.com/office/powerpoint/2010/main" val="1192031730"/>
+                <p14:modId xmlns:p14="http://schemas.microsoft.com/office/powerpoint/2010/main" val="825901513"/>
               </p:ext>
             </p:extLst>
           </p:nvPr>
         </p:nvGraphicFramePr>
         <p:xfrm>
-          <a:off x="2843346" y="476689"/>
-          <a:ext cx="1677246" cy="1645920"/>
+          <a:off x="2843345" y="476689"/>
+          <a:ext cx="1834169" cy="1645920"/>
         </p:xfrm>
         <a:graphic>
           <a:graphicData uri="http://schemas.openxmlformats.org/drawingml/2006/table">
@@ -27783,7 +27783,7 @@
                 <a:tableStyleId>{5C22544A-7EE6-4342-B048-85BDC9FD1C3A}</a:tableStyleId>
               </a:tblPr>
               <a:tblGrid>
-                <a:gridCol w="1677246"/>
+                <a:gridCol w="1834169"/>
               </a:tblGrid>
               <a:tr h="134762">
                 <a:tc>
@@ -28042,16 +28042,29 @@
                             <a:schemeClr val="tx1"/>
                           </a:solidFill>
                         </a:rPr>
-                        <a:t>+ buy(), sell()</a:t>
-                      </a:r>
-                    </a:p>
-                    <a:p>
+                        <a:t>+ buy(), sell(</a:t>
+                      </a:r>
                       <a:r>
                         <a:rPr lang="en-US" sz="1000" b="0" dirty="0" smtClean="0">
                           <a:solidFill>
                             <a:schemeClr val="tx1"/>
                           </a:solidFill>
                         </a:rPr>
+                        <a:t>) : double</a:t>
+                      </a:r>
+                      <a:endParaRPr lang="en-US" sz="1000" b="0" dirty="0" smtClean="0">
+                        <a:solidFill>
+                          <a:schemeClr val="tx1"/>
+                        </a:solidFill>
+                      </a:endParaRPr>
+                    </a:p>
+                    <a:p>
+                      <a:r>
+                        <a:rPr lang="en-US" sz="1000" b="0" dirty="0" smtClean="0">
+                          <a:solidFill>
+                            <a:schemeClr val="tx1"/>
+                          </a:solidFill>
+                        </a:rPr>
                         <a:t>+ </a:t>
                       </a:r>
                       <a:r>
@@ -28068,8 +28081,21 @@
                             <a:schemeClr val="tx1"/>
                           </a:solidFill>
                         </a:rPr>
-                        <a:t>(), cover()</a:t>
-                      </a:r>
+                        <a:t>(), cover(</a:t>
+                      </a:r>
+                      <a:r>
+                        <a:rPr lang="en-US" sz="1000" b="0" dirty="0" smtClean="0">
+                          <a:solidFill>
+                            <a:schemeClr val="tx1"/>
+                          </a:solidFill>
+                        </a:rPr>
+                        <a:t>) : double</a:t>
+                      </a:r>
+                      <a:endParaRPr lang="en-US" sz="1000" b="0" dirty="0" smtClean="0">
+                        <a:solidFill>
+                          <a:schemeClr val="tx1"/>
+                        </a:solidFill>
+                      </a:endParaRPr>
                     </a:p>
                     <a:p>
                       <a:r>
@@ -28198,7 +28224,7 @@
           <p:nvPr>
             <p:extLst>
               <p:ext uri="{D42A27DB-BD31-4B8C-83A1-F6EECF244321}">
-                <p14:modId xmlns:p14="http://schemas.microsoft.com/office/powerpoint/2010/main" val="2180440011"/>
+                <p14:modId xmlns:p14="http://schemas.microsoft.com/office/powerpoint/2010/main" val="2722159242"/>
               </p:ext>
             </p:extLst>
           </p:nvPr>
@@ -28400,14 +28426,14 @@
           <p:nvPr>
             <p:extLst>
               <p:ext uri="{D42A27DB-BD31-4B8C-83A1-F6EECF244321}">
-                <p14:modId xmlns:p14="http://schemas.microsoft.com/office/powerpoint/2010/main" val="1906343199"/>
+                <p14:modId xmlns:p14="http://schemas.microsoft.com/office/powerpoint/2010/main" val="742107765"/>
               </p:ext>
             </p:extLst>
           </p:nvPr>
         </p:nvGraphicFramePr>
         <p:xfrm>
           <a:off x="2843346" y="2455013"/>
-          <a:ext cx="1677246" cy="883920"/>
+          <a:ext cx="1834168" cy="883920"/>
         </p:xfrm>
         <a:graphic>
           <a:graphicData uri="http://schemas.openxmlformats.org/drawingml/2006/table">
@@ -28416,7 +28442,7 @@
                 <a:tableStyleId>{5C22544A-7EE6-4342-B048-85BDC9FD1C3A}</a:tableStyleId>
               </a:tblPr>
               <a:tblGrid>
-                <a:gridCol w="1677246"/>
+                <a:gridCol w="1834168"/>
               </a:tblGrid>
               <a:tr h="134762">
                 <a:tc>
@@ -28609,8 +28635,21 @@
                             <a:schemeClr val="tx1"/>
                           </a:solidFill>
                         </a:rPr>
-                        <a:t> ()</a:t>
-                      </a:r>
+                        <a:t> (</a:t>
+                      </a:r>
+                      <a:r>
+                        <a:rPr lang="en-US" sz="1000" b="0" dirty="0" smtClean="0">
+                          <a:solidFill>
+                            <a:schemeClr val="tx1"/>
+                          </a:solidFill>
+                        </a:rPr>
+                        <a:t>) : double</a:t>
+                      </a:r>
+                      <a:endParaRPr lang="en-US" sz="1000" b="0" dirty="0" smtClean="0">
+                        <a:solidFill>
+                          <a:schemeClr val="tx1"/>
+                        </a:solidFill>
+                      </a:endParaRPr>
                     </a:p>
                   </a:txBody>
                   <a:tcPr>
@@ -28669,8 +28708,8 @@
         </p:nvCxnSpPr>
         <p:spPr>
           <a:xfrm>
-            <a:off x="3681969" y="2122609"/>
-            <a:ext cx="0" cy="332404"/>
+            <a:off x="3760429" y="2122609"/>
+            <a:ext cx="1" cy="332404"/>
           </a:xfrm>
           <a:prstGeom prst="line">
             <a:avLst/>
@@ -28872,7 +28911,7 @@
         </p:nvSpPr>
         <p:spPr>
           <a:xfrm>
-            <a:off x="4965370" y="1351280"/>
+            <a:off x="4965370" y="1342813"/>
             <a:ext cx="4022255" cy="369332"/>
           </a:xfrm>
           <a:prstGeom prst="rect">
@@ -30446,6 +30485,341 @@
           </a:graphicData>
         </a:graphic>
       </p:graphicFrame>
+      <p:graphicFrame>
+        <p:nvGraphicFramePr>
+          <p:cNvPr id="15" name="Table 14"/>
+          <p:cNvGraphicFramePr>
+            <a:graphicFrameLocks noGrp="1"/>
+          </p:cNvGraphicFramePr>
+          <p:nvPr>
+            <p:extLst>
+              <p:ext uri="{D42A27DB-BD31-4B8C-83A1-F6EECF244321}">
+                <p14:modId xmlns:p14="http://schemas.microsoft.com/office/powerpoint/2010/main" val="2356986008"/>
+              </p:ext>
+            </p:extLst>
+          </p:nvPr>
+        </p:nvGraphicFramePr>
+        <p:xfrm>
+          <a:off x="5788668" y="1838991"/>
+          <a:ext cx="1331806" cy="731520"/>
+        </p:xfrm>
+        <a:graphic>
+          <a:graphicData uri="http://schemas.openxmlformats.org/drawingml/2006/table">
+            <a:tbl>
+              <a:tblPr firstRow="1" bandRow="1">
+                <a:tableStyleId>{5C22544A-7EE6-4342-B048-85BDC9FD1C3A}</a:tableStyleId>
+              </a:tblPr>
+              <a:tblGrid>
+                <a:gridCol w="1331806"/>
+              </a:tblGrid>
+              <a:tr h="134762">
+                <a:tc>
+                  <a:txBody>
+                    <a:bodyPr/>
+                    <a:lstStyle/>
+                    <a:p>
+                      <a:pPr algn="ctr"/>
+                      <a:r>
+                        <a:rPr lang="en-US" sz="1000" b="1" dirty="0" err="1" smtClean="0">
+                          <a:solidFill>
+                            <a:schemeClr val="tx1"/>
+                          </a:solidFill>
+                        </a:rPr>
+                        <a:t>Balance</a:t>
+                      </a:r>
+                      <a:r>
+                        <a:rPr lang="en-US" sz="1000" b="1" baseline="0" dirty="0" err="1" smtClean="0">
+                          <a:solidFill>
+                            <a:schemeClr val="tx1"/>
+                          </a:solidFill>
+                        </a:rPr>
+                        <a:t>Set</a:t>
+                      </a:r>
+                      <a:endParaRPr lang="en-US" sz="1000" b="1" dirty="0">
+                        <a:solidFill>
+                          <a:schemeClr val="tx1"/>
+                        </a:solidFill>
+                      </a:endParaRPr>
+                    </a:p>
+                  </a:txBody>
+                  <a:tcPr>
+                    <a:lnL w="12700" cap="flat" cmpd="sng" algn="ctr">
+                      <a:solidFill>
+                        <a:scrgbClr r="0" g="0" b="0"/>
+                      </a:solidFill>
+                      <a:prstDash val="solid"/>
+                      <a:round/>
+                      <a:headEnd type="none" w="med" len="med"/>
+                      <a:tailEnd type="none" w="med" len="med"/>
+                    </a:lnL>
+                    <a:lnR w="12700" cap="flat" cmpd="sng" algn="ctr">
+                      <a:solidFill>
+                        <a:scrgbClr r="0" g="0" b="0"/>
+                      </a:solidFill>
+                      <a:prstDash val="solid"/>
+                      <a:round/>
+                      <a:headEnd type="none" w="med" len="med"/>
+                      <a:tailEnd type="none" w="med" len="med"/>
+                    </a:lnR>
+                    <a:lnT w="12700" cap="flat" cmpd="sng" algn="ctr">
+                      <a:solidFill>
+                        <a:scrgbClr r="0" g="0" b="0"/>
+                      </a:solidFill>
+                      <a:prstDash val="solid"/>
+                      <a:round/>
+                      <a:headEnd type="none" w="med" len="med"/>
+                      <a:tailEnd type="none" w="med" len="med"/>
+                    </a:lnT>
+                    <a:lnB w="12700" cap="flat" cmpd="sng" algn="ctr">
+                      <a:solidFill>
+                        <a:scrgbClr r="0" g="0" b="0"/>
+                      </a:solidFill>
+                      <a:prstDash val="solid"/>
+                      <a:round/>
+                      <a:headEnd type="none" w="med" len="med"/>
+                      <a:tailEnd type="none" w="med" len="med"/>
+                    </a:lnB>
+                    <a:noFill/>
+                  </a:tcPr>
+                </a:tc>
+              </a:tr>
+              <a:tr h="218988">
+                <a:tc>
+                  <a:txBody>
+                    <a:bodyPr/>
+                    <a:lstStyle/>
+                    <a:p>
+                      <a:endParaRPr lang="en-US" sz="1000" b="0" dirty="0" smtClean="0">
+                        <a:solidFill>
+                          <a:schemeClr val="tx1"/>
+                        </a:solidFill>
+                      </a:endParaRPr>
+                    </a:p>
+                  </a:txBody>
+                  <a:tcPr>
+                    <a:lnL w="12700" cap="flat" cmpd="sng" algn="ctr">
+                      <a:solidFill>
+                        <a:scrgbClr r="0" g="0" b="0"/>
+                      </a:solidFill>
+                      <a:prstDash val="solid"/>
+                      <a:round/>
+                      <a:headEnd type="none" w="med" len="med"/>
+                      <a:tailEnd type="none" w="med" len="med"/>
+                    </a:lnL>
+                    <a:lnR w="12700" cap="flat" cmpd="sng" algn="ctr">
+                      <a:solidFill>
+                        <a:scrgbClr r="0" g="0" b="0"/>
+                      </a:solidFill>
+                      <a:prstDash val="solid"/>
+                      <a:round/>
+                      <a:headEnd type="none" w="med" len="med"/>
+                      <a:tailEnd type="none" w="med" len="med"/>
+                    </a:lnR>
+                    <a:lnT w="12700" cap="flat" cmpd="sng" algn="ctr">
+                      <a:solidFill>
+                        <a:scrgbClr r="0" g="0" b="0"/>
+                      </a:solidFill>
+                      <a:prstDash val="solid"/>
+                      <a:round/>
+                      <a:headEnd type="none" w="med" len="med"/>
+                      <a:tailEnd type="none" w="med" len="med"/>
+                    </a:lnT>
+                    <a:lnB w="12700" cap="flat" cmpd="sng" algn="ctr">
+                      <a:solidFill>
+                        <a:scrgbClr r="0" g="0" b="0"/>
+                      </a:solidFill>
+                      <a:prstDash val="solid"/>
+                      <a:round/>
+                      <a:headEnd type="none" w="med" len="med"/>
+                      <a:tailEnd type="none" w="med" len="med"/>
+                    </a:lnB>
+                    <a:noFill/>
+                  </a:tcPr>
+                </a:tc>
+              </a:tr>
+              <a:tr h="134762">
+                <a:tc>
+                  <a:txBody>
+                    <a:bodyPr/>
+                    <a:lstStyle/>
+                    <a:p>
+                      <a:endParaRPr lang="en-US" sz="1000" b="0" dirty="0">
+                        <a:solidFill>
+                          <a:schemeClr val="tx1"/>
+                        </a:solidFill>
+                      </a:endParaRPr>
+                    </a:p>
+                  </a:txBody>
+                  <a:tcPr>
+                    <a:lnL w="12700" cap="flat" cmpd="sng" algn="ctr">
+                      <a:solidFill>
+                        <a:scrgbClr r="0" g="0" b="0"/>
+                      </a:solidFill>
+                      <a:prstDash val="solid"/>
+                      <a:round/>
+                      <a:headEnd type="none" w="med" len="med"/>
+                      <a:tailEnd type="none" w="med" len="med"/>
+                    </a:lnL>
+                    <a:lnR w="12700" cap="flat" cmpd="sng" algn="ctr">
+                      <a:solidFill>
+                        <a:scrgbClr r="0" g="0" b="0"/>
+                      </a:solidFill>
+                      <a:prstDash val="solid"/>
+                      <a:round/>
+                      <a:headEnd type="none" w="med" len="med"/>
+                      <a:tailEnd type="none" w="med" len="med"/>
+                    </a:lnR>
+                    <a:lnT w="12700" cap="flat" cmpd="sng" algn="ctr">
+                      <a:solidFill>
+                        <a:scrgbClr r="0" g="0" b="0"/>
+                      </a:solidFill>
+                      <a:prstDash val="solid"/>
+                      <a:round/>
+                      <a:headEnd type="none" w="med" len="med"/>
+                      <a:tailEnd type="none" w="med" len="med"/>
+                    </a:lnT>
+                    <a:lnB w="12700" cap="flat" cmpd="sng" algn="ctr">
+                      <a:solidFill>
+                        <a:scrgbClr r="0" g="0" b="0"/>
+                      </a:solidFill>
+                      <a:prstDash val="solid"/>
+                      <a:round/>
+                      <a:headEnd type="none" w="med" len="med"/>
+                      <a:tailEnd type="none" w="med" len="med"/>
+                    </a:lnB>
+                    <a:noFill/>
+                  </a:tcPr>
+                </a:tc>
+              </a:tr>
+            </a:tbl>
+          </a:graphicData>
+        </a:graphic>
+      </p:graphicFrame>
+      <p:sp>
+        <p:nvSpPr>
+          <p:cNvPr id="16" name="TextBox 15"/>
+          <p:cNvSpPr txBox="1"/>
+          <p:nvPr/>
+        </p:nvSpPr>
+        <p:spPr>
+          <a:xfrm>
+            <a:off x="7628795" y="1840689"/>
+            <a:ext cx="671979" cy="246221"/>
+          </a:xfrm>
+          <a:prstGeom prst="rect">
+            <a:avLst/>
+          </a:prstGeom>
+          <a:solidFill>
+            <a:srgbClr val="FFFFFF"/>
+          </a:solidFill>
+          <a:ln>
+            <a:noFill/>
+            <a:prstDash val="sysDash"/>
+          </a:ln>
+        </p:spPr>
+        <p:txBody>
+          <a:bodyPr wrap="none" rtlCol="0">
+            <a:spAutoFit/>
+          </a:bodyPr>
+          <a:lstStyle/>
+          <a:p>
+            <a:r>
+              <a:rPr lang="en-US" sz="1000" dirty="0" smtClean="0">
+                <a:solidFill>
+                  <a:srgbClr val="FF0000"/>
+                </a:solidFill>
+              </a:rPr>
+              <a:t>Singleton</a:t>
+            </a:r>
+            <a:endParaRPr lang="en-US" sz="1000" dirty="0">
+              <a:solidFill>
+                <a:srgbClr val="FF0000"/>
+              </a:solidFill>
+            </a:endParaRPr>
+          </a:p>
+        </p:txBody>
+      </p:sp>
+      <p:cxnSp>
+        <p:nvCxnSpPr>
+          <p:cNvPr id="17" name="Straight Connector 16"/>
+          <p:cNvCxnSpPr>
+            <a:endCxn id="16" idx="1"/>
+          </p:cNvCxnSpPr>
+          <p:nvPr/>
+        </p:nvCxnSpPr>
+        <p:spPr>
+          <a:xfrm>
+            <a:off x="7225408" y="1963800"/>
+            <a:ext cx="403387" cy="0"/>
+          </a:xfrm>
+          <a:prstGeom prst="line">
+            <a:avLst/>
+          </a:prstGeom>
+          <a:ln w="12700" cap="flat" cmpd="sng">
+            <a:solidFill>
+              <a:srgbClr val="FF0000"/>
+            </a:solidFill>
+            <a:prstDash val="sysDash"/>
+            <a:round/>
+            <a:headEnd type="stealth" w="med" len="lg"/>
+            <a:tailEnd type="none"/>
+          </a:ln>
+          <a:effectLst/>
+        </p:spPr>
+        <p:style>
+          <a:lnRef idx="2">
+            <a:schemeClr val="accent1"/>
+          </a:lnRef>
+          <a:fillRef idx="0">
+            <a:schemeClr val="accent1"/>
+          </a:fillRef>
+          <a:effectRef idx="1">
+            <a:schemeClr val="accent1"/>
+          </a:effectRef>
+          <a:fontRef idx="minor">
+            <a:schemeClr val="tx1"/>
+          </a:fontRef>
+        </p:style>
+      </p:cxnSp>
+      <p:cxnSp>
+        <p:nvCxnSpPr>
+          <p:cNvPr id="18" name="Straight Connector 17"/>
+          <p:cNvCxnSpPr/>
+          <p:nvPr/>
+        </p:nvCxnSpPr>
+        <p:spPr>
+          <a:xfrm rot="16200000">
+            <a:off x="5307608" y="1957101"/>
+            <a:ext cx="0" cy="495300"/>
+          </a:xfrm>
+          <a:prstGeom prst="line">
+            <a:avLst/>
+          </a:prstGeom>
+          <a:ln w="12700" cmpd="sng">
+            <a:solidFill>
+              <a:schemeClr val="tx1"/>
+            </a:solidFill>
+            <a:prstDash val="sysDash"/>
+            <a:headEnd type="arrow" w="lg" len="lg"/>
+            <a:tailEnd type="arrow" w="lg" len="lg"/>
+          </a:ln>
+          <a:effectLst/>
+        </p:spPr>
+        <p:style>
+          <a:lnRef idx="2">
+            <a:schemeClr val="accent1"/>
+          </a:lnRef>
+          <a:fillRef idx="0">
+            <a:schemeClr val="accent1"/>
+          </a:fillRef>
+          <a:effectRef idx="1">
+            <a:schemeClr val="accent1"/>
+          </a:effectRef>
+          <a:fontRef idx="minor">
+            <a:schemeClr val="tx1"/>
+          </a:fontRef>
+        </p:style>
+      </p:cxnSp>
     </p:spTree>
     <p:extLst>
       <p:ext uri="{BB962C8B-B14F-4D97-AF65-F5344CB8AC3E}">
@@ -30619,10 +30993,12 @@
                           <a:ea typeface="+mn-ea"/>
                           <a:cs typeface="+mn-cs"/>
                         </a:rPr>
-                        <a:t> </a:t>
-                      </a:r>
-                      <a:r>
-                        <a:rPr lang="en-US" sz="1000" kern="1200" dirty="0" smtClean="0">
+                        <a:t> : date</a:t>
+                      </a:r>
+                    </a:p>
+                    <a:p>
+                      <a:r>
+                        <a:rPr lang="ro-RO" sz="1000" kern="1200" dirty="0" smtClean="0">
                           <a:solidFill>
                             <a:schemeClr val="dk1"/>
                           </a:solidFill>
@@ -30630,10 +31006,10 @@
                           <a:ea typeface="+mn-ea"/>
                           <a:cs typeface="+mn-cs"/>
                         </a:rPr>
-                        <a:t>: </a:t>
-                      </a:r>
-                      <a:r>
-                        <a:rPr lang="en-US" sz="1000" kern="1200" dirty="0" smtClean="0">
+                        <a:t>-</a:t>
+                      </a:r>
+                      <a:r>
+                        <a:rPr lang="ro-RO" sz="1000" kern="1200" baseline="0" dirty="0" smtClean="0">
                           <a:solidFill>
                             <a:schemeClr val="dk1"/>
                           </a:solidFill>
@@ -30641,18 +31017,8 @@
                           <a:ea typeface="+mn-ea"/>
                           <a:cs typeface="+mn-cs"/>
                         </a:rPr>
-                        <a:t>date</a:t>
-                      </a:r>
-                      <a:endParaRPr lang="en-US" sz="1000" kern="1200" dirty="0" smtClean="0">
-                        <a:solidFill>
-                          <a:schemeClr val="dk1"/>
-                        </a:solidFill>
-                        <a:latin typeface="+mn-lt"/>
-                        <a:ea typeface="+mn-ea"/>
-                        <a:cs typeface="+mn-cs"/>
-                      </a:endParaRPr>
-                    </a:p>
-                    <a:p>
+                        <a:t> </a:t>
+                      </a:r>
                       <a:r>
                         <a:rPr lang="ro-RO" sz="1000" kern="1200" dirty="0" smtClean="0">
                           <a:solidFill>
@@ -30662,10 +31028,12 @@
                           <a:ea typeface="+mn-ea"/>
                           <a:cs typeface="+mn-cs"/>
                         </a:rPr>
-                        <a:t>-</a:t>
-                      </a:r>
-                      <a:r>
-                        <a:rPr lang="ro-RO" sz="1000" kern="1200" baseline="0" dirty="0" smtClean="0">
+                        <a:t>_name : string</a:t>
+                      </a:r>
+                    </a:p>
+                    <a:p>
+                      <a:r>
+                        <a:rPr lang="ro-RO" sz="1000" kern="1200" dirty="0" smtClean="0">
                           <a:solidFill>
                             <a:schemeClr val="dk1"/>
                           </a:solidFill>
@@ -30673,61 +31041,7 @@
                           <a:ea typeface="+mn-ea"/>
                           <a:cs typeface="+mn-cs"/>
                         </a:rPr>
-                        <a:t> </a:t>
-                      </a:r>
-                      <a:r>
-                        <a:rPr lang="ro-RO" sz="1000" kern="1200" dirty="0" smtClean="0">
-                          <a:solidFill>
-                            <a:schemeClr val="dk1"/>
-                          </a:solidFill>
-                          <a:latin typeface="+mn-lt"/>
-                          <a:ea typeface="+mn-ea"/>
-                          <a:cs typeface="+mn-cs"/>
-                        </a:rPr>
-                        <a:t>_name : string</a:t>
-                      </a:r>
-                      <a:endParaRPr lang="ro-RO" sz="1000" kern="1200" dirty="0" smtClean="0">
-                        <a:solidFill>
-                          <a:schemeClr val="dk1"/>
-                        </a:solidFill>
-                        <a:latin typeface="+mn-lt"/>
-                        <a:ea typeface="+mn-ea"/>
-                        <a:cs typeface="+mn-cs"/>
-                      </a:endParaRPr>
-                    </a:p>
-                    <a:p>
-                      <a:r>
-                        <a:rPr lang="ro-RO" sz="1000" kern="1200" dirty="0" smtClean="0">
-                          <a:solidFill>
-                            <a:schemeClr val="dk1"/>
-                          </a:solidFill>
-                          <a:latin typeface="+mn-lt"/>
-                          <a:ea typeface="+mn-ea"/>
-                          <a:cs typeface="+mn-cs"/>
-                        </a:rPr>
-                        <a:t>- _balance </a:t>
-                      </a:r>
-                      <a:r>
-                        <a:rPr lang="ro-RO" sz="1000" kern="1200" dirty="0" smtClean="0">
-                          <a:solidFill>
-                            <a:schemeClr val="dk1"/>
-                          </a:solidFill>
-                          <a:latin typeface="+mn-lt"/>
-                          <a:ea typeface="+mn-ea"/>
-                          <a:cs typeface="+mn-cs"/>
-                        </a:rPr>
-                        <a:t>: </a:t>
-                      </a:r>
-                      <a:r>
-                        <a:rPr lang="ro-RO" sz="1000" kern="1200" dirty="0" smtClean="0">
-                          <a:solidFill>
-                            <a:schemeClr val="dk1"/>
-                          </a:solidFill>
-                          <a:latin typeface="+mn-lt"/>
-                          <a:ea typeface="+mn-ea"/>
-                          <a:cs typeface="+mn-cs"/>
-                        </a:rPr>
-                        <a:t>double</a:t>
+                        <a:t>- _balance : double</a:t>
                       </a:r>
                       <a:endParaRPr lang="en-US" sz="1000" b="0" dirty="0" smtClean="0">
                         <a:solidFill>
@@ -30903,15 +31217,7 @@
                             <a:schemeClr val="tx1"/>
                           </a:solidFill>
                         </a:rPr>
-                        <a:t>+ </a:t>
-                      </a:r>
-                      <a:r>
-                        <a:rPr lang="en-US" sz="1000" b="0" dirty="0" smtClean="0">
-                          <a:solidFill>
-                            <a:schemeClr val="tx1"/>
-                          </a:solidFill>
-                        </a:rPr>
-                        <a:t>print()</a:t>
+                        <a:t>+ print()</a:t>
                       </a:r>
                     </a:p>
                   </a:txBody>
@@ -30969,14 +31275,14 @@
           <p:nvPr>
             <p:extLst>
               <p:ext uri="{D42A27DB-BD31-4B8C-83A1-F6EECF244321}">
-                <p14:modId xmlns:p14="http://schemas.microsoft.com/office/powerpoint/2010/main" val="3017446456"/>
+                <p14:modId xmlns:p14="http://schemas.microsoft.com/office/powerpoint/2010/main" val="3302797035"/>
               </p:ext>
             </p:extLst>
           </p:nvPr>
         </p:nvGraphicFramePr>
         <p:xfrm>
           <a:off x="906246" y="551516"/>
-          <a:ext cx="1947020" cy="731520"/>
+          <a:ext cx="1947020" cy="1493520"/>
         </p:xfrm>
         <a:graphic>
           <a:graphicData uri="http://schemas.openxmlformats.org/drawingml/2006/table">
@@ -31056,6 +31362,48 @@
                     <a:bodyPr/>
                     <a:lstStyle/>
                     <a:p>
+                      <a:r>
+                        <a:rPr lang="en-US" sz="1000" b="0" baseline="0" dirty="0" smtClean="0">
+                          <a:solidFill>
+                            <a:schemeClr val="tx1"/>
+                          </a:solidFill>
+                        </a:rPr>
+                        <a:t>- _</a:t>
+                      </a:r>
+                      <a:r>
+                        <a:rPr lang="en-US" sz="1000" b="0" baseline="0" dirty="0" err="1" smtClean="0">
+                          <a:solidFill>
+                            <a:schemeClr val="tx1"/>
+                          </a:solidFill>
+                        </a:rPr>
+                        <a:t>pInstance</a:t>
+                      </a:r>
+                      <a:r>
+                        <a:rPr lang="en-US" sz="1000" b="0" baseline="0" dirty="0" smtClean="0">
+                          <a:solidFill>
+                            <a:schemeClr val="tx1"/>
+                          </a:solidFill>
+                        </a:rPr>
+                        <a:t> : </a:t>
+                      </a:r>
+                      <a:r>
+                        <a:rPr lang="en-US" sz="1000" b="0" baseline="0" dirty="0" err="1" smtClean="0">
+                          <a:solidFill>
+                            <a:schemeClr val="tx1"/>
+                          </a:solidFill>
+                        </a:rPr>
+                        <a:t>BalanceSet</a:t>
+                      </a:r>
+                      <a:r>
+                        <a:rPr lang="en-US" sz="1000" b="0" baseline="0" dirty="0" smtClean="0">
+                          <a:solidFill>
+                            <a:schemeClr val="tx1"/>
+                          </a:solidFill>
+                        </a:rPr>
+                        <a:t>*</a:t>
+                      </a:r>
+                    </a:p>
+                    <a:p>
                       <a:pPr marL="0" marR="0" indent="0" algn="l" defTabSz="457200" rtl="0" eaLnBrk="1" fontAlgn="auto" latinLnBrk="0" hangingPunct="1">
                         <a:lnSpc>
                           <a:spcPct val="100000"/>
@@ -31073,11 +31421,14 @@
                         <a:tabLst/>
                         <a:defRPr/>
                       </a:pPr>
-                      <a:endParaRPr lang="en-US" sz="1000" b="0" dirty="0" smtClean="0">
-                        <a:solidFill>
-                          <a:schemeClr val="tx1"/>
-                        </a:solidFill>
-                      </a:endParaRPr>
+                      <a:r>
+                        <a:rPr lang="en-US" sz="1000" b="0" baseline="0" dirty="0" smtClean="0">
+                          <a:solidFill>
+                            <a:schemeClr val="tx1"/>
+                          </a:solidFill>
+                        </a:rPr>
+                        <a:t>- names : vector&lt;string&gt;</a:t>
+                      </a:r>
                     </a:p>
                   </a:txBody>
                   <a:tcPr>
@@ -31127,6 +31478,94 @@
                     <a:bodyPr/>
                     <a:lstStyle/>
                     <a:p>
+                      <a:r>
+                        <a:rPr lang="en-US" sz="1000" b="0" dirty="0" smtClean="0">
+                          <a:solidFill>
+                            <a:schemeClr val="tx1"/>
+                          </a:solidFill>
+                        </a:rPr>
+                        <a:t>+ instance()</a:t>
+                      </a:r>
+                    </a:p>
+                    <a:p>
+                      <a:r>
+                        <a:rPr lang="en-US" sz="1000" b="0" dirty="0" smtClean="0">
+                          <a:solidFill>
+                            <a:schemeClr val="tx1"/>
+                          </a:solidFill>
+                        </a:rPr>
+                        <a:t>+ initialize()</a:t>
+                      </a:r>
+                    </a:p>
+                    <a:p>
+                      <a:r>
+                        <a:rPr lang="en-US" sz="1000" b="0" dirty="0" smtClean="0">
+                          <a:solidFill>
+                            <a:schemeClr val="tx1"/>
+                          </a:solidFill>
+                        </a:rPr>
+                        <a:t>+ </a:t>
+                      </a:r>
+                      <a:r>
+                        <a:rPr lang="en-US" sz="1000" b="0" dirty="0" err="1" smtClean="0">
+                          <a:solidFill>
+                            <a:schemeClr val="tx1"/>
+                          </a:solidFill>
+                        </a:rPr>
+                        <a:t>update_capital</a:t>
+                      </a:r>
+                      <a:r>
+                        <a:rPr lang="en-US" sz="1000" b="0" dirty="0" smtClean="0">
+                          <a:solidFill>
+                            <a:schemeClr val="tx1"/>
+                          </a:solidFill>
+                        </a:rPr>
+                        <a:t>()</a:t>
+                      </a:r>
+                    </a:p>
+                    <a:p>
+                      <a:r>
+                        <a:rPr lang="en-US" sz="1000" b="0" dirty="0" smtClean="0">
+                          <a:solidFill>
+                            <a:schemeClr val="tx1"/>
+                          </a:solidFill>
+                        </a:rPr>
+                        <a:t>+</a:t>
+                      </a:r>
+                      <a:r>
+                        <a:rPr lang="en-US" sz="1000" b="0" baseline="0" dirty="0" smtClean="0">
+                          <a:solidFill>
+                            <a:schemeClr val="tx1"/>
+                          </a:solidFill>
+                        </a:rPr>
+                        <a:t> print()</a:t>
+                      </a:r>
+                    </a:p>
+                    <a:p>
+                      <a:r>
+                        <a:rPr lang="en-US" sz="1000" b="0" baseline="0" dirty="0" smtClean="0">
+                          <a:solidFill>
+                            <a:schemeClr val="tx1"/>
+                          </a:solidFill>
+                        </a:rPr>
+                        <a:t>+ </a:t>
+                      </a:r>
+                      <a:r>
+                        <a:rPr lang="en-US" sz="1000" b="0" baseline="0" dirty="0" err="1" smtClean="0">
+                          <a:solidFill>
+                            <a:schemeClr val="tx1"/>
+                          </a:solidFill>
+                        </a:rPr>
+                        <a:t>export_to_csv</a:t>
+                      </a:r>
+                      <a:r>
+                        <a:rPr lang="en-US" sz="1000" b="0" baseline="0" dirty="0" smtClean="0">
+                          <a:solidFill>
+                            <a:schemeClr val="tx1"/>
+                          </a:solidFill>
+                        </a:rPr>
+                        <a:t>()</a:t>
+                      </a:r>
                       <a:endParaRPr lang="en-US" sz="1000" b="0" dirty="0" smtClean="0">
                         <a:solidFill>
                           <a:schemeClr val="tx1"/>
@@ -31190,8 +31629,8 @@
         </p:nvCxnSpPr>
         <p:spPr>
           <a:xfrm flipH="1">
-            <a:off x="1879755" y="1283036"/>
-            <a:ext cx="1" cy="1246804"/>
+            <a:off x="1879755" y="2045036"/>
+            <a:ext cx="1" cy="484804"/>
           </a:xfrm>
           <a:prstGeom prst="line">
             <a:avLst/>
@@ -31202,6 +31641,92 @@
             </a:solidFill>
             <a:prstDash val="solid"/>
             <a:headEnd type="triangle" w="lg" len="lg"/>
+            <a:tailEnd type="none"/>
+          </a:ln>
+          <a:effectLst/>
+        </p:spPr>
+        <p:style>
+          <a:lnRef idx="2">
+            <a:schemeClr val="accent1"/>
+          </a:lnRef>
+          <a:fillRef idx="0">
+            <a:schemeClr val="accent1"/>
+          </a:fillRef>
+          <a:effectRef idx="1">
+            <a:schemeClr val="accent1"/>
+          </a:effectRef>
+          <a:fontRef idx="minor">
+            <a:schemeClr val="tx1"/>
+          </a:fontRef>
+        </p:style>
+      </p:cxnSp>
+      <p:sp>
+        <p:nvSpPr>
+          <p:cNvPr id="5" name="TextBox 4"/>
+          <p:cNvSpPr txBox="1"/>
+          <p:nvPr/>
+        </p:nvSpPr>
+        <p:spPr>
+          <a:xfrm>
+            <a:off x="3373849" y="557969"/>
+            <a:ext cx="671979" cy="246221"/>
+          </a:xfrm>
+          <a:prstGeom prst="rect">
+            <a:avLst/>
+          </a:prstGeom>
+          <a:solidFill>
+            <a:srgbClr val="FFFFFF"/>
+          </a:solidFill>
+          <a:ln>
+            <a:noFill/>
+            <a:prstDash val="sysDash"/>
+          </a:ln>
+        </p:spPr>
+        <p:txBody>
+          <a:bodyPr wrap="none" rtlCol="0">
+            <a:spAutoFit/>
+          </a:bodyPr>
+          <a:lstStyle/>
+          <a:p>
+            <a:r>
+              <a:rPr lang="en-US" sz="1000" dirty="0" smtClean="0">
+                <a:solidFill>
+                  <a:srgbClr val="FF0000"/>
+                </a:solidFill>
+              </a:rPr>
+              <a:t>Singleton</a:t>
+            </a:r>
+            <a:endParaRPr lang="en-US" sz="1000" dirty="0">
+              <a:solidFill>
+                <a:srgbClr val="FF0000"/>
+              </a:solidFill>
+            </a:endParaRPr>
+          </a:p>
+        </p:txBody>
+      </p:sp>
+      <p:cxnSp>
+        <p:nvCxnSpPr>
+          <p:cNvPr id="6" name="Straight Connector 5"/>
+          <p:cNvCxnSpPr>
+            <a:endCxn id="5" idx="1"/>
+          </p:cNvCxnSpPr>
+          <p:nvPr/>
+        </p:nvCxnSpPr>
+        <p:spPr>
+          <a:xfrm>
+            <a:off x="2970462" y="681080"/>
+            <a:ext cx="403387" cy="0"/>
+          </a:xfrm>
+          <a:prstGeom prst="line">
+            <a:avLst/>
+          </a:prstGeom>
+          <a:ln w="12700" cap="flat" cmpd="sng">
+            <a:solidFill>
+              <a:srgbClr val="FF0000"/>
+            </a:solidFill>
+            <a:prstDash val="sysDash"/>
+            <a:round/>
+            <a:headEnd type="stealth" w="med" len="lg"/>
             <a:tailEnd type="none"/>
           </a:ln>
           <a:effectLst/>

--- a/UML.pptx
+++ b/UML.pptx
@@ -28042,60 +28042,34 @@
                             <a:schemeClr val="tx1"/>
                           </a:solidFill>
                         </a:rPr>
-                        <a:t>+ buy(), sell(</a:t>
-                      </a:r>
+                        <a:t>+ buy(), sell() : double</a:t>
+                      </a:r>
+                    </a:p>
+                    <a:p>
                       <a:r>
                         <a:rPr lang="en-US" sz="1000" b="0" dirty="0" smtClean="0">
                           <a:solidFill>
                             <a:schemeClr val="tx1"/>
                           </a:solidFill>
                         </a:rPr>
-                        <a:t>) : double</a:t>
-                      </a:r>
-                      <a:endParaRPr lang="en-US" sz="1000" b="0" dirty="0" smtClean="0">
-                        <a:solidFill>
-                          <a:schemeClr val="tx1"/>
-                        </a:solidFill>
-                      </a:endParaRPr>
-                    </a:p>
-                    <a:p>
+                        <a:t>+ </a:t>
+                      </a:r>
+                      <a:r>
+                        <a:rPr lang="en-US" sz="1000" b="0" dirty="0" err="1" smtClean="0">
+                          <a:solidFill>
+                            <a:schemeClr val="tx1"/>
+                          </a:solidFill>
+                        </a:rPr>
+                        <a:t>sell_short</a:t>
+                      </a:r>
                       <a:r>
                         <a:rPr lang="en-US" sz="1000" b="0" dirty="0" smtClean="0">
                           <a:solidFill>
                             <a:schemeClr val="tx1"/>
                           </a:solidFill>
                         </a:rPr>
-                        <a:t>+ </a:t>
-                      </a:r>
-                      <a:r>
-                        <a:rPr lang="en-US" sz="1000" b="0" dirty="0" err="1" smtClean="0">
-                          <a:solidFill>
-                            <a:schemeClr val="tx1"/>
-                          </a:solidFill>
-                        </a:rPr>
-                        <a:t>sell_short</a:t>
-                      </a:r>
-                      <a:r>
-                        <a:rPr lang="en-US" sz="1000" b="0" dirty="0" smtClean="0">
-                          <a:solidFill>
-                            <a:schemeClr val="tx1"/>
-                          </a:solidFill>
-                        </a:rPr>
-                        <a:t>(), cover(</a:t>
-                      </a:r>
-                      <a:r>
-                        <a:rPr lang="en-US" sz="1000" b="0" dirty="0" smtClean="0">
-                          <a:solidFill>
-                            <a:schemeClr val="tx1"/>
-                          </a:solidFill>
-                        </a:rPr>
-                        <a:t>) : double</a:t>
-                      </a:r>
-                      <a:endParaRPr lang="en-US" sz="1000" b="0" dirty="0" smtClean="0">
-                        <a:solidFill>
-                          <a:schemeClr val="tx1"/>
-                        </a:solidFill>
-                      </a:endParaRPr>
+                        <a:t>(), cover() : double</a:t>
+                      </a:r>
                     </a:p>
                     <a:p>
                       <a:r>
@@ -28635,21 +28609,8 @@
                             <a:schemeClr val="tx1"/>
                           </a:solidFill>
                         </a:rPr>
-                        <a:t> (</a:t>
-                      </a:r>
-                      <a:r>
-                        <a:rPr lang="en-US" sz="1000" b="0" dirty="0" smtClean="0">
-                          <a:solidFill>
-                            <a:schemeClr val="tx1"/>
-                          </a:solidFill>
-                        </a:rPr>
-                        <a:t>) : double</a:t>
-                      </a:r>
-                      <a:endParaRPr lang="en-US" sz="1000" b="0" dirty="0" smtClean="0">
-                        <a:solidFill>
-                          <a:schemeClr val="tx1"/>
-                        </a:solidFill>
-                      </a:endParaRPr>
+                        <a:t> () : double</a:t>
+                      </a:r>
                     </a:p>
                   </a:txBody>
                   <a:tcPr>
@@ -30859,13 +30820,13 @@
           <p:nvPr>
             <p:extLst>
               <p:ext uri="{D42A27DB-BD31-4B8C-83A1-F6EECF244321}">
-                <p14:modId xmlns:p14="http://schemas.microsoft.com/office/powerpoint/2010/main" val="4211775237"/>
+                <p14:modId xmlns:p14="http://schemas.microsoft.com/office/powerpoint/2010/main" val="3529452845"/>
               </p:ext>
             </p:extLst>
           </p:nvPr>
         </p:nvGraphicFramePr>
         <p:xfrm>
-          <a:off x="906245" y="2529840"/>
+          <a:off x="2346668" y="2529840"/>
           <a:ext cx="1947021" cy="1493520"/>
         </p:xfrm>
         <a:graphic>
@@ -31275,13 +31236,13 @@
           <p:nvPr>
             <p:extLst>
               <p:ext uri="{D42A27DB-BD31-4B8C-83A1-F6EECF244321}">
-                <p14:modId xmlns:p14="http://schemas.microsoft.com/office/powerpoint/2010/main" val="3302797035"/>
+                <p14:modId xmlns:p14="http://schemas.microsoft.com/office/powerpoint/2010/main" val="1643732840"/>
               </p:ext>
             </p:extLst>
           </p:nvPr>
         </p:nvGraphicFramePr>
         <p:xfrm>
-          <a:off x="906246" y="551516"/>
+          <a:off x="2346669" y="551516"/>
           <a:ext cx="1947020" cy="1493520"/>
         </p:xfrm>
         <a:graphic>
@@ -31629,7 +31590,7 @@
         </p:nvCxnSpPr>
         <p:spPr>
           <a:xfrm flipH="1">
-            <a:off x="1879755" y="2045036"/>
+            <a:off x="3320178" y="2045036"/>
             <a:ext cx="1" cy="484804"/>
           </a:xfrm>
           <a:prstGeom prst="line">
@@ -31668,7 +31629,7 @@
         </p:nvSpPr>
         <p:spPr>
           <a:xfrm>
-            <a:off x="3373849" y="557969"/>
+            <a:off x="4814272" y="557969"/>
             <a:ext cx="671979" cy="246221"/>
           </a:xfrm>
           <a:prstGeom prst="rect">
@@ -31714,7 +31675,7 @@
         </p:nvCxnSpPr>
         <p:spPr>
           <a:xfrm>
-            <a:off x="2970462" y="681080"/>
+            <a:off x="4410885" y="681080"/>
             <a:ext cx="403387" cy="0"/>
           </a:xfrm>
           <a:prstGeom prst="line">
@@ -31727,6 +31688,655 @@
             <a:prstDash val="sysDash"/>
             <a:round/>
             <a:headEnd type="stealth" w="med" len="lg"/>
+            <a:tailEnd type="none"/>
+          </a:ln>
+          <a:effectLst/>
+        </p:spPr>
+        <p:style>
+          <a:lnRef idx="2">
+            <a:schemeClr val="accent1"/>
+          </a:lnRef>
+          <a:fillRef idx="0">
+            <a:schemeClr val="accent1"/>
+          </a:fillRef>
+          <a:effectRef idx="1">
+            <a:schemeClr val="accent1"/>
+          </a:effectRef>
+          <a:fontRef idx="minor">
+            <a:schemeClr val="tx1"/>
+          </a:fontRef>
+        </p:style>
+      </p:cxnSp>
+      <p:graphicFrame>
+        <p:nvGraphicFramePr>
+          <p:cNvPr id="7" name="Table 6"/>
+          <p:cNvGraphicFramePr>
+            <a:graphicFrameLocks noGrp="1"/>
+          </p:cNvGraphicFramePr>
+          <p:nvPr>
+            <p:extLst>
+              <p:ext uri="{D42A27DB-BD31-4B8C-83A1-F6EECF244321}">
+                <p14:modId xmlns:p14="http://schemas.microsoft.com/office/powerpoint/2010/main" val="3885864610"/>
+              </p:ext>
+            </p:extLst>
+          </p:nvPr>
+        </p:nvGraphicFramePr>
+        <p:xfrm>
+          <a:off x="635027" y="557969"/>
+          <a:ext cx="1049228" cy="731520"/>
+        </p:xfrm>
+        <a:graphic>
+          <a:graphicData uri="http://schemas.openxmlformats.org/drawingml/2006/table">
+            <a:tbl>
+              <a:tblPr firstRow="1" bandRow="1">
+                <a:tableStyleId>{5C22544A-7EE6-4342-B048-85BDC9FD1C3A}</a:tableStyleId>
+              </a:tblPr>
+              <a:tblGrid>
+                <a:gridCol w="1049228"/>
+              </a:tblGrid>
+              <a:tr h="134762">
+                <a:tc>
+                  <a:txBody>
+                    <a:bodyPr/>
+                    <a:lstStyle/>
+                    <a:p>
+                      <a:pPr algn="ctr"/>
+                      <a:r>
+                        <a:rPr lang="en-US" sz="1000" b="1" dirty="0" smtClean="0">
+                          <a:solidFill>
+                            <a:schemeClr val="tx1"/>
+                          </a:solidFill>
+                        </a:rPr>
+                        <a:t>DB</a:t>
+                      </a:r>
+                      <a:endParaRPr lang="en-US" sz="1000" b="1" dirty="0">
+                        <a:solidFill>
+                          <a:schemeClr val="tx1"/>
+                        </a:solidFill>
+                      </a:endParaRPr>
+                    </a:p>
+                  </a:txBody>
+                  <a:tcPr>
+                    <a:lnL w="12700" cap="flat" cmpd="sng" algn="ctr">
+                      <a:solidFill>
+                        <a:scrgbClr r="0" g="0" b="0"/>
+                      </a:solidFill>
+                      <a:prstDash val="solid"/>
+                      <a:round/>
+                      <a:headEnd type="none" w="med" len="med"/>
+                      <a:tailEnd type="none" w="med" len="med"/>
+                    </a:lnL>
+                    <a:lnR w="12700" cap="flat" cmpd="sng" algn="ctr">
+                      <a:solidFill>
+                        <a:scrgbClr r="0" g="0" b="0"/>
+                      </a:solidFill>
+                      <a:prstDash val="solid"/>
+                      <a:round/>
+                      <a:headEnd type="none" w="med" len="med"/>
+                      <a:tailEnd type="none" w="med" len="med"/>
+                    </a:lnR>
+                    <a:lnT w="12700" cap="flat" cmpd="sng" algn="ctr">
+                      <a:solidFill>
+                        <a:scrgbClr r="0" g="0" b="0"/>
+                      </a:solidFill>
+                      <a:prstDash val="solid"/>
+                      <a:round/>
+                      <a:headEnd type="none" w="med" len="med"/>
+                      <a:tailEnd type="none" w="med" len="med"/>
+                    </a:lnT>
+                    <a:lnB w="12700" cap="flat" cmpd="sng" algn="ctr">
+                      <a:solidFill>
+                        <a:scrgbClr r="0" g="0" b="0"/>
+                      </a:solidFill>
+                      <a:prstDash val="solid"/>
+                      <a:round/>
+                      <a:headEnd type="none" w="med" len="med"/>
+                      <a:tailEnd type="none" w="med" len="med"/>
+                    </a:lnB>
+                    <a:noFill/>
+                  </a:tcPr>
+                </a:tc>
+              </a:tr>
+              <a:tr h="218988">
+                <a:tc>
+                  <a:txBody>
+                    <a:bodyPr/>
+                    <a:lstStyle/>
+                    <a:p>
+                      <a:endParaRPr lang="en-US" sz="1000" b="0" dirty="0" smtClean="0">
+                        <a:solidFill>
+                          <a:schemeClr val="tx1"/>
+                        </a:solidFill>
+                      </a:endParaRPr>
+                    </a:p>
+                  </a:txBody>
+                  <a:tcPr>
+                    <a:lnL w="12700" cap="flat" cmpd="sng" algn="ctr">
+                      <a:solidFill>
+                        <a:scrgbClr r="0" g="0" b="0"/>
+                      </a:solidFill>
+                      <a:prstDash val="solid"/>
+                      <a:round/>
+                      <a:headEnd type="none" w="med" len="med"/>
+                      <a:tailEnd type="none" w="med" len="med"/>
+                    </a:lnL>
+                    <a:lnR w="12700" cap="flat" cmpd="sng" algn="ctr">
+                      <a:solidFill>
+                        <a:scrgbClr r="0" g="0" b="0"/>
+                      </a:solidFill>
+                      <a:prstDash val="solid"/>
+                      <a:round/>
+                      <a:headEnd type="none" w="med" len="med"/>
+                      <a:tailEnd type="none" w="med" len="med"/>
+                    </a:lnR>
+                    <a:lnT w="12700" cap="flat" cmpd="sng" algn="ctr">
+                      <a:solidFill>
+                        <a:scrgbClr r="0" g="0" b="0"/>
+                      </a:solidFill>
+                      <a:prstDash val="solid"/>
+                      <a:round/>
+                      <a:headEnd type="none" w="med" len="med"/>
+                      <a:tailEnd type="none" w="med" len="med"/>
+                    </a:lnT>
+                    <a:lnB w="12700" cap="flat" cmpd="sng" algn="ctr">
+                      <a:solidFill>
+                        <a:scrgbClr r="0" g="0" b="0"/>
+                      </a:solidFill>
+                      <a:prstDash val="solid"/>
+                      <a:round/>
+                      <a:headEnd type="none" w="med" len="med"/>
+                      <a:tailEnd type="none" w="med" len="med"/>
+                    </a:lnB>
+                    <a:noFill/>
+                  </a:tcPr>
+                </a:tc>
+              </a:tr>
+              <a:tr h="134762">
+                <a:tc>
+                  <a:txBody>
+                    <a:bodyPr/>
+                    <a:lstStyle/>
+                    <a:p>
+                      <a:endParaRPr lang="en-US" sz="1000" b="0" dirty="0">
+                        <a:solidFill>
+                          <a:schemeClr val="tx1"/>
+                        </a:solidFill>
+                      </a:endParaRPr>
+                    </a:p>
+                  </a:txBody>
+                  <a:tcPr>
+                    <a:lnL w="12700" cap="flat" cmpd="sng" algn="ctr">
+                      <a:solidFill>
+                        <a:scrgbClr r="0" g="0" b="0"/>
+                      </a:solidFill>
+                      <a:prstDash val="solid"/>
+                      <a:round/>
+                      <a:headEnd type="none" w="med" len="med"/>
+                      <a:tailEnd type="none" w="med" len="med"/>
+                    </a:lnL>
+                    <a:lnR w="12700" cap="flat" cmpd="sng" algn="ctr">
+                      <a:solidFill>
+                        <a:scrgbClr r="0" g="0" b="0"/>
+                      </a:solidFill>
+                      <a:prstDash val="solid"/>
+                      <a:round/>
+                      <a:headEnd type="none" w="med" len="med"/>
+                      <a:tailEnd type="none" w="med" len="med"/>
+                    </a:lnR>
+                    <a:lnT w="12700" cap="flat" cmpd="sng" algn="ctr">
+                      <a:solidFill>
+                        <a:scrgbClr r="0" g="0" b="0"/>
+                      </a:solidFill>
+                      <a:prstDash val="solid"/>
+                      <a:round/>
+                      <a:headEnd type="none" w="med" len="med"/>
+                      <a:tailEnd type="none" w="med" len="med"/>
+                    </a:lnT>
+                    <a:lnB w="12700" cap="flat" cmpd="sng" algn="ctr">
+                      <a:solidFill>
+                        <a:scrgbClr r="0" g="0" b="0"/>
+                      </a:solidFill>
+                      <a:prstDash val="solid"/>
+                      <a:round/>
+                      <a:headEnd type="none" w="med" len="med"/>
+                      <a:tailEnd type="none" w="med" len="med"/>
+                    </a:lnB>
+                    <a:noFill/>
+                  </a:tcPr>
+                </a:tc>
+              </a:tr>
+            </a:tbl>
+          </a:graphicData>
+        </a:graphic>
+      </p:graphicFrame>
+      <p:cxnSp>
+        <p:nvCxnSpPr>
+          <p:cNvPr id="9" name="Straight Connector 8"/>
+          <p:cNvCxnSpPr/>
+          <p:nvPr/>
+        </p:nvCxnSpPr>
+        <p:spPr>
+          <a:xfrm rot="16200000">
+            <a:off x="2024833" y="672247"/>
+            <a:ext cx="0" cy="495300"/>
+          </a:xfrm>
+          <a:prstGeom prst="line">
+            <a:avLst/>
+          </a:prstGeom>
+          <a:ln w="12700" cmpd="sng">
+            <a:solidFill>
+              <a:schemeClr val="tx1"/>
+            </a:solidFill>
+            <a:prstDash val="sysDash"/>
+            <a:headEnd type="arrow" w="lg" len="lg"/>
+            <a:tailEnd type="arrow" w="lg" len="lg"/>
+          </a:ln>
+          <a:effectLst/>
+        </p:spPr>
+        <p:style>
+          <a:lnRef idx="2">
+            <a:schemeClr val="accent1"/>
+          </a:lnRef>
+          <a:fillRef idx="0">
+            <a:schemeClr val="accent1"/>
+          </a:fillRef>
+          <a:effectRef idx="1">
+            <a:schemeClr val="accent1"/>
+          </a:effectRef>
+          <a:fontRef idx="minor">
+            <a:schemeClr val="tx1"/>
+          </a:fontRef>
+        </p:style>
+      </p:cxnSp>
+      <p:graphicFrame>
+        <p:nvGraphicFramePr>
+          <p:cNvPr id="10" name="Table 9"/>
+          <p:cNvGraphicFramePr>
+            <a:graphicFrameLocks noGrp="1"/>
+          </p:cNvGraphicFramePr>
+          <p:nvPr>
+            <p:extLst>
+              <p:ext uri="{D42A27DB-BD31-4B8C-83A1-F6EECF244321}">
+                <p14:modId xmlns:p14="http://schemas.microsoft.com/office/powerpoint/2010/main" val="998275041"/>
+              </p:ext>
+            </p:extLst>
+          </p:nvPr>
+        </p:nvGraphicFramePr>
+        <p:xfrm>
+          <a:off x="6533646" y="4443352"/>
+          <a:ext cx="1049228" cy="243840"/>
+        </p:xfrm>
+        <a:graphic>
+          <a:graphicData uri="http://schemas.openxmlformats.org/drawingml/2006/table">
+            <a:tbl>
+              <a:tblPr firstRow="1" bandRow="1">
+                <a:tableStyleId>{5C22544A-7EE6-4342-B048-85BDC9FD1C3A}</a:tableStyleId>
+              </a:tblPr>
+              <a:tblGrid>
+                <a:gridCol w="1049228"/>
+              </a:tblGrid>
+              <a:tr h="134762">
+                <a:tc>
+                  <a:txBody>
+                    <a:bodyPr/>
+                    <a:lstStyle/>
+                    <a:p>
+                      <a:pPr algn="ctr"/>
+                      <a:r>
+                        <a:rPr lang="en-US" sz="1000" b="1" dirty="0" smtClean="0">
+                          <a:solidFill>
+                            <a:schemeClr val="tx1"/>
+                          </a:solidFill>
+                        </a:rPr>
+                        <a:t>DB</a:t>
+                      </a:r>
+                      <a:endParaRPr lang="en-US" sz="1000" b="1" dirty="0">
+                        <a:solidFill>
+                          <a:schemeClr val="tx1"/>
+                        </a:solidFill>
+                      </a:endParaRPr>
+                    </a:p>
+                  </a:txBody>
+                  <a:tcPr>
+                    <a:lnL w="12700" cap="flat" cmpd="sng" algn="ctr">
+                      <a:solidFill>
+                        <a:scrgbClr r="0" g="0" b="0"/>
+                      </a:solidFill>
+                      <a:prstDash val="solid"/>
+                      <a:round/>
+                      <a:headEnd type="none" w="med" len="med"/>
+                      <a:tailEnd type="none" w="med" len="med"/>
+                    </a:lnL>
+                    <a:lnR w="12700" cap="flat" cmpd="sng" algn="ctr">
+                      <a:solidFill>
+                        <a:scrgbClr r="0" g="0" b="0"/>
+                      </a:solidFill>
+                      <a:prstDash val="solid"/>
+                      <a:round/>
+                      <a:headEnd type="none" w="med" len="med"/>
+                      <a:tailEnd type="none" w="med" len="med"/>
+                    </a:lnR>
+                    <a:lnT w="12700" cap="flat" cmpd="sng" algn="ctr">
+                      <a:solidFill>
+                        <a:scrgbClr r="0" g="0" b="0"/>
+                      </a:solidFill>
+                      <a:prstDash val="solid"/>
+                      <a:round/>
+                      <a:headEnd type="none" w="med" len="med"/>
+                      <a:tailEnd type="none" w="med" len="med"/>
+                    </a:lnT>
+                    <a:lnB w="12700" cap="flat" cmpd="sng" algn="ctr">
+                      <a:solidFill>
+                        <a:scrgbClr r="0" g="0" b="0"/>
+                      </a:solidFill>
+                      <a:prstDash val="solid"/>
+                      <a:round/>
+                      <a:headEnd type="none" w="med" len="med"/>
+                      <a:tailEnd type="none" w="med" len="med"/>
+                    </a:lnB>
+                    <a:noFill/>
+                  </a:tcPr>
+                </a:tc>
+              </a:tr>
+            </a:tbl>
+          </a:graphicData>
+        </a:graphic>
+      </p:graphicFrame>
+      <p:graphicFrame>
+        <p:nvGraphicFramePr>
+          <p:cNvPr id="11" name="Table 10"/>
+          <p:cNvGraphicFramePr>
+            <a:graphicFrameLocks noGrp="1"/>
+          </p:cNvGraphicFramePr>
+          <p:nvPr>
+            <p:extLst>
+              <p:ext uri="{D42A27DB-BD31-4B8C-83A1-F6EECF244321}">
+                <p14:modId xmlns:p14="http://schemas.microsoft.com/office/powerpoint/2010/main" val="910145584"/>
+              </p:ext>
+            </p:extLst>
+          </p:nvPr>
+        </p:nvGraphicFramePr>
+        <p:xfrm>
+          <a:off x="5849669" y="5226831"/>
+          <a:ext cx="1049228" cy="243840"/>
+        </p:xfrm>
+        <a:graphic>
+          <a:graphicData uri="http://schemas.openxmlformats.org/drawingml/2006/table">
+            <a:tbl>
+              <a:tblPr firstRow="1" bandRow="1">
+                <a:tableStyleId>{5C22544A-7EE6-4342-B048-85BDC9FD1C3A}</a:tableStyleId>
+              </a:tblPr>
+              <a:tblGrid>
+                <a:gridCol w="1049228"/>
+              </a:tblGrid>
+              <a:tr h="134762">
+                <a:tc>
+                  <a:txBody>
+                    <a:bodyPr/>
+                    <a:lstStyle/>
+                    <a:p>
+                      <a:pPr algn="ctr"/>
+                      <a:r>
+                        <a:rPr lang="en-US" sz="1000" b="1" dirty="0" err="1" smtClean="0">
+                          <a:solidFill>
+                            <a:schemeClr val="tx1"/>
+                          </a:solidFill>
+                        </a:rPr>
+                        <a:t>BalanceSet</a:t>
+                      </a:r>
+                      <a:endParaRPr lang="en-US" sz="1000" b="1" dirty="0">
+                        <a:solidFill>
+                          <a:schemeClr val="tx1"/>
+                        </a:solidFill>
+                      </a:endParaRPr>
+                    </a:p>
+                  </a:txBody>
+                  <a:tcPr>
+                    <a:lnL w="12700" cap="flat" cmpd="sng" algn="ctr">
+                      <a:solidFill>
+                        <a:scrgbClr r="0" g="0" b="0"/>
+                      </a:solidFill>
+                      <a:prstDash val="solid"/>
+                      <a:round/>
+                      <a:headEnd type="none" w="med" len="med"/>
+                      <a:tailEnd type="none" w="med" len="med"/>
+                    </a:lnL>
+                    <a:lnR w="12700" cap="flat" cmpd="sng" algn="ctr">
+                      <a:solidFill>
+                        <a:scrgbClr r="0" g="0" b="0"/>
+                      </a:solidFill>
+                      <a:prstDash val="solid"/>
+                      <a:round/>
+                      <a:headEnd type="none" w="med" len="med"/>
+                      <a:tailEnd type="none" w="med" len="med"/>
+                    </a:lnR>
+                    <a:lnT w="12700" cap="flat" cmpd="sng" algn="ctr">
+                      <a:solidFill>
+                        <a:scrgbClr r="0" g="0" b="0"/>
+                      </a:solidFill>
+                      <a:prstDash val="solid"/>
+                      <a:round/>
+                      <a:headEnd type="none" w="med" len="med"/>
+                      <a:tailEnd type="none" w="med" len="med"/>
+                    </a:lnT>
+                    <a:lnB w="12700" cap="flat" cmpd="sng" algn="ctr">
+                      <a:solidFill>
+                        <a:scrgbClr r="0" g="0" b="0"/>
+                      </a:solidFill>
+                      <a:prstDash val="solid"/>
+                      <a:round/>
+                      <a:headEnd type="none" w="med" len="med"/>
+                      <a:tailEnd type="none" w="med" len="med"/>
+                    </a:lnB>
+                    <a:noFill/>
+                  </a:tcPr>
+                </a:tc>
+              </a:tr>
+            </a:tbl>
+          </a:graphicData>
+        </a:graphic>
+      </p:graphicFrame>
+      <p:graphicFrame>
+        <p:nvGraphicFramePr>
+          <p:cNvPr id="12" name="Table 11"/>
+          <p:cNvGraphicFramePr>
+            <a:graphicFrameLocks noGrp="1"/>
+          </p:cNvGraphicFramePr>
+          <p:nvPr>
+            <p:extLst>
+              <p:ext uri="{D42A27DB-BD31-4B8C-83A1-F6EECF244321}">
+                <p14:modId xmlns:p14="http://schemas.microsoft.com/office/powerpoint/2010/main" val="3789004984"/>
+              </p:ext>
+            </p:extLst>
+          </p:nvPr>
+        </p:nvGraphicFramePr>
+        <p:xfrm>
+          <a:off x="7058260" y="5816932"/>
+          <a:ext cx="1049228" cy="243840"/>
+        </p:xfrm>
+        <a:graphic>
+          <a:graphicData uri="http://schemas.openxmlformats.org/drawingml/2006/table">
+            <a:tbl>
+              <a:tblPr firstRow="1" bandRow="1">
+                <a:tableStyleId>{5C22544A-7EE6-4342-B048-85BDC9FD1C3A}</a:tableStyleId>
+              </a:tblPr>
+              <a:tblGrid>
+                <a:gridCol w="1049228"/>
+              </a:tblGrid>
+              <a:tr h="134762">
+                <a:tc>
+                  <a:txBody>
+                    <a:bodyPr/>
+                    <a:lstStyle/>
+                    <a:p>
+                      <a:pPr algn="ctr"/>
+                      <a:r>
+                        <a:rPr lang="en-US" sz="1000" b="1" dirty="0" smtClean="0">
+                          <a:solidFill>
+                            <a:schemeClr val="tx1"/>
+                          </a:solidFill>
+                        </a:rPr>
+                        <a:t>Trader</a:t>
+                      </a:r>
+                      <a:endParaRPr lang="en-US" sz="1000" b="1" dirty="0">
+                        <a:solidFill>
+                          <a:schemeClr val="tx1"/>
+                        </a:solidFill>
+                      </a:endParaRPr>
+                    </a:p>
+                  </a:txBody>
+                  <a:tcPr>
+                    <a:lnL w="12700" cap="flat" cmpd="sng" algn="ctr">
+                      <a:solidFill>
+                        <a:scrgbClr r="0" g="0" b="0"/>
+                      </a:solidFill>
+                      <a:prstDash val="solid"/>
+                      <a:round/>
+                      <a:headEnd type="none" w="med" len="med"/>
+                      <a:tailEnd type="none" w="med" len="med"/>
+                    </a:lnL>
+                    <a:lnR w="12700" cap="flat" cmpd="sng" algn="ctr">
+                      <a:solidFill>
+                        <a:scrgbClr r="0" g="0" b="0"/>
+                      </a:solidFill>
+                      <a:prstDash val="solid"/>
+                      <a:round/>
+                      <a:headEnd type="none" w="med" len="med"/>
+                      <a:tailEnd type="none" w="med" len="med"/>
+                    </a:lnR>
+                    <a:lnT w="12700" cap="flat" cmpd="sng" algn="ctr">
+                      <a:solidFill>
+                        <a:scrgbClr r="0" g="0" b="0"/>
+                      </a:solidFill>
+                      <a:prstDash val="solid"/>
+                      <a:round/>
+                      <a:headEnd type="none" w="med" len="med"/>
+                      <a:tailEnd type="none" w="med" len="med"/>
+                    </a:lnT>
+                    <a:lnB w="12700" cap="flat" cmpd="sng" algn="ctr">
+                      <a:solidFill>
+                        <a:scrgbClr r="0" g="0" b="0"/>
+                      </a:solidFill>
+                      <a:prstDash val="solid"/>
+                      <a:round/>
+                      <a:headEnd type="none" w="med" len="med"/>
+                      <a:tailEnd type="none" w="med" len="med"/>
+                    </a:lnB>
+                    <a:noFill/>
+                  </a:tcPr>
+                </a:tc>
+              </a:tr>
+            </a:tbl>
+          </a:graphicData>
+        </a:graphic>
+      </p:graphicFrame>
+      <p:cxnSp>
+        <p:nvCxnSpPr>
+          <p:cNvPr id="13" name="Straight Connector 12"/>
+          <p:cNvCxnSpPr>
+            <a:stCxn id="11" idx="0"/>
+            <a:endCxn id="10" idx="2"/>
+          </p:cNvCxnSpPr>
+          <p:nvPr/>
+        </p:nvCxnSpPr>
+        <p:spPr>
+          <a:xfrm flipV="1">
+            <a:off x="6374283" y="4687192"/>
+            <a:ext cx="683977" cy="539639"/>
+          </a:xfrm>
+          <a:prstGeom prst="line">
+            <a:avLst/>
+          </a:prstGeom>
+          <a:ln w="12700" cmpd="sng">
+            <a:solidFill>
+              <a:schemeClr val="tx1"/>
+            </a:solidFill>
+            <a:prstDash val="solid"/>
+            <a:headEnd type="triangle" w="lg" len="lg"/>
+            <a:tailEnd type="none"/>
+          </a:ln>
+          <a:effectLst/>
+        </p:spPr>
+        <p:style>
+          <a:lnRef idx="2">
+            <a:schemeClr val="accent1"/>
+          </a:lnRef>
+          <a:fillRef idx="0">
+            <a:schemeClr val="accent1"/>
+          </a:fillRef>
+          <a:effectRef idx="1">
+            <a:schemeClr val="accent1"/>
+          </a:effectRef>
+          <a:fontRef idx="minor">
+            <a:schemeClr val="tx1"/>
+          </a:fontRef>
+        </p:style>
+      </p:cxnSp>
+      <p:cxnSp>
+        <p:nvCxnSpPr>
+          <p:cNvPr id="16" name="Straight Connector 15"/>
+          <p:cNvCxnSpPr>
+            <a:stCxn id="12" idx="0"/>
+            <a:endCxn id="10" idx="2"/>
+          </p:cNvCxnSpPr>
+          <p:nvPr/>
+        </p:nvCxnSpPr>
+        <p:spPr>
+          <a:xfrm flipH="1" flipV="1">
+            <a:off x="7058260" y="4687192"/>
+            <a:ext cx="524614" cy="1129740"/>
+          </a:xfrm>
+          <a:prstGeom prst="line">
+            <a:avLst/>
+          </a:prstGeom>
+          <a:ln w="12700" cmpd="sng">
+            <a:solidFill>
+              <a:schemeClr val="tx1"/>
+            </a:solidFill>
+            <a:prstDash val="solid"/>
+            <a:headEnd type="triangle" w="lg" len="lg"/>
+            <a:tailEnd type="none"/>
+          </a:ln>
+          <a:effectLst/>
+        </p:spPr>
+        <p:style>
+          <a:lnRef idx="2">
+            <a:schemeClr val="accent1"/>
+          </a:lnRef>
+          <a:fillRef idx="0">
+            <a:schemeClr val="accent1"/>
+          </a:fillRef>
+          <a:effectRef idx="1">
+            <a:schemeClr val="accent1"/>
+          </a:effectRef>
+          <a:fontRef idx="minor">
+            <a:schemeClr val="tx1"/>
+          </a:fontRef>
+        </p:style>
+      </p:cxnSp>
+      <p:cxnSp>
+        <p:nvCxnSpPr>
+          <p:cNvPr id="19" name="Straight Connector 18"/>
+          <p:cNvCxnSpPr>
+            <a:stCxn id="12" idx="0"/>
+            <a:endCxn id="11" idx="2"/>
+          </p:cNvCxnSpPr>
+          <p:nvPr/>
+        </p:nvCxnSpPr>
+        <p:spPr>
+          <a:xfrm flipH="1" flipV="1">
+            <a:off x="6374283" y="5470671"/>
+            <a:ext cx="1208591" cy="346261"/>
+          </a:xfrm>
+          <a:prstGeom prst="line">
+            <a:avLst/>
+          </a:prstGeom>
+          <a:ln w="12700" cmpd="sng">
+            <a:solidFill>
+              <a:schemeClr val="tx1"/>
+            </a:solidFill>
+            <a:prstDash val="solid"/>
+            <a:headEnd type="triangle" w="lg" len="lg"/>
             <a:tailEnd type="none"/>
           </a:ln>
           <a:effectLst/>

--- a/UML.pptx
+++ b/UML.pptx
@@ -302,7 +302,7 @@
           <a:p>
             <a:fld id="{92E66E4B-7A79-FB43-8638-E9A35802AE45}" type="datetimeFigureOut">
               <a:rPr lang="en-US" smtClean="0"/>
-              <a:t>4/20/16</a:t>
+              <a:t>4/23/16</a:t>
             </a:fld>
             <a:endParaRPr lang="en-US"/>
           </a:p>
@@ -472,7 +472,7 @@
           <a:p>
             <a:fld id="{92E66E4B-7A79-FB43-8638-E9A35802AE45}" type="datetimeFigureOut">
               <a:rPr lang="en-US" smtClean="0"/>
-              <a:t>4/20/16</a:t>
+              <a:t>4/23/16</a:t>
             </a:fld>
             <a:endParaRPr lang="en-US"/>
           </a:p>
@@ -652,7 +652,7 @@
           <a:p>
             <a:fld id="{92E66E4B-7A79-FB43-8638-E9A35802AE45}" type="datetimeFigureOut">
               <a:rPr lang="en-US" smtClean="0"/>
-              <a:t>4/20/16</a:t>
+              <a:t>4/23/16</a:t>
             </a:fld>
             <a:endParaRPr lang="en-US"/>
           </a:p>
@@ -822,7 +822,7 @@
           <a:p>
             <a:fld id="{92E66E4B-7A79-FB43-8638-E9A35802AE45}" type="datetimeFigureOut">
               <a:rPr lang="en-US" smtClean="0"/>
-              <a:t>4/20/16</a:t>
+              <a:t>4/23/16</a:t>
             </a:fld>
             <a:endParaRPr lang="en-US"/>
           </a:p>
@@ -1068,7 +1068,7 @@
           <a:p>
             <a:fld id="{92E66E4B-7A79-FB43-8638-E9A35802AE45}" type="datetimeFigureOut">
               <a:rPr lang="en-US" smtClean="0"/>
-              <a:t>4/20/16</a:t>
+              <a:t>4/23/16</a:t>
             </a:fld>
             <a:endParaRPr lang="en-US"/>
           </a:p>
@@ -1356,7 +1356,7 @@
           <a:p>
             <a:fld id="{92E66E4B-7A79-FB43-8638-E9A35802AE45}" type="datetimeFigureOut">
               <a:rPr lang="en-US" smtClean="0"/>
-              <a:t>4/20/16</a:t>
+              <a:t>4/23/16</a:t>
             </a:fld>
             <a:endParaRPr lang="en-US"/>
           </a:p>
@@ -1783,7 +1783,7 @@
           <a:p>
             <a:fld id="{92E66E4B-7A79-FB43-8638-E9A35802AE45}" type="datetimeFigureOut">
               <a:rPr lang="en-US" smtClean="0"/>
-              <a:t>4/20/16</a:t>
+              <a:t>4/23/16</a:t>
             </a:fld>
             <a:endParaRPr lang="en-US"/>
           </a:p>
@@ -1901,7 +1901,7 @@
           <a:p>
             <a:fld id="{92E66E4B-7A79-FB43-8638-E9A35802AE45}" type="datetimeFigureOut">
               <a:rPr lang="en-US" smtClean="0"/>
-              <a:t>4/20/16</a:t>
+              <a:t>4/23/16</a:t>
             </a:fld>
             <a:endParaRPr lang="en-US"/>
           </a:p>
@@ -1996,7 +1996,7 @@
           <a:p>
             <a:fld id="{92E66E4B-7A79-FB43-8638-E9A35802AE45}" type="datetimeFigureOut">
               <a:rPr lang="en-US" smtClean="0"/>
-              <a:t>4/20/16</a:t>
+              <a:t>4/23/16</a:t>
             </a:fld>
             <a:endParaRPr lang="en-US"/>
           </a:p>
@@ -2273,7 +2273,7 @@
           <a:p>
             <a:fld id="{92E66E4B-7A79-FB43-8638-E9A35802AE45}" type="datetimeFigureOut">
               <a:rPr lang="en-US" smtClean="0"/>
-              <a:t>4/20/16</a:t>
+              <a:t>4/23/16</a:t>
             </a:fld>
             <a:endParaRPr lang="en-US"/>
           </a:p>
@@ -2526,7 +2526,7 @@
           <a:p>
             <a:fld id="{92E66E4B-7A79-FB43-8638-E9A35802AE45}" type="datetimeFigureOut">
               <a:rPr lang="en-US" smtClean="0"/>
-              <a:t>4/20/16</a:t>
+              <a:t>4/23/16</a:t>
             </a:fld>
             <a:endParaRPr lang="en-US"/>
           </a:p>
@@ -2739,7 +2739,7 @@
           <a:p>
             <a:fld id="{92E66E4B-7A79-FB43-8638-E9A35802AE45}" type="datetimeFigureOut">
               <a:rPr lang="en-US" smtClean="0"/>
-              <a:t>4/20/16</a:t>
+              <a:t>4/23/16</a:t>
             </a:fld>
             <a:endParaRPr lang="en-US"/>
           </a:p>
@@ -28903,7 +28903,7 @@
           <p:nvPr>
             <p:extLst>
               <p:ext uri="{D42A27DB-BD31-4B8C-83A1-F6EECF244321}">
-                <p14:modId xmlns:p14="http://schemas.microsoft.com/office/powerpoint/2010/main" val="2111712055"/>
+                <p14:modId xmlns:p14="http://schemas.microsoft.com/office/powerpoint/2010/main" val="1989521802"/>
               </p:ext>
             </p:extLst>
           </p:nvPr>
@@ -30241,6 +30241,22 @@
                         <a:tabLst/>
                         <a:defRPr/>
                       </a:pPr>
+                      <a:r>
+                        <a:rPr lang="en-US" sz="1000" b="0" dirty="0" smtClean="0">
+                          <a:solidFill>
+                            <a:schemeClr val="tx1"/>
+                          </a:solidFill>
+                        </a:rPr>
+                        <a:t>Check</a:t>
+                      </a:r>
+                      <a:r>
+                        <a:rPr lang="en-US" sz="1000" b="0" baseline="0" dirty="0" smtClean="0">
+                          <a:solidFill>
+                            <a:schemeClr val="tx1"/>
+                          </a:solidFill>
+                        </a:rPr>
+                        <a:t> split and dividend, and update EOD capital</a:t>
+                      </a:r>
                       <a:endParaRPr lang="en-US" sz="1000" b="0" dirty="0" smtClean="0">
                         <a:solidFill>
                           <a:schemeClr val="tx1"/>
@@ -31236,14 +31252,14 @@
           <p:nvPr>
             <p:extLst>
               <p:ext uri="{D42A27DB-BD31-4B8C-83A1-F6EECF244321}">
-                <p14:modId xmlns:p14="http://schemas.microsoft.com/office/powerpoint/2010/main" val="1643732840"/>
+                <p14:modId xmlns:p14="http://schemas.microsoft.com/office/powerpoint/2010/main" val="3230269205"/>
               </p:ext>
             </p:extLst>
           </p:nvPr>
         </p:nvGraphicFramePr>
         <p:xfrm>
           <a:off x="2346669" y="551516"/>
-          <a:ext cx="1947020" cy="1493520"/>
+          <a:ext cx="1947020" cy="1645920"/>
         </p:xfrm>
         <a:graphic>
           <a:graphicData uri="http://schemas.openxmlformats.org/drawingml/2006/table">
@@ -31455,8 +31471,47 @@
                             <a:schemeClr val="tx1"/>
                           </a:solidFill>
                         </a:rPr>
-                        <a:t>+ initialize()</a:t>
-                      </a:r>
+                        <a:t>+ initialize(</a:t>
+                      </a:r>
+                      <a:r>
+                        <a:rPr lang="en-US" sz="1000" b="0" dirty="0" smtClean="0">
+                          <a:solidFill>
+                            <a:schemeClr val="tx1"/>
+                          </a:solidFill>
+                        </a:rPr>
+                        <a:t>)</a:t>
+                      </a:r>
+                    </a:p>
+                    <a:p>
+                      <a:r>
+                        <a:rPr lang="en-US" sz="1000" b="0" dirty="0" smtClean="0">
+                          <a:solidFill>
+                            <a:schemeClr val="tx1"/>
+                          </a:solidFill>
+                        </a:rPr>
+                        <a:t>+ </a:t>
+                      </a:r>
+                      <a:r>
+                        <a:rPr lang="en-US" sz="1000" b="0" dirty="0" err="1" smtClean="0">
+                          <a:solidFill>
+                            <a:schemeClr val="tx1"/>
+                          </a:solidFill>
+                        </a:rPr>
+                        <a:t>split_and_dividend</a:t>
+                      </a:r>
+                      <a:r>
+                        <a:rPr lang="en-US" sz="1000" b="0" dirty="0" smtClean="0">
+                          <a:solidFill>
+                            <a:schemeClr val="tx1"/>
+                          </a:solidFill>
+                        </a:rPr>
+                        <a:t>()</a:t>
+                      </a:r>
+                      <a:endParaRPr lang="en-US" sz="1000" b="0" dirty="0" smtClean="0">
+                        <a:solidFill>
+                          <a:schemeClr val="tx1"/>
+                        </a:solidFill>
+                      </a:endParaRPr>
                     </a:p>
                     <a:p>
                       <a:r>
@@ -31590,8 +31645,8 @@
         </p:nvCxnSpPr>
         <p:spPr>
           <a:xfrm flipH="1">
-            <a:off x="3320178" y="2045036"/>
-            <a:ext cx="1" cy="484804"/>
+            <a:off x="3320178" y="2197436"/>
+            <a:ext cx="1" cy="332404"/>
           </a:xfrm>
           <a:prstGeom prst="line">
             <a:avLst/>

--- a/UML.pptx
+++ b/UML.pptx
@@ -302,7 +302,7 @@
           <a:p>
             <a:fld id="{92E66E4B-7A79-FB43-8638-E9A35802AE45}" type="datetimeFigureOut">
               <a:rPr lang="en-US" smtClean="0"/>
-              <a:t>4/23/16</a:t>
+              <a:t>4/27/16</a:t>
             </a:fld>
             <a:endParaRPr lang="en-US"/>
           </a:p>
@@ -472,7 +472,7 @@
           <a:p>
             <a:fld id="{92E66E4B-7A79-FB43-8638-E9A35802AE45}" type="datetimeFigureOut">
               <a:rPr lang="en-US" smtClean="0"/>
-              <a:t>4/23/16</a:t>
+              <a:t>4/27/16</a:t>
             </a:fld>
             <a:endParaRPr lang="en-US"/>
           </a:p>
@@ -652,7 +652,7 @@
           <a:p>
             <a:fld id="{92E66E4B-7A79-FB43-8638-E9A35802AE45}" type="datetimeFigureOut">
               <a:rPr lang="en-US" smtClean="0"/>
-              <a:t>4/23/16</a:t>
+              <a:t>4/27/16</a:t>
             </a:fld>
             <a:endParaRPr lang="en-US"/>
           </a:p>
@@ -822,7 +822,7 @@
           <a:p>
             <a:fld id="{92E66E4B-7A79-FB43-8638-E9A35802AE45}" type="datetimeFigureOut">
               <a:rPr lang="en-US" smtClean="0"/>
-              <a:t>4/23/16</a:t>
+              <a:t>4/27/16</a:t>
             </a:fld>
             <a:endParaRPr lang="en-US"/>
           </a:p>
@@ -1068,7 +1068,7 @@
           <a:p>
             <a:fld id="{92E66E4B-7A79-FB43-8638-E9A35802AE45}" type="datetimeFigureOut">
               <a:rPr lang="en-US" smtClean="0"/>
-              <a:t>4/23/16</a:t>
+              <a:t>4/27/16</a:t>
             </a:fld>
             <a:endParaRPr lang="en-US"/>
           </a:p>
@@ -1356,7 +1356,7 @@
           <a:p>
             <a:fld id="{92E66E4B-7A79-FB43-8638-E9A35802AE45}" type="datetimeFigureOut">
               <a:rPr lang="en-US" smtClean="0"/>
-              <a:t>4/23/16</a:t>
+              <a:t>4/27/16</a:t>
             </a:fld>
             <a:endParaRPr lang="en-US"/>
           </a:p>
@@ -1783,7 +1783,7 @@
           <a:p>
             <a:fld id="{92E66E4B-7A79-FB43-8638-E9A35802AE45}" type="datetimeFigureOut">
               <a:rPr lang="en-US" smtClean="0"/>
-              <a:t>4/23/16</a:t>
+              <a:t>4/27/16</a:t>
             </a:fld>
             <a:endParaRPr lang="en-US"/>
           </a:p>
@@ -1901,7 +1901,7 @@
           <a:p>
             <a:fld id="{92E66E4B-7A79-FB43-8638-E9A35802AE45}" type="datetimeFigureOut">
               <a:rPr lang="en-US" smtClean="0"/>
-              <a:t>4/23/16</a:t>
+              <a:t>4/27/16</a:t>
             </a:fld>
             <a:endParaRPr lang="en-US"/>
           </a:p>
@@ -1996,7 +1996,7 @@
           <a:p>
             <a:fld id="{92E66E4B-7A79-FB43-8638-E9A35802AE45}" type="datetimeFigureOut">
               <a:rPr lang="en-US" smtClean="0"/>
-              <a:t>4/23/16</a:t>
+              <a:t>4/27/16</a:t>
             </a:fld>
             <a:endParaRPr lang="en-US"/>
           </a:p>
@@ -2273,7 +2273,7 @@
           <a:p>
             <a:fld id="{92E66E4B-7A79-FB43-8638-E9A35802AE45}" type="datetimeFigureOut">
               <a:rPr lang="en-US" smtClean="0"/>
-              <a:t>4/23/16</a:t>
+              <a:t>4/27/16</a:t>
             </a:fld>
             <a:endParaRPr lang="en-US"/>
           </a:p>
@@ -2526,7 +2526,7 @@
           <a:p>
             <a:fld id="{92E66E4B-7A79-FB43-8638-E9A35802AE45}" type="datetimeFigureOut">
               <a:rPr lang="en-US" smtClean="0"/>
-              <a:t>4/23/16</a:t>
+              <a:t>4/27/16</a:t>
             </a:fld>
             <a:endParaRPr lang="en-US"/>
           </a:p>
@@ -2739,7 +2739,7 @@
           <a:p>
             <a:fld id="{92E66E4B-7A79-FB43-8638-E9A35802AE45}" type="datetimeFigureOut">
               <a:rPr lang="en-US" smtClean="0"/>
-              <a:t>4/23/16</a:t>
+              <a:t>4/27/16</a:t>
             </a:fld>
             <a:endParaRPr lang="en-US"/>
           </a:p>
@@ -28400,14 +28400,14 @@
           <p:nvPr>
             <p:extLst>
               <p:ext uri="{D42A27DB-BD31-4B8C-83A1-F6EECF244321}">
-                <p14:modId xmlns:p14="http://schemas.microsoft.com/office/powerpoint/2010/main" val="742107765"/>
+                <p14:modId xmlns:p14="http://schemas.microsoft.com/office/powerpoint/2010/main" val="3661785627"/>
               </p:ext>
             </p:extLst>
           </p:nvPr>
         </p:nvGraphicFramePr>
         <p:xfrm>
           <a:off x="2843346" y="2455013"/>
-          <a:ext cx="1834168" cy="883920"/>
+          <a:ext cx="1834168" cy="1188720"/>
         </p:xfrm>
         <a:graphic>
           <a:graphicData uri="http://schemas.openxmlformats.org/drawingml/2006/table">
@@ -28609,8 +28609,123 @@
                             <a:schemeClr val="tx1"/>
                           </a:solidFill>
                         </a:rPr>
-                        <a:t> () : double</a:t>
-                      </a:r>
+                        <a:t> </a:t>
+                      </a:r>
+                      <a:r>
+                        <a:rPr lang="en-US" sz="1000" b="0" dirty="0" smtClean="0">
+                          <a:solidFill>
+                            <a:schemeClr val="tx1"/>
+                          </a:solidFill>
+                        </a:rPr>
+                        <a:t>() : </a:t>
+                      </a:r>
+                      <a:r>
+                        <a:rPr lang="en-US" sz="1000" b="0" dirty="0" smtClean="0">
+                          <a:solidFill>
+                            <a:schemeClr val="tx1"/>
+                          </a:solidFill>
+                        </a:rPr>
+                        <a:t>double</a:t>
+                      </a:r>
+                    </a:p>
+                    <a:p>
+                      <a:pPr marL="0" marR="0" indent="0" algn="l" defTabSz="457200" rtl="0" eaLnBrk="1" fontAlgn="auto" latinLnBrk="0" hangingPunct="1">
+                        <a:lnSpc>
+                          <a:spcPct val="100000"/>
+                        </a:lnSpc>
+                        <a:spcBef>
+                          <a:spcPts val="0"/>
+                        </a:spcBef>
+                        <a:spcAft>
+                          <a:spcPts val="0"/>
+                        </a:spcAft>
+                        <a:buClrTx/>
+                        <a:buSzTx/>
+                        <a:buFontTx/>
+                        <a:buNone/>
+                        <a:tabLst/>
+                        <a:defRPr/>
+                      </a:pPr>
+                      <a:r>
+                        <a:rPr lang="en-US" sz="1000" b="0" dirty="0" smtClean="0">
+                          <a:solidFill>
+                            <a:schemeClr val="tx1"/>
+                          </a:solidFill>
+                        </a:rPr>
+                        <a:t>- </a:t>
+                      </a:r>
+                      <a:r>
+                        <a:rPr lang="en-US" sz="1000" b="0" dirty="0" err="1" smtClean="0">
+                          <a:solidFill>
+                            <a:schemeClr val="tx1"/>
+                          </a:solidFill>
+                        </a:rPr>
+                        <a:t>get_rf</a:t>
+                      </a:r>
+                      <a:r>
+                        <a:rPr lang="en-US" sz="1000" b="0" dirty="0" smtClean="0">
+                          <a:solidFill>
+                            <a:schemeClr val="tx1"/>
+                          </a:solidFill>
+                        </a:rPr>
+                        <a:t>()</a:t>
+                      </a:r>
+                      <a:r>
+                        <a:rPr lang="en-US" sz="1000" b="0" baseline="0" dirty="0" smtClean="0">
+                          <a:solidFill>
+                            <a:schemeClr val="tx1"/>
+                          </a:solidFill>
+                        </a:rPr>
+                        <a:t> : double</a:t>
+                      </a:r>
+                    </a:p>
+                    <a:p>
+                      <a:pPr marL="0" marR="0" indent="0" algn="l" defTabSz="457200" rtl="0" eaLnBrk="1" fontAlgn="auto" latinLnBrk="0" hangingPunct="1">
+                        <a:lnSpc>
+                          <a:spcPct val="100000"/>
+                        </a:lnSpc>
+                        <a:spcBef>
+                          <a:spcPts val="0"/>
+                        </a:spcBef>
+                        <a:spcAft>
+                          <a:spcPts val="0"/>
+                        </a:spcAft>
+                        <a:buClrTx/>
+                        <a:buSzTx/>
+                        <a:buFontTx/>
+                        <a:buNone/>
+                        <a:tabLst/>
+                        <a:defRPr/>
+                      </a:pPr>
+                      <a:r>
+                        <a:rPr lang="en-US" sz="1000" b="0" dirty="0" smtClean="0">
+                          <a:solidFill>
+                            <a:schemeClr val="tx1"/>
+                          </a:solidFill>
+                        </a:rPr>
+                        <a:t>- </a:t>
+                      </a:r>
+                      <a:r>
+                        <a:rPr lang="en-US" sz="1000" b="0" dirty="0" err="1" smtClean="0">
+                          <a:solidFill>
+                            <a:schemeClr val="tx1"/>
+                          </a:solidFill>
+                        </a:rPr>
+                        <a:t>date_check</a:t>
+                      </a:r>
+                      <a:r>
+                        <a:rPr lang="en-US" sz="1000" b="0" dirty="0" smtClean="0">
+                          <a:solidFill>
+                            <a:schemeClr val="tx1"/>
+                          </a:solidFill>
+                        </a:rPr>
+                        <a:t>()</a:t>
+                      </a:r>
+                      <a:endParaRPr lang="en-US" sz="1000" b="0" dirty="0" smtClean="0">
+                        <a:solidFill>
+                          <a:schemeClr val="tx1"/>
+                        </a:solidFill>
+                      </a:endParaRPr>
                     </a:p>
                   </a:txBody>
                   <a:tcPr>
@@ -30797,6 +30912,425 @@
           </a:fontRef>
         </p:style>
       </p:cxnSp>
+      <p:graphicFrame>
+        <p:nvGraphicFramePr>
+          <p:cNvPr id="19" name="Table 18"/>
+          <p:cNvGraphicFramePr>
+            <a:graphicFrameLocks noGrp="1"/>
+          </p:cNvGraphicFramePr>
+          <p:nvPr>
+            <p:extLst>
+              <p:ext uri="{D42A27DB-BD31-4B8C-83A1-F6EECF244321}">
+                <p14:modId xmlns:p14="http://schemas.microsoft.com/office/powerpoint/2010/main" val="806736655"/>
+              </p:ext>
+            </p:extLst>
+          </p:nvPr>
+        </p:nvGraphicFramePr>
+        <p:xfrm>
+          <a:off x="779669" y="2455013"/>
+          <a:ext cx="1834168" cy="1188720"/>
+        </p:xfrm>
+        <a:graphic>
+          <a:graphicData uri="http://schemas.openxmlformats.org/drawingml/2006/table">
+            <a:tbl>
+              <a:tblPr firstRow="1" bandRow="1">
+                <a:tableStyleId>{5C22544A-7EE6-4342-B048-85BDC9FD1C3A}</a:tableStyleId>
+              </a:tblPr>
+              <a:tblGrid>
+                <a:gridCol w="1834168"/>
+              </a:tblGrid>
+              <a:tr h="134762">
+                <a:tc>
+                  <a:txBody>
+                    <a:bodyPr/>
+                    <a:lstStyle/>
+                    <a:p>
+                      <a:pPr algn="ctr"/>
+                      <a:r>
+                        <a:rPr lang="en-US" sz="1000" b="1" dirty="0" err="1" smtClean="0">
+                          <a:solidFill>
+                            <a:schemeClr val="tx1"/>
+                          </a:solidFill>
+                        </a:rPr>
+                        <a:t>GEMTrader</a:t>
+                      </a:r>
+                      <a:endParaRPr lang="en-US" sz="1000" b="1" dirty="0">
+                        <a:solidFill>
+                          <a:schemeClr val="tx1"/>
+                        </a:solidFill>
+                      </a:endParaRPr>
+                    </a:p>
+                  </a:txBody>
+                  <a:tcPr>
+                    <a:lnL w="12700" cap="flat" cmpd="sng" algn="ctr">
+                      <a:solidFill>
+                        <a:scrgbClr r="0" g="0" b="0"/>
+                      </a:solidFill>
+                      <a:prstDash val="solid"/>
+                      <a:round/>
+                      <a:headEnd type="none" w="med" len="med"/>
+                      <a:tailEnd type="none" w="med" len="med"/>
+                    </a:lnL>
+                    <a:lnR w="12700" cap="flat" cmpd="sng" algn="ctr">
+                      <a:solidFill>
+                        <a:scrgbClr r="0" g="0" b="0"/>
+                      </a:solidFill>
+                      <a:prstDash val="solid"/>
+                      <a:round/>
+                      <a:headEnd type="none" w="med" len="med"/>
+                      <a:tailEnd type="none" w="med" len="med"/>
+                    </a:lnR>
+                    <a:lnT w="12700" cap="flat" cmpd="sng" algn="ctr">
+                      <a:solidFill>
+                        <a:scrgbClr r="0" g="0" b="0"/>
+                      </a:solidFill>
+                      <a:prstDash val="solid"/>
+                      <a:round/>
+                      <a:headEnd type="none" w="med" len="med"/>
+                      <a:tailEnd type="none" w="med" len="med"/>
+                    </a:lnT>
+                    <a:lnB w="12700" cap="flat" cmpd="sng" algn="ctr">
+                      <a:solidFill>
+                        <a:scrgbClr r="0" g="0" b="0"/>
+                      </a:solidFill>
+                      <a:prstDash val="solid"/>
+                      <a:round/>
+                      <a:headEnd type="none" w="med" len="med"/>
+                      <a:tailEnd type="none" w="med" len="med"/>
+                    </a:lnB>
+                    <a:noFill/>
+                  </a:tcPr>
+                </a:tc>
+              </a:tr>
+              <a:tr h="218988">
+                <a:tc>
+                  <a:txBody>
+                    <a:bodyPr/>
+                    <a:lstStyle/>
+                    <a:p>
+                      <a:r>
+                        <a:rPr lang="en-US" sz="1000" b="0" dirty="0" smtClean="0">
+                          <a:solidFill>
+                            <a:schemeClr val="tx1"/>
+                          </a:solidFill>
+                        </a:rPr>
+                        <a:t>- </a:t>
+                      </a:r>
+                      <a:r>
+                        <a:rPr lang="en-US" sz="1000" b="0" dirty="0" err="1" smtClean="0">
+                          <a:solidFill>
+                            <a:schemeClr val="tx1"/>
+                          </a:solidFill>
+                        </a:rPr>
+                        <a:t>initial_capital</a:t>
+                      </a:r>
+                      <a:r>
+                        <a:rPr lang="en-US" sz="1000" b="0" dirty="0" smtClean="0">
+                          <a:solidFill>
+                            <a:schemeClr val="tx1"/>
+                          </a:solidFill>
+                        </a:rPr>
+                        <a:t> : double</a:t>
+                      </a:r>
+                    </a:p>
+                  </a:txBody>
+                  <a:tcPr>
+                    <a:lnL w="12700" cap="flat" cmpd="sng" algn="ctr">
+                      <a:solidFill>
+                        <a:scrgbClr r="0" g="0" b="0"/>
+                      </a:solidFill>
+                      <a:prstDash val="solid"/>
+                      <a:round/>
+                      <a:headEnd type="none" w="med" len="med"/>
+                      <a:tailEnd type="none" w="med" len="med"/>
+                    </a:lnL>
+                    <a:lnR w="12700" cap="flat" cmpd="sng" algn="ctr">
+                      <a:solidFill>
+                        <a:scrgbClr r="0" g="0" b="0"/>
+                      </a:solidFill>
+                      <a:prstDash val="solid"/>
+                      <a:round/>
+                      <a:headEnd type="none" w="med" len="med"/>
+                      <a:tailEnd type="none" w="med" len="med"/>
+                    </a:lnR>
+                    <a:lnT w="12700" cap="flat" cmpd="sng" algn="ctr">
+                      <a:solidFill>
+                        <a:scrgbClr r="0" g="0" b="0"/>
+                      </a:solidFill>
+                      <a:prstDash val="solid"/>
+                      <a:round/>
+                      <a:headEnd type="none" w="med" len="med"/>
+                      <a:tailEnd type="none" w="med" len="med"/>
+                    </a:lnT>
+                    <a:lnB w="12700" cap="flat" cmpd="sng" algn="ctr">
+                      <a:solidFill>
+                        <a:scrgbClr r="0" g="0" b="0"/>
+                      </a:solidFill>
+                      <a:prstDash val="solid"/>
+                      <a:round/>
+                      <a:headEnd type="none" w="med" len="med"/>
+                      <a:tailEnd type="none" w="med" len="med"/>
+                    </a:lnB>
+                    <a:noFill/>
+                  </a:tcPr>
+                </a:tc>
+              </a:tr>
+              <a:tr h="134762">
+                <a:tc>
+                  <a:txBody>
+                    <a:bodyPr/>
+                    <a:lstStyle/>
+                    <a:p>
+                      <a:r>
+                        <a:rPr lang="en-US" sz="1000" b="0" dirty="0" smtClean="0">
+                          <a:solidFill>
+                            <a:schemeClr val="tx1"/>
+                          </a:solidFill>
+                        </a:rPr>
+                        <a:t>+ run()</a:t>
+                      </a:r>
+                    </a:p>
+                    <a:p>
+                      <a:pPr marL="0" marR="0" indent="0" algn="l" defTabSz="457200" rtl="0" eaLnBrk="1" fontAlgn="auto" latinLnBrk="0" hangingPunct="1">
+                        <a:lnSpc>
+                          <a:spcPct val="100000"/>
+                        </a:lnSpc>
+                        <a:spcBef>
+                          <a:spcPts val="0"/>
+                        </a:spcBef>
+                        <a:spcAft>
+                          <a:spcPts val="0"/>
+                        </a:spcAft>
+                        <a:buClrTx/>
+                        <a:buSzTx/>
+                        <a:buFontTx/>
+                        <a:buNone/>
+                        <a:tabLst/>
+                        <a:defRPr/>
+                      </a:pPr>
+                      <a:r>
+                        <a:rPr lang="en-US" sz="1000" b="0" dirty="0" smtClean="0">
+                          <a:solidFill>
+                            <a:schemeClr val="tx1"/>
+                          </a:solidFill>
+                        </a:rPr>
+                        <a:t>- </a:t>
+                      </a:r>
+                      <a:r>
+                        <a:rPr lang="en-US" sz="1000" b="0" dirty="0" err="1" smtClean="0">
+                          <a:solidFill>
+                            <a:schemeClr val="tx1"/>
+                          </a:solidFill>
+                        </a:rPr>
+                        <a:t>daily_execution</a:t>
+                      </a:r>
+                      <a:r>
+                        <a:rPr lang="en-US" sz="1000" b="0" dirty="0" smtClean="0">
+                          <a:solidFill>
+                            <a:schemeClr val="tx1"/>
+                          </a:solidFill>
+                        </a:rPr>
+                        <a:t> </a:t>
+                      </a:r>
+                      <a:r>
+                        <a:rPr lang="en-US" sz="1000" b="0" dirty="0" smtClean="0">
+                          <a:solidFill>
+                            <a:schemeClr val="tx1"/>
+                          </a:solidFill>
+                        </a:rPr>
+                        <a:t>() : </a:t>
+                      </a:r>
+                      <a:r>
+                        <a:rPr lang="en-US" sz="1000" b="0" dirty="0" smtClean="0">
+                          <a:solidFill>
+                            <a:schemeClr val="tx1"/>
+                          </a:solidFill>
+                        </a:rPr>
+                        <a:t>double</a:t>
+                      </a:r>
+                    </a:p>
+                    <a:p>
+                      <a:pPr marL="0" marR="0" indent="0" algn="l" defTabSz="457200" rtl="0" eaLnBrk="1" fontAlgn="auto" latinLnBrk="0" hangingPunct="1">
+                        <a:lnSpc>
+                          <a:spcPct val="100000"/>
+                        </a:lnSpc>
+                        <a:spcBef>
+                          <a:spcPts val="0"/>
+                        </a:spcBef>
+                        <a:spcAft>
+                          <a:spcPts val="0"/>
+                        </a:spcAft>
+                        <a:buClrTx/>
+                        <a:buSzTx/>
+                        <a:buFontTx/>
+                        <a:buNone/>
+                        <a:tabLst/>
+                        <a:defRPr/>
+                      </a:pPr>
+                      <a:r>
+                        <a:rPr lang="en-US" sz="1000" b="0" dirty="0" smtClean="0">
+                          <a:solidFill>
+                            <a:schemeClr val="tx1"/>
+                          </a:solidFill>
+                        </a:rPr>
+                        <a:t>- </a:t>
+                      </a:r>
+                      <a:r>
+                        <a:rPr lang="en-US" sz="1000" b="0" dirty="0" err="1" smtClean="0">
+                          <a:solidFill>
+                            <a:schemeClr val="tx1"/>
+                          </a:solidFill>
+                        </a:rPr>
+                        <a:t>get_rf</a:t>
+                      </a:r>
+                      <a:r>
+                        <a:rPr lang="en-US" sz="1000" b="0" dirty="0" smtClean="0">
+                          <a:solidFill>
+                            <a:schemeClr val="tx1"/>
+                          </a:solidFill>
+                        </a:rPr>
+                        <a:t>()</a:t>
+                      </a:r>
+                      <a:r>
+                        <a:rPr lang="en-US" sz="1000" b="0" baseline="0" dirty="0" smtClean="0">
+                          <a:solidFill>
+                            <a:schemeClr val="tx1"/>
+                          </a:solidFill>
+                        </a:rPr>
+                        <a:t> : double</a:t>
+                      </a:r>
+                    </a:p>
+                    <a:p>
+                      <a:pPr marL="0" marR="0" indent="0" algn="l" defTabSz="457200" rtl="0" eaLnBrk="1" fontAlgn="auto" latinLnBrk="0" hangingPunct="1">
+                        <a:lnSpc>
+                          <a:spcPct val="100000"/>
+                        </a:lnSpc>
+                        <a:spcBef>
+                          <a:spcPts val="0"/>
+                        </a:spcBef>
+                        <a:spcAft>
+                          <a:spcPts val="0"/>
+                        </a:spcAft>
+                        <a:buClrTx/>
+                        <a:buSzTx/>
+                        <a:buFontTx/>
+                        <a:buNone/>
+                        <a:tabLst/>
+                        <a:defRPr/>
+                      </a:pPr>
+                      <a:r>
+                        <a:rPr lang="en-US" sz="1000" b="0" dirty="0" smtClean="0">
+                          <a:solidFill>
+                            <a:schemeClr val="tx1"/>
+                          </a:solidFill>
+                        </a:rPr>
+                        <a:t>- </a:t>
+                      </a:r>
+                      <a:r>
+                        <a:rPr lang="en-US" sz="1000" b="0" dirty="0" err="1" smtClean="0">
+                          <a:solidFill>
+                            <a:schemeClr val="tx1"/>
+                          </a:solidFill>
+                        </a:rPr>
+                        <a:t>date_check</a:t>
+                      </a:r>
+                      <a:r>
+                        <a:rPr lang="en-US" sz="1000" b="0" dirty="0" smtClean="0">
+                          <a:solidFill>
+                            <a:schemeClr val="tx1"/>
+                          </a:solidFill>
+                        </a:rPr>
+                        <a:t>()</a:t>
+                      </a:r>
+                    </a:p>
+                  </a:txBody>
+                  <a:tcPr>
+                    <a:lnL w="12700" cap="flat" cmpd="sng" algn="ctr">
+                      <a:solidFill>
+                        <a:scrgbClr r="0" g="0" b="0"/>
+                      </a:solidFill>
+                      <a:prstDash val="solid"/>
+                      <a:round/>
+                      <a:headEnd type="none" w="med" len="med"/>
+                      <a:tailEnd type="none" w="med" len="med"/>
+                    </a:lnL>
+                    <a:lnR w="12700" cap="flat" cmpd="sng" algn="ctr">
+                      <a:solidFill>
+                        <a:scrgbClr r="0" g="0" b="0"/>
+                      </a:solidFill>
+                      <a:prstDash val="solid"/>
+                      <a:round/>
+                      <a:headEnd type="none" w="med" len="med"/>
+                      <a:tailEnd type="none" w="med" len="med"/>
+                    </a:lnR>
+                    <a:lnT w="12700" cap="flat" cmpd="sng" algn="ctr">
+                      <a:solidFill>
+                        <a:scrgbClr r="0" g="0" b="0"/>
+                      </a:solidFill>
+                      <a:prstDash val="solid"/>
+                      <a:round/>
+                      <a:headEnd type="none" w="med" len="med"/>
+                      <a:tailEnd type="none" w="med" len="med"/>
+                    </a:lnT>
+                    <a:lnB w="12700" cap="flat" cmpd="sng" algn="ctr">
+                      <a:solidFill>
+                        <a:scrgbClr r="0" g="0" b="0"/>
+                      </a:solidFill>
+                      <a:prstDash val="solid"/>
+                      <a:round/>
+                      <a:headEnd type="none" w="med" len="med"/>
+                      <a:tailEnd type="none" w="med" len="med"/>
+                    </a:lnB>
+                    <a:noFill/>
+                  </a:tcPr>
+                </a:tc>
+              </a:tr>
+            </a:tbl>
+          </a:graphicData>
+        </a:graphic>
+      </p:graphicFrame>
+      <p:cxnSp>
+        <p:nvCxnSpPr>
+          <p:cNvPr id="20" name="Straight Connector 19"/>
+          <p:cNvCxnSpPr>
+            <a:stCxn id="3" idx="2"/>
+            <a:endCxn id="19" idx="0"/>
+          </p:cNvCxnSpPr>
+          <p:nvPr/>
+        </p:nvCxnSpPr>
+        <p:spPr>
+          <a:xfrm flipH="1">
+            <a:off x="1696753" y="2122609"/>
+            <a:ext cx="2063676" cy="332404"/>
+          </a:xfrm>
+          <a:prstGeom prst="line">
+            <a:avLst/>
+          </a:prstGeom>
+          <a:ln w="12700" cmpd="sng">
+            <a:solidFill>
+              <a:schemeClr val="tx1"/>
+            </a:solidFill>
+            <a:prstDash val="solid"/>
+            <a:headEnd type="triangle" w="lg" len="lg"/>
+            <a:tailEnd type="none"/>
+          </a:ln>
+          <a:effectLst/>
+        </p:spPr>
+        <p:style>
+          <a:lnRef idx="2">
+            <a:schemeClr val="accent1"/>
+          </a:lnRef>
+          <a:fillRef idx="0">
+            <a:schemeClr val="accent1"/>
+          </a:fillRef>
+          <a:effectRef idx="1">
+            <a:schemeClr val="accent1"/>
+          </a:effectRef>
+          <a:fontRef idx="minor">
+            <a:schemeClr val="tx1"/>
+          </a:fontRef>
+        </p:style>
+      </p:cxnSp>
     </p:spTree>
     <p:extLst>
       <p:ext uri="{BB962C8B-B14F-4D97-AF65-F5344CB8AC3E}">
@@ -31471,47 +32005,34 @@
                             <a:schemeClr val="tx1"/>
                           </a:solidFill>
                         </a:rPr>
-                        <a:t>+ initialize(</a:t>
-                      </a:r>
+                        <a:t>+ initialize()</a:t>
+                      </a:r>
+                    </a:p>
+                    <a:p>
                       <a:r>
                         <a:rPr lang="en-US" sz="1000" b="0" dirty="0" smtClean="0">
                           <a:solidFill>
                             <a:schemeClr val="tx1"/>
                           </a:solidFill>
                         </a:rPr>
-                        <a:t>)</a:t>
-                      </a:r>
-                    </a:p>
-                    <a:p>
+                        <a:t>+ </a:t>
+                      </a:r>
+                      <a:r>
+                        <a:rPr lang="en-US" sz="1000" b="0" dirty="0" err="1" smtClean="0">
+                          <a:solidFill>
+                            <a:schemeClr val="tx1"/>
+                          </a:solidFill>
+                        </a:rPr>
+                        <a:t>split_and_dividend</a:t>
+                      </a:r>
                       <a:r>
                         <a:rPr lang="en-US" sz="1000" b="0" dirty="0" smtClean="0">
                           <a:solidFill>
                             <a:schemeClr val="tx1"/>
                           </a:solidFill>
                         </a:rPr>
-                        <a:t>+ </a:t>
-                      </a:r>
-                      <a:r>
-                        <a:rPr lang="en-US" sz="1000" b="0" dirty="0" err="1" smtClean="0">
-                          <a:solidFill>
-                            <a:schemeClr val="tx1"/>
-                          </a:solidFill>
-                        </a:rPr>
-                        <a:t>split_and_dividend</a:t>
-                      </a:r>
-                      <a:r>
-                        <a:rPr lang="en-US" sz="1000" b="0" dirty="0" smtClean="0">
-                          <a:solidFill>
-                            <a:schemeClr val="tx1"/>
-                          </a:solidFill>
-                        </a:rPr>
                         <a:t>()</a:t>
                       </a:r>
-                      <a:endParaRPr lang="en-US" sz="1000" b="0" dirty="0" smtClean="0">
-                        <a:solidFill>
-                          <a:schemeClr val="tx1"/>
-                        </a:solidFill>
-                      </a:endParaRPr>
                     </a:p>
                     <a:p>
                       <a:r>

--- a/UML.pptx
+++ b/UML.pptx
@@ -302,7 +302,7 @@
           <a:p>
             <a:fld id="{92E66E4B-7A79-FB43-8638-E9A35802AE45}" type="datetimeFigureOut">
               <a:rPr lang="en-US" smtClean="0"/>
-              <a:t>4/27/16</a:t>
+              <a:t>5/1/16</a:t>
             </a:fld>
             <a:endParaRPr lang="en-US"/>
           </a:p>
@@ -472,7 +472,7 @@
           <a:p>
             <a:fld id="{92E66E4B-7A79-FB43-8638-E9A35802AE45}" type="datetimeFigureOut">
               <a:rPr lang="en-US" smtClean="0"/>
-              <a:t>4/27/16</a:t>
+              <a:t>5/1/16</a:t>
             </a:fld>
             <a:endParaRPr lang="en-US"/>
           </a:p>
@@ -652,7 +652,7 @@
           <a:p>
             <a:fld id="{92E66E4B-7A79-FB43-8638-E9A35802AE45}" type="datetimeFigureOut">
               <a:rPr lang="en-US" smtClean="0"/>
-              <a:t>4/27/16</a:t>
+              <a:t>5/1/16</a:t>
             </a:fld>
             <a:endParaRPr lang="en-US"/>
           </a:p>
@@ -822,7 +822,7 @@
           <a:p>
             <a:fld id="{92E66E4B-7A79-FB43-8638-E9A35802AE45}" type="datetimeFigureOut">
               <a:rPr lang="en-US" smtClean="0"/>
-              <a:t>4/27/16</a:t>
+              <a:t>5/1/16</a:t>
             </a:fld>
             <a:endParaRPr lang="en-US"/>
           </a:p>
@@ -1068,7 +1068,7 @@
           <a:p>
             <a:fld id="{92E66E4B-7A79-FB43-8638-E9A35802AE45}" type="datetimeFigureOut">
               <a:rPr lang="en-US" smtClean="0"/>
-              <a:t>4/27/16</a:t>
+              <a:t>5/1/16</a:t>
             </a:fld>
             <a:endParaRPr lang="en-US"/>
           </a:p>
@@ -1356,7 +1356,7 @@
           <a:p>
             <a:fld id="{92E66E4B-7A79-FB43-8638-E9A35802AE45}" type="datetimeFigureOut">
               <a:rPr lang="en-US" smtClean="0"/>
-              <a:t>4/27/16</a:t>
+              <a:t>5/1/16</a:t>
             </a:fld>
             <a:endParaRPr lang="en-US"/>
           </a:p>
@@ -1783,7 +1783,7 @@
           <a:p>
             <a:fld id="{92E66E4B-7A79-FB43-8638-E9A35802AE45}" type="datetimeFigureOut">
               <a:rPr lang="en-US" smtClean="0"/>
-              <a:t>4/27/16</a:t>
+              <a:t>5/1/16</a:t>
             </a:fld>
             <a:endParaRPr lang="en-US"/>
           </a:p>
@@ -1901,7 +1901,7 @@
           <a:p>
             <a:fld id="{92E66E4B-7A79-FB43-8638-E9A35802AE45}" type="datetimeFigureOut">
               <a:rPr lang="en-US" smtClean="0"/>
-              <a:t>4/27/16</a:t>
+              <a:t>5/1/16</a:t>
             </a:fld>
             <a:endParaRPr lang="en-US"/>
           </a:p>
@@ -1996,7 +1996,7 @@
           <a:p>
             <a:fld id="{92E66E4B-7A79-FB43-8638-E9A35802AE45}" type="datetimeFigureOut">
               <a:rPr lang="en-US" smtClean="0"/>
-              <a:t>4/27/16</a:t>
+              <a:t>5/1/16</a:t>
             </a:fld>
             <a:endParaRPr lang="en-US"/>
           </a:p>
@@ -2273,7 +2273,7 @@
           <a:p>
             <a:fld id="{92E66E4B-7A79-FB43-8638-E9A35802AE45}" type="datetimeFigureOut">
               <a:rPr lang="en-US" smtClean="0"/>
-              <a:t>4/27/16</a:t>
+              <a:t>5/1/16</a:t>
             </a:fld>
             <a:endParaRPr lang="en-US"/>
           </a:p>
@@ -2526,7 +2526,7 @@
           <a:p>
             <a:fld id="{92E66E4B-7A79-FB43-8638-E9A35802AE45}" type="datetimeFigureOut">
               <a:rPr lang="en-US" smtClean="0"/>
-              <a:t>4/27/16</a:t>
+              <a:t>5/1/16</a:t>
             </a:fld>
             <a:endParaRPr lang="en-US"/>
           </a:p>
@@ -2739,7 +2739,7 @@
           <a:p>
             <a:fld id="{92E66E4B-7A79-FB43-8638-E9A35802AE45}" type="datetimeFigureOut">
               <a:rPr lang="en-US" smtClean="0"/>
-              <a:t>4/27/16</a:t>
+              <a:t>5/1/16</a:t>
             </a:fld>
             <a:endParaRPr lang="en-US"/>
           </a:p>
@@ -28400,14 +28400,14 @@
           <p:nvPr>
             <p:extLst>
               <p:ext uri="{D42A27DB-BD31-4B8C-83A1-F6EECF244321}">
-                <p14:modId xmlns:p14="http://schemas.microsoft.com/office/powerpoint/2010/main" val="3661785627"/>
+                <p14:modId xmlns:p14="http://schemas.microsoft.com/office/powerpoint/2010/main" val="568674463"/>
               </p:ext>
             </p:extLst>
           </p:nvPr>
         </p:nvGraphicFramePr>
         <p:xfrm>
           <a:off x="2843346" y="2455013"/>
-          <a:ext cx="1834168" cy="1188720"/>
+          <a:ext cx="2711912" cy="2712720"/>
         </p:xfrm>
         <a:graphic>
           <a:graphicData uri="http://schemas.openxmlformats.org/drawingml/2006/table">
@@ -28416,7 +28416,7 @@
                 <a:tableStyleId>{5C22544A-7EE6-4342-B048-85BDC9FD1C3A}</a:tableStyleId>
               </a:tblPr>
               <a:tblGrid>
-                <a:gridCol w="1834168"/>
+                <a:gridCol w="2711912"/>
               </a:tblGrid>
               <a:tr h="134762">
                 <a:tc>
@@ -28512,6 +28512,131 @@
                         <a:t> : double</a:t>
                       </a:r>
                     </a:p>
+                    <a:p>
+                      <a:r>
+                        <a:rPr lang="en-US" sz="1000" b="0" dirty="0" smtClean="0">
+                          <a:solidFill>
+                            <a:schemeClr val="tx1"/>
+                          </a:solidFill>
+                        </a:rPr>
+                        <a:t>- </a:t>
+                      </a:r>
+                      <a:r>
+                        <a:rPr lang="en-US" sz="1000" b="0" dirty="0" err="1" smtClean="0">
+                          <a:solidFill>
+                            <a:schemeClr val="tx1"/>
+                          </a:solidFill>
+                        </a:rPr>
+                        <a:t>first_trading_day</a:t>
+                      </a:r>
+                      <a:r>
+                        <a:rPr lang="en-US" sz="1000" b="0" baseline="0" dirty="0" smtClean="0">
+                          <a:solidFill>
+                            <a:schemeClr val="tx1"/>
+                          </a:solidFill>
+                        </a:rPr>
+                        <a:t> : date</a:t>
+                      </a:r>
+                    </a:p>
+                    <a:p>
+                      <a:pPr marL="0" marR="0" indent="0" algn="l" defTabSz="457200" rtl="0" eaLnBrk="1" fontAlgn="auto" latinLnBrk="0" hangingPunct="1">
+                        <a:lnSpc>
+                          <a:spcPct val="100000"/>
+                        </a:lnSpc>
+                        <a:spcBef>
+                          <a:spcPts val="0"/>
+                        </a:spcBef>
+                        <a:spcAft>
+                          <a:spcPts val="0"/>
+                        </a:spcAft>
+                        <a:buClrTx/>
+                        <a:buSzTx/>
+                        <a:buFontTx/>
+                        <a:buNone/>
+                        <a:tabLst/>
+                        <a:defRPr/>
+                      </a:pPr>
+                      <a:r>
+                        <a:rPr lang="en-US" sz="1000" b="0" dirty="0" smtClean="0">
+                          <a:solidFill>
+                            <a:schemeClr val="tx1"/>
+                          </a:solidFill>
+                        </a:rPr>
+                        <a:t>- </a:t>
+                      </a:r>
+                      <a:r>
+                        <a:rPr lang="en-US" sz="1000" b="0" dirty="0" err="1" smtClean="0">
+                          <a:solidFill>
+                            <a:schemeClr val="tx1"/>
+                          </a:solidFill>
+                        </a:rPr>
+                        <a:t>rf</a:t>
+                      </a:r>
+                      <a:r>
+                        <a:rPr lang="en-US" sz="1000" b="0" baseline="0" dirty="0" smtClean="0">
+                          <a:solidFill>
+                            <a:schemeClr val="tx1"/>
+                          </a:solidFill>
+                        </a:rPr>
+                        <a:t> : </a:t>
+                      </a:r>
+                      <a:r>
+                        <a:rPr lang="en-US" sz="1000" b="0" baseline="0" dirty="0" err="1" smtClean="0">
+                          <a:solidFill>
+                            <a:schemeClr val="tx1"/>
+                          </a:solidFill>
+                        </a:rPr>
+                        <a:t>TreasurySeries</a:t>
+                      </a:r>
+                      <a:r>
+                        <a:rPr lang="en-US" sz="1000" b="0" baseline="0" dirty="0" smtClean="0">
+                          <a:solidFill>
+                            <a:schemeClr val="tx1"/>
+                          </a:solidFill>
+                        </a:rPr>
+                        <a:t>*</a:t>
+                      </a:r>
+                    </a:p>
+                    <a:p>
+                      <a:pPr marL="0" marR="0" indent="0" algn="l" defTabSz="457200" rtl="0" eaLnBrk="1" fontAlgn="auto" latinLnBrk="0" hangingPunct="1">
+                        <a:lnSpc>
+                          <a:spcPct val="100000"/>
+                        </a:lnSpc>
+                        <a:spcBef>
+                          <a:spcPts val="0"/>
+                        </a:spcBef>
+                        <a:spcAft>
+                          <a:spcPts val="0"/>
+                        </a:spcAft>
+                        <a:buClrTx/>
+                        <a:buSzTx/>
+                        <a:buFontTx/>
+                        <a:buNone/>
+                        <a:tabLst/>
+                        <a:defRPr/>
+                      </a:pPr>
+                      <a:r>
+                        <a:rPr lang="en-US" sz="1000" b="0" dirty="0" smtClean="0">
+                          <a:solidFill>
+                            <a:schemeClr val="tx1"/>
+                          </a:solidFill>
+                        </a:rPr>
+                        <a:t>- BOND : </a:t>
+                      </a:r>
+                      <a:r>
+                        <a:rPr lang="en-US" sz="1000" b="0" dirty="0" err="1" smtClean="0">
+                          <a:solidFill>
+                            <a:schemeClr val="tx1"/>
+                          </a:solidFill>
+                        </a:rPr>
+                        <a:t>str</a:t>
+                      </a:r>
+                      <a:endParaRPr lang="en-US" sz="1000" b="0" dirty="0" smtClean="0">
+                        <a:solidFill>
+                          <a:schemeClr val="tx1"/>
+                        </a:solidFill>
+                      </a:endParaRPr>
+                    </a:p>
                   </a:txBody>
                   <a:tcPr>
                     <a:lnL w="12700" cap="flat" cmpd="sng" algn="ctr">
@@ -28593,7 +28718,7 @@
                             <a:schemeClr val="tx1"/>
                           </a:solidFill>
                         </a:rPr>
-                        <a:t>- </a:t>
+                        <a:t>+ </a:t>
                       </a:r>
                       <a:r>
                         <a:rPr lang="en-US" sz="1000" b="0" dirty="0" err="1" smtClean="0">
@@ -28601,117 +28726,7 @@
                             <a:schemeClr val="tx1"/>
                           </a:solidFill>
                         </a:rPr>
-                        <a:t>daily_execution</a:t>
-                      </a:r>
-                      <a:r>
-                        <a:rPr lang="en-US" sz="1000" b="0" dirty="0" smtClean="0">
-                          <a:solidFill>
-                            <a:schemeClr val="tx1"/>
-                          </a:solidFill>
-                        </a:rPr>
-                        <a:t> </a:t>
-                      </a:r>
-                      <a:r>
-                        <a:rPr lang="en-US" sz="1000" b="0" dirty="0" smtClean="0">
-                          <a:solidFill>
-                            <a:schemeClr val="tx1"/>
-                          </a:solidFill>
-                        </a:rPr>
-                        <a:t>() : </a:t>
-                      </a:r>
-                      <a:r>
-                        <a:rPr lang="en-US" sz="1000" b="0" dirty="0" smtClean="0">
-                          <a:solidFill>
-                            <a:schemeClr val="tx1"/>
-                          </a:solidFill>
-                        </a:rPr>
-                        <a:t>double</a:t>
-                      </a:r>
-                    </a:p>
-                    <a:p>
-                      <a:pPr marL="0" marR="0" indent="0" algn="l" defTabSz="457200" rtl="0" eaLnBrk="1" fontAlgn="auto" latinLnBrk="0" hangingPunct="1">
-                        <a:lnSpc>
-                          <a:spcPct val="100000"/>
-                        </a:lnSpc>
-                        <a:spcBef>
-                          <a:spcPts val="0"/>
-                        </a:spcBef>
-                        <a:spcAft>
-                          <a:spcPts val="0"/>
-                        </a:spcAft>
-                        <a:buClrTx/>
-                        <a:buSzTx/>
-                        <a:buFontTx/>
-                        <a:buNone/>
-                        <a:tabLst/>
-                        <a:defRPr/>
-                      </a:pPr>
-                      <a:r>
-                        <a:rPr lang="en-US" sz="1000" b="0" dirty="0" smtClean="0">
-                          <a:solidFill>
-                            <a:schemeClr val="tx1"/>
-                          </a:solidFill>
-                        </a:rPr>
-                        <a:t>- </a:t>
-                      </a:r>
-                      <a:r>
-                        <a:rPr lang="en-US" sz="1000" b="0" dirty="0" err="1" smtClean="0">
-                          <a:solidFill>
-                            <a:schemeClr val="tx1"/>
-                          </a:solidFill>
-                        </a:rPr>
-                        <a:t>get_rf</a:t>
-                      </a:r>
-                      <a:r>
-                        <a:rPr lang="en-US" sz="1000" b="0" dirty="0" smtClean="0">
-                          <a:solidFill>
-                            <a:schemeClr val="tx1"/>
-                          </a:solidFill>
-                        </a:rPr>
-                        <a:t>()</a:t>
-                      </a:r>
-                      <a:r>
-                        <a:rPr lang="en-US" sz="1000" b="0" baseline="0" dirty="0" smtClean="0">
-                          <a:solidFill>
-                            <a:schemeClr val="tx1"/>
-                          </a:solidFill>
-                        </a:rPr>
-                        <a:t> : double</a:t>
-                      </a:r>
-                    </a:p>
-                    <a:p>
-                      <a:pPr marL="0" marR="0" indent="0" algn="l" defTabSz="457200" rtl="0" eaLnBrk="1" fontAlgn="auto" latinLnBrk="0" hangingPunct="1">
-                        <a:lnSpc>
-                          <a:spcPct val="100000"/>
-                        </a:lnSpc>
-                        <a:spcBef>
-                          <a:spcPts val="0"/>
-                        </a:spcBef>
-                        <a:spcAft>
-                          <a:spcPts val="0"/>
-                        </a:spcAft>
-                        <a:buClrTx/>
-                        <a:buSzTx/>
-                        <a:buFontTx/>
-                        <a:buNone/>
-                        <a:tabLst/>
-                        <a:defRPr/>
-                      </a:pPr>
-                      <a:r>
-                        <a:rPr lang="en-US" sz="1000" b="0" dirty="0" smtClean="0">
-                          <a:solidFill>
-                            <a:schemeClr val="tx1"/>
-                          </a:solidFill>
-                        </a:rPr>
-                        <a:t>- </a:t>
-                      </a:r>
-                      <a:r>
-                        <a:rPr lang="en-US" sz="1000" b="0" dirty="0" err="1" smtClean="0">
-                          <a:solidFill>
-                            <a:schemeClr val="tx1"/>
-                          </a:solidFill>
-                        </a:rPr>
-                        <a:t>date_check</a:t>
+                        <a:t>set_bond</a:t>
                       </a:r>
                       <a:r>
                         <a:rPr lang="en-US" sz="1000" b="0" dirty="0" smtClean="0">
@@ -28726,6 +28741,166 @@
                           <a:schemeClr val="tx1"/>
                         </a:solidFill>
                       </a:endParaRPr>
+                    </a:p>
+                    <a:p>
+                      <a:r>
+                        <a:rPr lang="en-US" sz="1000" dirty="0" smtClean="0"/>
+                        <a:t>- </a:t>
+                      </a:r>
+                      <a:r>
+                        <a:rPr lang="en-US" sz="1000" dirty="0" err="1" smtClean="0"/>
+                        <a:t>preprocess_data</a:t>
+                      </a:r>
+                      <a:r>
+                        <a:rPr lang="en-US" sz="1000" dirty="0" smtClean="0"/>
+                        <a:t>()</a:t>
+                      </a:r>
+                    </a:p>
+                    <a:p>
+                      <a:r>
+                        <a:rPr lang="en-US" sz="1000" dirty="0" smtClean="0"/>
+                        <a:t>- </a:t>
+                      </a:r>
+                      <a:r>
+                        <a:rPr lang="en-US" sz="1000" dirty="0" err="1" smtClean="0"/>
+                        <a:t>date_check</a:t>
+                      </a:r>
+                      <a:r>
+                        <a:rPr lang="en-US" sz="1000" dirty="0" smtClean="0"/>
+                        <a:t>()</a:t>
+                      </a:r>
+                    </a:p>
+                    <a:p>
+                      <a:r>
+                        <a:rPr lang="en-US" sz="1000" dirty="0" smtClean="0"/>
+                        <a:t>- </a:t>
+                      </a:r>
+                      <a:r>
+                        <a:rPr lang="en-US" sz="1000" dirty="0" err="1" smtClean="0"/>
+                        <a:t>daily_execution</a:t>
+                      </a:r>
+                      <a:r>
+                        <a:rPr lang="en-US" sz="1000" dirty="0" smtClean="0"/>
+                        <a:t>() : double</a:t>
+                      </a:r>
+                    </a:p>
+                    <a:p>
+                      <a:r>
+                        <a:rPr lang="en-US" sz="1000" dirty="0" smtClean="0"/>
+                        <a:t>- </a:t>
+                      </a:r>
+                      <a:r>
+                        <a:rPr lang="en-US" sz="1000" dirty="0" err="1" smtClean="0"/>
+                        <a:t>monthly_estimation</a:t>
+                      </a:r>
+                      <a:r>
+                        <a:rPr lang="en-US" sz="1000" dirty="0" smtClean="0"/>
+                        <a:t>() : map&lt;double, </a:t>
+                      </a:r>
+                      <a:r>
+                        <a:rPr lang="en-US" sz="1000" dirty="0" err="1" smtClean="0"/>
+                        <a:t>str</a:t>
+                      </a:r>
+                      <a:r>
+                        <a:rPr lang="en-US" sz="1000" dirty="0" smtClean="0"/>
+                        <a:t>&gt;</a:t>
+                      </a:r>
+                    </a:p>
+                    <a:p>
+                      <a:r>
+                        <a:rPr lang="en-US" sz="1000" dirty="0" smtClean="0"/>
+                        <a:t>- </a:t>
+                      </a:r>
+                      <a:r>
+                        <a:rPr lang="en-US" sz="1000" dirty="0" err="1" smtClean="0"/>
+                        <a:t>rate_of_change</a:t>
+                      </a:r>
+                      <a:r>
+                        <a:rPr lang="en-US" sz="1000" dirty="0" smtClean="0"/>
+                        <a:t>() : double</a:t>
+                      </a:r>
+                    </a:p>
+                    <a:p>
+                      <a:r>
+                        <a:rPr lang="en-US" sz="1000" dirty="0" smtClean="0"/>
+                        <a:t>- </a:t>
+                      </a:r>
+                      <a:r>
+                        <a:rPr lang="en-US" sz="1000" dirty="0" err="1" smtClean="0"/>
+                        <a:t>rate_of_change_map</a:t>
+                      </a:r>
+                      <a:r>
+                        <a:rPr lang="en-US" sz="1000" dirty="0" smtClean="0"/>
+                        <a:t>() : map&lt;double, </a:t>
+                      </a:r>
+                      <a:r>
+                        <a:rPr lang="en-US" sz="1000" dirty="0" err="1" smtClean="0"/>
+                        <a:t>str</a:t>
+                      </a:r>
+                      <a:r>
+                        <a:rPr lang="en-US" sz="1000" dirty="0" smtClean="0"/>
+                        <a:t>&gt;</a:t>
+                      </a:r>
+                    </a:p>
+                    <a:p>
+                      <a:r>
+                        <a:rPr lang="en-US" sz="1000" dirty="0" smtClean="0"/>
+                        <a:t>- </a:t>
+                      </a:r>
+                      <a:r>
+                        <a:rPr lang="en-US" sz="1000" dirty="0" err="1" smtClean="0"/>
+                        <a:t>monthly_allocation</a:t>
+                      </a:r>
+                      <a:r>
+                        <a:rPr lang="en-US" sz="1000" dirty="0" smtClean="0"/>
+                        <a:t>() : map&lt;</a:t>
+                      </a:r>
+                      <a:r>
+                        <a:rPr lang="en-US" sz="1000" dirty="0" err="1" smtClean="0"/>
+                        <a:t>str</a:t>
+                      </a:r>
+                      <a:r>
+                        <a:rPr lang="en-US" sz="1000" dirty="0" smtClean="0"/>
+                        <a:t>, </a:t>
+                      </a:r>
+                      <a:r>
+                        <a:rPr lang="en-US" sz="1000" dirty="0" err="1" smtClean="0"/>
+                        <a:t>int</a:t>
+                      </a:r>
+                      <a:r>
+                        <a:rPr lang="en-US" sz="1000" dirty="0" smtClean="0"/>
+                        <a:t>&gt;</a:t>
+                      </a:r>
+                    </a:p>
+                    <a:p>
+                      <a:r>
+                        <a:rPr lang="en-US" sz="1000" dirty="0" smtClean="0"/>
+                        <a:t>- </a:t>
+                      </a:r>
+                      <a:r>
+                        <a:rPr lang="de-DE" sz="1000" dirty="0" err="1" smtClean="0"/>
+                        <a:t>get_rf</a:t>
+                      </a:r>
+                      <a:r>
+                        <a:rPr lang="en-US" sz="1000" dirty="0" smtClean="0"/>
+                        <a:t>() : double</a:t>
+                      </a:r>
+                      <a:endParaRPr lang="de-DE" sz="1000" dirty="0" smtClean="0"/>
+                    </a:p>
+                    <a:p>
+                      <a:r>
+                        <a:rPr lang="en-US" sz="1000" dirty="0" smtClean="0"/>
+                        <a:t>- </a:t>
+                      </a:r>
+                      <a:r>
+                        <a:rPr lang="de-DE" sz="1000" dirty="0" err="1" smtClean="0"/>
+                        <a:t>daily_settlement</a:t>
+                      </a:r>
+                      <a:r>
+                        <a:rPr lang="en-US" sz="1000" dirty="0" smtClean="0"/>
+                        <a:t>()</a:t>
+                      </a:r>
+                      <a:endParaRPr lang="en-US" sz="1000" dirty="0"/>
                     </a:p>
                   </a:txBody>
                   <a:tcPr>
@@ -28785,7 +28960,7 @@
         <p:spPr>
           <a:xfrm>
             <a:off x="3760429" y="2122609"/>
-            <a:ext cx="1" cy="332404"/>
+            <a:ext cx="438873" cy="332404"/>
           </a:xfrm>
           <a:prstGeom prst="line">
             <a:avLst/>
@@ -29018,13 +29193,13 @@
           <p:nvPr>
             <p:extLst>
               <p:ext uri="{D42A27DB-BD31-4B8C-83A1-F6EECF244321}">
-                <p14:modId xmlns:p14="http://schemas.microsoft.com/office/powerpoint/2010/main" val="1989521802"/>
+                <p14:modId xmlns:p14="http://schemas.microsoft.com/office/powerpoint/2010/main" val="670498144"/>
               </p:ext>
             </p:extLst>
           </p:nvPr>
         </p:nvGraphicFramePr>
         <p:xfrm>
-          <a:off x="1336852" y="3859969"/>
+          <a:off x="1904119" y="5367035"/>
           <a:ext cx="6587948" cy="2438400"/>
         </p:xfrm>
         <a:graphic>
@@ -30921,14 +31096,14 @@
           <p:nvPr>
             <p:extLst>
               <p:ext uri="{D42A27DB-BD31-4B8C-83A1-F6EECF244321}">
-                <p14:modId xmlns:p14="http://schemas.microsoft.com/office/powerpoint/2010/main" val="806736655"/>
+                <p14:modId xmlns:p14="http://schemas.microsoft.com/office/powerpoint/2010/main" val="1723352613"/>
               </p:ext>
             </p:extLst>
           </p:nvPr>
         </p:nvGraphicFramePr>
         <p:xfrm>
-          <a:off x="779669" y="2455013"/>
-          <a:ext cx="1834168" cy="1188720"/>
+          <a:off x="0" y="2455013"/>
+          <a:ext cx="2613837" cy="2712720"/>
         </p:xfrm>
         <a:graphic>
           <a:graphicData uri="http://schemas.openxmlformats.org/drawingml/2006/table">
@@ -30937,7 +31112,7 @@
                 <a:tableStyleId>{5C22544A-7EE6-4342-B048-85BDC9FD1C3A}</a:tableStyleId>
               </a:tblPr>
               <a:tblGrid>
-                <a:gridCol w="1834168"/>
+                <a:gridCol w="2613837"/>
               </a:tblGrid>
               <a:tr h="134762">
                 <a:tc>
@@ -31033,6 +31208,119 @@
                         <a:t> : double</a:t>
                       </a:r>
                     </a:p>
+                    <a:p>
+                      <a:r>
+                        <a:rPr lang="en-US" sz="1000" b="0" dirty="0" smtClean="0">
+                          <a:solidFill>
+                            <a:schemeClr val="tx1"/>
+                          </a:solidFill>
+                        </a:rPr>
+                        <a:t>- </a:t>
+                      </a:r>
+                      <a:r>
+                        <a:rPr lang="en-US" sz="1000" b="0" dirty="0" err="1" smtClean="0">
+                          <a:solidFill>
+                            <a:schemeClr val="tx1"/>
+                          </a:solidFill>
+                        </a:rPr>
+                        <a:t>first_trading_day</a:t>
+                      </a:r>
+                      <a:r>
+                        <a:rPr lang="en-US" sz="1000" b="0" baseline="0" dirty="0" smtClean="0">
+                          <a:solidFill>
+                            <a:schemeClr val="tx1"/>
+                          </a:solidFill>
+                        </a:rPr>
+                        <a:t> : date</a:t>
+                      </a:r>
+                    </a:p>
+                    <a:p>
+                      <a:pPr marL="0" marR="0" indent="0" algn="l" defTabSz="457200" rtl="0" eaLnBrk="1" fontAlgn="auto" latinLnBrk="0" hangingPunct="1">
+                        <a:lnSpc>
+                          <a:spcPct val="100000"/>
+                        </a:lnSpc>
+                        <a:spcBef>
+                          <a:spcPts val="0"/>
+                        </a:spcBef>
+                        <a:spcAft>
+                          <a:spcPts val="0"/>
+                        </a:spcAft>
+                        <a:buClrTx/>
+                        <a:buSzTx/>
+                        <a:buFontTx/>
+                        <a:buNone/>
+                        <a:tabLst/>
+                        <a:defRPr/>
+                      </a:pPr>
+                      <a:r>
+                        <a:rPr lang="en-US" sz="1000" b="0" dirty="0" smtClean="0">
+                          <a:solidFill>
+                            <a:schemeClr val="tx1"/>
+                          </a:solidFill>
+                        </a:rPr>
+                        <a:t>- </a:t>
+                      </a:r>
+                      <a:r>
+                        <a:rPr lang="en-US" sz="1000" b="0" dirty="0" err="1" smtClean="0">
+                          <a:solidFill>
+                            <a:schemeClr val="tx1"/>
+                          </a:solidFill>
+                        </a:rPr>
+                        <a:t>rf</a:t>
+                      </a:r>
+                      <a:r>
+                        <a:rPr lang="en-US" sz="1000" b="0" baseline="0" dirty="0" smtClean="0">
+                          <a:solidFill>
+                            <a:schemeClr val="tx1"/>
+                          </a:solidFill>
+                        </a:rPr>
+                        <a:t> : </a:t>
+                      </a:r>
+                      <a:r>
+                        <a:rPr lang="en-US" sz="1000" b="0" baseline="0" dirty="0" err="1" smtClean="0">
+                          <a:solidFill>
+                            <a:schemeClr val="tx1"/>
+                          </a:solidFill>
+                        </a:rPr>
+                        <a:t>TreasurySeries</a:t>
+                      </a:r>
+                      <a:r>
+                        <a:rPr lang="en-US" sz="1000" b="0" baseline="0" dirty="0" smtClean="0">
+                          <a:solidFill>
+                            <a:schemeClr val="tx1"/>
+                          </a:solidFill>
+                        </a:rPr>
+                        <a:t>*</a:t>
+                      </a:r>
+                      <a:endParaRPr lang="en-US" sz="1000" b="0" dirty="0" smtClean="0">
+                        <a:solidFill>
+                          <a:schemeClr val="tx1"/>
+                        </a:solidFill>
+                      </a:endParaRPr>
+                    </a:p>
+                    <a:p>
+                      <a:r>
+                        <a:rPr lang="en-US" sz="1000" b="0" dirty="0" smtClean="0">
+                          <a:solidFill>
+                            <a:schemeClr val="tx1"/>
+                          </a:solidFill>
+                        </a:rPr>
+                        <a:t>- BOND : </a:t>
+                      </a:r>
+                      <a:r>
+                        <a:rPr lang="en-US" sz="1000" b="0" dirty="0" err="1" smtClean="0">
+                          <a:solidFill>
+                            <a:schemeClr val="tx1"/>
+                          </a:solidFill>
+                        </a:rPr>
+                        <a:t>str</a:t>
+                      </a:r>
+                      <a:endParaRPr lang="en-US" sz="1000" b="0" dirty="0" smtClean="0">
+                        <a:solidFill>
+                          <a:schemeClr val="tx1"/>
+                        </a:solidFill>
+                      </a:endParaRPr>
+                    </a:p>
                   </a:txBody>
                   <a:tcPr>
                     <a:lnL w="12700" cap="flat" cmpd="sng" algn="ctr">
@@ -31091,157 +31379,190 @@
                       </a:r>
                     </a:p>
                     <a:p>
-                      <a:pPr marL="0" marR="0" indent="0" algn="l" defTabSz="457200" rtl="0" eaLnBrk="1" fontAlgn="auto" latinLnBrk="0" hangingPunct="1">
-                        <a:lnSpc>
-                          <a:spcPct val="100000"/>
-                        </a:lnSpc>
-                        <a:spcBef>
-                          <a:spcPts val="0"/>
-                        </a:spcBef>
-                        <a:spcAft>
-                          <a:spcPts val="0"/>
-                        </a:spcAft>
-                        <a:buClrTx/>
-                        <a:buSzTx/>
-                        <a:buFontTx/>
-                        <a:buNone/>
-                        <a:tabLst/>
-                        <a:defRPr/>
-                      </a:pPr>
                       <a:r>
                         <a:rPr lang="en-US" sz="1000" b="0" dirty="0" smtClean="0">
                           <a:solidFill>
                             <a:schemeClr val="tx1"/>
                           </a:solidFill>
                         </a:rPr>
+                        <a:t>+ </a:t>
+                      </a:r>
+                      <a:r>
+                        <a:rPr lang="en-US" sz="1000" b="0" dirty="0" err="1" smtClean="0">
+                          <a:solidFill>
+                            <a:schemeClr val="tx1"/>
+                          </a:solidFill>
+                        </a:rPr>
+                        <a:t>set_bond</a:t>
+                      </a:r>
+                      <a:r>
+                        <a:rPr lang="en-US" sz="1000" b="0" dirty="0" smtClean="0">
+                          <a:solidFill>
+                            <a:schemeClr val="tx1"/>
+                          </a:solidFill>
+                        </a:rPr>
+                        <a:t>()</a:t>
+                      </a:r>
+                    </a:p>
+                    <a:p>
+                      <a:r>
+                        <a:rPr lang="en-US" sz="1000" dirty="0" smtClean="0"/>
                         <a:t>- </a:t>
                       </a:r>
                       <a:r>
-                        <a:rPr lang="en-US" sz="1000" b="0" dirty="0" err="1" smtClean="0">
-                          <a:solidFill>
-                            <a:schemeClr val="tx1"/>
-                          </a:solidFill>
-                        </a:rPr>
+                        <a:rPr lang="en-US" sz="1000" dirty="0" err="1" smtClean="0"/>
+                        <a:t>preprocess_data</a:t>
+                      </a:r>
+                      <a:r>
+                        <a:rPr lang="en-US" sz="1000" dirty="0" smtClean="0"/>
+                        <a:t>()</a:t>
+                      </a:r>
+                    </a:p>
+                    <a:p>
+                      <a:r>
+                        <a:rPr lang="en-US" sz="1000" dirty="0" smtClean="0"/>
+                        <a:t>- </a:t>
+                      </a:r>
+                      <a:r>
+                        <a:rPr lang="en-US" sz="1000" dirty="0" err="1" smtClean="0"/>
+                        <a:t>date_check</a:t>
+                      </a:r>
+                      <a:r>
+                        <a:rPr lang="en-US" sz="1000" dirty="0" smtClean="0"/>
+                        <a:t>()</a:t>
+                      </a:r>
+                    </a:p>
+                    <a:p>
+                      <a:r>
+                        <a:rPr lang="en-US" sz="1000" dirty="0" smtClean="0"/>
+                        <a:t>- </a:t>
+                      </a:r>
+                      <a:r>
+                        <a:rPr lang="en-US" sz="1000" dirty="0" err="1" smtClean="0"/>
                         <a:t>daily_execution</a:t>
                       </a:r>
                       <a:r>
-                        <a:rPr lang="en-US" sz="1000" b="0" dirty="0" smtClean="0">
-                          <a:solidFill>
-                            <a:schemeClr val="tx1"/>
-                          </a:solidFill>
-                        </a:rPr>
-                        <a:t> </a:t>
-                      </a:r>
-                      <a:r>
-                        <a:rPr lang="en-US" sz="1000" b="0" dirty="0" smtClean="0">
-                          <a:solidFill>
-                            <a:schemeClr val="tx1"/>
-                          </a:solidFill>
-                        </a:rPr>
-                        <a:t>() : </a:t>
-                      </a:r>
-                      <a:r>
-                        <a:rPr lang="en-US" sz="1000" b="0" dirty="0" smtClean="0">
-                          <a:solidFill>
-                            <a:schemeClr val="tx1"/>
-                          </a:solidFill>
-                        </a:rPr>
-                        <a:t>double</a:t>
-                      </a:r>
-                    </a:p>
-                    <a:p>
-                      <a:pPr marL="0" marR="0" indent="0" algn="l" defTabSz="457200" rtl="0" eaLnBrk="1" fontAlgn="auto" latinLnBrk="0" hangingPunct="1">
-                        <a:lnSpc>
-                          <a:spcPct val="100000"/>
-                        </a:lnSpc>
-                        <a:spcBef>
-                          <a:spcPts val="0"/>
-                        </a:spcBef>
-                        <a:spcAft>
-                          <a:spcPts val="0"/>
-                        </a:spcAft>
-                        <a:buClrTx/>
-                        <a:buSzTx/>
-                        <a:buFontTx/>
-                        <a:buNone/>
-                        <a:tabLst/>
-                        <a:defRPr/>
-                      </a:pPr>
-                      <a:r>
-                        <a:rPr lang="en-US" sz="1000" b="0" dirty="0" smtClean="0">
-                          <a:solidFill>
-                            <a:schemeClr val="tx1"/>
-                          </a:solidFill>
-                        </a:rPr>
+                        <a:rPr lang="en-US" sz="1000" dirty="0" smtClean="0"/>
+                        <a:t>() : double</a:t>
+                      </a:r>
+                    </a:p>
+                    <a:p>
+                      <a:r>
+                        <a:rPr lang="en-US" sz="1000" dirty="0" smtClean="0"/>
                         <a:t>- </a:t>
                       </a:r>
                       <a:r>
-                        <a:rPr lang="en-US" sz="1000" b="0" dirty="0" err="1" smtClean="0">
-                          <a:solidFill>
-                            <a:schemeClr val="tx1"/>
-                          </a:solidFill>
-                        </a:rPr>
+                        <a:rPr lang="en-US" sz="1000" dirty="0" err="1" smtClean="0"/>
+                        <a:t>monthly_estimation</a:t>
+                      </a:r>
+                      <a:r>
+                        <a:rPr lang="en-US" sz="1000" dirty="0" smtClean="0"/>
+                        <a:t>() : map&lt;double, </a:t>
+                      </a:r>
+                      <a:r>
+                        <a:rPr lang="en-US" sz="1000" dirty="0" err="1" smtClean="0"/>
+                        <a:t>str</a:t>
+                      </a:r>
+                      <a:r>
+                        <a:rPr lang="en-US" sz="1000" dirty="0" smtClean="0"/>
+                        <a:t>&gt;</a:t>
+                      </a:r>
+                    </a:p>
+                    <a:p>
+                      <a:r>
+                        <a:rPr lang="en-US" sz="1000" dirty="0" smtClean="0"/>
+                        <a:t>- </a:t>
+                      </a:r>
+                      <a:r>
+                        <a:rPr lang="en-US" sz="1000" dirty="0" err="1" smtClean="0"/>
+                        <a:t>rate_of_change</a:t>
+                      </a:r>
+                      <a:r>
+                        <a:rPr lang="en-US" sz="1000" dirty="0" smtClean="0"/>
+                        <a:t>() : double</a:t>
+                      </a:r>
+                    </a:p>
+                    <a:p>
+                      <a:r>
+                        <a:rPr lang="en-US" sz="1000" dirty="0" smtClean="0"/>
+                        <a:t>- </a:t>
+                      </a:r>
+                      <a:r>
+                        <a:rPr lang="en-US" sz="1000" dirty="0" err="1" smtClean="0"/>
+                        <a:t>rate_of_change_map</a:t>
+                      </a:r>
+                      <a:r>
+                        <a:rPr lang="en-US" sz="1000" dirty="0" smtClean="0"/>
+                        <a:t>() : map&lt;double, </a:t>
+                      </a:r>
+                      <a:r>
+                        <a:rPr lang="en-US" sz="1000" dirty="0" err="1" smtClean="0"/>
+                        <a:t>str</a:t>
+                      </a:r>
+                      <a:r>
+                        <a:rPr lang="en-US" sz="1000" dirty="0" smtClean="0"/>
+                        <a:t>&gt;</a:t>
+                      </a:r>
+                    </a:p>
+                    <a:p>
+                      <a:r>
+                        <a:rPr lang="en-US" sz="1000" dirty="0" smtClean="0"/>
+                        <a:t>- </a:t>
+                      </a:r>
+                      <a:r>
+                        <a:rPr lang="en-US" sz="1000" dirty="0" err="1" smtClean="0"/>
+                        <a:t>monthly_allocation</a:t>
+                      </a:r>
+                      <a:r>
+                        <a:rPr lang="en-US" sz="1000" dirty="0" smtClean="0"/>
+                        <a:t>() : map&lt;</a:t>
+                      </a:r>
+                      <a:r>
+                        <a:rPr lang="en-US" sz="1000" dirty="0" err="1" smtClean="0"/>
+                        <a:t>str</a:t>
+                      </a:r>
+                      <a:r>
+                        <a:rPr lang="en-US" sz="1000" dirty="0" smtClean="0"/>
+                        <a:t>, </a:t>
+                      </a:r>
+                      <a:r>
+                        <a:rPr lang="en-US" sz="1000" dirty="0" err="1" smtClean="0"/>
+                        <a:t>int</a:t>
+                      </a:r>
+                      <a:r>
+                        <a:rPr lang="en-US" sz="1000" dirty="0" smtClean="0"/>
+                        <a:t>&gt;</a:t>
+                      </a:r>
+                    </a:p>
+                    <a:p>
+                      <a:r>
+                        <a:rPr lang="en-US" sz="1000" dirty="0" smtClean="0"/>
+                        <a:t>- </a:t>
+                      </a:r>
+                      <a:r>
+                        <a:rPr lang="de-DE" sz="1000" dirty="0" err="1" smtClean="0"/>
                         <a:t>get_rf</a:t>
                       </a:r>
                       <a:r>
-                        <a:rPr lang="en-US" sz="1000" b="0" dirty="0" smtClean="0">
-                          <a:solidFill>
-                            <a:schemeClr val="tx1"/>
-                          </a:solidFill>
-                        </a:rPr>
+                        <a:rPr lang="en-US" sz="1000" dirty="0" smtClean="0"/>
+                        <a:t>() : double</a:t>
+                      </a:r>
+                      <a:endParaRPr lang="de-DE" sz="1000" dirty="0" smtClean="0"/>
+                    </a:p>
+                    <a:p>
+                      <a:r>
+                        <a:rPr lang="en-US" sz="1000" dirty="0" smtClean="0"/>
+                        <a:t>- </a:t>
+                      </a:r>
+                      <a:r>
+                        <a:rPr lang="de-DE" sz="1000" dirty="0" err="1" smtClean="0"/>
+                        <a:t>daily_settlement</a:t>
+                      </a:r>
+                      <a:r>
+                        <a:rPr lang="en-US" sz="1000" dirty="0" smtClean="0"/>
                         <a:t>()</a:t>
                       </a:r>
-                      <a:r>
-                        <a:rPr lang="en-US" sz="1000" b="0" baseline="0" dirty="0" smtClean="0">
-                          <a:solidFill>
-                            <a:schemeClr val="tx1"/>
-                          </a:solidFill>
-                        </a:rPr>
-                        <a:t> : double</a:t>
-                      </a:r>
-                    </a:p>
-                    <a:p>
-                      <a:pPr marL="0" marR="0" indent="0" algn="l" defTabSz="457200" rtl="0" eaLnBrk="1" fontAlgn="auto" latinLnBrk="0" hangingPunct="1">
-                        <a:lnSpc>
-                          <a:spcPct val="100000"/>
-                        </a:lnSpc>
-                        <a:spcBef>
-                          <a:spcPts val="0"/>
-                        </a:spcBef>
-                        <a:spcAft>
-                          <a:spcPts val="0"/>
-                        </a:spcAft>
-                        <a:buClrTx/>
-                        <a:buSzTx/>
-                        <a:buFontTx/>
-                        <a:buNone/>
-                        <a:tabLst/>
-                        <a:defRPr/>
-                      </a:pPr>
-                      <a:r>
-                        <a:rPr lang="en-US" sz="1000" b="0" dirty="0" smtClean="0">
-                          <a:solidFill>
-                            <a:schemeClr val="tx1"/>
-                          </a:solidFill>
-                        </a:rPr>
-                        <a:t>- </a:t>
-                      </a:r>
-                      <a:r>
-                        <a:rPr lang="en-US" sz="1000" b="0" dirty="0" err="1" smtClean="0">
-                          <a:solidFill>
-                            <a:schemeClr val="tx1"/>
-                          </a:solidFill>
-                        </a:rPr>
-                        <a:t>date_check</a:t>
-                      </a:r>
-                      <a:r>
-                        <a:rPr lang="en-US" sz="1000" b="0" dirty="0" smtClean="0">
-                          <a:solidFill>
-                            <a:schemeClr val="tx1"/>
-                          </a:solidFill>
-                        </a:rPr>
-                        <a:t>()</a:t>
-                      </a:r>
+                      <a:endParaRPr lang="en-US" sz="1000" dirty="0"/>
                     </a:p>
                   </a:txBody>
                   <a:tcPr>
@@ -31300,8 +31621,8 @@
         </p:nvCxnSpPr>
         <p:spPr>
           <a:xfrm flipH="1">
-            <a:off x="1696753" y="2122609"/>
-            <a:ext cx="2063676" cy="332404"/>
+            <a:off x="1306918" y="2122609"/>
+            <a:ext cx="2453511" cy="332404"/>
           </a:xfrm>
           <a:prstGeom prst="line">
             <a:avLst/>
